--- a/RxJava and SWT.pptx
+++ b/RxJava and SWT.pptx
@@ -6,7 +6,12 @@
   </p:sldMasterIdLst>
   <p:sldIdLst>
     <p:sldId id="256" r:id="rId2"/>
-    <p:sldId id="257" r:id="rId3"/>
+    <p:sldId id="259" r:id="rId3"/>
+    <p:sldId id="260" r:id="rId4"/>
+    <p:sldId id="258" r:id="rId5"/>
+    <p:sldId id="257" r:id="rId6"/>
+    <p:sldId id="261" r:id="rId7"/>
+    <p:sldId id="262" r:id="rId8"/>
   </p:sldIdLst>
   <p:sldSz cx="12192000" cy="6858000"/>
   <p:notesSz cx="6858000" cy="9144000"/>
@@ -244,7 +249,7 @@
           <a:p>
             <a:fld id="{B8966210-D7C8-4A1C-B59E-033C29288170}" type="datetimeFigureOut">
               <a:rPr lang="en-US" smtClean="0"/>
-              <a:t>11/21/2015</a:t>
+              <a:t>11/22/2015</a:t>
             </a:fld>
             <a:endParaRPr lang="en-US"/>
           </a:p>
@@ -414,7 +419,7 @@
           <a:p>
             <a:fld id="{B8966210-D7C8-4A1C-B59E-033C29288170}" type="datetimeFigureOut">
               <a:rPr lang="en-US" smtClean="0"/>
-              <a:t>11/21/2015</a:t>
+              <a:t>11/22/2015</a:t>
             </a:fld>
             <a:endParaRPr lang="en-US"/>
           </a:p>
@@ -594,7 +599,7 @@
           <a:p>
             <a:fld id="{B8966210-D7C8-4A1C-B59E-033C29288170}" type="datetimeFigureOut">
               <a:rPr lang="en-US" smtClean="0"/>
-              <a:t>11/21/2015</a:t>
+              <a:t>11/22/2015</a:t>
             </a:fld>
             <a:endParaRPr lang="en-US"/>
           </a:p>
@@ -764,7 +769,7 @@
           <a:p>
             <a:fld id="{B8966210-D7C8-4A1C-B59E-033C29288170}" type="datetimeFigureOut">
               <a:rPr lang="en-US" smtClean="0"/>
-              <a:t>11/21/2015</a:t>
+              <a:t>11/22/2015</a:t>
             </a:fld>
             <a:endParaRPr lang="en-US"/>
           </a:p>
@@ -1010,7 +1015,7 @@
           <a:p>
             <a:fld id="{B8966210-D7C8-4A1C-B59E-033C29288170}" type="datetimeFigureOut">
               <a:rPr lang="en-US" smtClean="0"/>
-              <a:t>11/21/2015</a:t>
+              <a:t>11/22/2015</a:t>
             </a:fld>
             <a:endParaRPr lang="en-US"/>
           </a:p>
@@ -1242,7 +1247,7 @@
           <a:p>
             <a:fld id="{B8966210-D7C8-4A1C-B59E-033C29288170}" type="datetimeFigureOut">
               <a:rPr lang="en-US" smtClean="0"/>
-              <a:t>11/21/2015</a:t>
+              <a:t>11/22/2015</a:t>
             </a:fld>
             <a:endParaRPr lang="en-US"/>
           </a:p>
@@ -1609,7 +1614,7 @@
           <a:p>
             <a:fld id="{B8966210-D7C8-4A1C-B59E-033C29288170}" type="datetimeFigureOut">
               <a:rPr lang="en-US" smtClean="0"/>
-              <a:t>11/21/2015</a:t>
+              <a:t>11/22/2015</a:t>
             </a:fld>
             <a:endParaRPr lang="en-US"/>
           </a:p>
@@ -1727,7 +1732,7 @@
           <a:p>
             <a:fld id="{B8966210-D7C8-4A1C-B59E-033C29288170}" type="datetimeFigureOut">
               <a:rPr lang="en-US" smtClean="0"/>
-              <a:t>11/21/2015</a:t>
+              <a:t>11/22/2015</a:t>
             </a:fld>
             <a:endParaRPr lang="en-US"/>
           </a:p>
@@ -1822,7 +1827,7 @@
           <a:p>
             <a:fld id="{B8966210-D7C8-4A1C-B59E-033C29288170}" type="datetimeFigureOut">
               <a:rPr lang="en-US" smtClean="0"/>
-              <a:t>11/21/2015</a:t>
+              <a:t>11/22/2015</a:t>
             </a:fld>
             <a:endParaRPr lang="en-US"/>
           </a:p>
@@ -2099,7 +2104,7 @@
           <a:p>
             <a:fld id="{B8966210-D7C8-4A1C-B59E-033C29288170}" type="datetimeFigureOut">
               <a:rPr lang="en-US" smtClean="0"/>
-              <a:t>11/21/2015</a:t>
+              <a:t>11/22/2015</a:t>
             </a:fld>
             <a:endParaRPr lang="en-US"/>
           </a:p>
@@ -2352,7 +2357,7 @@
           <a:p>
             <a:fld id="{B8966210-D7C8-4A1C-B59E-033C29288170}" type="datetimeFigureOut">
               <a:rPr lang="en-US" smtClean="0"/>
-              <a:t>11/21/2015</a:t>
+              <a:t>11/22/2015</a:t>
             </a:fld>
             <a:endParaRPr lang="en-US"/>
           </a:p>
@@ -2565,7 +2570,7 @@
           <a:p>
             <a:fld id="{B8966210-D7C8-4A1C-B59E-033C29288170}" type="datetimeFigureOut">
               <a:rPr lang="en-US" smtClean="0"/>
-              <a:t>11/21/2015</a:t>
+              <a:t>11/22/2015</a:t>
             </a:fld>
             <a:endParaRPr lang="en-US"/>
           </a:p>
@@ -2982,7 +2987,7 @@
         </p:nvSpPr>
         <p:spPr>
           <a:xfrm>
-            <a:off x="1474124" y="714895"/>
+            <a:off x="1474124" y="111048"/>
             <a:ext cx="9144000" cy="1880668"/>
           </a:xfrm>
         </p:spPr>
@@ -3034,7 +3039,7 @@
         </p:blipFill>
         <p:spPr bwMode="auto">
           <a:xfrm>
-            <a:off x="2823673" y="3978438"/>
+            <a:off x="2823673" y="2210028"/>
             <a:ext cx="2114088" cy="2114088"/>
           </a:xfrm>
           <a:prstGeom prst="rect">
@@ -3075,7 +3080,7 @@
         </p:blipFill>
         <p:spPr bwMode="auto">
           <a:xfrm>
-            <a:off x="6728723" y="3669897"/>
+            <a:off x="6728723" y="1901487"/>
             <a:ext cx="2731162" cy="2731170"/>
           </a:xfrm>
           <a:prstGeom prst="rect">
@@ -3093,6 +3098,117 @@
           </a:extLst>
         </p:spPr>
       </p:pic>
+      <p:sp>
+        <p:nvSpPr>
+          <p:cNvPr id="5" name="Title 1"/>
+          <p:cNvSpPr txBox="1">
+            <a:spLocks/>
+          </p:cNvSpPr>
+          <p:nvPr/>
+        </p:nvSpPr>
+        <p:spPr>
+          <a:xfrm>
+            <a:off x="1474124" y="4162588"/>
+            <a:ext cx="9144000" cy="1880668"/>
+          </a:xfrm>
+          <a:prstGeom prst="rect">
+            <a:avLst/>
+          </a:prstGeom>
+        </p:spPr>
+        <p:txBody>
+          <a:bodyPr vert="horz" lIns="91440" tIns="45720" rIns="91440" bIns="45720" rtlCol="0" anchor="b">
+            <a:normAutofit/>
+          </a:bodyPr>
+          <a:lstStyle>
+            <a:lvl1pPr algn="ctr" defTabSz="914400" rtl="0" eaLnBrk="1" latinLnBrk="0" hangingPunct="1">
+              <a:lnSpc>
+                <a:spcPct val="90000"/>
+              </a:lnSpc>
+              <a:spcBef>
+                <a:spcPct val="0"/>
+              </a:spcBef>
+              <a:buNone/>
+              <a:defRPr sz="6000" kern="1200">
+                <a:solidFill>
+                  <a:schemeClr val="tx1"/>
+                </a:solidFill>
+                <a:latin typeface="+mj-lt"/>
+                <a:ea typeface="+mj-ea"/>
+                <a:cs typeface="+mj-cs"/>
+              </a:defRPr>
+            </a:lvl1pPr>
+          </a:lstStyle>
+          <a:p>
+            <a:r>
+              <a:rPr lang="en-US" sz="3600" dirty="0">
+                <a:hlinkClick r:id="rId4"/>
+              </a:rPr>
+              <a:t>https://github.com/diffplug/rxjava_and_swt</a:t>
+            </a:r>
+            <a:endParaRPr lang="en-US" sz="3600" dirty="0"/>
+          </a:p>
+        </p:txBody>
+      </p:sp>
+      <p:sp>
+        <p:nvSpPr>
+          <p:cNvPr id="6" name="Title 1"/>
+          <p:cNvSpPr txBox="1">
+            <a:spLocks/>
+          </p:cNvSpPr>
+          <p:nvPr/>
+        </p:nvSpPr>
+        <p:spPr>
+          <a:xfrm>
+            <a:off x="1413739" y="3692323"/>
+            <a:ext cx="9144000" cy="1880668"/>
+          </a:xfrm>
+          <a:prstGeom prst="rect">
+            <a:avLst/>
+          </a:prstGeom>
+        </p:spPr>
+        <p:txBody>
+          <a:bodyPr vert="horz" lIns="91440" tIns="45720" rIns="91440" bIns="45720" rtlCol="0" anchor="b">
+            <a:normAutofit/>
+          </a:bodyPr>
+          <a:lstStyle>
+            <a:lvl1pPr algn="ctr" defTabSz="914400" rtl="0" eaLnBrk="1" latinLnBrk="0" hangingPunct="1">
+              <a:lnSpc>
+                <a:spcPct val="90000"/>
+              </a:lnSpc>
+              <a:spcBef>
+                <a:spcPct val="0"/>
+              </a:spcBef>
+              <a:buNone/>
+              <a:defRPr sz="6000" kern="1200">
+                <a:solidFill>
+                  <a:schemeClr val="tx1"/>
+                </a:solidFill>
+                <a:latin typeface="+mj-lt"/>
+                <a:ea typeface="+mj-ea"/>
+                <a:cs typeface="+mj-cs"/>
+              </a:defRPr>
+            </a:lvl1pPr>
+          </a:lstStyle>
+          <a:p>
+            <a:r>
+              <a:rPr lang="en-US" sz="4000" dirty="0" smtClean="0"/>
+              <a:t>Ned </a:t>
+            </a:r>
+            <a:r>
+              <a:rPr lang="en-US" sz="4000" dirty="0" err="1" smtClean="0"/>
+              <a:t>Twigg</a:t>
+            </a:r>
+            <a:endParaRPr lang="en-US" sz="4000" dirty="0" smtClean="0"/>
+          </a:p>
+          <a:p>
+            <a:r>
+              <a:rPr lang="en-US" sz="3200" dirty="0" smtClean="0"/>
+              <a:t>All code examples available here</a:t>
+            </a:r>
+            <a:endParaRPr lang="en-US" sz="3200" dirty="0"/>
+          </a:p>
+        </p:txBody>
+      </p:sp>
     </p:spTree>
     <p:extLst>
       <p:ext uri="{BB962C8B-B14F-4D97-AF65-F5344CB8AC3E}">
@@ -3147,7 +3263,7 @@
           <a:p>
             <a:r>
               <a:rPr lang="en-US" dirty="0" smtClean="0"/>
-              <a:t>What is Event-driven programming?</a:t>
+              <a:t>What is Functional Reactive Programming</a:t>
             </a:r>
             <a:endParaRPr lang="en-US" dirty="0"/>
           </a:p>
@@ -3165,17 +3281,1232 @@
         </p:nvSpPr>
         <p:spPr/>
         <p:txBody>
-          <a:bodyPr/>
-          <a:lstStyle/>
-          <a:p>
+          <a:bodyPr>
+            <a:normAutofit/>
+          </a:bodyPr>
+          <a:lstStyle/>
+          <a:p>
+            <a:r>
+              <a:rPr lang="en-US" dirty="0" smtClean="0"/>
+              <a:t>A buzzword for event-driven programming</a:t>
+            </a:r>
+          </a:p>
+          <a:p>
+            <a:r>
+              <a:rPr lang="en-US" dirty="0" smtClean="0"/>
+              <a:t>But this time the events are COMPOSABLE</a:t>
+            </a:r>
+          </a:p>
+          <a:p>
+            <a:pPr lvl="1"/>
+            <a:r>
+              <a:rPr lang="en-US" u="sng" dirty="0" smtClean="0">
+                <a:hlinkClick r:id="rId2"/>
+              </a:rPr>
+              <a:t>Epigrams in Programming</a:t>
+            </a:r>
+            <a:r>
+              <a:rPr lang="en-US" dirty="0" smtClean="0"/>
+              <a:t> #9 (Alan Perlis 1988, 30-50 years of experience)</a:t>
+            </a:r>
+          </a:p>
+          <a:p>
+            <a:pPr lvl="1"/>
+            <a:r>
+              <a:rPr lang="en-US" sz="3600" dirty="0"/>
+              <a:t>It is better to have 100 functions operate on one data structure than 10 functions on 10 data structures</a:t>
+            </a:r>
+            <a:r>
+              <a:rPr lang="en-US" sz="3600" dirty="0" smtClean="0"/>
+              <a:t>.</a:t>
+            </a:r>
+          </a:p>
+          <a:p>
+            <a:r>
+              <a:rPr lang="en-US" sz="3200" dirty="0" smtClean="0"/>
+              <a:t>SWT – ~30 event / listener pairs, 0 methods</a:t>
+            </a:r>
+          </a:p>
+          <a:p>
+            <a:r>
+              <a:rPr lang="en-US" sz="3200" dirty="0" err="1" smtClean="0"/>
+              <a:t>RxJava</a:t>
+            </a:r>
+            <a:r>
+              <a:rPr lang="en-US" sz="3200" dirty="0" smtClean="0"/>
+              <a:t> – 1 event / listener pair, gazillion methods</a:t>
+            </a:r>
+            <a:endParaRPr lang="en-US" sz="3200" dirty="0"/>
+          </a:p>
+          <a:p>
+            <a:pPr marL="457200" lvl="1" indent="0">
+              <a:buNone/>
+            </a:pPr>
+            <a:endParaRPr lang="en-US" dirty="0" smtClean="0"/>
+          </a:p>
+          <a:p>
+            <a:pPr lvl="1"/>
+            <a:endParaRPr lang="en-US" dirty="0" smtClean="0"/>
+          </a:p>
+          <a:p>
+            <a:pPr lvl="1"/>
+            <a:endParaRPr lang="en-US" dirty="0" smtClean="0"/>
+          </a:p>
+        </p:txBody>
+      </p:sp>
+    </p:spTree>
+    <p:extLst>
+      <p:ext uri="{BB962C8B-B14F-4D97-AF65-F5344CB8AC3E}">
+        <p14:creationId xmlns:p14="http://schemas.microsoft.com/office/powerpoint/2010/main" val="170680520"/>
+      </p:ext>
+    </p:extLst>
+  </p:cSld>
+  <p:clrMapOvr>
+    <a:masterClrMapping/>
+  </p:clrMapOvr>
+  <p:timing>
+    <p:tnLst>
+      <p:par>
+        <p:cTn id="1" dur="indefinite" restart="never" nodeType="tmRoot"/>
+      </p:par>
+    </p:tnLst>
+  </p:timing>
+</p:sld>
+</file>
+
+<file path=ppt/slides/slide3.xml><?xml version="1.0" encoding="utf-8"?>
+<p:sld xmlns:a="http://schemas.openxmlformats.org/drawingml/2006/main" xmlns:r="http://schemas.openxmlformats.org/officeDocument/2006/relationships" xmlns:p="http://schemas.openxmlformats.org/presentationml/2006/main">
+  <p:cSld>
+    <p:spTree>
+      <p:nvGrpSpPr>
+        <p:cNvPr id="1" name=""/>
+        <p:cNvGrpSpPr/>
+        <p:nvPr/>
+      </p:nvGrpSpPr>
+      <p:grpSpPr>
+        <a:xfrm>
+          <a:off x="0" y="0"/>
+          <a:ext cx="0" cy="0"/>
+          <a:chOff x="0" y="0"/>
+          <a:chExt cx="0" cy="0"/>
+        </a:xfrm>
+      </p:grpSpPr>
+      <p:sp>
+        <p:nvSpPr>
+          <p:cNvPr id="2" name="Title 1"/>
+          <p:cNvSpPr>
+            <a:spLocks noGrp="1"/>
+          </p:cNvSpPr>
+          <p:nvPr>
+            <p:ph type="title"/>
+          </p:nvPr>
+        </p:nvSpPr>
+        <p:spPr/>
+        <p:txBody>
+          <a:bodyPr/>
+          <a:lstStyle/>
+          <a:p>
+            <a:r>
+              <a:rPr lang="en-US" dirty="0" smtClean="0"/>
+              <a:t>What makes </a:t>
+            </a:r>
+            <a:r>
+              <a:rPr lang="en-US" dirty="0" err="1" smtClean="0"/>
+              <a:t>RxJava</a:t>
+            </a:r>
+            <a:r>
+              <a:rPr lang="en-US" dirty="0" smtClean="0"/>
+              <a:t> more “</a:t>
+            </a:r>
+            <a:r>
+              <a:rPr lang="en-US" dirty="0" err="1" smtClean="0"/>
+              <a:t>composable</a:t>
+            </a:r>
+            <a:r>
+              <a:rPr lang="en-US" dirty="0" smtClean="0"/>
+              <a:t>”?</a:t>
+            </a:r>
             <a:endParaRPr lang="en-US" dirty="0"/>
           </a:p>
         </p:txBody>
       </p:sp>
+      <p:sp>
+        <p:nvSpPr>
+          <p:cNvPr id="3" name="Content Placeholder 2"/>
+          <p:cNvSpPr>
+            <a:spLocks noGrp="1"/>
+          </p:cNvSpPr>
+          <p:nvPr>
+            <p:ph idx="1"/>
+          </p:nvPr>
+        </p:nvSpPr>
+        <p:spPr>
+          <a:xfrm>
+            <a:off x="838200" y="1515533"/>
+            <a:ext cx="10515600" cy="4661430"/>
+          </a:xfrm>
+        </p:spPr>
+        <p:txBody>
+          <a:bodyPr>
+            <a:normAutofit lnSpcReduction="10000"/>
+          </a:bodyPr>
+          <a:lstStyle/>
+          <a:p>
+            <a:r>
+              <a:rPr lang="en-US" dirty="0" smtClean="0"/>
+              <a:t>In SWT, we add an event handler like this:</a:t>
+            </a:r>
+          </a:p>
+          <a:p>
+            <a:endParaRPr lang="en-US" dirty="0" smtClean="0"/>
+          </a:p>
+          <a:p>
+            <a:endParaRPr lang="en-US" dirty="0"/>
+          </a:p>
+          <a:p>
+            <a:endParaRPr lang="en-US" dirty="0" smtClean="0"/>
+          </a:p>
+          <a:p>
+            <a:r>
+              <a:rPr lang="en-US" dirty="0" smtClean="0"/>
+              <a:t>In </a:t>
+            </a:r>
+            <a:r>
+              <a:rPr lang="en-US" dirty="0" err="1" smtClean="0"/>
+              <a:t>RxJava</a:t>
+            </a:r>
+            <a:r>
+              <a:rPr lang="en-US" dirty="0" smtClean="0"/>
+              <a:t>, we add an event handler like this:</a:t>
+            </a:r>
+          </a:p>
+          <a:p>
+            <a:endParaRPr lang="en-US" dirty="0"/>
+          </a:p>
+          <a:p>
+            <a:endParaRPr lang="en-US" dirty="0" smtClean="0"/>
+          </a:p>
+          <a:p>
+            <a:endParaRPr lang="en-US" dirty="0"/>
+          </a:p>
+          <a:p>
+            <a:endParaRPr lang="en-US" dirty="0" smtClean="0"/>
+          </a:p>
+          <a:p>
+            <a:r>
+              <a:rPr lang="en-US" dirty="0" smtClean="0"/>
+              <a:t>Observable is a pipe we can filter, map, and more!</a:t>
+            </a:r>
+            <a:endParaRPr lang="en-US" dirty="0"/>
+          </a:p>
+        </p:txBody>
+      </p:sp>
+      <p:pic>
+        <p:nvPicPr>
+          <p:cNvPr id="4" name="Picture 3"/>
+          <p:cNvPicPr>
+            <a:picLocks noChangeAspect="1"/>
+          </p:cNvPicPr>
+          <p:nvPr/>
+        </p:nvPicPr>
+        <p:blipFill>
+          <a:blip r:embed="rId2"/>
+          <a:stretch>
+            <a:fillRect/>
+          </a:stretch>
+        </p:blipFill>
+        <p:spPr>
+          <a:xfrm>
+            <a:off x="988309" y="1981199"/>
+            <a:ext cx="6614758" cy="1161520"/>
+          </a:xfrm>
+          <a:prstGeom prst="rect">
+            <a:avLst/>
+          </a:prstGeom>
+        </p:spPr>
+      </p:pic>
+      <p:pic>
+        <p:nvPicPr>
+          <p:cNvPr id="5" name="Picture 4"/>
+          <p:cNvPicPr>
+            <a:picLocks noChangeAspect="1"/>
+          </p:cNvPicPr>
+          <p:nvPr/>
+        </p:nvPicPr>
+        <p:blipFill>
+          <a:blip r:embed="rId3"/>
+          <a:stretch>
+            <a:fillRect/>
+          </a:stretch>
+        </p:blipFill>
+        <p:spPr>
+          <a:xfrm>
+            <a:off x="988309" y="3908149"/>
+            <a:ext cx="10440858" cy="1451239"/>
+          </a:xfrm>
+          <a:prstGeom prst="rect">
+            <a:avLst/>
+          </a:prstGeom>
+        </p:spPr>
+      </p:pic>
+    </p:spTree>
+    <p:extLst>
+      <p:ext uri="{BB962C8B-B14F-4D97-AF65-F5344CB8AC3E}">
+        <p14:creationId xmlns:p14="http://schemas.microsoft.com/office/powerpoint/2010/main" val="3215044474"/>
+      </p:ext>
+    </p:extLst>
+  </p:cSld>
+  <p:clrMapOvr>
+    <a:masterClrMapping/>
+  </p:clrMapOvr>
+  <p:timing>
+    <p:tnLst>
+      <p:par>
+        <p:cTn id="1" dur="indefinite" restart="never" nodeType="tmRoot"/>
+      </p:par>
+    </p:tnLst>
+  </p:timing>
+</p:sld>
+</file>
+
+<file path=ppt/slides/slide4.xml><?xml version="1.0" encoding="utf-8"?>
+<p:sld xmlns:a="http://schemas.openxmlformats.org/drawingml/2006/main" xmlns:r="http://schemas.openxmlformats.org/officeDocument/2006/relationships" xmlns:p="http://schemas.openxmlformats.org/presentationml/2006/main">
+  <p:cSld>
+    <p:spTree>
+      <p:nvGrpSpPr>
+        <p:cNvPr id="1" name=""/>
+        <p:cNvGrpSpPr/>
+        <p:nvPr/>
+      </p:nvGrpSpPr>
+      <p:grpSpPr>
+        <a:xfrm>
+          <a:off x="0" y="0"/>
+          <a:ext cx="0" cy="0"/>
+          <a:chOff x="0" y="0"/>
+          <a:chExt cx="0" cy="0"/>
+        </a:xfrm>
+      </p:grpSpPr>
+      <p:sp>
+        <p:nvSpPr>
+          <p:cNvPr id="2" name="Title 1"/>
+          <p:cNvSpPr>
+            <a:spLocks noGrp="1"/>
+          </p:cNvSpPr>
+          <p:nvPr>
+            <p:ph type="title"/>
+          </p:nvPr>
+        </p:nvSpPr>
+        <p:spPr/>
+        <p:txBody>
+          <a:bodyPr/>
+          <a:lstStyle/>
+          <a:p>
+            <a:r>
+              <a:rPr lang="en-US" dirty="0" smtClean="0"/>
+              <a:t>What good is a pipe?</a:t>
+            </a:r>
+            <a:endParaRPr lang="en-US" dirty="0"/>
+          </a:p>
+        </p:txBody>
+      </p:sp>
+      <p:pic>
+        <p:nvPicPr>
+          <p:cNvPr id="6" name="Picture 5"/>
+          <p:cNvPicPr>
+            <a:picLocks noChangeAspect="1"/>
+          </p:cNvPicPr>
+          <p:nvPr/>
+        </p:nvPicPr>
+        <p:blipFill rotWithShape="1">
+          <a:blip r:embed="rId2"/>
+          <a:srcRect l="5560" t="32930" r="11137" b="41269"/>
+          <a:stretch/>
+        </p:blipFill>
+        <p:spPr>
+          <a:xfrm>
+            <a:off x="413466" y="2390328"/>
+            <a:ext cx="4753155" cy="569343"/>
+          </a:xfrm>
+          <a:prstGeom prst="rect">
+            <a:avLst/>
+          </a:prstGeom>
+        </p:spPr>
+      </p:pic>
+      <p:pic>
+        <p:nvPicPr>
+          <p:cNvPr id="7" name="Picture 6"/>
+          <p:cNvPicPr>
+            <a:picLocks noChangeAspect="1"/>
+          </p:cNvPicPr>
+          <p:nvPr/>
+        </p:nvPicPr>
+        <p:blipFill rotWithShape="1">
+          <a:blip r:embed="rId3"/>
+          <a:srcRect t="44948" r="17634" b="31718"/>
+          <a:stretch/>
+        </p:blipFill>
+        <p:spPr>
+          <a:xfrm>
+            <a:off x="5739771" y="2345016"/>
+            <a:ext cx="5614029" cy="569343"/>
+          </a:xfrm>
+          <a:prstGeom prst="rect">
+            <a:avLst/>
+          </a:prstGeom>
+        </p:spPr>
+      </p:pic>
+      <p:sp>
+        <p:nvSpPr>
+          <p:cNvPr id="8" name="Content Placeholder 2"/>
+          <p:cNvSpPr>
+            <a:spLocks noGrp="1"/>
+          </p:cNvSpPr>
+          <p:nvPr>
+            <p:ph idx="1"/>
+          </p:nvPr>
+        </p:nvSpPr>
+        <p:spPr>
+          <a:xfrm>
+            <a:off x="838200" y="1515533"/>
+            <a:ext cx="10515600" cy="4661430"/>
+          </a:xfrm>
+        </p:spPr>
+        <p:txBody>
+          <a:bodyPr>
+            <a:normAutofit/>
+          </a:bodyPr>
+          <a:lstStyle/>
+          <a:p>
+            <a:r>
+              <a:rPr lang="en-US" dirty="0" smtClean="0"/>
+              <a:t>Event callbacks and event streams are the same</a:t>
+            </a:r>
+          </a:p>
+          <a:p>
+            <a:pPr lvl="1"/>
+            <a:r>
+              <a:rPr lang="en-US" dirty="0" smtClean="0"/>
+              <a:t>every if statement = filter</a:t>
+            </a:r>
+          </a:p>
+          <a:p>
+            <a:pPr lvl="1"/>
+            <a:endParaRPr lang="en-US" dirty="0"/>
+          </a:p>
+          <a:p>
+            <a:pPr lvl="1"/>
+            <a:endParaRPr lang="en-US" dirty="0" smtClean="0"/>
+          </a:p>
+          <a:p>
+            <a:pPr lvl="1"/>
+            <a:r>
+              <a:rPr lang="en-US" dirty="0" smtClean="0"/>
+              <a:t>every new value = map</a:t>
+            </a:r>
+          </a:p>
+          <a:p>
+            <a:pPr lvl="1"/>
+            <a:endParaRPr lang="en-US" dirty="0"/>
+          </a:p>
+          <a:p>
+            <a:pPr lvl="1"/>
+            <a:endParaRPr lang="en-US" dirty="0" smtClean="0"/>
+          </a:p>
+          <a:p>
+            <a:r>
+              <a:rPr lang="en-US" dirty="0" smtClean="0"/>
+              <a:t>A keypress will cause a cascade of actions across your program</a:t>
+            </a:r>
+          </a:p>
+          <a:p>
+            <a:pPr lvl="1"/>
+            <a:r>
+              <a:rPr lang="en-US" dirty="0" smtClean="0"/>
+              <a:t>With Events, that cascade flows through ad-hoc function calls</a:t>
+            </a:r>
+          </a:p>
+          <a:p>
+            <a:pPr lvl="1"/>
+            <a:r>
+              <a:rPr lang="en-US" dirty="0" smtClean="0"/>
+              <a:t>With Observables, that cascade is </a:t>
+            </a:r>
+            <a:r>
+              <a:rPr lang="en-US" i="1" dirty="0" smtClean="0"/>
+              <a:t>explicitly modeled </a:t>
+            </a:r>
+            <a:r>
+              <a:rPr lang="en-US" dirty="0" smtClean="0"/>
+              <a:t>and comes with batteries</a:t>
+            </a:r>
+          </a:p>
+          <a:p>
+            <a:pPr lvl="2"/>
+            <a:r>
+              <a:rPr lang="en-US" dirty="0" smtClean="0"/>
+              <a:t>Especially for time – </a:t>
+            </a:r>
+            <a:r>
+              <a:rPr lang="en-US" dirty="0" err="1" smtClean="0"/>
+              <a:t>debounce</a:t>
+            </a:r>
+            <a:r>
+              <a:rPr lang="en-US" dirty="0" smtClean="0"/>
+              <a:t>, sample, throttle, etc.</a:t>
+            </a:r>
+          </a:p>
+        </p:txBody>
+      </p:sp>
+      <p:pic>
+        <p:nvPicPr>
+          <p:cNvPr id="10" name="Picture 9"/>
+          <p:cNvPicPr>
+            <a:picLocks noChangeAspect="1"/>
+          </p:cNvPicPr>
+          <p:nvPr/>
+        </p:nvPicPr>
+        <p:blipFill rotWithShape="1">
+          <a:blip r:embed="rId3"/>
+          <a:srcRect t="75315" r="6302"/>
+          <a:stretch/>
+        </p:blipFill>
+        <p:spPr>
+          <a:xfrm>
+            <a:off x="5838196" y="3741211"/>
+            <a:ext cx="5515604" cy="520163"/>
+          </a:xfrm>
+          <a:prstGeom prst="rect">
+            <a:avLst/>
+          </a:prstGeom>
+        </p:spPr>
+      </p:pic>
+      <p:pic>
+        <p:nvPicPr>
+          <p:cNvPr id="11" name="Picture 10"/>
+          <p:cNvPicPr>
+            <a:picLocks noChangeAspect="1"/>
+          </p:cNvPicPr>
+          <p:nvPr/>
+        </p:nvPicPr>
+        <p:blipFill>
+          <a:blip r:embed="rId4"/>
+          <a:stretch>
+            <a:fillRect/>
+          </a:stretch>
+        </p:blipFill>
+        <p:spPr>
+          <a:xfrm>
+            <a:off x="413466" y="3682893"/>
+            <a:ext cx="5125611" cy="578481"/>
+          </a:xfrm>
+          <a:prstGeom prst="rect">
+            <a:avLst/>
+          </a:prstGeom>
+        </p:spPr>
+      </p:pic>
+    </p:spTree>
+    <p:extLst>
+      <p:ext uri="{BB962C8B-B14F-4D97-AF65-F5344CB8AC3E}">
+        <p14:creationId xmlns:p14="http://schemas.microsoft.com/office/powerpoint/2010/main" val="4197146541"/>
+      </p:ext>
+    </p:extLst>
+  </p:cSld>
+  <p:clrMapOvr>
+    <a:masterClrMapping/>
+  </p:clrMapOvr>
+  <p:timing>
+    <p:tnLst>
+      <p:par>
+        <p:cTn id="1" dur="indefinite" restart="never" nodeType="tmRoot"/>
+      </p:par>
+    </p:tnLst>
+  </p:timing>
+</p:sld>
+</file>
+
+<file path=ppt/slides/slide5.xml><?xml version="1.0" encoding="utf-8"?>
+<p:sld xmlns:a="http://schemas.openxmlformats.org/drawingml/2006/main" xmlns:r="http://schemas.openxmlformats.org/officeDocument/2006/relationships" xmlns:p="http://schemas.openxmlformats.org/presentationml/2006/main">
+  <p:cSld>
+    <p:spTree>
+      <p:nvGrpSpPr>
+        <p:cNvPr id="1" name=""/>
+        <p:cNvGrpSpPr/>
+        <p:nvPr/>
+      </p:nvGrpSpPr>
+      <p:grpSpPr>
+        <a:xfrm>
+          <a:off x="0" y="0"/>
+          <a:ext cx="0" cy="0"/>
+          <a:chOff x="0" y="0"/>
+          <a:chExt cx="0" cy="0"/>
+        </a:xfrm>
+      </p:grpSpPr>
+      <p:grpSp>
+        <p:nvGrpSpPr>
+          <p:cNvPr id="14" name="Group 13"/>
+          <p:cNvGrpSpPr/>
+          <p:nvPr/>
+        </p:nvGrpSpPr>
+        <p:grpSpPr>
+          <a:xfrm>
+            <a:off x="294409" y="963933"/>
+            <a:ext cx="5896482" cy="5114702"/>
+            <a:chOff x="6161809" y="1427414"/>
+            <a:chExt cx="5896482" cy="5114702"/>
+          </a:xfrm>
+        </p:grpSpPr>
+        <p:pic>
+          <p:nvPicPr>
+            <p:cNvPr id="5" name="Picture 4"/>
+            <p:cNvPicPr>
+              <a:picLocks noChangeAspect="1"/>
+            </p:cNvPicPr>
+            <p:nvPr/>
+          </p:nvPicPr>
+          <p:blipFill>
+            <a:blip r:embed="rId2"/>
+            <a:stretch>
+              <a:fillRect/>
+            </a:stretch>
+          </p:blipFill>
+          <p:spPr>
+            <a:xfrm>
+              <a:off x="6161809" y="2787406"/>
+              <a:ext cx="5896482" cy="3754710"/>
+            </a:xfrm>
+            <a:prstGeom prst="rect">
+              <a:avLst/>
+            </a:prstGeom>
+          </p:spPr>
+        </p:pic>
+        <p:pic>
+          <p:nvPicPr>
+            <p:cNvPr id="6" name="Picture 5"/>
+            <p:cNvPicPr>
+              <a:picLocks noChangeAspect="1"/>
+            </p:cNvPicPr>
+            <p:nvPr/>
+          </p:nvPicPr>
+          <p:blipFill>
+            <a:blip r:embed="rId3"/>
+            <a:stretch>
+              <a:fillRect/>
+            </a:stretch>
+          </p:blipFill>
+          <p:spPr>
+            <a:xfrm>
+              <a:off x="6161809" y="1427414"/>
+              <a:ext cx="3858502" cy="1060448"/>
+            </a:xfrm>
+            <a:prstGeom prst="rect">
+              <a:avLst/>
+            </a:prstGeom>
+          </p:spPr>
+        </p:pic>
+      </p:grpSp>
+      <p:grpSp>
+        <p:nvGrpSpPr>
+          <p:cNvPr id="13" name="Group 12"/>
+          <p:cNvGrpSpPr/>
+          <p:nvPr/>
+        </p:nvGrpSpPr>
+        <p:grpSpPr>
+          <a:xfrm>
+            <a:off x="6353568" y="784387"/>
+            <a:ext cx="6299865" cy="5054556"/>
+            <a:chOff x="346468" y="1427414"/>
+            <a:chExt cx="6299865" cy="5054556"/>
+          </a:xfrm>
+        </p:grpSpPr>
+        <p:pic>
+          <p:nvPicPr>
+            <p:cNvPr id="7" name="Picture 6"/>
+            <p:cNvPicPr>
+              <a:picLocks noChangeAspect="1"/>
+            </p:cNvPicPr>
+            <p:nvPr/>
+          </p:nvPicPr>
+          <p:blipFill>
+            <a:blip r:embed="rId4"/>
+            <a:stretch>
+              <a:fillRect/>
+            </a:stretch>
+          </p:blipFill>
+          <p:spPr>
+            <a:xfrm>
+              <a:off x="354935" y="2249987"/>
+              <a:ext cx="5538741" cy="1390680"/>
+            </a:xfrm>
+            <a:prstGeom prst="rect">
+              <a:avLst/>
+            </a:prstGeom>
+          </p:spPr>
+        </p:pic>
+        <p:sp>
+          <p:nvSpPr>
+            <p:cNvPr id="10" name="Title 1"/>
+            <p:cNvSpPr txBox="1">
+              <a:spLocks/>
+            </p:cNvSpPr>
+            <p:nvPr/>
+          </p:nvSpPr>
+          <p:spPr>
+            <a:xfrm>
+              <a:off x="346468" y="1427414"/>
+              <a:ext cx="6291398" cy="1155489"/>
+            </a:xfrm>
+            <a:prstGeom prst="rect">
+              <a:avLst/>
+            </a:prstGeom>
+          </p:spPr>
+          <p:txBody>
+            <a:bodyPr vert="horz" lIns="91440" tIns="45720" rIns="91440" bIns="45720" rtlCol="0" anchor="ctr">
+              <a:normAutofit/>
+            </a:bodyPr>
+            <a:lstStyle>
+              <a:lvl1pPr algn="l" defTabSz="914400" rtl="0" eaLnBrk="1" latinLnBrk="0" hangingPunct="1">
+                <a:lnSpc>
+                  <a:spcPct val="90000"/>
+                </a:lnSpc>
+                <a:spcBef>
+                  <a:spcPct val="0"/>
+                </a:spcBef>
+                <a:buNone/>
+                <a:defRPr sz="4400" kern="1200">
+                  <a:solidFill>
+                    <a:schemeClr val="tx1"/>
+                  </a:solidFill>
+                  <a:latin typeface="+mj-lt"/>
+                  <a:ea typeface="+mj-ea"/>
+                  <a:cs typeface="+mj-cs"/>
+                </a:defRPr>
+              </a:lvl1pPr>
+            </a:lstStyle>
+            <a:p>
+              <a:r>
+                <a:rPr lang="en-US" sz="2400" dirty="0" smtClean="0"/>
+                <a:t>Events – nested calls</a:t>
+              </a:r>
+              <a:endParaRPr lang="en-US" sz="2400" dirty="0"/>
+            </a:p>
+          </p:txBody>
+        </p:sp>
+        <p:pic>
+          <p:nvPicPr>
+            <p:cNvPr id="12" name="Picture 11"/>
+            <p:cNvPicPr>
+              <a:picLocks noChangeAspect="1"/>
+            </p:cNvPicPr>
+            <p:nvPr/>
+          </p:nvPicPr>
+          <p:blipFill>
+            <a:blip r:embed="rId5"/>
+            <a:stretch>
+              <a:fillRect/>
+            </a:stretch>
+          </p:blipFill>
+          <p:spPr>
+            <a:xfrm>
+              <a:off x="346468" y="4463240"/>
+              <a:ext cx="5458938" cy="2018730"/>
+            </a:xfrm>
+            <a:prstGeom prst="rect">
+              <a:avLst/>
+            </a:prstGeom>
+          </p:spPr>
+        </p:pic>
+        <p:sp>
+          <p:nvSpPr>
+            <p:cNvPr id="11" name="Title 1"/>
+            <p:cNvSpPr txBox="1">
+              <a:spLocks/>
+            </p:cNvSpPr>
+            <p:nvPr/>
+          </p:nvSpPr>
+          <p:spPr>
+            <a:xfrm>
+              <a:off x="354935" y="3736410"/>
+              <a:ext cx="6291398" cy="1302563"/>
+            </a:xfrm>
+            <a:prstGeom prst="rect">
+              <a:avLst/>
+            </a:prstGeom>
+          </p:spPr>
+          <p:txBody>
+            <a:bodyPr vert="horz" lIns="91440" tIns="45720" rIns="91440" bIns="45720" rtlCol="0" anchor="ctr">
+              <a:normAutofit/>
+            </a:bodyPr>
+            <a:lstStyle>
+              <a:lvl1pPr algn="l" defTabSz="914400" rtl="0" eaLnBrk="1" latinLnBrk="0" hangingPunct="1">
+                <a:lnSpc>
+                  <a:spcPct val="90000"/>
+                </a:lnSpc>
+                <a:spcBef>
+                  <a:spcPct val="0"/>
+                </a:spcBef>
+                <a:buNone/>
+                <a:defRPr sz="4400" kern="1200">
+                  <a:solidFill>
+                    <a:schemeClr val="tx1"/>
+                  </a:solidFill>
+                  <a:latin typeface="+mj-lt"/>
+                  <a:ea typeface="+mj-ea"/>
+                  <a:cs typeface="+mj-cs"/>
+                </a:defRPr>
+              </a:lvl1pPr>
+            </a:lstStyle>
+            <a:p>
+              <a:r>
+                <a:rPr lang="en-US" sz="2400" dirty="0" smtClean="0"/>
+                <a:t>Observable – </a:t>
+              </a:r>
+              <a:r>
+                <a:rPr lang="en-US" sz="2400" b="1" i="1" dirty="0" smtClean="0"/>
+                <a:t>decouples</a:t>
+              </a:r>
+              <a:r>
+                <a:rPr lang="en-US" sz="2400" dirty="0" smtClean="0"/>
+                <a:t> the event’s </a:t>
+              </a:r>
+              <a:r>
+                <a:rPr lang="en-US" sz="2400" b="1" i="1" dirty="0" smtClean="0"/>
+                <a:t>source</a:t>
+              </a:r>
+            </a:p>
+            <a:p>
+              <a:r>
+                <a:rPr lang="en-US" sz="2400" dirty="0" smtClean="0"/>
+                <a:t>                                                   from its </a:t>
+              </a:r>
+              <a:r>
+                <a:rPr lang="en-US" sz="2400" b="1" i="1" dirty="0" smtClean="0"/>
+                <a:t>effects </a:t>
+              </a:r>
+              <a:endParaRPr lang="en-US" sz="2400" b="1" i="1" dirty="0"/>
+            </a:p>
+          </p:txBody>
+        </p:sp>
+      </p:grpSp>
     </p:spTree>
     <p:extLst>
       <p:ext uri="{BB962C8B-B14F-4D97-AF65-F5344CB8AC3E}">
         <p14:creationId xmlns:p14="http://schemas.microsoft.com/office/powerpoint/2010/main" val="190357252"/>
+      </p:ext>
+    </p:extLst>
+  </p:cSld>
+  <p:clrMapOvr>
+    <a:masterClrMapping/>
+  </p:clrMapOvr>
+  <p:timing>
+    <p:tnLst>
+      <p:par>
+        <p:cTn id="1" dur="indefinite" restart="never" nodeType="tmRoot"/>
+      </p:par>
+    </p:tnLst>
+  </p:timing>
+</p:sld>
+</file>
+
+<file path=ppt/slides/slide6.xml><?xml version="1.0" encoding="utf-8"?>
+<p:sld xmlns:a="http://schemas.openxmlformats.org/drawingml/2006/main" xmlns:r="http://schemas.openxmlformats.org/officeDocument/2006/relationships" xmlns:p="http://schemas.openxmlformats.org/presentationml/2006/main">
+  <p:cSld>
+    <p:spTree>
+      <p:nvGrpSpPr>
+        <p:cNvPr id="1" name=""/>
+        <p:cNvGrpSpPr/>
+        <p:nvPr/>
+      </p:nvGrpSpPr>
+      <p:grpSpPr>
+        <a:xfrm>
+          <a:off x="0" y="0"/>
+          <a:ext cx="0" cy="0"/>
+          <a:chOff x="0" y="0"/>
+          <a:chExt cx="0" cy="0"/>
+        </a:xfrm>
+      </p:grpSpPr>
+      <p:pic>
+        <p:nvPicPr>
+          <p:cNvPr id="4" name="Picture 3"/>
+          <p:cNvPicPr>
+            <a:picLocks noChangeAspect="1"/>
+          </p:cNvPicPr>
+          <p:nvPr/>
+        </p:nvPicPr>
+        <p:blipFill>
+          <a:blip r:embed="rId2"/>
+          <a:stretch>
+            <a:fillRect/>
+          </a:stretch>
+        </p:blipFill>
+        <p:spPr>
+          <a:xfrm>
+            <a:off x="7383992" y="365125"/>
+            <a:ext cx="2876550" cy="1228725"/>
+          </a:xfrm>
+          <a:prstGeom prst="rect">
+            <a:avLst/>
+          </a:prstGeom>
+        </p:spPr>
+      </p:pic>
+      <p:pic>
+        <p:nvPicPr>
+          <p:cNvPr id="5" name="Picture 4"/>
+          <p:cNvPicPr>
+            <a:picLocks noChangeAspect="1"/>
+          </p:cNvPicPr>
+          <p:nvPr/>
+        </p:nvPicPr>
+        <p:blipFill>
+          <a:blip r:embed="rId3"/>
+          <a:stretch>
+            <a:fillRect/>
+          </a:stretch>
+        </p:blipFill>
+        <p:spPr>
+          <a:xfrm>
+            <a:off x="459317" y="1936754"/>
+            <a:ext cx="4838700" cy="4762500"/>
+          </a:xfrm>
+          <a:prstGeom prst="rect">
+            <a:avLst/>
+          </a:prstGeom>
+        </p:spPr>
+      </p:pic>
+      <p:pic>
+        <p:nvPicPr>
+          <p:cNvPr id="6" name="Picture 5"/>
+          <p:cNvPicPr>
+            <a:picLocks noChangeAspect="1"/>
+          </p:cNvPicPr>
+          <p:nvPr/>
+        </p:nvPicPr>
+        <p:blipFill>
+          <a:blip r:embed="rId4"/>
+          <a:stretch>
+            <a:fillRect/>
+          </a:stretch>
+        </p:blipFill>
+        <p:spPr>
+          <a:xfrm>
+            <a:off x="6524624" y="3403600"/>
+            <a:ext cx="4676775" cy="3143250"/>
+          </a:xfrm>
+          <a:prstGeom prst="rect">
+            <a:avLst/>
+          </a:prstGeom>
+        </p:spPr>
+      </p:pic>
+      <p:sp>
+        <p:nvSpPr>
+          <p:cNvPr id="7" name="Title 1"/>
+          <p:cNvSpPr txBox="1">
+            <a:spLocks/>
+          </p:cNvSpPr>
+          <p:nvPr/>
+        </p:nvSpPr>
+        <p:spPr>
+          <a:xfrm>
+            <a:off x="385627" y="1235977"/>
+            <a:ext cx="6291398" cy="1155489"/>
+          </a:xfrm>
+          <a:prstGeom prst="rect">
+            <a:avLst/>
+          </a:prstGeom>
+        </p:spPr>
+        <p:txBody>
+          <a:bodyPr vert="horz" lIns="91440" tIns="45720" rIns="91440" bIns="45720" rtlCol="0" anchor="ctr">
+            <a:normAutofit/>
+          </a:bodyPr>
+          <a:lstStyle>
+            <a:lvl1pPr algn="l" defTabSz="914400" rtl="0" eaLnBrk="1" latinLnBrk="0" hangingPunct="1">
+              <a:lnSpc>
+                <a:spcPct val="90000"/>
+              </a:lnSpc>
+              <a:spcBef>
+                <a:spcPct val="0"/>
+              </a:spcBef>
+              <a:buNone/>
+              <a:defRPr sz="4400" kern="1200">
+                <a:solidFill>
+                  <a:schemeClr val="tx1"/>
+                </a:solidFill>
+                <a:latin typeface="+mj-lt"/>
+                <a:ea typeface="+mj-ea"/>
+                <a:cs typeface="+mj-cs"/>
+              </a:defRPr>
+            </a:lvl1pPr>
+          </a:lstStyle>
+          <a:p>
+            <a:r>
+              <a:rPr lang="en-US" sz="2400" dirty="0" smtClean="0"/>
+              <a:t>Events – nested calls</a:t>
+            </a:r>
+            <a:endParaRPr lang="en-US" sz="2400" dirty="0"/>
+          </a:p>
+        </p:txBody>
+      </p:sp>
+      <p:sp>
+        <p:nvSpPr>
+          <p:cNvPr id="8" name="Title 7"/>
+          <p:cNvSpPr>
+            <a:spLocks noGrp="1"/>
+          </p:cNvSpPr>
+          <p:nvPr>
+            <p:ph type="title"/>
+          </p:nvPr>
+        </p:nvSpPr>
+        <p:spPr/>
+        <p:txBody>
+          <a:bodyPr/>
+          <a:lstStyle/>
+          <a:p>
+            <a:r>
+              <a:rPr lang="en-US" dirty="0" smtClean="0"/>
+              <a:t>Just a smidge harder…</a:t>
+            </a:r>
+            <a:endParaRPr lang="en-US" dirty="0"/>
+          </a:p>
+        </p:txBody>
+      </p:sp>
+      <p:sp>
+        <p:nvSpPr>
+          <p:cNvPr id="9" name="Title 1"/>
+          <p:cNvSpPr txBox="1">
+            <a:spLocks/>
+          </p:cNvSpPr>
+          <p:nvPr/>
+        </p:nvSpPr>
+        <p:spPr>
+          <a:xfrm>
+            <a:off x="6222334" y="2445180"/>
+            <a:ext cx="6291398" cy="1302563"/>
+          </a:xfrm>
+          <a:prstGeom prst="rect">
+            <a:avLst/>
+          </a:prstGeom>
+        </p:spPr>
+        <p:txBody>
+          <a:bodyPr vert="horz" lIns="91440" tIns="45720" rIns="91440" bIns="45720" rtlCol="0" anchor="ctr">
+            <a:normAutofit/>
+          </a:bodyPr>
+          <a:lstStyle>
+            <a:lvl1pPr algn="l" defTabSz="914400" rtl="0" eaLnBrk="1" latinLnBrk="0" hangingPunct="1">
+              <a:lnSpc>
+                <a:spcPct val="90000"/>
+              </a:lnSpc>
+              <a:spcBef>
+                <a:spcPct val="0"/>
+              </a:spcBef>
+              <a:buNone/>
+              <a:defRPr sz="4400" kern="1200">
+                <a:solidFill>
+                  <a:schemeClr val="tx1"/>
+                </a:solidFill>
+                <a:latin typeface="+mj-lt"/>
+                <a:ea typeface="+mj-ea"/>
+                <a:cs typeface="+mj-cs"/>
+              </a:defRPr>
+            </a:lvl1pPr>
+          </a:lstStyle>
+          <a:p>
+            <a:r>
+              <a:rPr lang="en-US" sz="2400" dirty="0" smtClean="0"/>
+              <a:t>Observable – </a:t>
+            </a:r>
+            <a:r>
+              <a:rPr lang="en-US" sz="2400" b="1" i="1" dirty="0" smtClean="0"/>
+              <a:t>decouples</a:t>
+            </a:r>
+            <a:r>
+              <a:rPr lang="en-US" sz="2400" dirty="0" smtClean="0"/>
+              <a:t> the event’s </a:t>
+            </a:r>
+            <a:r>
+              <a:rPr lang="en-US" sz="2400" b="1" i="1" dirty="0" smtClean="0"/>
+              <a:t>source</a:t>
+            </a:r>
+          </a:p>
+          <a:p>
+            <a:r>
+              <a:rPr lang="en-US" sz="2400" dirty="0" smtClean="0"/>
+              <a:t>                                                   from its </a:t>
+            </a:r>
+            <a:r>
+              <a:rPr lang="en-US" sz="2400" b="1" i="1" dirty="0" smtClean="0"/>
+              <a:t>effects </a:t>
+            </a:r>
+            <a:endParaRPr lang="en-US" sz="2400" b="1" i="1" dirty="0"/>
+          </a:p>
+        </p:txBody>
+      </p:sp>
+    </p:spTree>
+    <p:extLst>
+      <p:ext uri="{BB962C8B-B14F-4D97-AF65-F5344CB8AC3E}">
+        <p14:creationId xmlns:p14="http://schemas.microsoft.com/office/powerpoint/2010/main" val="3341701171"/>
+      </p:ext>
+    </p:extLst>
+  </p:cSld>
+  <p:clrMapOvr>
+    <a:masterClrMapping/>
+  </p:clrMapOvr>
+  <p:timing>
+    <p:tnLst>
+      <p:par>
+        <p:cTn id="1" dur="indefinite" restart="never" nodeType="tmRoot"/>
+      </p:par>
+    </p:tnLst>
+  </p:timing>
+</p:sld>
+</file>
+
+<file path=ppt/slides/slide7.xml><?xml version="1.0" encoding="utf-8"?>
+<p:sld xmlns:a="http://schemas.openxmlformats.org/drawingml/2006/main" xmlns:r="http://schemas.openxmlformats.org/officeDocument/2006/relationships" xmlns:p="http://schemas.openxmlformats.org/presentationml/2006/main">
+  <p:cSld>
+    <p:spTree>
+      <p:nvGrpSpPr>
+        <p:cNvPr id="1" name=""/>
+        <p:cNvGrpSpPr/>
+        <p:nvPr/>
+      </p:nvGrpSpPr>
+      <p:grpSpPr>
+        <a:xfrm>
+          <a:off x="0" y="0"/>
+          <a:ext cx="0" cy="0"/>
+          <a:chOff x="0" y="0"/>
+          <a:chExt cx="0" cy="0"/>
+        </a:xfrm>
+      </p:grpSpPr>
+      <p:sp>
+        <p:nvSpPr>
+          <p:cNvPr id="2" name="Title 1"/>
+          <p:cNvSpPr>
+            <a:spLocks noGrp="1"/>
+          </p:cNvSpPr>
+          <p:nvPr>
+            <p:ph type="title"/>
+          </p:nvPr>
+        </p:nvSpPr>
+        <p:spPr/>
+        <p:txBody>
+          <a:bodyPr/>
+          <a:lstStyle/>
+          <a:p>
+            <a:r>
+              <a:rPr lang="en-US" dirty="0" smtClean="0"/>
+              <a:t>Still to come, pending time from dry runs</a:t>
+            </a:r>
+            <a:endParaRPr lang="en-US" dirty="0"/>
+          </a:p>
+        </p:txBody>
+      </p:sp>
+      <p:sp>
+        <p:nvSpPr>
+          <p:cNvPr id="3" name="Content Placeholder 2"/>
+          <p:cNvSpPr>
+            <a:spLocks noGrp="1"/>
+          </p:cNvSpPr>
+          <p:nvPr>
+            <p:ph idx="1"/>
+          </p:nvPr>
+        </p:nvSpPr>
+        <p:spPr/>
+        <p:txBody>
+          <a:bodyPr/>
+          <a:lstStyle/>
+          <a:p>
+            <a:r>
+              <a:rPr lang="en-US" dirty="0" smtClean="0"/>
+              <a:t>Error handling</a:t>
+            </a:r>
+          </a:p>
+          <a:p>
+            <a:pPr lvl="1"/>
+            <a:r>
+              <a:rPr lang="en-US" dirty="0" smtClean="0"/>
+              <a:t>Either&lt;Value, Exception&gt; vs handling them directly</a:t>
+            </a:r>
+          </a:p>
+          <a:p>
+            <a:r>
+              <a:rPr lang="en-US" dirty="0" smtClean="0"/>
+              <a:t>Non-SWT thread issues (stock picker example)</a:t>
+            </a:r>
+          </a:p>
+          <a:p>
+            <a:pPr lvl="1"/>
+            <a:r>
+              <a:rPr lang="en-US" dirty="0" err="1" smtClean="0"/>
+              <a:t>SwtExec.async</a:t>
+            </a:r>
+            <a:r>
+              <a:rPr lang="en-US" dirty="0" smtClean="0"/>
+              <a:t>().</a:t>
+            </a:r>
+            <a:r>
+              <a:rPr lang="en-US" dirty="0" err="1" smtClean="0"/>
+              <a:t>guardOn</a:t>
+            </a:r>
+            <a:r>
+              <a:rPr lang="en-US" dirty="0" smtClean="0"/>
+              <a:t>(widget).</a:t>
+            </a:r>
+            <a:r>
+              <a:rPr lang="en-US" dirty="0" err="1" smtClean="0"/>
+              <a:t>subscribeTo</a:t>
+            </a:r>
+            <a:r>
+              <a:rPr lang="en-US" dirty="0" smtClean="0"/>
+              <a:t>(</a:t>
+            </a:r>
+            <a:r>
+              <a:rPr lang="en-US" dirty="0" err="1" smtClean="0"/>
+              <a:t>rxValue</a:t>
+            </a:r>
+            <a:r>
+              <a:rPr lang="en-US" dirty="0" smtClean="0"/>
+              <a:t>, action);</a:t>
+            </a:r>
+          </a:p>
+          <a:p>
+            <a:r>
+              <a:rPr lang="en-US" dirty="0" smtClean="0"/>
+              <a:t>Tour-de-force colored stock picker example</a:t>
+            </a:r>
+          </a:p>
+          <a:p>
+            <a:pPr lvl="1"/>
+            <a:endParaRPr lang="en-US" dirty="0" smtClean="0"/>
+          </a:p>
+        </p:txBody>
+      </p:sp>
+      <p:pic>
+        <p:nvPicPr>
+          <p:cNvPr id="4" name="Picture 3"/>
+          <p:cNvPicPr>
+            <a:picLocks noChangeAspect="1"/>
+          </p:cNvPicPr>
+          <p:nvPr/>
+        </p:nvPicPr>
+        <p:blipFill>
+          <a:blip r:embed="rId2"/>
+          <a:stretch>
+            <a:fillRect/>
+          </a:stretch>
+        </p:blipFill>
+        <p:spPr>
+          <a:xfrm>
+            <a:off x="1954212" y="4029075"/>
+            <a:ext cx="2390775" cy="2828925"/>
+          </a:xfrm>
+          <a:prstGeom prst="rect">
+            <a:avLst/>
+          </a:prstGeom>
+        </p:spPr>
+      </p:pic>
+    </p:spTree>
+    <p:extLst>
+      <p:ext uri="{BB962C8B-B14F-4D97-AF65-F5344CB8AC3E}">
+        <p14:creationId xmlns:p14="http://schemas.microsoft.com/office/powerpoint/2010/main" val="4034754423"/>
       </p:ext>
     </p:extLst>
   </p:cSld>

--- a/RxJava and SWT.pptx
+++ b/RxJava and SWT.pptx
@@ -3,15 +3,17 @@
 <p:presentation xmlns:a="http://schemas.openxmlformats.org/drawingml/2006/main" xmlns:r="http://schemas.openxmlformats.org/officeDocument/2006/relationships" xmlns:p="http://schemas.openxmlformats.org/presentationml/2006/main" saveSubsetFonts="1">
   <p:sldMasterIdLst>
     <p:sldMasterId id="2147483648" r:id="rId1"/>
+    <p:sldMasterId id="2147483660" r:id="rId2"/>
   </p:sldMasterIdLst>
   <p:sldIdLst>
-    <p:sldId id="256" r:id="rId2"/>
-    <p:sldId id="259" r:id="rId3"/>
-    <p:sldId id="260" r:id="rId4"/>
-    <p:sldId id="258" r:id="rId5"/>
-    <p:sldId id="257" r:id="rId6"/>
-    <p:sldId id="261" r:id="rId7"/>
-    <p:sldId id="262" r:id="rId8"/>
+    <p:sldId id="256" r:id="rId3"/>
+    <p:sldId id="259" r:id="rId4"/>
+    <p:sldId id="260" r:id="rId5"/>
+    <p:sldId id="258" r:id="rId6"/>
+    <p:sldId id="257" r:id="rId7"/>
+    <p:sldId id="261" r:id="rId8"/>
+    <p:sldId id="262" r:id="rId9"/>
+    <p:sldId id="263" r:id="rId10"/>
   </p:sldIdLst>
   <p:sldSz cx="12192000" cy="6858000"/>
   <p:notesSz cx="6858000" cy="9144000"/>
@@ -249,7 +251,7 @@
           <a:p>
             <a:fld id="{B8966210-D7C8-4A1C-B59E-033C29288170}" type="datetimeFigureOut">
               <a:rPr lang="en-US" smtClean="0"/>
-              <a:t>11/22/2015</a:t>
+              <a:t>3/1/2016</a:t>
             </a:fld>
             <a:endParaRPr lang="en-US"/>
           </a:p>
@@ -419,7 +421,7 @@
           <a:p>
             <a:fld id="{B8966210-D7C8-4A1C-B59E-033C29288170}" type="datetimeFigureOut">
               <a:rPr lang="en-US" smtClean="0"/>
-              <a:t>11/22/2015</a:t>
+              <a:t>3/1/2016</a:t>
             </a:fld>
             <a:endParaRPr lang="en-US"/>
           </a:p>
@@ -599,7 +601,7 @@
           <a:p>
             <a:fld id="{B8966210-D7C8-4A1C-B59E-033C29288170}" type="datetimeFigureOut">
               <a:rPr lang="en-US" smtClean="0"/>
-              <a:t>11/22/2015</a:t>
+              <a:t>3/1/2016</a:t>
             </a:fld>
             <a:endParaRPr lang="en-US"/>
           </a:p>
@@ -651,6 +653,2125 @@
     <p:extLst>
       <p:ext uri="{BB962C8B-B14F-4D97-AF65-F5344CB8AC3E}">
         <p14:creationId xmlns:p14="http://schemas.microsoft.com/office/powerpoint/2010/main" val="2941773549"/>
+      </p:ext>
+    </p:extLst>
+  </p:cSld>
+  <p:clrMapOvr>
+    <a:masterClrMapping/>
+  </p:clrMapOvr>
+</p:sldLayout>
+</file>
+
+<file path=ppt/slideLayouts/slideLayout12.xml><?xml version="1.0" encoding="utf-8"?>
+<p:sldLayout xmlns:a="http://schemas.openxmlformats.org/drawingml/2006/main" xmlns:r="http://schemas.openxmlformats.org/officeDocument/2006/relationships" xmlns:p="http://schemas.openxmlformats.org/presentationml/2006/main" type="title" preserve="1">
+  <p:cSld name="Title Slide">
+    <p:spTree>
+      <p:nvGrpSpPr>
+        <p:cNvPr id="1" name=""/>
+        <p:cNvGrpSpPr/>
+        <p:nvPr/>
+      </p:nvGrpSpPr>
+      <p:grpSpPr>
+        <a:xfrm>
+          <a:off x="0" y="0"/>
+          <a:ext cx="0" cy="0"/>
+          <a:chOff x="0" y="0"/>
+          <a:chExt cx="0" cy="0"/>
+        </a:xfrm>
+      </p:grpSpPr>
+      <p:sp>
+        <p:nvSpPr>
+          <p:cNvPr id="2" name="Title 1"/>
+          <p:cNvSpPr>
+            <a:spLocks noGrp="1"/>
+          </p:cNvSpPr>
+          <p:nvPr>
+            <p:ph type="ctrTitle"/>
+          </p:nvPr>
+        </p:nvSpPr>
+        <p:spPr>
+          <a:xfrm>
+            <a:off x="914400" y="2130426"/>
+            <a:ext cx="10363200" cy="1470025"/>
+          </a:xfrm>
+        </p:spPr>
+        <p:txBody>
+          <a:bodyPr/>
+          <a:lstStyle/>
+          <a:p>
+            <a:r>
+              <a:rPr lang="en-US" smtClean="0"/>
+              <a:t>Click to edit Master title style</a:t>
+            </a:r>
+            <a:endParaRPr lang="en-US"/>
+          </a:p>
+        </p:txBody>
+      </p:sp>
+      <p:sp>
+        <p:nvSpPr>
+          <p:cNvPr id="3" name="Subtitle 2"/>
+          <p:cNvSpPr>
+            <a:spLocks noGrp="1"/>
+          </p:cNvSpPr>
+          <p:nvPr>
+            <p:ph type="subTitle" idx="1"/>
+          </p:nvPr>
+        </p:nvSpPr>
+        <p:spPr>
+          <a:xfrm>
+            <a:off x="1828800" y="3886200"/>
+            <a:ext cx="8534400" cy="1752600"/>
+          </a:xfrm>
+        </p:spPr>
+        <p:txBody>
+          <a:bodyPr/>
+          <a:lstStyle>
+            <a:lvl1pPr marL="0" indent="0" algn="ctr">
+              <a:buNone/>
+              <a:defRPr>
+                <a:solidFill>
+                  <a:schemeClr val="tx1">
+                    <a:tint val="75000"/>
+                  </a:schemeClr>
+                </a:solidFill>
+              </a:defRPr>
+            </a:lvl1pPr>
+            <a:lvl2pPr marL="609585" indent="0" algn="ctr">
+              <a:buNone/>
+              <a:defRPr>
+                <a:solidFill>
+                  <a:schemeClr val="tx1">
+                    <a:tint val="75000"/>
+                  </a:schemeClr>
+                </a:solidFill>
+              </a:defRPr>
+            </a:lvl2pPr>
+            <a:lvl3pPr marL="1219170" indent="0" algn="ctr">
+              <a:buNone/>
+              <a:defRPr>
+                <a:solidFill>
+                  <a:schemeClr val="tx1">
+                    <a:tint val="75000"/>
+                  </a:schemeClr>
+                </a:solidFill>
+              </a:defRPr>
+            </a:lvl3pPr>
+            <a:lvl4pPr marL="1828754" indent="0" algn="ctr">
+              <a:buNone/>
+              <a:defRPr>
+                <a:solidFill>
+                  <a:schemeClr val="tx1">
+                    <a:tint val="75000"/>
+                  </a:schemeClr>
+                </a:solidFill>
+              </a:defRPr>
+            </a:lvl4pPr>
+            <a:lvl5pPr marL="2438339" indent="0" algn="ctr">
+              <a:buNone/>
+              <a:defRPr>
+                <a:solidFill>
+                  <a:schemeClr val="tx1">
+                    <a:tint val="75000"/>
+                  </a:schemeClr>
+                </a:solidFill>
+              </a:defRPr>
+            </a:lvl5pPr>
+            <a:lvl6pPr marL="3047924" indent="0" algn="ctr">
+              <a:buNone/>
+              <a:defRPr>
+                <a:solidFill>
+                  <a:schemeClr val="tx1">
+                    <a:tint val="75000"/>
+                  </a:schemeClr>
+                </a:solidFill>
+              </a:defRPr>
+            </a:lvl6pPr>
+            <a:lvl7pPr marL="3657509" indent="0" algn="ctr">
+              <a:buNone/>
+              <a:defRPr>
+                <a:solidFill>
+                  <a:schemeClr val="tx1">
+                    <a:tint val="75000"/>
+                  </a:schemeClr>
+                </a:solidFill>
+              </a:defRPr>
+            </a:lvl7pPr>
+            <a:lvl8pPr marL="4267093" indent="0" algn="ctr">
+              <a:buNone/>
+              <a:defRPr>
+                <a:solidFill>
+                  <a:schemeClr val="tx1">
+                    <a:tint val="75000"/>
+                  </a:schemeClr>
+                </a:solidFill>
+              </a:defRPr>
+            </a:lvl8pPr>
+            <a:lvl9pPr marL="4876678" indent="0" algn="ctr">
+              <a:buNone/>
+              <a:defRPr>
+                <a:solidFill>
+                  <a:schemeClr val="tx1">
+                    <a:tint val="75000"/>
+                  </a:schemeClr>
+                </a:solidFill>
+              </a:defRPr>
+            </a:lvl9pPr>
+          </a:lstStyle>
+          <a:p>
+            <a:r>
+              <a:rPr lang="en-US" smtClean="0"/>
+              <a:t>Click to edit Master subtitle style</a:t>
+            </a:r>
+            <a:endParaRPr lang="en-US"/>
+          </a:p>
+        </p:txBody>
+      </p:sp>
+      <p:sp>
+        <p:nvSpPr>
+          <p:cNvPr id="4" name="Date Placeholder 3"/>
+          <p:cNvSpPr>
+            <a:spLocks noGrp="1"/>
+          </p:cNvSpPr>
+          <p:nvPr>
+            <p:ph type="dt" sz="half" idx="10"/>
+          </p:nvPr>
+        </p:nvSpPr>
+        <p:spPr/>
+        <p:txBody>
+          <a:bodyPr/>
+          <a:lstStyle/>
+          <a:p>
+            <a:fld id="{F642DA6E-6CD9-7C41-9FD8-01D28C61CAEF}" type="datetimeFigureOut">
+              <a:rPr lang="en-US" smtClean="0">
+                <a:solidFill>
+                  <a:prstClr val="black">
+                    <a:tint val="75000"/>
+                  </a:prstClr>
+                </a:solidFill>
+              </a:rPr>
+              <a:pPr/>
+              <a:t>3/1/2016</a:t>
+            </a:fld>
+            <a:endParaRPr lang="en-US">
+              <a:solidFill>
+                <a:prstClr val="black">
+                  <a:tint val="75000"/>
+                </a:prstClr>
+              </a:solidFill>
+            </a:endParaRPr>
+          </a:p>
+        </p:txBody>
+      </p:sp>
+      <p:sp>
+        <p:nvSpPr>
+          <p:cNvPr id="5" name="Footer Placeholder 4"/>
+          <p:cNvSpPr>
+            <a:spLocks noGrp="1"/>
+          </p:cNvSpPr>
+          <p:nvPr>
+            <p:ph type="ftr" sz="quarter" idx="11"/>
+          </p:nvPr>
+        </p:nvSpPr>
+        <p:spPr/>
+        <p:txBody>
+          <a:bodyPr/>
+          <a:lstStyle/>
+          <a:p>
+            <a:endParaRPr lang="en-US">
+              <a:solidFill>
+                <a:prstClr val="black">
+                  <a:tint val="75000"/>
+                </a:prstClr>
+              </a:solidFill>
+            </a:endParaRPr>
+          </a:p>
+        </p:txBody>
+      </p:sp>
+      <p:sp>
+        <p:nvSpPr>
+          <p:cNvPr id="6" name="Slide Number Placeholder 5"/>
+          <p:cNvSpPr>
+            <a:spLocks noGrp="1"/>
+          </p:cNvSpPr>
+          <p:nvPr>
+            <p:ph type="sldNum" sz="quarter" idx="12"/>
+          </p:nvPr>
+        </p:nvSpPr>
+        <p:spPr/>
+        <p:txBody>
+          <a:bodyPr/>
+          <a:lstStyle/>
+          <a:p>
+            <a:fld id="{CE3CCD67-A99C-7B4C-9065-78DD3F082118}" type="slidenum">
+              <a:rPr lang="en-US" smtClean="0">
+                <a:solidFill>
+                  <a:prstClr val="black">
+                    <a:tint val="75000"/>
+                  </a:prstClr>
+                </a:solidFill>
+              </a:rPr>
+              <a:pPr/>
+              <a:t>‹#›</a:t>
+            </a:fld>
+            <a:endParaRPr lang="en-US">
+              <a:solidFill>
+                <a:prstClr val="black">
+                  <a:tint val="75000"/>
+                </a:prstClr>
+              </a:solidFill>
+            </a:endParaRPr>
+          </a:p>
+        </p:txBody>
+      </p:sp>
+    </p:spTree>
+    <p:extLst>
+      <p:ext uri="{BB962C8B-B14F-4D97-AF65-F5344CB8AC3E}">
+        <p14:creationId xmlns:p14="http://schemas.microsoft.com/office/powerpoint/2010/main" val="3395938659"/>
+      </p:ext>
+    </p:extLst>
+  </p:cSld>
+  <p:clrMapOvr>
+    <a:masterClrMapping/>
+  </p:clrMapOvr>
+</p:sldLayout>
+</file>
+
+<file path=ppt/slideLayouts/slideLayout13.xml><?xml version="1.0" encoding="utf-8"?>
+<p:sldLayout xmlns:a="http://schemas.openxmlformats.org/drawingml/2006/main" xmlns:r="http://schemas.openxmlformats.org/officeDocument/2006/relationships" xmlns:p="http://schemas.openxmlformats.org/presentationml/2006/main" type="obj" preserve="1">
+  <p:cSld name="Title and Content">
+    <p:spTree>
+      <p:nvGrpSpPr>
+        <p:cNvPr id="1" name=""/>
+        <p:cNvGrpSpPr/>
+        <p:nvPr/>
+      </p:nvGrpSpPr>
+      <p:grpSpPr>
+        <a:xfrm>
+          <a:off x="0" y="0"/>
+          <a:ext cx="0" cy="0"/>
+          <a:chOff x="0" y="0"/>
+          <a:chExt cx="0" cy="0"/>
+        </a:xfrm>
+      </p:grpSpPr>
+      <p:sp>
+        <p:nvSpPr>
+          <p:cNvPr id="2" name="Title 1"/>
+          <p:cNvSpPr>
+            <a:spLocks noGrp="1"/>
+          </p:cNvSpPr>
+          <p:nvPr>
+            <p:ph type="title"/>
+          </p:nvPr>
+        </p:nvSpPr>
+        <p:spPr/>
+        <p:txBody>
+          <a:bodyPr/>
+          <a:lstStyle/>
+          <a:p>
+            <a:r>
+              <a:rPr lang="en-US" smtClean="0"/>
+              <a:t>Click to edit Master title style</a:t>
+            </a:r>
+            <a:endParaRPr lang="en-US"/>
+          </a:p>
+        </p:txBody>
+      </p:sp>
+      <p:sp>
+        <p:nvSpPr>
+          <p:cNvPr id="3" name="Content Placeholder 2"/>
+          <p:cNvSpPr>
+            <a:spLocks noGrp="1"/>
+          </p:cNvSpPr>
+          <p:nvPr>
+            <p:ph idx="1"/>
+          </p:nvPr>
+        </p:nvSpPr>
+        <p:spPr/>
+        <p:txBody>
+          <a:bodyPr/>
+          <a:lstStyle/>
+          <a:p>
+            <a:pPr lvl="0"/>
+            <a:r>
+              <a:rPr lang="en-US" smtClean="0"/>
+              <a:t>Click to edit Master text styles</a:t>
+            </a:r>
+          </a:p>
+          <a:p>
+            <a:pPr lvl="1"/>
+            <a:r>
+              <a:rPr lang="en-US" smtClean="0"/>
+              <a:t>Second level</a:t>
+            </a:r>
+          </a:p>
+          <a:p>
+            <a:pPr lvl="2"/>
+            <a:r>
+              <a:rPr lang="en-US" smtClean="0"/>
+              <a:t>Third level</a:t>
+            </a:r>
+          </a:p>
+          <a:p>
+            <a:pPr lvl="3"/>
+            <a:r>
+              <a:rPr lang="en-US" smtClean="0"/>
+              <a:t>Fourth level</a:t>
+            </a:r>
+          </a:p>
+          <a:p>
+            <a:pPr lvl="4"/>
+            <a:r>
+              <a:rPr lang="en-US" smtClean="0"/>
+              <a:t>Fifth level</a:t>
+            </a:r>
+            <a:endParaRPr lang="en-US"/>
+          </a:p>
+        </p:txBody>
+      </p:sp>
+      <p:sp>
+        <p:nvSpPr>
+          <p:cNvPr id="4" name="Date Placeholder 3"/>
+          <p:cNvSpPr>
+            <a:spLocks noGrp="1"/>
+          </p:cNvSpPr>
+          <p:nvPr>
+            <p:ph type="dt" sz="half" idx="10"/>
+          </p:nvPr>
+        </p:nvSpPr>
+        <p:spPr/>
+        <p:txBody>
+          <a:bodyPr/>
+          <a:lstStyle/>
+          <a:p>
+            <a:fld id="{F642DA6E-6CD9-7C41-9FD8-01D28C61CAEF}" type="datetimeFigureOut">
+              <a:rPr lang="en-US" smtClean="0">
+                <a:solidFill>
+                  <a:prstClr val="black">
+                    <a:tint val="75000"/>
+                  </a:prstClr>
+                </a:solidFill>
+              </a:rPr>
+              <a:pPr/>
+              <a:t>3/1/2016</a:t>
+            </a:fld>
+            <a:endParaRPr lang="en-US">
+              <a:solidFill>
+                <a:prstClr val="black">
+                  <a:tint val="75000"/>
+                </a:prstClr>
+              </a:solidFill>
+            </a:endParaRPr>
+          </a:p>
+        </p:txBody>
+      </p:sp>
+      <p:sp>
+        <p:nvSpPr>
+          <p:cNvPr id="5" name="Footer Placeholder 4"/>
+          <p:cNvSpPr>
+            <a:spLocks noGrp="1"/>
+          </p:cNvSpPr>
+          <p:nvPr>
+            <p:ph type="ftr" sz="quarter" idx="11"/>
+          </p:nvPr>
+        </p:nvSpPr>
+        <p:spPr/>
+        <p:txBody>
+          <a:bodyPr/>
+          <a:lstStyle/>
+          <a:p>
+            <a:endParaRPr lang="en-US">
+              <a:solidFill>
+                <a:prstClr val="black">
+                  <a:tint val="75000"/>
+                </a:prstClr>
+              </a:solidFill>
+            </a:endParaRPr>
+          </a:p>
+        </p:txBody>
+      </p:sp>
+      <p:sp>
+        <p:nvSpPr>
+          <p:cNvPr id="6" name="Slide Number Placeholder 5"/>
+          <p:cNvSpPr>
+            <a:spLocks noGrp="1"/>
+          </p:cNvSpPr>
+          <p:nvPr>
+            <p:ph type="sldNum" sz="quarter" idx="12"/>
+          </p:nvPr>
+        </p:nvSpPr>
+        <p:spPr/>
+        <p:txBody>
+          <a:bodyPr/>
+          <a:lstStyle/>
+          <a:p>
+            <a:fld id="{CE3CCD67-A99C-7B4C-9065-78DD3F082118}" type="slidenum">
+              <a:rPr lang="en-US" smtClean="0">
+                <a:solidFill>
+                  <a:prstClr val="black">
+                    <a:tint val="75000"/>
+                  </a:prstClr>
+                </a:solidFill>
+              </a:rPr>
+              <a:pPr/>
+              <a:t>‹#›</a:t>
+            </a:fld>
+            <a:endParaRPr lang="en-US">
+              <a:solidFill>
+                <a:prstClr val="black">
+                  <a:tint val="75000"/>
+                </a:prstClr>
+              </a:solidFill>
+            </a:endParaRPr>
+          </a:p>
+        </p:txBody>
+      </p:sp>
+    </p:spTree>
+    <p:extLst>
+      <p:ext uri="{BB962C8B-B14F-4D97-AF65-F5344CB8AC3E}">
+        <p14:creationId xmlns:p14="http://schemas.microsoft.com/office/powerpoint/2010/main" val="2354691380"/>
+      </p:ext>
+    </p:extLst>
+  </p:cSld>
+  <p:clrMapOvr>
+    <a:masterClrMapping/>
+  </p:clrMapOvr>
+</p:sldLayout>
+</file>
+
+<file path=ppt/slideLayouts/slideLayout14.xml><?xml version="1.0" encoding="utf-8"?>
+<p:sldLayout xmlns:a="http://schemas.openxmlformats.org/drawingml/2006/main" xmlns:r="http://schemas.openxmlformats.org/officeDocument/2006/relationships" xmlns:p="http://schemas.openxmlformats.org/presentationml/2006/main" type="secHead" preserve="1">
+  <p:cSld name="Section Header">
+    <p:spTree>
+      <p:nvGrpSpPr>
+        <p:cNvPr id="1" name=""/>
+        <p:cNvGrpSpPr/>
+        <p:nvPr/>
+      </p:nvGrpSpPr>
+      <p:grpSpPr>
+        <a:xfrm>
+          <a:off x="0" y="0"/>
+          <a:ext cx="0" cy="0"/>
+          <a:chOff x="0" y="0"/>
+          <a:chExt cx="0" cy="0"/>
+        </a:xfrm>
+      </p:grpSpPr>
+      <p:sp>
+        <p:nvSpPr>
+          <p:cNvPr id="2" name="Title 1"/>
+          <p:cNvSpPr>
+            <a:spLocks noGrp="1"/>
+          </p:cNvSpPr>
+          <p:nvPr>
+            <p:ph type="title"/>
+          </p:nvPr>
+        </p:nvSpPr>
+        <p:spPr>
+          <a:xfrm>
+            <a:off x="963084" y="4406901"/>
+            <a:ext cx="10363200" cy="1362075"/>
+          </a:xfrm>
+        </p:spPr>
+        <p:txBody>
+          <a:bodyPr anchor="t"/>
+          <a:lstStyle>
+            <a:lvl1pPr algn="l">
+              <a:defRPr sz="5333" b="1" cap="all"/>
+            </a:lvl1pPr>
+          </a:lstStyle>
+          <a:p>
+            <a:r>
+              <a:rPr lang="en-US" smtClean="0"/>
+              <a:t>Click to edit Master title style</a:t>
+            </a:r>
+            <a:endParaRPr lang="en-US"/>
+          </a:p>
+        </p:txBody>
+      </p:sp>
+      <p:sp>
+        <p:nvSpPr>
+          <p:cNvPr id="3" name="Text Placeholder 2"/>
+          <p:cNvSpPr>
+            <a:spLocks noGrp="1"/>
+          </p:cNvSpPr>
+          <p:nvPr>
+            <p:ph type="body" idx="1"/>
+          </p:nvPr>
+        </p:nvSpPr>
+        <p:spPr>
+          <a:xfrm>
+            <a:off x="963084" y="2906713"/>
+            <a:ext cx="10363200" cy="1500187"/>
+          </a:xfrm>
+        </p:spPr>
+        <p:txBody>
+          <a:bodyPr anchor="b"/>
+          <a:lstStyle>
+            <a:lvl1pPr marL="0" indent="0">
+              <a:buNone/>
+              <a:defRPr sz="2667">
+                <a:solidFill>
+                  <a:schemeClr val="tx1">
+                    <a:tint val="75000"/>
+                  </a:schemeClr>
+                </a:solidFill>
+              </a:defRPr>
+            </a:lvl1pPr>
+            <a:lvl2pPr marL="609585" indent="0">
+              <a:buNone/>
+              <a:defRPr sz="2400">
+                <a:solidFill>
+                  <a:schemeClr val="tx1">
+                    <a:tint val="75000"/>
+                  </a:schemeClr>
+                </a:solidFill>
+              </a:defRPr>
+            </a:lvl2pPr>
+            <a:lvl3pPr marL="1219170" indent="0">
+              <a:buNone/>
+              <a:defRPr sz="2133">
+                <a:solidFill>
+                  <a:schemeClr val="tx1">
+                    <a:tint val="75000"/>
+                  </a:schemeClr>
+                </a:solidFill>
+              </a:defRPr>
+            </a:lvl3pPr>
+            <a:lvl4pPr marL="1828754" indent="0">
+              <a:buNone/>
+              <a:defRPr sz="1867">
+                <a:solidFill>
+                  <a:schemeClr val="tx1">
+                    <a:tint val="75000"/>
+                  </a:schemeClr>
+                </a:solidFill>
+              </a:defRPr>
+            </a:lvl4pPr>
+            <a:lvl5pPr marL="2438339" indent="0">
+              <a:buNone/>
+              <a:defRPr sz="1867">
+                <a:solidFill>
+                  <a:schemeClr val="tx1">
+                    <a:tint val="75000"/>
+                  </a:schemeClr>
+                </a:solidFill>
+              </a:defRPr>
+            </a:lvl5pPr>
+            <a:lvl6pPr marL="3047924" indent="0">
+              <a:buNone/>
+              <a:defRPr sz="1867">
+                <a:solidFill>
+                  <a:schemeClr val="tx1">
+                    <a:tint val="75000"/>
+                  </a:schemeClr>
+                </a:solidFill>
+              </a:defRPr>
+            </a:lvl6pPr>
+            <a:lvl7pPr marL="3657509" indent="0">
+              <a:buNone/>
+              <a:defRPr sz="1867">
+                <a:solidFill>
+                  <a:schemeClr val="tx1">
+                    <a:tint val="75000"/>
+                  </a:schemeClr>
+                </a:solidFill>
+              </a:defRPr>
+            </a:lvl7pPr>
+            <a:lvl8pPr marL="4267093" indent="0">
+              <a:buNone/>
+              <a:defRPr sz="1867">
+                <a:solidFill>
+                  <a:schemeClr val="tx1">
+                    <a:tint val="75000"/>
+                  </a:schemeClr>
+                </a:solidFill>
+              </a:defRPr>
+            </a:lvl8pPr>
+            <a:lvl9pPr marL="4876678" indent="0">
+              <a:buNone/>
+              <a:defRPr sz="1867">
+                <a:solidFill>
+                  <a:schemeClr val="tx1">
+                    <a:tint val="75000"/>
+                  </a:schemeClr>
+                </a:solidFill>
+              </a:defRPr>
+            </a:lvl9pPr>
+          </a:lstStyle>
+          <a:p>
+            <a:pPr lvl="0"/>
+            <a:r>
+              <a:rPr lang="en-US" smtClean="0"/>
+              <a:t>Click to edit Master text styles</a:t>
+            </a:r>
+          </a:p>
+        </p:txBody>
+      </p:sp>
+      <p:sp>
+        <p:nvSpPr>
+          <p:cNvPr id="4" name="Date Placeholder 3"/>
+          <p:cNvSpPr>
+            <a:spLocks noGrp="1"/>
+          </p:cNvSpPr>
+          <p:nvPr>
+            <p:ph type="dt" sz="half" idx="10"/>
+          </p:nvPr>
+        </p:nvSpPr>
+        <p:spPr/>
+        <p:txBody>
+          <a:bodyPr/>
+          <a:lstStyle/>
+          <a:p>
+            <a:fld id="{F642DA6E-6CD9-7C41-9FD8-01D28C61CAEF}" type="datetimeFigureOut">
+              <a:rPr lang="en-US" smtClean="0">
+                <a:solidFill>
+                  <a:prstClr val="black">
+                    <a:tint val="75000"/>
+                  </a:prstClr>
+                </a:solidFill>
+              </a:rPr>
+              <a:pPr/>
+              <a:t>3/1/2016</a:t>
+            </a:fld>
+            <a:endParaRPr lang="en-US">
+              <a:solidFill>
+                <a:prstClr val="black">
+                  <a:tint val="75000"/>
+                </a:prstClr>
+              </a:solidFill>
+            </a:endParaRPr>
+          </a:p>
+        </p:txBody>
+      </p:sp>
+      <p:sp>
+        <p:nvSpPr>
+          <p:cNvPr id="5" name="Footer Placeholder 4"/>
+          <p:cNvSpPr>
+            <a:spLocks noGrp="1"/>
+          </p:cNvSpPr>
+          <p:nvPr>
+            <p:ph type="ftr" sz="quarter" idx="11"/>
+          </p:nvPr>
+        </p:nvSpPr>
+        <p:spPr/>
+        <p:txBody>
+          <a:bodyPr/>
+          <a:lstStyle/>
+          <a:p>
+            <a:endParaRPr lang="en-US">
+              <a:solidFill>
+                <a:prstClr val="black">
+                  <a:tint val="75000"/>
+                </a:prstClr>
+              </a:solidFill>
+            </a:endParaRPr>
+          </a:p>
+        </p:txBody>
+      </p:sp>
+      <p:sp>
+        <p:nvSpPr>
+          <p:cNvPr id="6" name="Slide Number Placeholder 5"/>
+          <p:cNvSpPr>
+            <a:spLocks noGrp="1"/>
+          </p:cNvSpPr>
+          <p:nvPr>
+            <p:ph type="sldNum" sz="quarter" idx="12"/>
+          </p:nvPr>
+        </p:nvSpPr>
+        <p:spPr/>
+        <p:txBody>
+          <a:bodyPr/>
+          <a:lstStyle/>
+          <a:p>
+            <a:fld id="{CE3CCD67-A99C-7B4C-9065-78DD3F082118}" type="slidenum">
+              <a:rPr lang="en-US" smtClean="0">
+                <a:solidFill>
+                  <a:prstClr val="black">
+                    <a:tint val="75000"/>
+                  </a:prstClr>
+                </a:solidFill>
+              </a:rPr>
+              <a:pPr/>
+              <a:t>‹#›</a:t>
+            </a:fld>
+            <a:endParaRPr lang="en-US">
+              <a:solidFill>
+                <a:prstClr val="black">
+                  <a:tint val="75000"/>
+                </a:prstClr>
+              </a:solidFill>
+            </a:endParaRPr>
+          </a:p>
+        </p:txBody>
+      </p:sp>
+    </p:spTree>
+    <p:extLst>
+      <p:ext uri="{BB962C8B-B14F-4D97-AF65-F5344CB8AC3E}">
+        <p14:creationId xmlns:p14="http://schemas.microsoft.com/office/powerpoint/2010/main" val="3906545932"/>
+      </p:ext>
+    </p:extLst>
+  </p:cSld>
+  <p:clrMapOvr>
+    <a:masterClrMapping/>
+  </p:clrMapOvr>
+</p:sldLayout>
+</file>
+
+<file path=ppt/slideLayouts/slideLayout15.xml><?xml version="1.0" encoding="utf-8"?>
+<p:sldLayout xmlns:a="http://schemas.openxmlformats.org/drawingml/2006/main" xmlns:r="http://schemas.openxmlformats.org/officeDocument/2006/relationships" xmlns:p="http://schemas.openxmlformats.org/presentationml/2006/main" type="twoObj" preserve="1">
+  <p:cSld name="Two Content">
+    <p:spTree>
+      <p:nvGrpSpPr>
+        <p:cNvPr id="1" name=""/>
+        <p:cNvGrpSpPr/>
+        <p:nvPr/>
+      </p:nvGrpSpPr>
+      <p:grpSpPr>
+        <a:xfrm>
+          <a:off x="0" y="0"/>
+          <a:ext cx="0" cy="0"/>
+          <a:chOff x="0" y="0"/>
+          <a:chExt cx="0" cy="0"/>
+        </a:xfrm>
+      </p:grpSpPr>
+      <p:sp>
+        <p:nvSpPr>
+          <p:cNvPr id="2" name="Title 1"/>
+          <p:cNvSpPr>
+            <a:spLocks noGrp="1"/>
+          </p:cNvSpPr>
+          <p:nvPr>
+            <p:ph type="title"/>
+          </p:nvPr>
+        </p:nvSpPr>
+        <p:spPr/>
+        <p:txBody>
+          <a:bodyPr/>
+          <a:lstStyle/>
+          <a:p>
+            <a:r>
+              <a:rPr lang="en-US" smtClean="0"/>
+              <a:t>Click to edit Master title style</a:t>
+            </a:r>
+            <a:endParaRPr lang="en-US"/>
+          </a:p>
+        </p:txBody>
+      </p:sp>
+      <p:sp>
+        <p:nvSpPr>
+          <p:cNvPr id="3" name="Content Placeholder 2"/>
+          <p:cNvSpPr>
+            <a:spLocks noGrp="1"/>
+          </p:cNvSpPr>
+          <p:nvPr>
+            <p:ph sz="half" idx="1"/>
+          </p:nvPr>
+        </p:nvSpPr>
+        <p:spPr>
+          <a:xfrm>
+            <a:off x="609600" y="1200151"/>
+            <a:ext cx="5384800" cy="3394075"/>
+          </a:xfrm>
+        </p:spPr>
+        <p:txBody>
+          <a:bodyPr/>
+          <a:lstStyle>
+            <a:lvl1pPr>
+              <a:defRPr sz="3733"/>
+            </a:lvl1pPr>
+            <a:lvl2pPr>
+              <a:defRPr sz="3200"/>
+            </a:lvl2pPr>
+            <a:lvl3pPr>
+              <a:defRPr sz="2667"/>
+            </a:lvl3pPr>
+            <a:lvl4pPr>
+              <a:defRPr sz="2400"/>
+            </a:lvl4pPr>
+            <a:lvl5pPr>
+              <a:defRPr sz="2400"/>
+            </a:lvl5pPr>
+            <a:lvl6pPr>
+              <a:defRPr sz="2400"/>
+            </a:lvl6pPr>
+            <a:lvl7pPr>
+              <a:defRPr sz="2400"/>
+            </a:lvl7pPr>
+            <a:lvl8pPr>
+              <a:defRPr sz="2400"/>
+            </a:lvl8pPr>
+            <a:lvl9pPr>
+              <a:defRPr sz="2400"/>
+            </a:lvl9pPr>
+          </a:lstStyle>
+          <a:p>
+            <a:pPr lvl="0"/>
+            <a:r>
+              <a:rPr lang="en-US" smtClean="0"/>
+              <a:t>Click to edit Master text styles</a:t>
+            </a:r>
+          </a:p>
+          <a:p>
+            <a:pPr lvl="1"/>
+            <a:r>
+              <a:rPr lang="en-US" smtClean="0"/>
+              <a:t>Second level</a:t>
+            </a:r>
+          </a:p>
+          <a:p>
+            <a:pPr lvl="2"/>
+            <a:r>
+              <a:rPr lang="en-US" smtClean="0"/>
+              <a:t>Third level</a:t>
+            </a:r>
+          </a:p>
+          <a:p>
+            <a:pPr lvl="3"/>
+            <a:r>
+              <a:rPr lang="en-US" smtClean="0"/>
+              <a:t>Fourth level</a:t>
+            </a:r>
+          </a:p>
+          <a:p>
+            <a:pPr lvl="4"/>
+            <a:r>
+              <a:rPr lang="en-US" smtClean="0"/>
+              <a:t>Fifth level</a:t>
+            </a:r>
+            <a:endParaRPr lang="en-US"/>
+          </a:p>
+        </p:txBody>
+      </p:sp>
+      <p:sp>
+        <p:nvSpPr>
+          <p:cNvPr id="4" name="Content Placeholder 3"/>
+          <p:cNvSpPr>
+            <a:spLocks noGrp="1"/>
+          </p:cNvSpPr>
+          <p:nvPr>
+            <p:ph sz="half" idx="2"/>
+          </p:nvPr>
+        </p:nvSpPr>
+        <p:spPr>
+          <a:xfrm>
+            <a:off x="6197600" y="1200151"/>
+            <a:ext cx="5384800" cy="3394075"/>
+          </a:xfrm>
+        </p:spPr>
+        <p:txBody>
+          <a:bodyPr/>
+          <a:lstStyle>
+            <a:lvl1pPr>
+              <a:defRPr sz="3733"/>
+            </a:lvl1pPr>
+            <a:lvl2pPr>
+              <a:defRPr sz="3200"/>
+            </a:lvl2pPr>
+            <a:lvl3pPr>
+              <a:defRPr sz="2667"/>
+            </a:lvl3pPr>
+            <a:lvl4pPr>
+              <a:defRPr sz="2400"/>
+            </a:lvl4pPr>
+            <a:lvl5pPr>
+              <a:defRPr sz="2400"/>
+            </a:lvl5pPr>
+            <a:lvl6pPr>
+              <a:defRPr sz="2400"/>
+            </a:lvl6pPr>
+            <a:lvl7pPr>
+              <a:defRPr sz="2400"/>
+            </a:lvl7pPr>
+            <a:lvl8pPr>
+              <a:defRPr sz="2400"/>
+            </a:lvl8pPr>
+            <a:lvl9pPr>
+              <a:defRPr sz="2400"/>
+            </a:lvl9pPr>
+          </a:lstStyle>
+          <a:p>
+            <a:pPr lvl="0"/>
+            <a:r>
+              <a:rPr lang="en-US" smtClean="0"/>
+              <a:t>Click to edit Master text styles</a:t>
+            </a:r>
+          </a:p>
+          <a:p>
+            <a:pPr lvl="1"/>
+            <a:r>
+              <a:rPr lang="en-US" smtClean="0"/>
+              <a:t>Second level</a:t>
+            </a:r>
+          </a:p>
+          <a:p>
+            <a:pPr lvl="2"/>
+            <a:r>
+              <a:rPr lang="en-US" smtClean="0"/>
+              <a:t>Third level</a:t>
+            </a:r>
+          </a:p>
+          <a:p>
+            <a:pPr lvl="3"/>
+            <a:r>
+              <a:rPr lang="en-US" smtClean="0"/>
+              <a:t>Fourth level</a:t>
+            </a:r>
+          </a:p>
+          <a:p>
+            <a:pPr lvl="4"/>
+            <a:r>
+              <a:rPr lang="en-US" smtClean="0"/>
+              <a:t>Fifth level</a:t>
+            </a:r>
+            <a:endParaRPr lang="en-US"/>
+          </a:p>
+        </p:txBody>
+      </p:sp>
+      <p:sp>
+        <p:nvSpPr>
+          <p:cNvPr id="5" name="Date Placeholder 4"/>
+          <p:cNvSpPr>
+            <a:spLocks noGrp="1"/>
+          </p:cNvSpPr>
+          <p:nvPr>
+            <p:ph type="dt" sz="half" idx="10"/>
+          </p:nvPr>
+        </p:nvSpPr>
+        <p:spPr/>
+        <p:txBody>
+          <a:bodyPr/>
+          <a:lstStyle/>
+          <a:p>
+            <a:fld id="{F642DA6E-6CD9-7C41-9FD8-01D28C61CAEF}" type="datetimeFigureOut">
+              <a:rPr lang="en-US" smtClean="0">
+                <a:solidFill>
+                  <a:prstClr val="black">
+                    <a:tint val="75000"/>
+                  </a:prstClr>
+                </a:solidFill>
+              </a:rPr>
+              <a:pPr/>
+              <a:t>3/1/2016</a:t>
+            </a:fld>
+            <a:endParaRPr lang="en-US">
+              <a:solidFill>
+                <a:prstClr val="black">
+                  <a:tint val="75000"/>
+                </a:prstClr>
+              </a:solidFill>
+            </a:endParaRPr>
+          </a:p>
+        </p:txBody>
+      </p:sp>
+      <p:sp>
+        <p:nvSpPr>
+          <p:cNvPr id="6" name="Footer Placeholder 5"/>
+          <p:cNvSpPr>
+            <a:spLocks noGrp="1"/>
+          </p:cNvSpPr>
+          <p:nvPr>
+            <p:ph type="ftr" sz="quarter" idx="11"/>
+          </p:nvPr>
+        </p:nvSpPr>
+        <p:spPr/>
+        <p:txBody>
+          <a:bodyPr/>
+          <a:lstStyle/>
+          <a:p>
+            <a:endParaRPr lang="en-US">
+              <a:solidFill>
+                <a:prstClr val="black">
+                  <a:tint val="75000"/>
+                </a:prstClr>
+              </a:solidFill>
+            </a:endParaRPr>
+          </a:p>
+        </p:txBody>
+      </p:sp>
+      <p:sp>
+        <p:nvSpPr>
+          <p:cNvPr id="7" name="Slide Number Placeholder 6"/>
+          <p:cNvSpPr>
+            <a:spLocks noGrp="1"/>
+          </p:cNvSpPr>
+          <p:nvPr>
+            <p:ph type="sldNum" sz="quarter" idx="12"/>
+          </p:nvPr>
+        </p:nvSpPr>
+        <p:spPr/>
+        <p:txBody>
+          <a:bodyPr/>
+          <a:lstStyle/>
+          <a:p>
+            <a:fld id="{CE3CCD67-A99C-7B4C-9065-78DD3F082118}" type="slidenum">
+              <a:rPr lang="en-US" smtClean="0">
+                <a:solidFill>
+                  <a:prstClr val="black">
+                    <a:tint val="75000"/>
+                  </a:prstClr>
+                </a:solidFill>
+              </a:rPr>
+              <a:pPr/>
+              <a:t>‹#›</a:t>
+            </a:fld>
+            <a:endParaRPr lang="en-US">
+              <a:solidFill>
+                <a:prstClr val="black">
+                  <a:tint val="75000"/>
+                </a:prstClr>
+              </a:solidFill>
+            </a:endParaRPr>
+          </a:p>
+        </p:txBody>
+      </p:sp>
+    </p:spTree>
+    <p:extLst>
+      <p:ext uri="{BB962C8B-B14F-4D97-AF65-F5344CB8AC3E}">
+        <p14:creationId xmlns:p14="http://schemas.microsoft.com/office/powerpoint/2010/main" val="3399916957"/>
+      </p:ext>
+    </p:extLst>
+  </p:cSld>
+  <p:clrMapOvr>
+    <a:masterClrMapping/>
+  </p:clrMapOvr>
+</p:sldLayout>
+</file>
+
+<file path=ppt/slideLayouts/slideLayout16.xml><?xml version="1.0" encoding="utf-8"?>
+<p:sldLayout xmlns:a="http://schemas.openxmlformats.org/drawingml/2006/main" xmlns:r="http://schemas.openxmlformats.org/officeDocument/2006/relationships" xmlns:p="http://schemas.openxmlformats.org/presentationml/2006/main" type="twoTxTwoObj" preserve="1">
+  <p:cSld name="Comparison">
+    <p:spTree>
+      <p:nvGrpSpPr>
+        <p:cNvPr id="1" name=""/>
+        <p:cNvGrpSpPr/>
+        <p:nvPr/>
+      </p:nvGrpSpPr>
+      <p:grpSpPr>
+        <a:xfrm>
+          <a:off x="0" y="0"/>
+          <a:ext cx="0" cy="0"/>
+          <a:chOff x="0" y="0"/>
+          <a:chExt cx="0" cy="0"/>
+        </a:xfrm>
+      </p:grpSpPr>
+      <p:sp>
+        <p:nvSpPr>
+          <p:cNvPr id="2" name="Title 1"/>
+          <p:cNvSpPr>
+            <a:spLocks noGrp="1"/>
+          </p:cNvSpPr>
+          <p:nvPr>
+            <p:ph type="title"/>
+          </p:nvPr>
+        </p:nvSpPr>
+        <p:spPr>
+          <a:xfrm>
+            <a:off x="609600" y="274639"/>
+            <a:ext cx="10972800" cy="1143000"/>
+          </a:xfrm>
+        </p:spPr>
+        <p:txBody>
+          <a:bodyPr/>
+          <a:lstStyle>
+            <a:lvl1pPr>
+              <a:defRPr/>
+            </a:lvl1pPr>
+          </a:lstStyle>
+          <a:p>
+            <a:r>
+              <a:rPr lang="en-US" smtClean="0"/>
+              <a:t>Click to edit Master title style</a:t>
+            </a:r>
+            <a:endParaRPr lang="en-US"/>
+          </a:p>
+        </p:txBody>
+      </p:sp>
+      <p:sp>
+        <p:nvSpPr>
+          <p:cNvPr id="3" name="Text Placeholder 2"/>
+          <p:cNvSpPr>
+            <a:spLocks noGrp="1"/>
+          </p:cNvSpPr>
+          <p:nvPr>
+            <p:ph type="body" idx="1"/>
+          </p:nvPr>
+        </p:nvSpPr>
+        <p:spPr>
+          <a:xfrm>
+            <a:off x="609600" y="1535113"/>
+            <a:ext cx="5386917" cy="639763"/>
+          </a:xfrm>
+        </p:spPr>
+        <p:txBody>
+          <a:bodyPr anchor="b"/>
+          <a:lstStyle>
+            <a:lvl1pPr marL="0" indent="0">
+              <a:buNone/>
+              <a:defRPr sz="3200" b="1"/>
+            </a:lvl1pPr>
+            <a:lvl2pPr marL="609585" indent="0">
+              <a:buNone/>
+              <a:defRPr sz="2667" b="1"/>
+            </a:lvl2pPr>
+            <a:lvl3pPr marL="1219170" indent="0">
+              <a:buNone/>
+              <a:defRPr sz="2400" b="1"/>
+            </a:lvl3pPr>
+            <a:lvl4pPr marL="1828754" indent="0">
+              <a:buNone/>
+              <a:defRPr sz="2133" b="1"/>
+            </a:lvl4pPr>
+            <a:lvl5pPr marL="2438339" indent="0">
+              <a:buNone/>
+              <a:defRPr sz="2133" b="1"/>
+            </a:lvl5pPr>
+            <a:lvl6pPr marL="3047924" indent="0">
+              <a:buNone/>
+              <a:defRPr sz="2133" b="1"/>
+            </a:lvl6pPr>
+            <a:lvl7pPr marL="3657509" indent="0">
+              <a:buNone/>
+              <a:defRPr sz="2133" b="1"/>
+            </a:lvl7pPr>
+            <a:lvl8pPr marL="4267093" indent="0">
+              <a:buNone/>
+              <a:defRPr sz="2133" b="1"/>
+            </a:lvl8pPr>
+            <a:lvl9pPr marL="4876678" indent="0">
+              <a:buNone/>
+              <a:defRPr sz="2133" b="1"/>
+            </a:lvl9pPr>
+          </a:lstStyle>
+          <a:p>
+            <a:pPr lvl="0"/>
+            <a:r>
+              <a:rPr lang="en-US" smtClean="0"/>
+              <a:t>Click to edit Master text styles</a:t>
+            </a:r>
+          </a:p>
+        </p:txBody>
+      </p:sp>
+      <p:sp>
+        <p:nvSpPr>
+          <p:cNvPr id="4" name="Content Placeholder 3"/>
+          <p:cNvSpPr>
+            <a:spLocks noGrp="1"/>
+          </p:cNvSpPr>
+          <p:nvPr>
+            <p:ph sz="half" idx="2"/>
+          </p:nvPr>
+        </p:nvSpPr>
+        <p:spPr>
+          <a:xfrm>
+            <a:off x="609600" y="2174875"/>
+            <a:ext cx="5386917" cy="3951288"/>
+          </a:xfrm>
+        </p:spPr>
+        <p:txBody>
+          <a:bodyPr/>
+          <a:lstStyle>
+            <a:lvl1pPr>
+              <a:defRPr sz="3200"/>
+            </a:lvl1pPr>
+            <a:lvl2pPr>
+              <a:defRPr sz="2667"/>
+            </a:lvl2pPr>
+            <a:lvl3pPr>
+              <a:defRPr sz="2400"/>
+            </a:lvl3pPr>
+            <a:lvl4pPr>
+              <a:defRPr sz="2133"/>
+            </a:lvl4pPr>
+            <a:lvl5pPr>
+              <a:defRPr sz="2133"/>
+            </a:lvl5pPr>
+            <a:lvl6pPr>
+              <a:defRPr sz="2133"/>
+            </a:lvl6pPr>
+            <a:lvl7pPr>
+              <a:defRPr sz="2133"/>
+            </a:lvl7pPr>
+            <a:lvl8pPr>
+              <a:defRPr sz="2133"/>
+            </a:lvl8pPr>
+            <a:lvl9pPr>
+              <a:defRPr sz="2133"/>
+            </a:lvl9pPr>
+          </a:lstStyle>
+          <a:p>
+            <a:pPr lvl="0"/>
+            <a:r>
+              <a:rPr lang="en-US" smtClean="0"/>
+              <a:t>Click to edit Master text styles</a:t>
+            </a:r>
+          </a:p>
+          <a:p>
+            <a:pPr lvl="1"/>
+            <a:r>
+              <a:rPr lang="en-US" smtClean="0"/>
+              <a:t>Second level</a:t>
+            </a:r>
+          </a:p>
+          <a:p>
+            <a:pPr lvl="2"/>
+            <a:r>
+              <a:rPr lang="en-US" smtClean="0"/>
+              <a:t>Third level</a:t>
+            </a:r>
+          </a:p>
+          <a:p>
+            <a:pPr lvl="3"/>
+            <a:r>
+              <a:rPr lang="en-US" smtClean="0"/>
+              <a:t>Fourth level</a:t>
+            </a:r>
+          </a:p>
+          <a:p>
+            <a:pPr lvl="4"/>
+            <a:r>
+              <a:rPr lang="en-US" smtClean="0"/>
+              <a:t>Fifth level</a:t>
+            </a:r>
+            <a:endParaRPr lang="en-US"/>
+          </a:p>
+        </p:txBody>
+      </p:sp>
+      <p:sp>
+        <p:nvSpPr>
+          <p:cNvPr id="5" name="Text Placeholder 4"/>
+          <p:cNvSpPr>
+            <a:spLocks noGrp="1"/>
+          </p:cNvSpPr>
+          <p:nvPr>
+            <p:ph type="body" sz="quarter" idx="3"/>
+          </p:nvPr>
+        </p:nvSpPr>
+        <p:spPr>
+          <a:xfrm>
+            <a:off x="6193369" y="1535113"/>
+            <a:ext cx="5389033" cy="639763"/>
+          </a:xfrm>
+        </p:spPr>
+        <p:txBody>
+          <a:bodyPr anchor="b"/>
+          <a:lstStyle>
+            <a:lvl1pPr marL="0" indent="0">
+              <a:buNone/>
+              <a:defRPr sz="3200" b="1"/>
+            </a:lvl1pPr>
+            <a:lvl2pPr marL="609585" indent="0">
+              <a:buNone/>
+              <a:defRPr sz="2667" b="1"/>
+            </a:lvl2pPr>
+            <a:lvl3pPr marL="1219170" indent="0">
+              <a:buNone/>
+              <a:defRPr sz="2400" b="1"/>
+            </a:lvl3pPr>
+            <a:lvl4pPr marL="1828754" indent="0">
+              <a:buNone/>
+              <a:defRPr sz="2133" b="1"/>
+            </a:lvl4pPr>
+            <a:lvl5pPr marL="2438339" indent="0">
+              <a:buNone/>
+              <a:defRPr sz="2133" b="1"/>
+            </a:lvl5pPr>
+            <a:lvl6pPr marL="3047924" indent="0">
+              <a:buNone/>
+              <a:defRPr sz="2133" b="1"/>
+            </a:lvl6pPr>
+            <a:lvl7pPr marL="3657509" indent="0">
+              <a:buNone/>
+              <a:defRPr sz="2133" b="1"/>
+            </a:lvl7pPr>
+            <a:lvl8pPr marL="4267093" indent="0">
+              <a:buNone/>
+              <a:defRPr sz="2133" b="1"/>
+            </a:lvl8pPr>
+            <a:lvl9pPr marL="4876678" indent="0">
+              <a:buNone/>
+              <a:defRPr sz="2133" b="1"/>
+            </a:lvl9pPr>
+          </a:lstStyle>
+          <a:p>
+            <a:pPr lvl="0"/>
+            <a:r>
+              <a:rPr lang="en-US" smtClean="0"/>
+              <a:t>Click to edit Master text styles</a:t>
+            </a:r>
+          </a:p>
+        </p:txBody>
+      </p:sp>
+      <p:sp>
+        <p:nvSpPr>
+          <p:cNvPr id="6" name="Content Placeholder 5"/>
+          <p:cNvSpPr>
+            <a:spLocks noGrp="1"/>
+          </p:cNvSpPr>
+          <p:nvPr>
+            <p:ph sz="quarter" idx="4"/>
+          </p:nvPr>
+        </p:nvSpPr>
+        <p:spPr>
+          <a:xfrm>
+            <a:off x="6193369" y="2174875"/>
+            <a:ext cx="5389033" cy="3951288"/>
+          </a:xfrm>
+        </p:spPr>
+        <p:txBody>
+          <a:bodyPr/>
+          <a:lstStyle>
+            <a:lvl1pPr>
+              <a:defRPr sz="3200"/>
+            </a:lvl1pPr>
+            <a:lvl2pPr>
+              <a:defRPr sz="2667"/>
+            </a:lvl2pPr>
+            <a:lvl3pPr>
+              <a:defRPr sz="2400"/>
+            </a:lvl3pPr>
+            <a:lvl4pPr>
+              <a:defRPr sz="2133"/>
+            </a:lvl4pPr>
+            <a:lvl5pPr>
+              <a:defRPr sz="2133"/>
+            </a:lvl5pPr>
+            <a:lvl6pPr>
+              <a:defRPr sz="2133"/>
+            </a:lvl6pPr>
+            <a:lvl7pPr>
+              <a:defRPr sz="2133"/>
+            </a:lvl7pPr>
+            <a:lvl8pPr>
+              <a:defRPr sz="2133"/>
+            </a:lvl8pPr>
+            <a:lvl9pPr>
+              <a:defRPr sz="2133"/>
+            </a:lvl9pPr>
+          </a:lstStyle>
+          <a:p>
+            <a:pPr lvl="0"/>
+            <a:r>
+              <a:rPr lang="en-US" smtClean="0"/>
+              <a:t>Click to edit Master text styles</a:t>
+            </a:r>
+          </a:p>
+          <a:p>
+            <a:pPr lvl="1"/>
+            <a:r>
+              <a:rPr lang="en-US" smtClean="0"/>
+              <a:t>Second level</a:t>
+            </a:r>
+          </a:p>
+          <a:p>
+            <a:pPr lvl="2"/>
+            <a:r>
+              <a:rPr lang="en-US" smtClean="0"/>
+              <a:t>Third level</a:t>
+            </a:r>
+          </a:p>
+          <a:p>
+            <a:pPr lvl="3"/>
+            <a:r>
+              <a:rPr lang="en-US" smtClean="0"/>
+              <a:t>Fourth level</a:t>
+            </a:r>
+          </a:p>
+          <a:p>
+            <a:pPr lvl="4"/>
+            <a:r>
+              <a:rPr lang="en-US" smtClean="0"/>
+              <a:t>Fifth level</a:t>
+            </a:r>
+            <a:endParaRPr lang="en-US"/>
+          </a:p>
+        </p:txBody>
+      </p:sp>
+      <p:sp>
+        <p:nvSpPr>
+          <p:cNvPr id="7" name="Date Placeholder 6"/>
+          <p:cNvSpPr>
+            <a:spLocks noGrp="1"/>
+          </p:cNvSpPr>
+          <p:nvPr>
+            <p:ph type="dt" sz="half" idx="10"/>
+          </p:nvPr>
+        </p:nvSpPr>
+        <p:spPr/>
+        <p:txBody>
+          <a:bodyPr/>
+          <a:lstStyle/>
+          <a:p>
+            <a:fld id="{F642DA6E-6CD9-7C41-9FD8-01D28C61CAEF}" type="datetimeFigureOut">
+              <a:rPr lang="en-US" smtClean="0">
+                <a:solidFill>
+                  <a:prstClr val="black">
+                    <a:tint val="75000"/>
+                  </a:prstClr>
+                </a:solidFill>
+              </a:rPr>
+              <a:pPr/>
+              <a:t>3/1/2016</a:t>
+            </a:fld>
+            <a:endParaRPr lang="en-US">
+              <a:solidFill>
+                <a:prstClr val="black">
+                  <a:tint val="75000"/>
+                </a:prstClr>
+              </a:solidFill>
+            </a:endParaRPr>
+          </a:p>
+        </p:txBody>
+      </p:sp>
+      <p:sp>
+        <p:nvSpPr>
+          <p:cNvPr id="8" name="Footer Placeholder 7"/>
+          <p:cNvSpPr>
+            <a:spLocks noGrp="1"/>
+          </p:cNvSpPr>
+          <p:nvPr>
+            <p:ph type="ftr" sz="quarter" idx="11"/>
+          </p:nvPr>
+        </p:nvSpPr>
+        <p:spPr/>
+        <p:txBody>
+          <a:bodyPr/>
+          <a:lstStyle/>
+          <a:p>
+            <a:endParaRPr lang="en-US">
+              <a:solidFill>
+                <a:prstClr val="black">
+                  <a:tint val="75000"/>
+                </a:prstClr>
+              </a:solidFill>
+            </a:endParaRPr>
+          </a:p>
+        </p:txBody>
+      </p:sp>
+      <p:sp>
+        <p:nvSpPr>
+          <p:cNvPr id="9" name="Slide Number Placeholder 8"/>
+          <p:cNvSpPr>
+            <a:spLocks noGrp="1"/>
+          </p:cNvSpPr>
+          <p:nvPr>
+            <p:ph type="sldNum" sz="quarter" idx="12"/>
+          </p:nvPr>
+        </p:nvSpPr>
+        <p:spPr/>
+        <p:txBody>
+          <a:bodyPr/>
+          <a:lstStyle/>
+          <a:p>
+            <a:fld id="{CE3CCD67-A99C-7B4C-9065-78DD3F082118}" type="slidenum">
+              <a:rPr lang="en-US" smtClean="0">
+                <a:solidFill>
+                  <a:prstClr val="black">
+                    <a:tint val="75000"/>
+                  </a:prstClr>
+                </a:solidFill>
+              </a:rPr>
+              <a:pPr/>
+              <a:t>‹#›</a:t>
+            </a:fld>
+            <a:endParaRPr lang="en-US">
+              <a:solidFill>
+                <a:prstClr val="black">
+                  <a:tint val="75000"/>
+                </a:prstClr>
+              </a:solidFill>
+            </a:endParaRPr>
+          </a:p>
+        </p:txBody>
+      </p:sp>
+    </p:spTree>
+    <p:extLst>
+      <p:ext uri="{BB962C8B-B14F-4D97-AF65-F5344CB8AC3E}">
+        <p14:creationId xmlns:p14="http://schemas.microsoft.com/office/powerpoint/2010/main" val="3422103616"/>
+      </p:ext>
+    </p:extLst>
+  </p:cSld>
+  <p:clrMapOvr>
+    <a:masterClrMapping/>
+  </p:clrMapOvr>
+</p:sldLayout>
+</file>
+
+<file path=ppt/slideLayouts/slideLayout17.xml><?xml version="1.0" encoding="utf-8"?>
+<p:sldLayout xmlns:a="http://schemas.openxmlformats.org/drawingml/2006/main" xmlns:r="http://schemas.openxmlformats.org/officeDocument/2006/relationships" xmlns:p="http://schemas.openxmlformats.org/presentationml/2006/main" type="titleOnly" preserve="1">
+  <p:cSld name="Title Only">
+    <p:spTree>
+      <p:nvGrpSpPr>
+        <p:cNvPr id="1" name=""/>
+        <p:cNvGrpSpPr/>
+        <p:nvPr/>
+      </p:nvGrpSpPr>
+      <p:grpSpPr>
+        <a:xfrm>
+          <a:off x="0" y="0"/>
+          <a:ext cx="0" cy="0"/>
+          <a:chOff x="0" y="0"/>
+          <a:chExt cx="0" cy="0"/>
+        </a:xfrm>
+      </p:grpSpPr>
+      <p:sp>
+        <p:nvSpPr>
+          <p:cNvPr id="2" name="Title 1"/>
+          <p:cNvSpPr>
+            <a:spLocks noGrp="1"/>
+          </p:cNvSpPr>
+          <p:nvPr>
+            <p:ph type="title"/>
+          </p:nvPr>
+        </p:nvSpPr>
+        <p:spPr/>
+        <p:txBody>
+          <a:bodyPr/>
+          <a:lstStyle/>
+          <a:p>
+            <a:r>
+              <a:rPr lang="en-US" smtClean="0"/>
+              <a:t>Click to edit Master title style</a:t>
+            </a:r>
+            <a:endParaRPr lang="en-US"/>
+          </a:p>
+        </p:txBody>
+      </p:sp>
+      <p:sp>
+        <p:nvSpPr>
+          <p:cNvPr id="3" name="Date Placeholder 2"/>
+          <p:cNvSpPr>
+            <a:spLocks noGrp="1"/>
+          </p:cNvSpPr>
+          <p:nvPr>
+            <p:ph type="dt" sz="half" idx="10"/>
+          </p:nvPr>
+        </p:nvSpPr>
+        <p:spPr/>
+        <p:txBody>
+          <a:bodyPr/>
+          <a:lstStyle/>
+          <a:p>
+            <a:fld id="{F642DA6E-6CD9-7C41-9FD8-01D28C61CAEF}" type="datetimeFigureOut">
+              <a:rPr lang="en-US" smtClean="0">
+                <a:solidFill>
+                  <a:prstClr val="black">
+                    <a:tint val="75000"/>
+                  </a:prstClr>
+                </a:solidFill>
+              </a:rPr>
+              <a:pPr/>
+              <a:t>3/1/2016</a:t>
+            </a:fld>
+            <a:endParaRPr lang="en-US">
+              <a:solidFill>
+                <a:prstClr val="black">
+                  <a:tint val="75000"/>
+                </a:prstClr>
+              </a:solidFill>
+            </a:endParaRPr>
+          </a:p>
+        </p:txBody>
+      </p:sp>
+      <p:sp>
+        <p:nvSpPr>
+          <p:cNvPr id="4" name="Footer Placeholder 3"/>
+          <p:cNvSpPr>
+            <a:spLocks noGrp="1"/>
+          </p:cNvSpPr>
+          <p:nvPr>
+            <p:ph type="ftr" sz="quarter" idx="11"/>
+          </p:nvPr>
+        </p:nvSpPr>
+        <p:spPr/>
+        <p:txBody>
+          <a:bodyPr/>
+          <a:lstStyle/>
+          <a:p>
+            <a:endParaRPr lang="en-US">
+              <a:solidFill>
+                <a:prstClr val="black">
+                  <a:tint val="75000"/>
+                </a:prstClr>
+              </a:solidFill>
+            </a:endParaRPr>
+          </a:p>
+        </p:txBody>
+      </p:sp>
+      <p:sp>
+        <p:nvSpPr>
+          <p:cNvPr id="5" name="Slide Number Placeholder 4"/>
+          <p:cNvSpPr>
+            <a:spLocks noGrp="1"/>
+          </p:cNvSpPr>
+          <p:nvPr>
+            <p:ph type="sldNum" sz="quarter" idx="12"/>
+          </p:nvPr>
+        </p:nvSpPr>
+        <p:spPr/>
+        <p:txBody>
+          <a:bodyPr/>
+          <a:lstStyle/>
+          <a:p>
+            <a:fld id="{CE3CCD67-A99C-7B4C-9065-78DD3F082118}" type="slidenum">
+              <a:rPr lang="en-US" smtClean="0">
+                <a:solidFill>
+                  <a:prstClr val="black">
+                    <a:tint val="75000"/>
+                  </a:prstClr>
+                </a:solidFill>
+              </a:rPr>
+              <a:pPr/>
+              <a:t>‹#›</a:t>
+            </a:fld>
+            <a:endParaRPr lang="en-US">
+              <a:solidFill>
+                <a:prstClr val="black">
+                  <a:tint val="75000"/>
+                </a:prstClr>
+              </a:solidFill>
+            </a:endParaRPr>
+          </a:p>
+        </p:txBody>
+      </p:sp>
+    </p:spTree>
+    <p:extLst>
+      <p:ext uri="{BB962C8B-B14F-4D97-AF65-F5344CB8AC3E}">
+        <p14:creationId xmlns:p14="http://schemas.microsoft.com/office/powerpoint/2010/main" val="1776923725"/>
+      </p:ext>
+    </p:extLst>
+  </p:cSld>
+  <p:clrMapOvr>
+    <a:masterClrMapping/>
+  </p:clrMapOvr>
+</p:sldLayout>
+</file>
+
+<file path=ppt/slideLayouts/slideLayout18.xml><?xml version="1.0" encoding="utf-8"?>
+<p:sldLayout xmlns:a="http://schemas.openxmlformats.org/drawingml/2006/main" xmlns:r="http://schemas.openxmlformats.org/officeDocument/2006/relationships" xmlns:p="http://schemas.openxmlformats.org/presentationml/2006/main" type="blank" preserve="1">
+  <p:cSld name="Blank">
+    <p:spTree>
+      <p:nvGrpSpPr>
+        <p:cNvPr id="1" name=""/>
+        <p:cNvGrpSpPr/>
+        <p:nvPr/>
+      </p:nvGrpSpPr>
+      <p:grpSpPr>
+        <a:xfrm>
+          <a:off x="0" y="0"/>
+          <a:ext cx="0" cy="0"/>
+          <a:chOff x="0" y="0"/>
+          <a:chExt cx="0" cy="0"/>
+        </a:xfrm>
+      </p:grpSpPr>
+      <p:sp>
+        <p:nvSpPr>
+          <p:cNvPr id="2" name="Date Placeholder 1"/>
+          <p:cNvSpPr>
+            <a:spLocks noGrp="1"/>
+          </p:cNvSpPr>
+          <p:nvPr>
+            <p:ph type="dt" sz="half" idx="10"/>
+          </p:nvPr>
+        </p:nvSpPr>
+        <p:spPr/>
+        <p:txBody>
+          <a:bodyPr/>
+          <a:lstStyle/>
+          <a:p>
+            <a:fld id="{F642DA6E-6CD9-7C41-9FD8-01D28C61CAEF}" type="datetimeFigureOut">
+              <a:rPr lang="en-US" smtClean="0">
+                <a:solidFill>
+                  <a:prstClr val="black">
+                    <a:tint val="75000"/>
+                  </a:prstClr>
+                </a:solidFill>
+              </a:rPr>
+              <a:pPr/>
+              <a:t>3/1/2016</a:t>
+            </a:fld>
+            <a:endParaRPr lang="en-US">
+              <a:solidFill>
+                <a:prstClr val="black">
+                  <a:tint val="75000"/>
+                </a:prstClr>
+              </a:solidFill>
+            </a:endParaRPr>
+          </a:p>
+        </p:txBody>
+      </p:sp>
+      <p:sp>
+        <p:nvSpPr>
+          <p:cNvPr id="3" name="Footer Placeholder 2"/>
+          <p:cNvSpPr>
+            <a:spLocks noGrp="1"/>
+          </p:cNvSpPr>
+          <p:nvPr>
+            <p:ph type="ftr" sz="quarter" idx="11"/>
+          </p:nvPr>
+        </p:nvSpPr>
+        <p:spPr/>
+        <p:txBody>
+          <a:bodyPr/>
+          <a:lstStyle/>
+          <a:p>
+            <a:endParaRPr lang="en-US">
+              <a:solidFill>
+                <a:prstClr val="black">
+                  <a:tint val="75000"/>
+                </a:prstClr>
+              </a:solidFill>
+            </a:endParaRPr>
+          </a:p>
+        </p:txBody>
+      </p:sp>
+      <p:sp>
+        <p:nvSpPr>
+          <p:cNvPr id="4" name="Slide Number Placeholder 3"/>
+          <p:cNvSpPr>
+            <a:spLocks noGrp="1"/>
+          </p:cNvSpPr>
+          <p:nvPr>
+            <p:ph type="sldNum" sz="quarter" idx="12"/>
+          </p:nvPr>
+        </p:nvSpPr>
+        <p:spPr/>
+        <p:txBody>
+          <a:bodyPr/>
+          <a:lstStyle/>
+          <a:p>
+            <a:fld id="{CE3CCD67-A99C-7B4C-9065-78DD3F082118}" type="slidenum">
+              <a:rPr lang="en-US" smtClean="0">
+                <a:solidFill>
+                  <a:prstClr val="black">
+                    <a:tint val="75000"/>
+                  </a:prstClr>
+                </a:solidFill>
+              </a:rPr>
+              <a:pPr/>
+              <a:t>‹#›</a:t>
+            </a:fld>
+            <a:endParaRPr lang="en-US">
+              <a:solidFill>
+                <a:prstClr val="black">
+                  <a:tint val="75000"/>
+                </a:prstClr>
+              </a:solidFill>
+            </a:endParaRPr>
+          </a:p>
+        </p:txBody>
+      </p:sp>
+    </p:spTree>
+    <p:extLst>
+      <p:ext uri="{BB962C8B-B14F-4D97-AF65-F5344CB8AC3E}">
+        <p14:creationId xmlns:p14="http://schemas.microsoft.com/office/powerpoint/2010/main" val="1705955808"/>
+      </p:ext>
+    </p:extLst>
+  </p:cSld>
+  <p:clrMapOvr>
+    <a:masterClrMapping/>
+  </p:clrMapOvr>
+</p:sldLayout>
+</file>
+
+<file path=ppt/slideLayouts/slideLayout19.xml><?xml version="1.0" encoding="utf-8"?>
+<p:sldLayout xmlns:a="http://schemas.openxmlformats.org/drawingml/2006/main" xmlns:r="http://schemas.openxmlformats.org/officeDocument/2006/relationships" xmlns:p="http://schemas.openxmlformats.org/presentationml/2006/main" type="objTx" preserve="1">
+  <p:cSld name="Content with Caption">
+    <p:spTree>
+      <p:nvGrpSpPr>
+        <p:cNvPr id="1" name=""/>
+        <p:cNvGrpSpPr/>
+        <p:nvPr/>
+      </p:nvGrpSpPr>
+      <p:grpSpPr>
+        <a:xfrm>
+          <a:off x="0" y="0"/>
+          <a:ext cx="0" cy="0"/>
+          <a:chOff x="0" y="0"/>
+          <a:chExt cx="0" cy="0"/>
+        </a:xfrm>
+      </p:grpSpPr>
+      <p:sp>
+        <p:nvSpPr>
+          <p:cNvPr id="2" name="Title 1"/>
+          <p:cNvSpPr>
+            <a:spLocks noGrp="1"/>
+          </p:cNvSpPr>
+          <p:nvPr>
+            <p:ph type="title"/>
+          </p:nvPr>
+        </p:nvSpPr>
+        <p:spPr>
+          <a:xfrm>
+            <a:off x="609602" y="273049"/>
+            <a:ext cx="4011084" cy="1162051"/>
+          </a:xfrm>
+        </p:spPr>
+        <p:txBody>
+          <a:bodyPr anchor="b"/>
+          <a:lstStyle>
+            <a:lvl1pPr algn="l">
+              <a:defRPr sz="2667" b="1"/>
+            </a:lvl1pPr>
+          </a:lstStyle>
+          <a:p>
+            <a:r>
+              <a:rPr lang="en-US" smtClean="0"/>
+              <a:t>Click to edit Master title style</a:t>
+            </a:r>
+            <a:endParaRPr lang="en-US"/>
+          </a:p>
+        </p:txBody>
+      </p:sp>
+      <p:sp>
+        <p:nvSpPr>
+          <p:cNvPr id="3" name="Content Placeholder 2"/>
+          <p:cNvSpPr>
+            <a:spLocks noGrp="1"/>
+          </p:cNvSpPr>
+          <p:nvPr>
+            <p:ph idx="1"/>
+          </p:nvPr>
+        </p:nvSpPr>
+        <p:spPr>
+          <a:xfrm>
+            <a:off x="4766733" y="273052"/>
+            <a:ext cx="6815667" cy="5853113"/>
+          </a:xfrm>
+        </p:spPr>
+        <p:txBody>
+          <a:bodyPr/>
+          <a:lstStyle>
+            <a:lvl1pPr>
+              <a:defRPr sz="4267"/>
+            </a:lvl1pPr>
+            <a:lvl2pPr>
+              <a:defRPr sz="3733"/>
+            </a:lvl2pPr>
+            <a:lvl3pPr>
+              <a:defRPr sz="3200"/>
+            </a:lvl3pPr>
+            <a:lvl4pPr>
+              <a:defRPr sz="2667"/>
+            </a:lvl4pPr>
+            <a:lvl5pPr>
+              <a:defRPr sz="2667"/>
+            </a:lvl5pPr>
+            <a:lvl6pPr>
+              <a:defRPr sz="2667"/>
+            </a:lvl6pPr>
+            <a:lvl7pPr>
+              <a:defRPr sz="2667"/>
+            </a:lvl7pPr>
+            <a:lvl8pPr>
+              <a:defRPr sz="2667"/>
+            </a:lvl8pPr>
+            <a:lvl9pPr>
+              <a:defRPr sz="2667"/>
+            </a:lvl9pPr>
+          </a:lstStyle>
+          <a:p>
+            <a:pPr lvl="0"/>
+            <a:r>
+              <a:rPr lang="en-US" smtClean="0"/>
+              <a:t>Click to edit Master text styles</a:t>
+            </a:r>
+          </a:p>
+          <a:p>
+            <a:pPr lvl="1"/>
+            <a:r>
+              <a:rPr lang="en-US" smtClean="0"/>
+              <a:t>Second level</a:t>
+            </a:r>
+          </a:p>
+          <a:p>
+            <a:pPr lvl="2"/>
+            <a:r>
+              <a:rPr lang="en-US" smtClean="0"/>
+              <a:t>Third level</a:t>
+            </a:r>
+          </a:p>
+          <a:p>
+            <a:pPr lvl="3"/>
+            <a:r>
+              <a:rPr lang="en-US" smtClean="0"/>
+              <a:t>Fourth level</a:t>
+            </a:r>
+          </a:p>
+          <a:p>
+            <a:pPr lvl="4"/>
+            <a:r>
+              <a:rPr lang="en-US" smtClean="0"/>
+              <a:t>Fifth level</a:t>
+            </a:r>
+            <a:endParaRPr lang="en-US"/>
+          </a:p>
+        </p:txBody>
+      </p:sp>
+      <p:sp>
+        <p:nvSpPr>
+          <p:cNvPr id="4" name="Text Placeholder 3"/>
+          <p:cNvSpPr>
+            <a:spLocks noGrp="1"/>
+          </p:cNvSpPr>
+          <p:nvPr>
+            <p:ph type="body" sz="half" idx="2"/>
+          </p:nvPr>
+        </p:nvSpPr>
+        <p:spPr>
+          <a:xfrm>
+            <a:off x="609602" y="1435102"/>
+            <a:ext cx="4011084" cy="4691063"/>
+          </a:xfrm>
+        </p:spPr>
+        <p:txBody>
+          <a:bodyPr/>
+          <a:lstStyle>
+            <a:lvl1pPr marL="0" indent="0">
+              <a:buNone/>
+              <a:defRPr sz="1867"/>
+            </a:lvl1pPr>
+            <a:lvl2pPr marL="609585" indent="0">
+              <a:buNone/>
+              <a:defRPr sz="1600"/>
+            </a:lvl2pPr>
+            <a:lvl3pPr marL="1219170" indent="0">
+              <a:buNone/>
+              <a:defRPr sz="1333"/>
+            </a:lvl3pPr>
+            <a:lvl4pPr marL="1828754" indent="0">
+              <a:buNone/>
+              <a:defRPr sz="1200"/>
+            </a:lvl4pPr>
+            <a:lvl5pPr marL="2438339" indent="0">
+              <a:buNone/>
+              <a:defRPr sz="1200"/>
+            </a:lvl5pPr>
+            <a:lvl6pPr marL="3047924" indent="0">
+              <a:buNone/>
+              <a:defRPr sz="1200"/>
+            </a:lvl6pPr>
+            <a:lvl7pPr marL="3657509" indent="0">
+              <a:buNone/>
+              <a:defRPr sz="1200"/>
+            </a:lvl7pPr>
+            <a:lvl8pPr marL="4267093" indent="0">
+              <a:buNone/>
+              <a:defRPr sz="1200"/>
+            </a:lvl8pPr>
+            <a:lvl9pPr marL="4876678" indent="0">
+              <a:buNone/>
+              <a:defRPr sz="1200"/>
+            </a:lvl9pPr>
+          </a:lstStyle>
+          <a:p>
+            <a:pPr lvl="0"/>
+            <a:r>
+              <a:rPr lang="en-US" smtClean="0"/>
+              <a:t>Click to edit Master text styles</a:t>
+            </a:r>
+          </a:p>
+        </p:txBody>
+      </p:sp>
+      <p:sp>
+        <p:nvSpPr>
+          <p:cNvPr id="5" name="Date Placeholder 4"/>
+          <p:cNvSpPr>
+            <a:spLocks noGrp="1"/>
+          </p:cNvSpPr>
+          <p:nvPr>
+            <p:ph type="dt" sz="half" idx="10"/>
+          </p:nvPr>
+        </p:nvSpPr>
+        <p:spPr/>
+        <p:txBody>
+          <a:bodyPr/>
+          <a:lstStyle/>
+          <a:p>
+            <a:fld id="{F642DA6E-6CD9-7C41-9FD8-01D28C61CAEF}" type="datetimeFigureOut">
+              <a:rPr lang="en-US" smtClean="0">
+                <a:solidFill>
+                  <a:prstClr val="black">
+                    <a:tint val="75000"/>
+                  </a:prstClr>
+                </a:solidFill>
+              </a:rPr>
+              <a:pPr/>
+              <a:t>3/1/2016</a:t>
+            </a:fld>
+            <a:endParaRPr lang="en-US">
+              <a:solidFill>
+                <a:prstClr val="black">
+                  <a:tint val="75000"/>
+                </a:prstClr>
+              </a:solidFill>
+            </a:endParaRPr>
+          </a:p>
+        </p:txBody>
+      </p:sp>
+      <p:sp>
+        <p:nvSpPr>
+          <p:cNvPr id="6" name="Footer Placeholder 5"/>
+          <p:cNvSpPr>
+            <a:spLocks noGrp="1"/>
+          </p:cNvSpPr>
+          <p:nvPr>
+            <p:ph type="ftr" sz="quarter" idx="11"/>
+          </p:nvPr>
+        </p:nvSpPr>
+        <p:spPr/>
+        <p:txBody>
+          <a:bodyPr/>
+          <a:lstStyle/>
+          <a:p>
+            <a:endParaRPr lang="en-US">
+              <a:solidFill>
+                <a:prstClr val="black">
+                  <a:tint val="75000"/>
+                </a:prstClr>
+              </a:solidFill>
+            </a:endParaRPr>
+          </a:p>
+        </p:txBody>
+      </p:sp>
+      <p:sp>
+        <p:nvSpPr>
+          <p:cNvPr id="7" name="Slide Number Placeholder 6"/>
+          <p:cNvSpPr>
+            <a:spLocks noGrp="1"/>
+          </p:cNvSpPr>
+          <p:nvPr>
+            <p:ph type="sldNum" sz="quarter" idx="12"/>
+          </p:nvPr>
+        </p:nvSpPr>
+        <p:spPr/>
+        <p:txBody>
+          <a:bodyPr/>
+          <a:lstStyle/>
+          <a:p>
+            <a:fld id="{CE3CCD67-A99C-7B4C-9065-78DD3F082118}" type="slidenum">
+              <a:rPr lang="en-US" smtClean="0">
+                <a:solidFill>
+                  <a:prstClr val="black">
+                    <a:tint val="75000"/>
+                  </a:prstClr>
+                </a:solidFill>
+              </a:rPr>
+              <a:pPr/>
+              <a:t>‹#›</a:t>
+            </a:fld>
+            <a:endParaRPr lang="en-US">
+              <a:solidFill>
+                <a:prstClr val="black">
+                  <a:tint val="75000"/>
+                </a:prstClr>
+              </a:solidFill>
+            </a:endParaRPr>
+          </a:p>
+        </p:txBody>
+      </p:sp>
+    </p:spTree>
+    <p:extLst>
+      <p:ext uri="{BB962C8B-B14F-4D97-AF65-F5344CB8AC3E}">
+        <p14:creationId xmlns:p14="http://schemas.microsoft.com/office/powerpoint/2010/main" val="2251065014"/>
       </p:ext>
     </p:extLst>
   </p:cSld>
@@ -769,7 +2890,7 @@
           <a:p>
             <a:fld id="{B8966210-D7C8-4A1C-B59E-033C29288170}" type="datetimeFigureOut">
               <a:rPr lang="en-US" smtClean="0"/>
-              <a:t>11/22/2015</a:t>
+              <a:t>3/1/2016</a:t>
             </a:fld>
             <a:endParaRPr lang="en-US"/>
           </a:p>
@@ -821,6 +2942,705 @@
     <p:extLst>
       <p:ext uri="{BB962C8B-B14F-4D97-AF65-F5344CB8AC3E}">
         <p14:creationId xmlns:p14="http://schemas.microsoft.com/office/powerpoint/2010/main" val="2495719139"/>
+      </p:ext>
+    </p:extLst>
+  </p:cSld>
+  <p:clrMapOvr>
+    <a:masterClrMapping/>
+  </p:clrMapOvr>
+</p:sldLayout>
+</file>
+
+<file path=ppt/slideLayouts/slideLayout20.xml><?xml version="1.0" encoding="utf-8"?>
+<p:sldLayout xmlns:a="http://schemas.openxmlformats.org/drawingml/2006/main" xmlns:r="http://schemas.openxmlformats.org/officeDocument/2006/relationships" xmlns:p="http://schemas.openxmlformats.org/presentationml/2006/main" type="picTx" preserve="1">
+  <p:cSld name="Picture with Caption">
+    <p:spTree>
+      <p:nvGrpSpPr>
+        <p:cNvPr id="1" name=""/>
+        <p:cNvGrpSpPr/>
+        <p:nvPr/>
+      </p:nvGrpSpPr>
+      <p:grpSpPr>
+        <a:xfrm>
+          <a:off x="0" y="0"/>
+          <a:ext cx="0" cy="0"/>
+          <a:chOff x="0" y="0"/>
+          <a:chExt cx="0" cy="0"/>
+        </a:xfrm>
+      </p:grpSpPr>
+      <p:sp>
+        <p:nvSpPr>
+          <p:cNvPr id="2" name="Title 1"/>
+          <p:cNvSpPr>
+            <a:spLocks noGrp="1"/>
+          </p:cNvSpPr>
+          <p:nvPr>
+            <p:ph type="title"/>
+          </p:nvPr>
+        </p:nvSpPr>
+        <p:spPr>
+          <a:xfrm>
+            <a:off x="2389717" y="4800600"/>
+            <a:ext cx="7315200" cy="566739"/>
+          </a:xfrm>
+        </p:spPr>
+        <p:txBody>
+          <a:bodyPr anchor="b"/>
+          <a:lstStyle>
+            <a:lvl1pPr algn="l">
+              <a:defRPr sz="2667" b="1"/>
+            </a:lvl1pPr>
+          </a:lstStyle>
+          <a:p>
+            <a:r>
+              <a:rPr lang="en-US" smtClean="0"/>
+              <a:t>Click to edit Master title style</a:t>
+            </a:r>
+            <a:endParaRPr lang="en-US"/>
+          </a:p>
+        </p:txBody>
+      </p:sp>
+      <p:sp>
+        <p:nvSpPr>
+          <p:cNvPr id="3" name="Picture Placeholder 2"/>
+          <p:cNvSpPr>
+            <a:spLocks noGrp="1"/>
+          </p:cNvSpPr>
+          <p:nvPr>
+            <p:ph type="pic" idx="1"/>
+          </p:nvPr>
+        </p:nvSpPr>
+        <p:spPr>
+          <a:xfrm>
+            <a:off x="2389717" y="612775"/>
+            <a:ext cx="7315200" cy="4114800"/>
+          </a:xfrm>
+        </p:spPr>
+        <p:txBody>
+          <a:bodyPr/>
+          <a:lstStyle>
+            <a:lvl1pPr marL="0" indent="0">
+              <a:buNone/>
+              <a:defRPr sz="4267"/>
+            </a:lvl1pPr>
+            <a:lvl2pPr marL="609585" indent="0">
+              <a:buNone/>
+              <a:defRPr sz="3733"/>
+            </a:lvl2pPr>
+            <a:lvl3pPr marL="1219170" indent="0">
+              <a:buNone/>
+              <a:defRPr sz="3200"/>
+            </a:lvl3pPr>
+            <a:lvl4pPr marL="1828754" indent="0">
+              <a:buNone/>
+              <a:defRPr sz="2667"/>
+            </a:lvl4pPr>
+            <a:lvl5pPr marL="2438339" indent="0">
+              <a:buNone/>
+              <a:defRPr sz="2667"/>
+            </a:lvl5pPr>
+            <a:lvl6pPr marL="3047924" indent="0">
+              <a:buNone/>
+              <a:defRPr sz="2667"/>
+            </a:lvl6pPr>
+            <a:lvl7pPr marL="3657509" indent="0">
+              <a:buNone/>
+              <a:defRPr sz="2667"/>
+            </a:lvl7pPr>
+            <a:lvl8pPr marL="4267093" indent="0">
+              <a:buNone/>
+              <a:defRPr sz="2667"/>
+            </a:lvl8pPr>
+            <a:lvl9pPr marL="4876678" indent="0">
+              <a:buNone/>
+              <a:defRPr sz="2667"/>
+            </a:lvl9pPr>
+          </a:lstStyle>
+          <a:p>
+            <a:endParaRPr lang="en-US"/>
+          </a:p>
+        </p:txBody>
+      </p:sp>
+      <p:sp>
+        <p:nvSpPr>
+          <p:cNvPr id="4" name="Text Placeholder 3"/>
+          <p:cNvSpPr>
+            <a:spLocks noGrp="1"/>
+          </p:cNvSpPr>
+          <p:nvPr>
+            <p:ph type="body" sz="half" idx="2"/>
+          </p:nvPr>
+        </p:nvSpPr>
+        <p:spPr>
+          <a:xfrm>
+            <a:off x="2389717" y="5367338"/>
+            <a:ext cx="7315200" cy="804863"/>
+          </a:xfrm>
+        </p:spPr>
+        <p:txBody>
+          <a:bodyPr/>
+          <a:lstStyle>
+            <a:lvl1pPr marL="0" indent="0">
+              <a:buNone/>
+              <a:defRPr sz="1867"/>
+            </a:lvl1pPr>
+            <a:lvl2pPr marL="609585" indent="0">
+              <a:buNone/>
+              <a:defRPr sz="1600"/>
+            </a:lvl2pPr>
+            <a:lvl3pPr marL="1219170" indent="0">
+              <a:buNone/>
+              <a:defRPr sz="1333"/>
+            </a:lvl3pPr>
+            <a:lvl4pPr marL="1828754" indent="0">
+              <a:buNone/>
+              <a:defRPr sz="1200"/>
+            </a:lvl4pPr>
+            <a:lvl5pPr marL="2438339" indent="0">
+              <a:buNone/>
+              <a:defRPr sz="1200"/>
+            </a:lvl5pPr>
+            <a:lvl6pPr marL="3047924" indent="0">
+              <a:buNone/>
+              <a:defRPr sz="1200"/>
+            </a:lvl6pPr>
+            <a:lvl7pPr marL="3657509" indent="0">
+              <a:buNone/>
+              <a:defRPr sz="1200"/>
+            </a:lvl7pPr>
+            <a:lvl8pPr marL="4267093" indent="0">
+              <a:buNone/>
+              <a:defRPr sz="1200"/>
+            </a:lvl8pPr>
+            <a:lvl9pPr marL="4876678" indent="0">
+              <a:buNone/>
+              <a:defRPr sz="1200"/>
+            </a:lvl9pPr>
+          </a:lstStyle>
+          <a:p>
+            <a:pPr lvl="0"/>
+            <a:r>
+              <a:rPr lang="en-US" smtClean="0"/>
+              <a:t>Click to edit Master text styles</a:t>
+            </a:r>
+          </a:p>
+        </p:txBody>
+      </p:sp>
+      <p:sp>
+        <p:nvSpPr>
+          <p:cNvPr id="5" name="Date Placeholder 4"/>
+          <p:cNvSpPr>
+            <a:spLocks noGrp="1"/>
+          </p:cNvSpPr>
+          <p:nvPr>
+            <p:ph type="dt" sz="half" idx="10"/>
+          </p:nvPr>
+        </p:nvSpPr>
+        <p:spPr/>
+        <p:txBody>
+          <a:bodyPr/>
+          <a:lstStyle/>
+          <a:p>
+            <a:fld id="{F642DA6E-6CD9-7C41-9FD8-01D28C61CAEF}" type="datetimeFigureOut">
+              <a:rPr lang="en-US" smtClean="0">
+                <a:solidFill>
+                  <a:prstClr val="black">
+                    <a:tint val="75000"/>
+                  </a:prstClr>
+                </a:solidFill>
+              </a:rPr>
+              <a:pPr/>
+              <a:t>3/1/2016</a:t>
+            </a:fld>
+            <a:endParaRPr lang="en-US">
+              <a:solidFill>
+                <a:prstClr val="black">
+                  <a:tint val="75000"/>
+                </a:prstClr>
+              </a:solidFill>
+            </a:endParaRPr>
+          </a:p>
+        </p:txBody>
+      </p:sp>
+      <p:sp>
+        <p:nvSpPr>
+          <p:cNvPr id="6" name="Footer Placeholder 5"/>
+          <p:cNvSpPr>
+            <a:spLocks noGrp="1"/>
+          </p:cNvSpPr>
+          <p:nvPr>
+            <p:ph type="ftr" sz="quarter" idx="11"/>
+          </p:nvPr>
+        </p:nvSpPr>
+        <p:spPr/>
+        <p:txBody>
+          <a:bodyPr/>
+          <a:lstStyle/>
+          <a:p>
+            <a:endParaRPr lang="en-US">
+              <a:solidFill>
+                <a:prstClr val="black">
+                  <a:tint val="75000"/>
+                </a:prstClr>
+              </a:solidFill>
+            </a:endParaRPr>
+          </a:p>
+        </p:txBody>
+      </p:sp>
+      <p:sp>
+        <p:nvSpPr>
+          <p:cNvPr id="7" name="Slide Number Placeholder 6"/>
+          <p:cNvSpPr>
+            <a:spLocks noGrp="1"/>
+          </p:cNvSpPr>
+          <p:nvPr>
+            <p:ph type="sldNum" sz="quarter" idx="12"/>
+          </p:nvPr>
+        </p:nvSpPr>
+        <p:spPr/>
+        <p:txBody>
+          <a:bodyPr/>
+          <a:lstStyle/>
+          <a:p>
+            <a:fld id="{CE3CCD67-A99C-7B4C-9065-78DD3F082118}" type="slidenum">
+              <a:rPr lang="en-US" smtClean="0">
+                <a:solidFill>
+                  <a:prstClr val="black">
+                    <a:tint val="75000"/>
+                  </a:prstClr>
+                </a:solidFill>
+              </a:rPr>
+              <a:pPr/>
+              <a:t>‹#›</a:t>
+            </a:fld>
+            <a:endParaRPr lang="en-US">
+              <a:solidFill>
+                <a:prstClr val="black">
+                  <a:tint val="75000"/>
+                </a:prstClr>
+              </a:solidFill>
+            </a:endParaRPr>
+          </a:p>
+        </p:txBody>
+      </p:sp>
+    </p:spTree>
+    <p:extLst>
+      <p:ext uri="{BB962C8B-B14F-4D97-AF65-F5344CB8AC3E}">
+        <p14:creationId xmlns:p14="http://schemas.microsoft.com/office/powerpoint/2010/main" val="1202998566"/>
+      </p:ext>
+    </p:extLst>
+  </p:cSld>
+  <p:clrMapOvr>
+    <a:masterClrMapping/>
+  </p:clrMapOvr>
+</p:sldLayout>
+</file>
+
+<file path=ppt/slideLayouts/slideLayout21.xml><?xml version="1.0" encoding="utf-8"?>
+<p:sldLayout xmlns:a="http://schemas.openxmlformats.org/drawingml/2006/main" xmlns:r="http://schemas.openxmlformats.org/officeDocument/2006/relationships" xmlns:p="http://schemas.openxmlformats.org/presentationml/2006/main" type="vertTx" preserve="1">
+  <p:cSld name="Title and Vertical Text">
+    <p:spTree>
+      <p:nvGrpSpPr>
+        <p:cNvPr id="1" name=""/>
+        <p:cNvGrpSpPr/>
+        <p:nvPr/>
+      </p:nvGrpSpPr>
+      <p:grpSpPr>
+        <a:xfrm>
+          <a:off x="0" y="0"/>
+          <a:ext cx="0" cy="0"/>
+          <a:chOff x="0" y="0"/>
+          <a:chExt cx="0" cy="0"/>
+        </a:xfrm>
+      </p:grpSpPr>
+      <p:sp>
+        <p:nvSpPr>
+          <p:cNvPr id="2" name="Title 1"/>
+          <p:cNvSpPr>
+            <a:spLocks noGrp="1"/>
+          </p:cNvSpPr>
+          <p:nvPr>
+            <p:ph type="title"/>
+          </p:nvPr>
+        </p:nvSpPr>
+        <p:spPr/>
+        <p:txBody>
+          <a:bodyPr/>
+          <a:lstStyle/>
+          <a:p>
+            <a:r>
+              <a:rPr lang="en-US" smtClean="0"/>
+              <a:t>Click to edit Master title style</a:t>
+            </a:r>
+            <a:endParaRPr lang="en-US"/>
+          </a:p>
+        </p:txBody>
+      </p:sp>
+      <p:sp>
+        <p:nvSpPr>
+          <p:cNvPr id="3" name="Vertical Text Placeholder 2"/>
+          <p:cNvSpPr>
+            <a:spLocks noGrp="1"/>
+          </p:cNvSpPr>
+          <p:nvPr>
+            <p:ph type="body" orient="vert" idx="1"/>
+          </p:nvPr>
+        </p:nvSpPr>
+        <p:spPr/>
+        <p:txBody>
+          <a:bodyPr vert="eaVert"/>
+          <a:lstStyle/>
+          <a:p>
+            <a:pPr lvl="0"/>
+            <a:r>
+              <a:rPr lang="en-US" smtClean="0"/>
+              <a:t>Click to edit Master text styles</a:t>
+            </a:r>
+          </a:p>
+          <a:p>
+            <a:pPr lvl="1"/>
+            <a:r>
+              <a:rPr lang="en-US" smtClean="0"/>
+              <a:t>Second level</a:t>
+            </a:r>
+          </a:p>
+          <a:p>
+            <a:pPr lvl="2"/>
+            <a:r>
+              <a:rPr lang="en-US" smtClean="0"/>
+              <a:t>Third level</a:t>
+            </a:r>
+          </a:p>
+          <a:p>
+            <a:pPr lvl="3"/>
+            <a:r>
+              <a:rPr lang="en-US" smtClean="0"/>
+              <a:t>Fourth level</a:t>
+            </a:r>
+          </a:p>
+          <a:p>
+            <a:pPr lvl="4"/>
+            <a:r>
+              <a:rPr lang="en-US" smtClean="0"/>
+              <a:t>Fifth level</a:t>
+            </a:r>
+            <a:endParaRPr lang="en-US"/>
+          </a:p>
+        </p:txBody>
+      </p:sp>
+      <p:sp>
+        <p:nvSpPr>
+          <p:cNvPr id="4" name="Date Placeholder 3"/>
+          <p:cNvSpPr>
+            <a:spLocks noGrp="1"/>
+          </p:cNvSpPr>
+          <p:nvPr>
+            <p:ph type="dt" sz="half" idx="10"/>
+          </p:nvPr>
+        </p:nvSpPr>
+        <p:spPr/>
+        <p:txBody>
+          <a:bodyPr/>
+          <a:lstStyle/>
+          <a:p>
+            <a:fld id="{F642DA6E-6CD9-7C41-9FD8-01D28C61CAEF}" type="datetimeFigureOut">
+              <a:rPr lang="en-US" smtClean="0">
+                <a:solidFill>
+                  <a:prstClr val="black">
+                    <a:tint val="75000"/>
+                  </a:prstClr>
+                </a:solidFill>
+              </a:rPr>
+              <a:pPr/>
+              <a:t>3/1/2016</a:t>
+            </a:fld>
+            <a:endParaRPr lang="en-US">
+              <a:solidFill>
+                <a:prstClr val="black">
+                  <a:tint val="75000"/>
+                </a:prstClr>
+              </a:solidFill>
+            </a:endParaRPr>
+          </a:p>
+        </p:txBody>
+      </p:sp>
+      <p:sp>
+        <p:nvSpPr>
+          <p:cNvPr id="5" name="Footer Placeholder 4"/>
+          <p:cNvSpPr>
+            <a:spLocks noGrp="1"/>
+          </p:cNvSpPr>
+          <p:nvPr>
+            <p:ph type="ftr" sz="quarter" idx="11"/>
+          </p:nvPr>
+        </p:nvSpPr>
+        <p:spPr/>
+        <p:txBody>
+          <a:bodyPr/>
+          <a:lstStyle/>
+          <a:p>
+            <a:endParaRPr lang="en-US">
+              <a:solidFill>
+                <a:prstClr val="black">
+                  <a:tint val="75000"/>
+                </a:prstClr>
+              </a:solidFill>
+            </a:endParaRPr>
+          </a:p>
+        </p:txBody>
+      </p:sp>
+      <p:sp>
+        <p:nvSpPr>
+          <p:cNvPr id="6" name="Slide Number Placeholder 5"/>
+          <p:cNvSpPr>
+            <a:spLocks noGrp="1"/>
+          </p:cNvSpPr>
+          <p:nvPr>
+            <p:ph type="sldNum" sz="quarter" idx="12"/>
+          </p:nvPr>
+        </p:nvSpPr>
+        <p:spPr/>
+        <p:txBody>
+          <a:bodyPr/>
+          <a:lstStyle/>
+          <a:p>
+            <a:fld id="{CE3CCD67-A99C-7B4C-9065-78DD3F082118}" type="slidenum">
+              <a:rPr lang="en-US" smtClean="0">
+                <a:solidFill>
+                  <a:prstClr val="black">
+                    <a:tint val="75000"/>
+                  </a:prstClr>
+                </a:solidFill>
+              </a:rPr>
+              <a:pPr/>
+              <a:t>‹#›</a:t>
+            </a:fld>
+            <a:endParaRPr lang="en-US">
+              <a:solidFill>
+                <a:prstClr val="black">
+                  <a:tint val="75000"/>
+                </a:prstClr>
+              </a:solidFill>
+            </a:endParaRPr>
+          </a:p>
+        </p:txBody>
+      </p:sp>
+    </p:spTree>
+    <p:extLst>
+      <p:ext uri="{BB962C8B-B14F-4D97-AF65-F5344CB8AC3E}">
+        <p14:creationId xmlns:p14="http://schemas.microsoft.com/office/powerpoint/2010/main" val="1658602220"/>
+      </p:ext>
+    </p:extLst>
+  </p:cSld>
+  <p:clrMapOvr>
+    <a:masterClrMapping/>
+  </p:clrMapOvr>
+</p:sldLayout>
+</file>
+
+<file path=ppt/slideLayouts/slideLayout22.xml><?xml version="1.0" encoding="utf-8"?>
+<p:sldLayout xmlns:a="http://schemas.openxmlformats.org/drawingml/2006/main" xmlns:r="http://schemas.openxmlformats.org/officeDocument/2006/relationships" xmlns:p="http://schemas.openxmlformats.org/presentationml/2006/main" type="vertTitleAndTx" preserve="1">
+  <p:cSld name="Vertical Title and Text">
+    <p:spTree>
+      <p:nvGrpSpPr>
+        <p:cNvPr id="1" name=""/>
+        <p:cNvGrpSpPr/>
+        <p:nvPr/>
+      </p:nvGrpSpPr>
+      <p:grpSpPr>
+        <a:xfrm>
+          <a:off x="0" y="0"/>
+          <a:ext cx="0" cy="0"/>
+          <a:chOff x="0" y="0"/>
+          <a:chExt cx="0" cy="0"/>
+        </a:xfrm>
+      </p:grpSpPr>
+      <p:sp>
+        <p:nvSpPr>
+          <p:cNvPr id="2" name="Vertical Title 1"/>
+          <p:cNvSpPr>
+            <a:spLocks noGrp="1"/>
+          </p:cNvSpPr>
+          <p:nvPr>
+            <p:ph type="title" orient="vert"/>
+          </p:nvPr>
+        </p:nvSpPr>
+        <p:spPr>
+          <a:xfrm>
+            <a:off x="8839200" y="206375"/>
+            <a:ext cx="2743200" cy="4387851"/>
+          </a:xfrm>
+        </p:spPr>
+        <p:txBody>
+          <a:bodyPr vert="eaVert"/>
+          <a:lstStyle/>
+          <a:p>
+            <a:r>
+              <a:rPr lang="en-US" smtClean="0"/>
+              <a:t>Click to edit Master title style</a:t>
+            </a:r>
+            <a:endParaRPr lang="en-US"/>
+          </a:p>
+        </p:txBody>
+      </p:sp>
+      <p:sp>
+        <p:nvSpPr>
+          <p:cNvPr id="3" name="Vertical Text Placeholder 2"/>
+          <p:cNvSpPr>
+            <a:spLocks noGrp="1"/>
+          </p:cNvSpPr>
+          <p:nvPr>
+            <p:ph type="body" orient="vert" idx="1"/>
+          </p:nvPr>
+        </p:nvSpPr>
+        <p:spPr>
+          <a:xfrm>
+            <a:off x="609600" y="206375"/>
+            <a:ext cx="8026400" cy="4387851"/>
+          </a:xfrm>
+        </p:spPr>
+        <p:txBody>
+          <a:bodyPr vert="eaVert"/>
+          <a:lstStyle/>
+          <a:p>
+            <a:pPr lvl="0"/>
+            <a:r>
+              <a:rPr lang="en-US" smtClean="0"/>
+              <a:t>Click to edit Master text styles</a:t>
+            </a:r>
+          </a:p>
+          <a:p>
+            <a:pPr lvl="1"/>
+            <a:r>
+              <a:rPr lang="en-US" smtClean="0"/>
+              <a:t>Second level</a:t>
+            </a:r>
+          </a:p>
+          <a:p>
+            <a:pPr lvl="2"/>
+            <a:r>
+              <a:rPr lang="en-US" smtClean="0"/>
+              <a:t>Third level</a:t>
+            </a:r>
+          </a:p>
+          <a:p>
+            <a:pPr lvl="3"/>
+            <a:r>
+              <a:rPr lang="en-US" smtClean="0"/>
+              <a:t>Fourth level</a:t>
+            </a:r>
+          </a:p>
+          <a:p>
+            <a:pPr lvl="4"/>
+            <a:r>
+              <a:rPr lang="en-US" smtClean="0"/>
+              <a:t>Fifth level</a:t>
+            </a:r>
+            <a:endParaRPr lang="en-US"/>
+          </a:p>
+        </p:txBody>
+      </p:sp>
+      <p:sp>
+        <p:nvSpPr>
+          <p:cNvPr id="4" name="Date Placeholder 3"/>
+          <p:cNvSpPr>
+            <a:spLocks noGrp="1"/>
+          </p:cNvSpPr>
+          <p:nvPr>
+            <p:ph type="dt" sz="half" idx="10"/>
+          </p:nvPr>
+        </p:nvSpPr>
+        <p:spPr/>
+        <p:txBody>
+          <a:bodyPr/>
+          <a:lstStyle/>
+          <a:p>
+            <a:fld id="{F642DA6E-6CD9-7C41-9FD8-01D28C61CAEF}" type="datetimeFigureOut">
+              <a:rPr lang="en-US" smtClean="0">
+                <a:solidFill>
+                  <a:prstClr val="black">
+                    <a:tint val="75000"/>
+                  </a:prstClr>
+                </a:solidFill>
+              </a:rPr>
+              <a:pPr/>
+              <a:t>3/1/2016</a:t>
+            </a:fld>
+            <a:endParaRPr lang="en-US">
+              <a:solidFill>
+                <a:prstClr val="black">
+                  <a:tint val="75000"/>
+                </a:prstClr>
+              </a:solidFill>
+            </a:endParaRPr>
+          </a:p>
+        </p:txBody>
+      </p:sp>
+      <p:sp>
+        <p:nvSpPr>
+          <p:cNvPr id="5" name="Footer Placeholder 4"/>
+          <p:cNvSpPr>
+            <a:spLocks noGrp="1"/>
+          </p:cNvSpPr>
+          <p:nvPr>
+            <p:ph type="ftr" sz="quarter" idx="11"/>
+          </p:nvPr>
+        </p:nvSpPr>
+        <p:spPr/>
+        <p:txBody>
+          <a:bodyPr/>
+          <a:lstStyle/>
+          <a:p>
+            <a:endParaRPr lang="en-US">
+              <a:solidFill>
+                <a:prstClr val="black">
+                  <a:tint val="75000"/>
+                </a:prstClr>
+              </a:solidFill>
+            </a:endParaRPr>
+          </a:p>
+        </p:txBody>
+      </p:sp>
+      <p:sp>
+        <p:nvSpPr>
+          <p:cNvPr id="6" name="Slide Number Placeholder 5"/>
+          <p:cNvSpPr>
+            <a:spLocks noGrp="1"/>
+          </p:cNvSpPr>
+          <p:nvPr>
+            <p:ph type="sldNum" sz="quarter" idx="12"/>
+          </p:nvPr>
+        </p:nvSpPr>
+        <p:spPr/>
+        <p:txBody>
+          <a:bodyPr/>
+          <a:lstStyle/>
+          <a:p>
+            <a:fld id="{CE3CCD67-A99C-7B4C-9065-78DD3F082118}" type="slidenum">
+              <a:rPr lang="en-US" smtClean="0">
+                <a:solidFill>
+                  <a:prstClr val="black">
+                    <a:tint val="75000"/>
+                  </a:prstClr>
+                </a:solidFill>
+              </a:rPr>
+              <a:pPr/>
+              <a:t>‹#›</a:t>
+            </a:fld>
+            <a:endParaRPr lang="en-US">
+              <a:solidFill>
+                <a:prstClr val="black">
+                  <a:tint val="75000"/>
+                </a:prstClr>
+              </a:solidFill>
+            </a:endParaRPr>
+          </a:p>
+        </p:txBody>
+      </p:sp>
+    </p:spTree>
+    <p:extLst>
+      <p:ext uri="{BB962C8B-B14F-4D97-AF65-F5344CB8AC3E}">
+        <p14:creationId xmlns:p14="http://schemas.microsoft.com/office/powerpoint/2010/main" val="2319740802"/>
       </p:ext>
     </p:extLst>
   </p:cSld>
@@ -1015,7 +3835,7 @@
           <a:p>
             <a:fld id="{B8966210-D7C8-4A1C-B59E-033C29288170}" type="datetimeFigureOut">
               <a:rPr lang="en-US" smtClean="0"/>
-              <a:t>11/22/2015</a:t>
+              <a:t>3/1/2016</a:t>
             </a:fld>
             <a:endParaRPr lang="en-US"/>
           </a:p>
@@ -1247,7 +4067,7 @@
           <a:p>
             <a:fld id="{B8966210-D7C8-4A1C-B59E-033C29288170}" type="datetimeFigureOut">
               <a:rPr lang="en-US" smtClean="0"/>
-              <a:t>11/22/2015</a:t>
+              <a:t>3/1/2016</a:t>
             </a:fld>
             <a:endParaRPr lang="en-US"/>
           </a:p>
@@ -1614,7 +4434,7 @@
           <a:p>
             <a:fld id="{B8966210-D7C8-4A1C-B59E-033C29288170}" type="datetimeFigureOut">
               <a:rPr lang="en-US" smtClean="0"/>
-              <a:t>11/22/2015</a:t>
+              <a:t>3/1/2016</a:t>
             </a:fld>
             <a:endParaRPr lang="en-US"/>
           </a:p>
@@ -1732,7 +4552,7 @@
           <a:p>
             <a:fld id="{B8966210-D7C8-4A1C-B59E-033C29288170}" type="datetimeFigureOut">
               <a:rPr lang="en-US" smtClean="0"/>
-              <a:t>11/22/2015</a:t>
+              <a:t>3/1/2016</a:t>
             </a:fld>
             <a:endParaRPr lang="en-US"/>
           </a:p>
@@ -1827,7 +4647,7 @@
           <a:p>
             <a:fld id="{B8966210-D7C8-4A1C-B59E-033C29288170}" type="datetimeFigureOut">
               <a:rPr lang="en-US" smtClean="0"/>
-              <a:t>11/22/2015</a:t>
+              <a:t>3/1/2016</a:t>
             </a:fld>
             <a:endParaRPr lang="en-US"/>
           </a:p>
@@ -2104,7 +4924,7 @@
           <a:p>
             <a:fld id="{B8966210-D7C8-4A1C-B59E-033C29288170}" type="datetimeFigureOut">
               <a:rPr lang="en-US" smtClean="0"/>
-              <a:t>11/22/2015</a:t>
+              <a:t>3/1/2016</a:t>
             </a:fld>
             <a:endParaRPr lang="en-US"/>
           </a:p>
@@ -2357,7 +5177,7 @@
           <a:p>
             <a:fld id="{B8966210-D7C8-4A1C-B59E-033C29288170}" type="datetimeFigureOut">
               <a:rPr lang="en-US" smtClean="0"/>
-              <a:t>11/22/2015</a:t>
+              <a:t>3/1/2016</a:t>
             </a:fld>
             <a:endParaRPr lang="en-US"/>
           </a:p>
@@ -2570,7 +5390,7 @@
           <a:p>
             <a:fld id="{B8966210-D7C8-4A1C-B59E-033C29288170}" type="datetimeFigureOut">
               <a:rPr lang="en-US" smtClean="0"/>
-              <a:t>11/22/2015</a:t>
+              <a:t>3/1/2016</a:t>
             </a:fld>
             <a:endParaRPr lang="en-US"/>
           </a:p>
@@ -2945,6 +5765,551 @@
       </a:lvl8pPr>
       <a:lvl9pPr marL="3657600" algn="l" defTabSz="914400" rtl="0" eaLnBrk="1" latinLnBrk="0" hangingPunct="1">
         <a:defRPr sz="1800" kern="1200">
+          <a:solidFill>
+            <a:schemeClr val="tx1"/>
+          </a:solidFill>
+          <a:latin typeface="+mn-lt"/>
+          <a:ea typeface="+mn-ea"/>
+          <a:cs typeface="+mn-cs"/>
+        </a:defRPr>
+      </a:lvl9pPr>
+    </p:otherStyle>
+  </p:txStyles>
+</p:sldMaster>
+</file>
+
+<file path=ppt/slideMasters/slideMaster2.xml><?xml version="1.0" encoding="utf-8"?>
+<p:sldMaster xmlns:a="http://schemas.openxmlformats.org/drawingml/2006/main" xmlns:r="http://schemas.openxmlformats.org/officeDocument/2006/relationships" xmlns:p="http://schemas.openxmlformats.org/presentationml/2006/main">
+  <p:cSld>
+    <p:bg>
+      <p:bgRef idx="1001">
+        <a:schemeClr val="bg1"/>
+      </p:bgRef>
+    </p:bg>
+    <p:spTree>
+      <p:nvGrpSpPr>
+        <p:cNvPr id="1" name=""/>
+        <p:cNvGrpSpPr/>
+        <p:nvPr/>
+      </p:nvGrpSpPr>
+      <p:grpSpPr>
+        <a:xfrm>
+          <a:off x="0" y="0"/>
+          <a:ext cx="0" cy="0"/>
+          <a:chOff x="0" y="0"/>
+          <a:chExt cx="0" cy="0"/>
+        </a:xfrm>
+      </p:grpSpPr>
+      <p:sp>
+        <p:nvSpPr>
+          <p:cNvPr id="2" name="Title Placeholder 1"/>
+          <p:cNvSpPr>
+            <a:spLocks noGrp="1"/>
+          </p:cNvSpPr>
+          <p:nvPr>
+            <p:ph type="title"/>
+          </p:nvPr>
+        </p:nvSpPr>
+        <p:spPr>
+          <a:xfrm>
+            <a:off x="609600" y="274639"/>
+            <a:ext cx="10972800" cy="1143000"/>
+          </a:xfrm>
+          <a:prstGeom prst="rect">
+            <a:avLst/>
+          </a:prstGeom>
+        </p:spPr>
+        <p:txBody>
+          <a:bodyPr vert="horz" lIns="91440" tIns="45720" rIns="91440" bIns="45720" rtlCol="0" anchor="ctr">
+            <a:normAutofit/>
+          </a:bodyPr>
+          <a:lstStyle/>
+          <a:p>
+            <a:r>
+              <a:rPr lang="en-US" smtClean="0"/>
+              <a:t>Click to edit Master title style</a:t>
+            </a:r>
+            <a:endParaRPr lang="en-US"/>
+          </a:p>
+        </p:txBody>
+      </p:sp>
+      <p:sp>
+        <p:nvSpPr>
+          <p:cNvPr id="3" name="Text Placeholder 2"/>
+          <p:cNvSpPr>
+            <a:spLocks noGrp="1"/>
+          </p:cNvSpPr>
+          <p:nvPr>
+            <p:ph type="body" idx="1"/>
+          </p:nvPr>
+        </p:nvSpPr>
+        <p:spPr>
+          <a:xfrm>
+            <a:off x="609600" y="1600201"/>
+            <a:ext cx="10972800" cy="4525963"/>
+          </a:xfrm>
+          <a:prstGeom prst="rect">
+            <a:avLst/>
+          </a:prstGeom>
+        </p:spPr>
+        <p:txBody>
+          <a:bodyPr vert="horz" lIns="91440" tIns="45720" rIns="91440" bIns="45720" rtlCol="0">
+            <a:normAutofit/>
+          </a:bodyPr>
+          <a:lstStyle/>
+          <a:p>
+            <a:pPr lvl="0"/>
+            <a:r>
+              <a:rPr lang="en-US" smtClean="0"/>
+              <a:t>Click to edit Master text styles</a:t>
+            </a:r>
+          </a:p>
+          <a:p>
+            <a:pPr lvl="1"/>
+            <a:r>
+              <a:rPr lang="en-US" smtClean="0"/>
+              <a:t>Second level</a:t>
+            </a:r>
+          </a:p>
+          <a:p>
+            <a:pPr lvl="2"/>
+            <a:r>
+              <a:rPr lang="en-US" smtClean="0"/>
+              <a:t>Third level</a:t>
+            </a:r>
+          </a:p>
+          <a:p>
+            <a:pPr lvl="3"/>
+            <a:r>
+              <a:rPr lang="en-US" smtClean="0"/>
+              <a:t>Fourth level</a:t>
+            </a:r>
+          </a:p>
+          <a:p>
+            <a:pPr lvl="4"/>
+            <a:r>
+              <a:rPr lang="en-US" smtClean="0"/>
+              <a:t>Fifth level</a:t>
+            </a:r>
+            <a:endParaRPr lang="en-US"/>
+          </a:p>
+        </p:txBody>
+      </p:sp>
+      <p:sp>
+        <p:nvSpPr>
+          <p:cNvPr id="4" name="Date Placeholder 3"/>
+          <p:cNvSpPr>
+            <a:spLocks noGrp="1"/>
+          </p:cNvSpPr>
+          <p:nvPr>
+            <p:ph type="dt" sz="half" idx="2"/>
+          </p:nvPr>
+        </p:nvSpPr>
+        <p:spPr>
+          <a:xfrm>
+            <a:off x="609600" y="6356351"/>
+            <a:ext cx="2844800" cy="365125"/>
+          </a:xfrm>
+          <a:prstGeom prst="rect">
+            <a:avLst/>
+          </a:prstGeom>
+        </p:spPr>
+        <p:txBody>
+          <a:bodyPr vert="horz" lIns="91440" tIns="45720" rIns="91440" bIns="45720" rtlCol="0" anchor="ctr"/>
+          <a:lstStyle>
+            <a:lvl1pPr algn="l">
+              <a:defRPr sz="1600">
+                <a:solidFill>
+                  <a:schemeClr val="tx1">
+                    <a:tint val="75000"/>
+                  </a:schemeClr>
+                </a:solidFill>
+              </a:defRPr>
+            </a:lvl1pPr>
+          </a:lstStyle>
+          <a:p>
+            <a:pPr defTabSz="609585"/>
+            <a:fld id="{F642DA6E-6CD9-7C41-9FD8-01D28C61CAEF}" type="datetimeFigureOut">
+              <a:rPr lang="en-US" smtClean="0">
+                <a:solidFill>
+                  <a:prstClr val="black">
+                    <a:tint val="75000"/>
+                  </a:prstClr>
+                </a:solidFill>
+              </a:rPr>
+              <a:pPr defTabSz="609585"/>
+              <a:t>3/1/2016</a:t>
+            </a:fld>
+            <a:endParaRPr lang="en-US">
+              <a:solidFill>
+                <a:prstClr val="black">
+                  <a:tint val="75000"/>
+                </a:prstClr>
+              </a:solidFill>
+            </a:endParaRPr>
+          </a:p>
+        </p:txBody>
+      </p:sp>
+      <p:sp>
+        <p:nvSpPr>
+          <p:cNvPr id="5" name="Footer Placeholder 4"/>
+          <p:cNvSpPr>
+            <a:spLocks noGrp="1"/>
+          </p:cNvSpPr>
+          <p:nvPr>
+            <p:ph type="ftr" sz="quarter" idx="3"/>
+          </p:nvPr>
+        </p:nvSpPr>
+        <p:spPr>
+          <a:xfrm>
+            <a:off x="4165600" y="6356351"/>
+            <a:ext cx="3860800" cy="365125"/>
+          </a:xfrm>
+          <a:prstGeom prst="rect">
+            <a:avLst/>
+          </a:prstGeom>
+        </p:spPr>
+        <p:txBody>
+          <a:bodyPr vert="horz" lIns="91440" tIns="45720" rIns="91440" bIns="45720" rtlCol="0" anchor="ctr"/>
+          <a:lstStyle>
+            <a:lvl1pPr algn="ctr">
+              <a:defRPr sz="1600">
+                <a:solidFill>
+                  <a:schemeClr val="tx1">
+                    <a:tint val="75000"/>
+                  </a:schemeClr>
+                </a:solidFill>
+              </a:defRPr>
+            </a:lvl1pPr>
+          </a:lstStyle>
+          <a:p>
+            <a:pPr defTabSz="609585"/>
+            <a:endParaRPr lang="en-US">
+              <a:solidFill>
+                <a:prstClr val="black">
+                  <a:tint val="75000"/>
+                </a:prstClr>
+              </a:solidFill>
+            </a:endParaRPr>
+          </a:p>
+        </p:txBody>
+      </p:sp>
+      <p:sp>
+        <p:nvSpPr>
+          <p:cNvPr id="6" name="Slide Number Placeholder 5"/>
+          <p:cNvSpPr>
+            <a:spLocks noGrp="1"/>
+          </p:cNvSpPr>
+          <p:nvPr>
+            <p:ph type="sldNum" sz="quarter" idx="4"/>
+          </p:nvPr>
+        </p:nvSpPr>
+        <p:spPr>
+          <a:xfrm>
+            <a:off x="8737600" y="6356351"/>
+            <a:ext cx="2844800" cy="365125"/>
+          </a:xfrm>
+          <a:prstGeom prst="rect">
+            <a:avLst/>
+          </a:prstGeom>
+        </p:spPr>
+        <p:txBody>
+          <a:bodyPr vert="horz" lIns="91440" tIns="45720" rIns="91440" bIns="45720" rtlCol="0" anchor="ctr"/>
+          <a:lstStyle>
+            <a:lvl1pPr algn="r">
+              <a:defRPr sz="1600">
+                <a:solidFill>
+                  <a:schemeClr val="tx1">
+                    <a:tint val="75000"/>
+                  </a:schemeClr>
+                </a:solidFill>
+              </a:defRPr>
+            </a:lvl1pPr>
+          </a:lstStyle>
+          <a:p>
+            <a:pPr defTabSz="609585"/>
+            <a:fld id="{CE3CCD67-A99C-7B4C-9065-78DD3F082118}" type="slidenum">
+              <a:rPr lang="en-US" smtClean="0">
+                <a:solidFill>
+                  <a:prstClr val="black">
+                    <a:tint val="75000"/>
+                  </a:prstClr>
+                </a:solidFill>
+              </a:rPr>
+              <a:pPr defTabSz="609585"/>
+              <a:t>‹#›</a:t>
+            </a:fld>
+            <a:endParaRPr lang="en-US">
+              <a:solidFill>
+                <a:prstClr val="black">
+                  <a:tint val="75000"/>
+                </a:prstClr>
+              </a:solidFill>
+            </a:endParaRPr>
+          </a:p>
+        </p:txBody>
+      </p:sp>
+    </p:spTree>
+    <p:extLst>
+      <p:ext uri="{BB962C8B-B14F-4D97-AF65-F5344CB8AC3E}">
+        <p14:creationId xmlns:p14="http://schemas.microsoft.com/office/powerpoint/2010/main" val="1779908039"/>
+      </p:ext>
+    </p:extLst>
+  </p:cSld>
+  <p:clrMap bg1="lt1" tx1="dk1" bg2="lt2" tx2="dk2" accent1="accent1" accent2="accent2" accent3="accent3" accent4="accent4" accent5="accent5" accent6="accent6" hlink="hlink" folHlink="folHlink"/>
+  <p:sldLayoutIdLst>
+    <p:sldLayoutId id="2147483661" r:id="rId1"/>
+    <p:sldLayoutId id="2147483662" r:id="rId2"/>
+    <p:sldLayoutId id="2147483663" r:id="rId3"/>
+    <p:sldLayoutId id="2147483664" r:id="rId4"/>
+    <p:sldLayoutId id="2147483665" r:id="rId5"/>
+    <p:sldLayoutId id="2147483666" r:id="rId6"/>
+    <p:sldLayoutId id="2147483667" r:id="rId7"/>
+    <p:sldLayoutId id="2147483668" r:id="rId8"/>
+    <p:sldLayoutId id="2147483669" r:id="rId9"/>
+    <p:sldLayoutId id="2147483670" r:id="rId10"/>
+    <p:sldLayoutId id="2147483671" r:id="rId11"/>
+  </p:sldLayoutIdLst>
+  <p:txStyles>
+    <p:titleStyle>
+      <a:lvl1pPr algn="ctr" defTabSz="609585" rtl="0" eaLnBrk="1" latinLnBrk="0" hangingPunct="1">
+        <a:spcBef>
+          <a:spcPct val="0"/>
+        </a:spcBef>
+        <a:buNone/>
+        <a:defRPr sz="5867" kern="1200">
+          <a:solidFill>
+            <a:schemeClr val="tx1"/>
+          </a:solidFill>
+          <a:latin typeface="+mj-lt"/>
+          <a:ea typeface="+mj-ea"/>
+          <a:cs typeface="+mj-cs"/>
+        </a:defRPr>
+      </a:lvl1pPr>
+    </p:titleStyle>
+    <p:bodyStyle>
+      <a:lvl1pPr marL="457189" indent="-457189" algn="l" defTabSz="609585" rtl="0" eaLnBrk="1" latinLnBrk="0" hangingPunct="1">
+        <a:spcBef>
+          <a:spcPct val="20000"/>
+        </a:spcBef>
+        <a:buFont typeface="Arial"/>
+        <a:buChar char="•"/>
+        <a:defRPr sz="4267" kern="1200">
+          <a:solidFill>
+            <a:schemeClr val="tx1"/>
+          </a:solidFill>
+          <a:latin typeface="+mn-lt"/>
+          <a:ea typeface="+mn-ea"/>
+          <a:cs typeface="+mn-cs"/>
+        </a:defRPr>
+      </a:lvl1pPr>
+      <a:lvl2pPr marL="990575" indent="-380990" algn="l" defTabSz="609585" rtl="0" eaLnBrk="1" latinLnBrk="0" hangingPunct="1">
+        <a:spcBef>
+          <a:spcPct val="20000"/>
+        </a:spcBef>
+        <a:buFont typeface="Arial"/>
+        <a:buChar char="–"/>
+        <a:defRPr sz="3733" kern="1200">
+          <a:solidFill>
+            <a:schemeClr val="tx1"/>
+          </a:solidFill>
+          <a:latin typeface="+mn-lt"/>
+          <a:ea typeface="+mn-ea"/>
+          <a:cs typeface="+mn-cs"/>
+        </a:defRPr>
+      </a:lvl2pPr>
+      <a:lvl3pPr marL="1523962" indent="-304792" algn="l" defTabSz="609585" rtl="0" eaLnBrk="1" latinLnBrk="0" hangingPunct="1">
+        <a:spcBef>
+          <a:spcPct val="20000"/>
+        </a:spcBef>
+        <a:buFont typeface="Arial"/>
+        <a:buChar char="•"/>
+        <a:defRPr sz="3200" kern="1200">
+          <a:solidFill>
+            <a:schemeClr val="tx1"/>
+          </a:solidFill>
+          <a:latin typeface="+mn-lt"/>
+          <a:ea typeface="+mn-ea"/>
+          <a:cs typeface="+mn-cs"/>
+        </a:defRPr>
+      </a:lvl3pPr>
+      <a:lvl4pPr marL="2133547" indent="-304792" algn="l" defTabSz="609585" rtl="0" eaLnBrk="1" latinLnBrk="0" hangingPunct="1">
+        <a:spcBef>
+          <a:spcPct val="20000"/>
+        </a:spcBef>
+        <a:buFont typeface="Arial"/>
+        <a:buChar char="–"/>
+        <a:defRPr sz="2667" kern="1200">
+          <a:solidFill>
+            <a:schemeClr val="tx1"/>
+          </a:solidFill>
+          <a:latin typeface="+mn-lt"/>
+          <a:ea typeface="+mn-ea"/>
+          <a:cs typeface="+mn-cs"/>
+        </a:defRPr>
+      </a:lvl4pPr>
+      <a:lvl5pPr marL="2743131" indent="-304792" algn="l" defTabSz="609585" rtl="0" eaLnBrk="1" latinLnBrk="0" hangingPunct="1">
+        <a:spcBef>
+          <a:spcPct val="20000"/>
+        </a:spcBef>
+        <a:buFont typeface="Arial"/>
+        <a:buChar char="»"/>
+        <a:defRPr sz="2667" kern="1200">
+          <a:solidFill>
+            <a:schemeClr val="tx1"/>
+          </a:solidFill>
+          <a:latin typeface="+mn-lt"/>
+          <a:ea typeface="+mn-ea"/>
+          <a:cs typeface="+mn-cs"/>
+        </a:defRPr>
+      </a:lvl5pPr>
+      <a:lvl6pPr marL="3352716" indent="-304792" algn="l" defTabSz="609585" rtl="0" eaLnBrk="1" latinLnBrk="0" hangingPunct="1">
+        <a:spcBef>
+          <a:spcPct val="20000"/>
+        </a:spcBef>
+        <a:buFont typeface="Arial"/>
+        <a:buChar char="•"/>
+        <a:defRPr sz="2667" kern="1200">
+          <a:solidFill>
+            <a:schemeClr val="tx1"/>
+          </a:solidFill>
+          <a:latin typeface="+mn-lt"/>
+          <a:ea typeface="+mn-ea"/>
+          <a:cs typeface="+mn-cs"/>
+        </a:defRPr>
+      </a:lvl6pPr>
+      <a:lvl7pPr marL="3962301" indent="-304792" algn="l" defTabSz="609585" rtl="0" eaLnBrk="1" latinLnBrk="0" hangingPunct="1">
+        <a:spcBef>
+          <a:spcPct val="20000"/>
+        </a:spcBef>
+        <a:buFont typeface="Arial"/>
+        <a:buChar char="•"/>
+        <a:defRPr sz="2667" kern="1200">
+          <a:solidFill>
+            <a:schemeClr val="tx1"/>
+          </a:solidFill>
+          <a:latin typeface="+mn-lt"/>
+          <a:ea typeface="+mn-ea"/>
+          <a:cs typeface="+mn-cs"/>
+        </a:defRPr>
+      </a:lvl7pPr>
+      <a:lvl8pPr marL="4571886" indent="-304792" algn="l" defTabSz="609585" rtl="0" eaLnBrk="1" latinLnBrk="0" hangingPunct="1">
+        <a:spcBef>
+          <a:spcPct val="20000"/>
+        </a:spcBef>
+        <a:buFont typeface="Arial"/>
+        <a:buChar char="•"/>
+        <a:defRPr sz="2667" kern="1200">
+          <a:solidFill>
+            <a:schemeClr val="tx1"/>
+          </a:solidFill>
+          <a:latin typeface="+mn-lt"/>
+          <a:ea typeface="+mn-ea"/>
+          <a:cs typeface="+mn-cs"/>
+        </a:defRPr>
+      </a:lvl8pPr>
+      <a:lvl9pPr marL="5181470" indent="-304792" algn="l" defTabSz="609585" rtl="0" eaLnBrk="1" latinLnBrk="0" hangingPunct="1">
+        <a:spcBef>
+          <a:spcPct val="20000"/>
+        </a:spcBef>
+        <a:buFont typeface="Arial"/>
+        <a:buChar char="•"/>
+        <a:defRPr sz="2667" kern="1200">
+          <a:solidFill>
+            <a:schemeClr val="tx1"/>
+          </a:solidFill>
+          <a:latin typeface="+mn-lt"/>
+          <a:ea typeface="+mn-ea"/>
+          <a:cs typeface="+mn-cs"/>
+        </a:defRPr>
+      </a:lvl9pPr>
+    </p:bodyStyle>
+    <p:otherStyle>
+      <a:defPPr>
+        <a:defRPr lang="en-US"/>
+      </a:defPPr>
+      <a:lvl1pPr marL="0" algn="l" defTabSz="609585" rtl="0" eaLnBrk="1" latinLnBrk="0" hangingPunct="1">
+        <a:defRPr sz="2400" kern="1200">
+          <a:solidFill>
+            <a:schemeClr val="tx1"/>
+          </a:solidFill>
+          <a:latin typeface="+mn-lt"/>
+          <a:ea typeface="+mn-ea"/>
+          <a:cs typeface="+mn-cs"/>
+        </a:defRPr>
+      </a:lvl1pPr>
+      <a:lvl2pPr marL="609585" algn="l" defTabSz="609585" rtl="0" eaLnBrk="1" latinLnBrk="0" hangingPunct="1">
+        <a:defRPr sz="2400" kern="1200">
+          <a:solidFill>
+            <a:schemeClr val="tx1"/>
+          </a:solidFill>
+          <a:latin typeface="+mn-lt"/>
+          <a:ea typeface="+mn-ea"/>
+          <a:cs typeface="+mn-cs"/>
+        </a:defRPr>
+      </a:lvl2pPr>
+      <a:lvl3pPr marL="1219170" algn="l" defTabSz="609585" rtl="0" eaLnBrk="1" latinLnBrk="0" hangingPunct="1">
+        <a:defRPr sz="2400" kern="1200">
+          <a:solidFill>
+            <a:schemeClr val="tx1"/>
+          </a:solidFill>
+          <a:latin typeface="+mn-lt"/>
+          <a:ea typeface="+mn-ea"/>
+          <a:cs typeface="+mn-cs"/>
+        </a:defRPr>
+      </a:lvl3pPr>
+      <a:lvl4pPr marL="1828754" algn="l" defTabSz="609585" rtl="0" eaLnBrk="1" latinLnBrk="0" hangingPunct="1">
+        <a:defRPr sz="2400" kern="1200">
+          <a:solidFill>
+            <a:schemeClr val="tx1"/>
+          </a:solidFill>
+          <a:latin typeface="+mn-lt"/>
+          <a:ea typeface="+mn-ea"/>
+          <a:cs typeface="+mn-cs"/>
+        </a:defRPr>
+      </a:lvl4pPr>
+      <a:lvl5pPr marL="2438339" algn="l" defTabSz="609585" rtl="0" eaLnBrk="1" latinLnBrk="0" hangingPunct="1">
+        <a:defRPr sz="2400" kern="1200">
+          <a:solidFill>
+            <a:schemeClr val="tx1"/>
+          </a:solidFill>
+          <a:latin typeface="+mn-lt"/>
+          <a:ea typeface="+mn-ea"/>
+          <a:cs typeface="+mn-cs"/>
+        </a:defRPr>
+      </a:lvl5pPr>
+      <a:lvl6pPr marL="3047924" algn="l" defTabSz="609585" rtl="0" eaLnBrk="1" latinLnBrk="0" hangingPunct="1">
+        <a:defRPr sz="2400" kern="1200">
+          <a:solidFill>
+            <a:schemeClr val="tx1"/>
+          </a:solidFill>
+          <a:latin typeface="+mn-lt"/>
+          <a:ea typeface="+mn-ea"/>
+          <a:cs typeface="+mn-cs"/>
+        </a:defRPr>
+      </a:lvl6pPr>
+      <a:lvl7pPr marL="3657509" algn="l" defTabSz="609585" rtl="0" eaLnBrk="1" latinLnBrk="0" hangingPunct="1">
+        <a:defRPr sz="2400" kern="1200">
+          <a:solidFill>
+            <a:schemeClr val="tx1"/>
+          </a:solidFill>
+          <a:latin typeface="+mn-lt"/>
+          <a:ea typeface="+mn-ea"/>
+          <a:cs typeface="+mn-cs"/>
+        </a:defRPr>
+      </a:lvl7pPr>
+      <a:lvl8pPr marL="4267093" algn="l" defTabSz="609585" rtl="0" eaLnBrk="1" latinLnBrk="0" hangingPunct="1">
+        <a:defRPr sz="2400" kern="1200">
+          <a:solidFill>
+            <a:schemeClr val="tx1"/>
+          </a:solidFill>
+          <a:latin typeface="+mn-lt"/>
+          <a:ea typeface="+mn-ea"/>
+          <a:cs typeface="+mn-cs"/>
+        </a:defRPr>
+      </a:lvl8pPr>
+      <a:lvl9pPr marL="4876678" algn="l" defTabSz="609585" rtl="0" eaLnBrk="1" latinLnBrk="0" hangingPunct="1">
+        <a:defRPr sz="2400" kern="1200">
           <a:solidFill>
             <a:schemeClr val="tx1"/>
           </a:solidFill>
@@ -4523,6 +7888,400 @@
 </p:sld>
 </file>
 
+<file path=ppt/slides/slide8.xml><?xml version="1.0" encoding="utf-8"?>
+<p:sld xmlns:a="http://schemas.openxmlformats.org/drawingml/2006/main" xmlns:r="http://schemas.openxmlformats.org/officeDocument/2006/relationships" xmlns:p="http://schemas.openxmlformats.org/presentationml/2006/main">
+  <p:cSld>
+    <p:bg>
+      <p:bgPr>
+        <a:solidFill>
+          <a:srgbClr val="CDDD45"/>
+        </a:solidFill>
+        <a:effectLst/>
+      </p:bgPr>
+    </p:bg>
+    <p:spTree>
+      <p:nvGrpSpPr>
+        <p:cNvPr id="1" name=""/>
+        <p:cNvGrpSpPr/>
+        <p:nvPr/>
+      </p:nvGrpSpPr>
+      <p:grpSpPr>
+        <a:xfrm>
+          <a:off x="0" y="0"/>
+          <a:ext cx="0" cy="0"/>
+          <a:chOff x="0" y="0"/>
+          <a:chExt cx="0" cy="0"/>
+        </a:xfrm>
+      </p:grpSpPr>
+      <p:pic>
+        <p:nvPicPr>
+          <p:cNvPr id="7" name="Picture 6"/>
+          <p:cNvPicPr>
+            <a:picLocks noChangeAspect="1"/>
+          </p:cNvPicPr>
+          <p:nvPr/>
+        </p:nvPicPr>
+        <p:blipFill>
+          <a:blip r:embed="rId2"/>
+          <a:stretch>
+            <a:fillRect/>
+          </a:stretch>
+        </p:blipFill>
+        <p:spPr>
+          <a:xfrm>
+            <a:off x="0" y="0"/>
+            <a:ext cx="12192000" cy="6858000"/>
+          </a:xfrm>
+          <a:prstGeom prst="rect">
+            <a:avLst/>
+          </a:prstGeom>
+        </p:spPr>
+      </p:pic>
+      <p:pic>
+        <p:nvPicPr>
+          <p:cNvPr id="8" name="Picture 7"/>
+          <p:cNvPicPr>
+            <a:picLocks noChangeAspect="1"/>
+          </p:cNvPicPr>
+          <p:nvPr/>
+        </p:nvPicPr>
+        <p:blipFill rotWithShape="1">
+          <a:blip r:embed="rId3"/>
+          <a:srcRect t="-957" b="-957"/>
+          <a:stretch/>
+        </p:blipFill>
+        <p:spPr>
+          <a:xfrm rot="20862665">
+            <a:off x="-631980" y="892578"/>
+            <a:ext cx="20738979" cy="5072844"/>
+          </a:xfrm>
+          <a:prstGeom prst="rect">
+            <a:avLst/>
+          </a:prstGeom>
+          <a:effectLst>
+            <a:glow rad="63500">
+              <a:schemeClr val="bg1">
+                <a:alpha val="19000"/>
+              </a:schemeClr>
+            </a:glow>
+            <a:softEdge rad="12700"/>
+          </a:effectLst>
+        </p:spPr>
+      </p:pic>
+      <p:sp>
+        <p:nvSpPr>
+          <p:cNvPr id="39" name="Title 3"/>
+          <p:cNvSpPr txBox="1">
+            <a:spLocks/>
+          </p:cNvSpPr>
+          <p:nvPr/>
+        </p:nvSpPr>
+        <p:spPr>
+          <a:xfrm>
+            <a:off x="3859451" y="1473200"/>
+            <a:ext cx="4168299" cy="4334933"/>
+          </a:xfrm>
+          <a:prstGeom prst="rect">
+            <a:avLst/>
+          </a:prstGeom>
+        </p:spPr>
+        <p:txBody>
+          <a:bodyPr vert="horz" lIns="121920" tIns="60960" rIns="121920" bIns="60960" rtlCol="0" anchor="ctr">
+            <a:noAutofit/>
+          </a:bodyPr>
+          <a:lstStyle/>
+          <a:p>
+            <a:pPr algn="ctr">
+              <a:spcBef>
+                <a:spcPct val="0"/>
+              </a:spcBef>
+              <a:defRPr/>
+            </a:pPr>
+            <a:endParaRPr lang="en-CA" sz="39999" b="1" dirty="0">
+              <a:solidFill>
+                <a:srgbClr val="7F7F7F"/>
+              </a:solidFill>
+              <a:latin typeface="Times"/>
+              <a:cs typeface="Times"/>
+            </a:endParaRPr>
+          </a:p>
+        </p:txBody>
+      </p:sp>
+      <p:pic>
+        <p:nvPicPr>
+          <p:cNvPr id="2" name="Picture 1"/>
+          <p:cNvPicPr>
+            <a:picLocks noChangeAspect="1"/>
+          </p:cNvPicPr>
+          <p:nvPr/>
+        </p:nvPicPr>
+        <p:blipFill>
+          <a:blip r:embed="rId4"/>
+          <a:stretch>
+            <a:fillRect/>
+          </a:stretch>
+        </p:blipFill>
+        <p:spPr>
+          <a:xfrm>
+            <a:off x="9071203" y="309930"/>
+            <a:ext cx="2840492" cy="694796"/>
+          </a:xfrm>
+          <a:prstGeom prst="rect">
+            <a:avLst/>
+          </a:prstGeom>
+        </p:spPr>
+      </p:pic>
+      <p:sp>
+        <p:nvSpPr>
+          <p:cNvPr id="9" name="TextBox 8"/>
+          <p:cNvSpPr txBox="1"/>
+          <p:nvPr/>
+        </p:nvSpPr>
+        <p:spPr>
+          <a:xfrm>
+            <a:off x="3361442" y="1581871"/>
+            <a:ext cx="5399491" cy="748988"/>
+          </a:xfrm>
+          <a:prstGeom prst="rect">
+            <a:avLst/>
+          </a:prstGeom>
+          <a:noFill/>
+          <a:effectLst>
+            <a:outerShdw blurRad="63500" dist="25400" dir="3600000" algn="ctr" rotWithShape="0">
+              <a:schemeClr val="tx1">
+                <a:alpha val="85000"/>
+              </a:schemeClr>
+            </a:outerShdw>
+          </a:effectLst>
+        </p:spPr>
+        <p:txBody>
+          <a:bodyPr wrap="none" rtlCol="0">
+            <a:spAutoFit/>
+          </a:bodyPr>
+          <a:lstStyle/>
+          <a:p>
+            <a:pPr defTabSz="609585"/>
+            <a:r>
+              <a:rPr lang="en-CA" sz="4267" dirty="0">
+                <a:solidFill>
+                  <a:prstClr val="white"/>
+                </a:solidFill>
+                <a:latin typeface="Tahoma" panose="020B0604030504040204" pitchFamily="34" charset="0"/>
+                <a:ea typeface="Tahoma" panose="020B0604030504040204" pitchFamily="34" charset="0"/>
+                <a:cs typeface="Tahoma" panose="020B0604030504040204" pitchFamily="34" charset="0"/>
+              </a:rPr>
+              <a:t>Evaluate the Sessions</a:t>
+            </a:r>
+          </a:p>
+        </p:txBody>
+      </p:sp>
+      <p:sp>
+        <p:nvSpPr>
+          <p:cNvPr id="15" name="TextBox 14"/>
+          <p:cNvSpPr txBox="1"/>
+          <p:nvPr/>
+        </p:nvSpPr>
+        <p:spPr>
+          <a:xfrm>
+            <a:off x="2271631" y="2885023"/>
+            <a:ext cx="8875058" cy="748988"/>
+          </a:xfrm>
+          <a:prstGeom prst="rect">
+            <a:avLst/>
+          </a:prstGeom>
+          <a:noFill/>
+          <a:effectLst>
+            <a:outerShdw blurRad="63500" dist="25400" dir="3600000" algn="ctr" rotWithShape="0">
+              <a:schemeClr val="tx1">
+                <a:alpha val="85000"/>
+              </a:schemeClr>
+            </a:outerShdw>
+          </a:effectLst>
+        </p:spPr>
+        <p:txBody>
+          <a:bodyPr wrap="none" rtlCol="0">
+            <a:spAutoFit/>
+          </a:bodyPr>
+          <a:lstStyle/>
+          <a:p>
+            <a:pPr defTabSz="609585"/>
+            <a:r>
+              <a:rPr lang="en-CA" sz="4267" dirty="0">
+                <a:solidFill>
+                  <a:prstClr val="white"/>
+                </a:solidFill>
+                <a:latin typeface="Tahoma" panose="020B0604030504040204" pitchFamily="34" charset="0"/>
+                <a:ea typeface="Tahoma" panose="020B0604030504040204" pitchFamily="34" charset="0"/>
+                <a:cs typeface="Tahoma" panose="020B0604030504040204" pitchFamily="34" charset="0"/>
+              </a:rPr>
+              <a:t>Sign in and vote at </a:t>
+            </a:r>
+            <a:r>
+              <a:rPr lang="en-CA" sz="4267" b="1" dirty="0">
+                <a:solidFill>
+                  <a:prstClr val="white"/>
+                </a:solidFill>
+                <a:latin typeface="Tahoma" panose="020B0604030504040204" pitchFamily="34" charset="0"/>
+                <a:ea typeface="Tahoma" panose="020B0604030504040204" pitchFamily="34" charset="0"/>
+                <a:cs typeface="Tahoma" panose="020B0604030504040204" pitchFamily="34" charset="0"/>
+              </a:rPr>
+              <a:t>eclipsecon.org</a:t>
+            </a:r>
+          </a:p>
+        </p:txBody>
+      </p:sp>
+      <p:sp>
+        <p:nvSpPr>
+          <p:cNvPr id="19" name="TextBox 18"/>
+          <p:cNvSpPr txBox="1"/>
+          <p:nvPr/>
+        </p:nvSpPr>
+        <p:spPr>
+          <a:xfrm>
+            <a:off x="3566888" y="4404333"/>
+            <a:ext cx="2021707" cy="1897892"/>
+          </a:xfrm>
+          <a:prstGeom prst="rect">
+            <a:avLst/>
+          </a:prstGeom>
+          <a:noFill/>
+          <a:effectLst>
+            <a:outerShdw blurRad="63500" dist="25400" dir="3600000" algn="ctr" rotWithShape="0">
+              <a:schemeClr val="tx1">
+                <a:alpha val="85000"/>
+              </a:schemeClr>
+            </a:outerShdw>
+          </a:effectLst>
+        </p:spPr>
+        <p:txBody>
+          <a:bodyPr wrap="none" rtlCol="0">
+            <a:spAutoFit/>
+          </a:bodyPr>
+          <a:lstStyle/>
+          <a:p>
+            <a:pPr defTabSz="609585"/>
+            <a:r>
+              <a:rPr lang="en-CA" sz="11733" dirty="0">
+                <a:solidFill>
+                  <a:prstClr val="white"/>
+                </a:solidFill>
+                <a:latin typeface="Tahoma" panose="020B0604030504040204" pitchFamily="34" charset="0"/>
+                <a:ea typeface="Tahoma" panose="020B0604030504040204" pitchFamily="34" charset="0"/>
+                <a:cs typeface="Tahoma" panose="020B0604030504040204" pitchFamily="34" charset="0"/>
+              </a:rPr>
+              <a:t>- 1</a:t>
+            </a:r>
+          </a:p>
+        </p:txBody>
+      </p:sp>
+      <p:sp>
+        <p:nvSpPr>
+          <p:cNvPr id="22" name="TextBox 21"/>
+          <p:cNvSpPr txBox="1"/>
+          <p:nvPr/>
+        </p:nvSpPr>
+        <p:spPr>
+          <a:xfrm>
+            <a:off x="8626983" y="4404333"/>
+            <a:ext cx="2569934" cy="1897892"/>
+          </a:xfrm>
+          <a:prstGeom prst="rect">
+            <a:avLst/>
+          </a:prstGeom>
+          <a:noFill/>
+          <a:effectLst>
+            <a:outerShdw blurRad="63500" dist="25400" dir="3600000" algn="ctr" rotWithShape="0">
+              <a:schemeClr val="tx1">
+                <a:alpha val="85000"/>
+              </a:schemeClr>
+            </a:outerShdw>
+          </a:effectLst>
+        </p:spPr>
+        <p:txBody>
+          <a:bodyPr wrap="none" rtlCol="0">
+            <a:spAutoFit/>
+          </a:bodyPr>
+          <a:lstStyle/>
+          <a:p>
+            <a:pPr defTabSz="609585"/>
+            <a:r>
+              <a:rPr lang="en-CA" sz="11733" dirty="0">
+                <a:solidFill>
+                  <a:prstClr val="white"/>
+                </a:solidFill>
+                <a:latin typeface="Tahoma" panose="020B0604030504040204" pitchFamily="34" charset="0"/>
+                <a:ea typeface="Tahoma" panose="020B0604030504040204" pitchFamily="34" charset="0"/>
+                <a:cs typeface="Tahoma" panose="020B0604030504040204" pitchFamily="34" charset="0"/>
+              </a:rPr>
+              <a:t>+ 1</a:t>
+            </a:r>
+          </a:p>
+        </p:txBody>
+      </p:sp>
+      <p:sp>
+        <p:nvSpPr>
+          <p:cNvPr id="10" name="TextBox 9"/>
+          <p:cNvSpPr txBox="1"/>
+          <p:nvPr/>
+        </p:nvSpPr>
+        <p:spPr>
+          <a:xfrm>
+            <a:off x="6749541" y="4435160"/>
+            <a:ext cx="1005403" cy="1897892"/>
+          </a:xfrm>
+          <a:prstGeom prst="rect">
+            <a:avLst/>
+          </a:prstGeom>
+          <a:noFill/>
+          <a:effectLst>
+            <a:outerShdw blurRad="63500" dist="25400" dir="3600000" algn="ctr" rotWithShape="0">
+              <a:schemeClr val="tx1">
+                <a:alpha val="85000"/>
+              </a:schemeClr>
+            </a:outerShdw>
+          </a:effectLst>
+        </p:spPr>
+        <p:txBody>
+          <a:bodyPr wrap="none" rtlCol="0">
+            <a:spAutoFit/>
+          </a:bodyPr>
+          <a:lstStyle/>
+          <a:p>
+            <a:pPr defTabSz="609585"/>
+            <a:r>
+              <a:rPr lang="en-CA" sz="11733" dirty="0">
+                <a:solidFill>
+                  <a:prstClr val="white"/>
+                </a:solidFill>
+                <a:latin typeface="Tahoma" panose="020B0604030504040204" pitchFamily="34" charset="0"/>
+                <a:ea typeface="Tahoma" panose="020B0604030504040204" pitchFamily="34" charset="0"/>
+                <a:cs typeface="Tahoma" panose="020B0604030504040204" pitchFamily="34" charset="0"/>
+              </a:rPr>
+              <a:t>0</a:t>
+            </a:r>
+          </a:p>
+        </p:txBody>
+      </p:sp>
+    </p:spTree>
+    <p:extLst>
+      <p:ext uri="{BB962C8B-B14F-4D97-AF65-F5344CB8AC3E}">
+        <p14:creationId xmlns:p14="http://schemas.microsoft.com/office/powerpoint/2010/main" val="313739013"/>
+      </p:ext>
+    </p:extLst>
+  </p:cSld>
+  <p:clrMapOvr>
+    <a:masterClrMapping/>
+  </p:clrMapOvr>
+  <p:timing>
+    <p:tnLst>
+      <p:par>
+        <p:cTn id="1" dur="indefinite" restart="never" nodeType="tmRoot"/>
+      </p:par>
+    </p:tnLst>
+  </p:timing>
+</p:sld>
+</file>
+
 <file path=ppt/theme/theme1.xml><?xml version="1.0" encoding="utf-8"?>
 <a:theme xmlns:a="http://schemas.openxmlformats.org/drawingml/2006/main" name="Office Theme">
   <a:themeElements>
@@ -4782,4 +8541,322 @@
     </a:ext>
   </a:extLst>
 </a:theme>
+</file>
+
+<file path=ppt/theme/theme2.xml><?xml version="1.0" encoding="utf-8"?>
+<a:theme xmlns:a="http://schemas.openxmlformats.org/drawingml/2006/main" name="1_Office Theme">
+  <a:themeElements>
+    <a:clrScheme name="Office">
+      <a:dk1>
+        <a:sysClr val="windowText" lastClr="000000"/>
+      </a:dk1>
+      <a:lt1>
+        <a:sysClr val="window" lastClr="FFFFFF"/>
+      </a:lt1>
+      <a:dk2>
+        <a:srgbClr val="1F497D"/>
+      </a:dk2>
+      <a:lt2>
+        <a:srgbClr val="EEECE1"/>
+      </a:lt2>
+      <a:accent1>
+        <a:srgbClr val="4F81BD"/>
+      </a:accent1>
+      <a:accent2>
+        <a:srgbClr val="C0504D"/>
+      </a:accent2>
+      <a:accent3>
+        <a:srgbClr val="9BBB59"/>
+      </a:accent3>
+      <a:accent4>
+        <a:srgbClr val="8064A2"/>
+      </a:accent4>
+      <a:accent5>
+        <a:srgbClr val="4BACC6"/>
+      </a:accent5>
+      <a:accent6>
+        <a:srgbClr val="F79646"/>
+      </a:accent6>
+      <a:hlink>
+        <a:srgbClr val="0000FF"/>
+      </a:hlink>
+      <a:folHlink>
+        <a:srgbClr val="800080"/>
+      </a:folHlink>
+    </a:clrScheme>
+    <a:fontScheme name="Office">
+      <a:majorFont>
+        <a:latin typeface="Calibri"/>
+        <a:ea typeface=""/>
+        <a:cs typeface=""/>
+        <a:font script="Jpan" typeface="ＭＳ Ｐゴシック"/>
+        <a:font script="Hang" typeface="맑은 고딕"/>
+        <a:font script="Hans" typeface="宋体"/>
+        <a:font script="Hant" typeface="新細明體"/>
+        <a:font script="Arab" typeface="Times New Roman"/>
+        <a:font script="Hebr" typeface="Times New Roman"/>
+        <a:font script="Thai" typeface="Angsana New"/>
+        <a:font script="Ethi" typeface="Nyala"/>
+        <a:font script="Beng" typeface="Vrinda"/>
+        <a:font script="Gujr" typeface="Shruti"/>
+        <a:font script="Khmr" typeface="MoolBoran"/>
+        <a:font script="Knda" typeface="Tunga"/>
+        <a:font script="Guru" typeface="Raavi"/>
+        <a:font script="Cans" typeface="Euphemia"/>
+        <a:font script="Cher" typeface="Plantagenet Cherokee"/>
+        <a:font script="Yiii" typeface="Microsoft Yi Baiti"/>
+        <a:font script="Tibt" typeface="Microsoft Himalaya"/>
+        <a:font script="Thaa" typeface="MV Boli"/>
+        <a:font script="Deva" typeface="Mangal"/>
+        <a:font script="Telu" typeface="Gautami"/>
+        <a:font script="Taml" typeface="Latha"/>
+        <a:font script="Syrc" typeface="Estrangelo Edessa"/>
+        <a:font script="Orya" typeface="Kalinga"/>
+        <a:font script="Mlym" typeface="Kartika"/>
+        <a:font script="Laoo" typeface="DokChampa"/>
+        <a:font script="Sinh" typeface="Iskoola Pota"/>
+        <a:font script="Mong" typeface="Mongolian Baiti"/>
+        <a:font script="Viet" typeface="Times New Roman"/>
+        <a:font script="Uigh" typeface="Microsoft Uighur"/>
+      </a:majorFont>
+      <a:minorFont>
+        <a:latin typeface="Calibri"/>
+        <a:ea typeface=""/>
+        <a:cs typeface=""/>
+        <a:font script="Jpan" typeface="ＭＳ Ｐゴシック"/>
+        <a:font script="Hang" typeface="맑은 고딕"/>
+        <a:font script="Hans" typeface="宋体"/>
+        <a:font script="Hant" typeface="新細明體"/>
+        <a:font script="Arab" typeface="Arial"/>
+        <a:font script="Hebr" typeface="Arial"/>
+        <a:font script="Thai" typeface="Cordia New"/>
+        <a:font script="Ethi" typeface="Nyala"/>
+        <a:font script="Beng" typeface="Vrinda"/>
+        <a:font script="Gujr" typeface="Shruti"/>
+        <a:font script="Khmr" typeface="DaunPenh"/>
+        <a:font script="Knda" typeface="Tunga"/>
+        <a:font script="Guru" typeface="Raavi"/>
+        <a:font script="Cans" typeface="Euphemia"/>
+        <a:font script="Cher" typeface="Plantagenet Cherokee"/>
+        <a:font script="Yiii" typeface="Microsoft Yi Baiti"/>
+        <a:font script="Tibt" typeface="Microsoft Himalaya"/>
+        <a:font script="Thaa" typeface="MV Boli"/>
+        <a:font script="Deva" typeface="Mangal"/>
+        <a:font script="Telu" typeface="Gautami"/>
+        <a:font script="Taml" typeface="Latha"/>
+        <a:font script="Syrc" typeface="Estrangelo Edessa"/>
+        <a:font script="Orya" typeface="Kalinga"/>
+        <a:font script="Mlym" typeface="Kartika"/>
+        <a:font script="Laoo" typeface="DokChampa"/>
+        <a:font script="Sinh" typeface="Iskoola Pota"/>
+        <a:font script="Mong" typeface="Mongolian Baiti"/>
+        <a:font script="Viet" typeface="Arial"/>
+        <a:font script="Uigh" typeface="Microsoft Uighur"/>
+      </a:minorFont>
+    </a:fontScheme>
+    <a:fmtScheme name="Office">
+      <a:fillStyleLst>
+        <a:solidFill>
+          <a:schemeClr val="phClr"/>
+        </a:solidFill>
+        <a:gradFill rotWithShape="1">
+          <a:gsLst>
+            <a:gs pos="0">
+              <a:schemeClr val="phClr">
+                <a:tint val="50000"/>
+                <a:satMod val="300000"/>
+              </a:schemeClr>
+            </a:gs>
+            <a:gs pos="35000">
+              <a:schemeClr val="phClr">
+                <a:tint val="37000"/>
+                <a:satMod val="300000"/>
+              </a:schemeClr>
+            </a:gs>
+            <a:gs pos="100000">
+              <a:schemeClr val="phClr">
+                <a:tint val="15000"/>
+                <a:satMod val="350000"/>
+              </a:schemeClr>
+            </a:gs>
+          </a:gsLst>
+          <a:lin ang="16200000" scaled="1"/>
+        </a:gradFill>
+        <a:gradFill rotWithShape="1">
+          <a:gsLst>
+            <a:gs pos="0">
+              <a:schemeClr val="phClr">
+                <a:tint val="100000"/>
+                <a:shade val="100000"/>
+                <a:satMod val="130000"/>
+              </a:schemeClr>
+            </a:gs>
+            <a:gs pos="100000">
+              <a:schemeClr val="phClr">
+                <a:tint val="50000"/>
+                <a:shade val="100000"/>
+                <a:satMod val="350000"/>
+              </a:schemeClr>
+            </a:gs>
+          </a:gsLst>
+          <a:lin ang="16200000" scaled="0"/>
+        </a:gradFill>
+      </a:fillStyleLst>
+      <a:lnStyleLst>
+        <a:ln w="9525" cap="flat" cmpd="sng" algn="ctr">
+          <a:solidFill>
+            <a:schemeClr val="phClr">
+              <a:shade val="95000"/>
+              <a:satMod val="105000"/>
+            </a:schemeClr>
+          </a:solidFill>
+          <a:prstDash val="solid"/>
+        </a:ln>
+        <a:ln w="25400" cap="flat" cmpd="sng" algn="ctr">
+          <a:solidFill>
+            <a:schemeClr val="phClr"/>
+          </a:solidFill>
+          <a:prstDash val="solid"/>
+        </a:ln>
+        <a:ln w="38100" cap="flat" cmpd="sng" algn="ctr">
+          <a:solidFill>
+            <a:schemeClr val="phClr"/>
+          </a:solidFill>
+          <a:prstDash val="solid"/>
+        </a:ln>
+      </a:lnStyleLst>
+      <a:effectStyleLst>
+        <a:effectStyle>
+          <a:effectLst>
+            <a:outerShdw blurRad="40000" dist="20000" dir="5400000" rotWithShape="0">
+              <a:srgbClr val="000000">
+                <a:alpha val="38000"/>
+              </a:srgbClr>
+            </a:outerShdw>
+          </a:effectLst>
+        </a:effectStyle>
+        <a:effectStyle>
+          <a:effectLst>
+            <a:outerShdw blurRad="40000" dist="23000" dir="5400000" rotWithShape="0">
+              <a:srgbClr val="000000">
+                <a:alpha val="35000"/>
+              </a:srgbClr>
+            </a:outerShdw>
+          </a:effectLst>
+        </a:effectStyle>
+        <a:effectStyle>
+          <a:effectLst>
+            <a:outerShdw blurRad="40000" dist="23000" dir="5400000" rotWithShape="0">
+              <a:srgbClr val="000000">
+                <a:alpha val="35000"/>
+              </a:srgbClr>
+            </a:outerShdw>
+          </a:effectLst>
+          <a:scene3d>
+            <a:camera prst="orthographicFront">
+              <a:rot lat="0" lon="0" rev="0"/>
+            </a:camera>
+            <a:lightRig rig="threePt" dir="t">
+              <a:rot lat="0" lon="0" rev="1200000"/>
+            </a:lightRig>
+          </a:scene3d>
+          <a:sp3d>
+            <a:bevelT w="63500" h="25400"/>
+          </a:sp3d>
+        </a:effectStyle>
+      </a:effectStyleLst>
+      <a:bgFillStyleLst>
+        <a:solidFill>
+          <a:schemeClr val="phClr"/>
+        </a:solidFill>
+        <a:gradFill rotWithShape="1">
+          <a:gsLst>
+            <a:gs pos="0">
+              <a:schemeClr val="phClr">
+                <a:tint val="40000"/>
+                <a:satMod val="350000"/>
+              </a:schemeClr>
+            </a:gs>
+            <a:gs pos="40000">
+              <a:schemeClr val="phClr">
+                <a:tint val="45000"/>
+                <a:shade val="99000"/>
+                <a:satMod val="350000"/>
+              </a:schemeClr>
+            </a:gs>
+            <a:gs pos="100000">
+              <a:schemeClr val="phClr">
+                <a:shade val="20000"/>
+                <a:satMod val="255000"/>
+              </a:schemeClr>
+            </a:gs>
+          </a:gsLst>
+          <a:path path="circle">
+            <a:fillToRect l="50000" t="-80000" r="50000" b="180000"/>
+          </a:path>
+        </a:gradFill>
+        <a:gradFill rotWithShape="1">
+          <a:gsLst>
+            <a:gs pos="0">
+              <a:schemeClr val="phClr">
+                <a:tint val="80000"/>
+                <a:satMod val="300000"/>
+              </a:schemeClr>
+            </a:gs>
+            <a:gs pos="100000">
+              <a:schemeClr val="phClr">
+                <a:shade val="30000"/>
+                <a:satMod val="200000"/>
+              </a:schemeClr>
+            </a:gs>
+          </a:gsLst>
+          <a:path path="circle">
+            <a:fillToRect l="50000" t="50000" r="50000" b="50000"/>
+          </a:path>
+        </a:gradFill>
+      </a:bgFillStyleLst>
+    </a:fmtScheme>
+  </a:themeElements>
+  <a:objectDefaults>
+    <a:spDef>
+      <a:spPr/>
+      <a:bodyPr/>
+      <a:lstStyle/>
+      <a:style>
+        <a:lnRef idx="1">
+          <a:schemeClr val="accent1"/>
+        </a:lnRef>
+        <a:fillRef idx="3">
+          <a:schemeClr val="accent1"/>
+        </a:fillRef>
+        <a:effectRef idx="2">
+          <a:schemeClr val="accent1"/>
+        </a:effectRef>
+        <a:fontRef idx="minor">
+          <a:schemeClr val="lt1"/>
+        </a:fontRef>
+      </a:style>
+    </a:spDef>
+    <a:lnDef>
+      <a:spPr/>
+      <a:bodyPr/>
+      <a:lstStyle/>
+      <a:style>
+        <a:lnRef idx="2">
+          <a:schemeClr val="accent1"/>
+        </a:lnRef>
+        <a:fillRef idx="0">
+          <a:schemeClr val="accent1"/>
+        </a:fillRef>
+        <a:effectRef idx="1">
+          <a:schemeClr val="accent1"/>
+        </a:effectRef>
+        <a:fontRef idx="minor">
+          <a:schemeClr val="tx1"/>
+        </a:fontRef>
+      </a:style>
+    </a:lnDef>
+  </a:objectDefaults>
+  <a:extraClrSchemeLst/>
+</a:theme>
 </file>
--- a/RxJava and SWT.pptx
+++ b/RxJava and SWT.pptx
@@ -5,15 +5,28 @@
     <p:sldMasterId id="2147483648" r:id="rId1"/>
     <p:sldMasterId id="2147483660" r:id="rId2"/>
   </p:sldMasterIdLst>
+  <p:notesMasterIdLst>
+    <p:notesMasterId r:id="rId21"/>
+  </p:notesMasterIdLst>
   <p:sldIdLst>
     <p:sldId id="256" r:id="rId3"/>
     <p:sldId id="259" r:id="rId4"/>
     <p:sldId id="260" r:id="rId5"/>
-    <p:sldId id="258" r:id="rId6"/>
-    <p:sldId id="257" r:id="rId7"/>
-    <p:sldId id="261" r:id="rId8"/>
-    <p:sldId id="262" r:id="rId9"/>
-    <p:sldId id="263" r:id="rId10"/>
+    <p:sldId id="272" r:id="rId6"/>
+    <p:sldId id="258" r:id="rId7"/>
+    <p:sldId id="257" r:id="rId8"/>
+    <p:sldId id="261" r:id="rId9"/>
+    <p:sldId id="265" r:id="rId10"/>
+    <p:sldId id="267" r:id="rId11"/>
+    <p:sldId id="271" r:id="rId12"/>
+    <p:sldId id="274" r:id="rId13"/>
+    <p:sldId id="277" r:id="rId14"/>
+    <p:sldId id="278" r:id="rId15"/>
+    <p:sldId id="276" r:id="rId16"/>
+    <p:sldId id="273" r:id="rId17"/>
+    <p:sldId id="275" r:id="rId18"/>
+    <p:sldId id="279" r:id="rId19"/>
+    <p:sldId id="263" r:id="rId20"/>
   </p:sldIdLst>
   <p:sldSz cx="12192000" cy="6858000"/>
   <p:notesSz cx="6858000" cy="9144000"/>
@@ -113,11 +126,475 @@
     </a:lvl9pPr>
   </p:defaultTextStyle>
   <p:extLst>
+    <p:ext uri="{521415D9-36F7-43E2-AB2F-B90AF26B5E84}">
+      <p14:sectionLst xmlns:p14="http://schemas.microsoft.com/office/powerpoint/2010/main">
+        <p14:section name="Default Section" id="{FE6867B2-0DEA-4D25-8353-E0164F4D0E28}">
+          <p14:sldIdLst>
+            <p14:sldId id="256"/>
+            <p14:sldId id="259"/>
+            <p14:sldId id="260"/>
+            <p14:sldId id="272"/>
+            <p14:sldId id="258"/>
+            <p14:sldId id="257"/>
+            <p14:sldId id="261"/>
+            <p14:sldId id="265"/>
+            <p14:sldId id="267"/>
+            <p14:sldId id="271"/>
+            <p14:sldId id="274"/>
+            <p14:sldId id="277"/>
+            <p14:sldId id="278"/>
+            <p14:sldId id="276"/>
+            <p14:sldId id="273"/>
+            <p14:sldId id="275"/>
+            <p14:sldId id="279"/>
+          </p14:sldIdLst>
+        </p14:section>
+        <p14:section name="Untitled Section" id="{18A87793-DF3C-4B09-80F5-87DE64EAF1EE}">
+          <p14:sldIdLst>
+            <p14:sldId id="263"/>
+          </p14:sldIdLst>
+        </p14:section>
+      </p14:sectionLst>
+    </p:ext>
     <p:ext uri="{EFAFB233-063F-42B5-8137-9DF3F51BA10A}">
       <p15:sldGuideLst xmlns:p15="http://schemas.microsoft.com/office/powerpoint/2012/main"/>
     </p:ext>
   </p:extLst>
 </p:presentation>
+</file>
+
+<file path=ppt/notesMasters/notesMaster1.xml><?xml version="1.0" encoding="utf-8"?>
+<p:notesMaster xmlns:a="http://schemas.openxmlformats.org/drawingml/2006/main" xmlns:r="http://schemas.openxmlformats.org/officeDocument/2006/relationships" xmlns:p="http://schemas.openxmlformats.org/presentationml/2006/main">
+  <p:cSld>
+    <p:bg>
+      <p:bgRef idx="1001">
+        <a:schemeClr val="bg1"/>
+      </p:bgRef>
+    </p:bg>
+    <p:spTree>
+      <p:nvGrpSpPr>
+        <p:cNvPr id="1" name=""/>
+        <p:cNvGrpSpPr/>
+        <p:nvPr/>
+      </p:nvGrpSpPr>
+      <p:grpSpPr>
+        <a:xfrm>
+          <a:off x="0" y="0"/>
+          <a:ext cx="0" cy="0"/>
+          <a:chOff x="0" y="0"/>
+          <a:chExt cx="0" cy="0"/>
+        </a:xfrm>
+      </p:grpSpPr>
+      <p:sp>
+        <p:nvSpPr>
+          <p:cNvPr id="2" name="Header Placeholder 1"/>
+          <p:cNvSpPr>
+            <a:spLocks noGrp="1"/>
+          </p:cNvSpPr>
+          <p:nvPr>
+            <p:ph type="hdr" sz="quarter"/>
+          </p:nvPr>
+        </p:nvSpPr>
+        <p:spPr>
+          <a:xfrm>
+            <a:off x="0" y="0"/>
+            <a:ext cx="2971800" cy="458788"/>
+          </a:xfrm>
+          <a:prstGeom prst="rect">
+            <a:avLst/>
+          </a:prstGeom>
+        </p:spPr>
+        <p:txBody>
+          <a:bodyPr vert="horz" lIns="91440" tIns="45720" rIns="91440" bIns="45720" rtlCol="0"/>
+          <a:lstStyle>
+            <a:lvl1pPr algn="l">
+              <a:defRPr sz="1200"/>
+            </a:lvl1pPr>
+          </a:lstStyle>
+          <a:p>
+            <a:endParaRPr lang="en-US"/>
+          </a:p>
+        </p:txBody>
+      </p:sp>
+      <p:sp>
+        <p:nvSpPr>
+          <p:cNvPr id="3" name="Date Placeholder 2"/>
+          <p:cNvSpPr>
+            <a:spLocks noGrp="1"/>
+          </p:cNvSpPr>
+          <p:nvPr>
+            <p:ph type="dt" idx="1"/>
+          </p:nvPr>
+        </p:nvSpPr>
+        <p:spPr>
+          <a:xfrm>
+            <a:off x="3884613" y="0"/>
+            <a:ext cx="2971800" cy="458788"/>
+          </a:xfrm>
+          <a:prstGeom prst="rect">
+            <a:avLst/>
+          </a:prstGeom>
+        </p:spPr>
+        <p:txBody>
+          <a:bodyPr vert="horz" lIns="91440" tIns="45720" rIns="91440" bIns="45720" rtlCol="0"/>
+          <a:lstStyle>
+            <a:lvl1pPr algn="r">
+              <a:defRPr sz="1200"/>
+            </a:lvl1pPr>
+          </a:lstStyle>
+          <a:p>
+            <a:fld id="{073637AE-0C09-4D9D-8D29-89FFB766DE82}" type="datetimeFigureOut">
+              <a:rPr lang="en-US" smtClean="0"/>
+              <a:t>3/8/2016</a:t>
+            </a:fld>
+            <a:endParaRPr lang="en-US"/>
+          </a:p>
+        </p:txBody>
+      </p:sp>
+      <p:sp>
+        <p:nvSpPr>
+          <p:cNvPr id="4" name="Slide Image Placeholder 3"/>
+          <p:cNvSpPr>
+            <a:spLocks noGrp="1" noRot="1" noChangeAspect="1"/>
+          </p:cNvSpPr>
+          <p:nvPr>
+            <p:ph type="sldImg" idx="2"/>
+          </p:nvPr>
+        </p:nvSpPr>
+        <p:spPr>
+          <a:xfrm>
+            <a:off x="685800" y="1143000"/>
+            <a:ext cx="5486400" cy="3086100"/>
+          </a:xfrm>
+          <a:prstGeom prst="rect">
+            <a:avLst/>
+          </a:prstGeom>
+          <a:noFill/>
+          <a:ln w="12700">
+            <a:solidFill>
+              <a:prstClr val="black"/>
+            </a:solidFill>
+          </a:ln>
+        </p:spPr>
+        <p:txBody>
+          <a:bodyPr vert="horz" lIns="91440" tIns="45720" rIns="91440" bIns="45720" rtlCol="0" anchor="ctr"/>
+          <a:lstStyle/>
+          <a:p>
+            <a:endParaRPr lang="en-US"/>
+          </a:p>
+        </p:txBody>
+      </p:sp>
+      <p:sp>
+        <p:nvSpPr>
+          <p:cNvPr id="5" name="Notes Placeholder 4"/>
+          <p:cNvSpPr>
+            <a:spLocks noGrp="1"/>
+          </p:cNvSpPr>
+          <p:nvPr>
+            <p:ph type="body" sz="quarter" idx="3"/>
+          </p:nvPr>
+        </p:nvSpPr>
+        <p:spPr>
+          <a:xfrm>
+            <a:off x="685800" y="4400550"/>
+            <a:ext cx="5486400" cy="3600450"/>
+          </a:xfrm>
+          <a:prstGeom prst="rect">
+            <a:avLst/>
+          </a:prstGeom>
+        </p:spPr>
+        <p:txBody>
+          <a:bodyPr vert="horz" lIns="91440" tIns="45720" rIns="91440" bIns="45720" rtlCol="0"/>
+          <a:lstStyle/>
+          <a:p>
+            <a:pPr lvl="0"/>
+            <a:r>
+              <a:rPr lang="en-US" smtClean="0"/>
+              <a:t>Click to edit Master text styles</a:t>
+            </a:r>
+          </a:p>
+          <a:p>
+            <a:pPr lvl="1"/>
+            <a:r>
+              <a:rPr lang="en-US" smtClean="0"/>
+              <a:t>Second level</a:t>
+            </a:r>
+          </a:p>
+          <a:p>
+            <a:pPr lvl="2"/>
+            <a:r>
+              <a:rPr lang="en-US" smtClean="0"/>
+              <a:t>Third level</a:t>
+            </a:r>
+          </a:p>
+          <a:p>
+            <a:pPr lvl="3"/>
+            <a:r>
+              <a:rPr lang="en-US" smtClean="0"/>
+              <a:t>Fourth level</a:t>
+            </a:r>
+          </a:p>
+          <a:p>
+            <a:pPr lvl="4"/>
+            <a:r>
+              <a:rPr lang="en-US" smtClean="0"/>
+              <a:t>Fifth level</a:t>
+            </a:r>
+            <a:endParaRPr lang="en-US"/>
+          </a:p>
+        </p:txBody>
+      </p:sp>
+      <p:sp>
+        <p:nvSpPr>
+          <p:cNvPr id="6" name="Footer Placeholder 5"/>
+          <p:cNvSpPr>
+            <a:spLocks noGrp="1"/>
+          </p:cNvSpPr>
+          <p:nvPr>
+            <p:ph type="ftr" sz="quarter" idx="4"/>
+          </p:nvPr>
+        </p:nvSpPr>
+        <p:spPr>
+          <a:xfrm>
+            <a:off x="0" y="8685213"/>
+            <a:ext cx="2971800" cy="458787"/>
+          </a:xfrm>
+          <a:prstGeom prst="rect">
+            <a:avLst/>
+          </a:prstGeom>
+        </p:spPr>
+        <p:txBody>
+          <a:bodyPr vert="horz" lIns="91440" tIns="45720" rIns="91440" bIns="45720" rtlCol="0" anchor="b"/>
+          <a:lstStyle>
+            <a:lvl1pPr algn="l">
+              <a:defRPr sz="1200"/>
+            </a:lvl1pPr>
+          </a:lstStyle>
+          <a:p>
+            <a:endParaRPr lang="en-US"/>
+          </a:p>
+        </p:txBody>
+      </p:sp>
+      <p:sp>
+        <p:nvSpPr>
+          <p:cNvPr id="7" name="Slide Number Placeholder 6"/>
+          <p:cNvSpPr>
+            <a:spLocks noGrp="1"/>
+          </p:cNvSpPr>
+          <p:nvPr>
+            <p:ph type="sldNum" sz="quarter" idx="5"/>
+          </p:nvPr>
+        </p:nvSpPr>
+        <p:spPr>
+          <a:xfrm>
+            <a:off x="3884613" y="8685213"/>
+            <a:ext cx="2971800" cy="458787"/>
+          </a:xfrm>
+          <a:prstGeom prst="rect">
+            <a:avLst/>
+          </a:prstGeom>
+        </p:spPr>
+        <p:txBody>
+          <a:bodyPr vert="horz" lIns="91440" tIns="45720" rIns="91440" bIns="45720" rtlCol="0" anchor="b"/>
+          <a:lstStyle>
+            <a:lvl1pPr algn="r">
+              <a:defRPr sz="1200"/>
+            </a:lvl1pPr>
+          </a:lstStyle>
+          <a:p>
+            <a:fld id="{68358633-4DF3-46B2-AAC6-AA6E1B5E5A98}" type="slidenum">
+              <a:rPr lang="en-US" smtClean="0"/>
+              <a:t>‹#›</a:t>
+            </a:fld>
+            <a:endParaRPr lang="en-US"/>
+          </a:p>
+        </p:txBody>
+      </p:sp>
+    </p:spTree>
+    <p:extLst>
+      <p:ext uri="{BB962C8B-B14F-4D97-AF65-F5344CB8AC3E}">
+        <p14:creationId xmlns:p14="http://schemas.microsoft.com/office/powerpoint/2010/main" val="2047554687"/>
+      </p:ext>
+    </p:extLst>
+  </p:cSld>
+  <p:clrMap bg1="lt1" tx1="dk1" bg2="lt2" tx2="dk2" accent1="accent1" accent2="accent2" accent3="accent3" accent4="accent4" accent5="accent5" accent6="accent6" hlink="hlink" folHlink="folHlink"/>
+  <p:notesStyle>
+    <a:lvl1pPr marL="0" algn="l" defTabSz="914400" rtl="0" eaLnBrk="1" latinLnBrk="0" hangingPunct="1">
+      <a:defRPr sz="1200" kern="1200">
+        <a:solidFill>
+          <a:schemeClr val="tx1"/>
+        </a:solidFill>
+        <a:latin typeface="+mn-lt"/>
+        <a:ea typeface="+mn-ea"/>
+        <a:cs typeface="+mn-cs"/>
+      </a:defRPr>
+    </a:lvl1pPr>
+    <a:lvl2pPr marL="457200" algn="l" defTabSz="914400" rtl="0" eaLnBrk="1" latinLnBrk="0" hangingPunct="1">
+      <a:defRPr sz="1200" kern="1200">
+        <a:solidFill>
+          <a:schemeClr val="tx1"/>
+        </a:solidFill>
+        <a:latin typeface="+mn-lt"/>
+        <a:ea typeface="+mn-ea"/>
+        <a:cs typeface="+mn-cs"/>
+      </a:defRPr>
+    </a:lvl2pPr>
+    <a:lvl3pPr marL="914400" algn="l" defTabSz="914400" rtl="0" eaLnBrk="1" latinLnBrk="0" hangingPunct="1">
+      <a:defRPr sz="1200" kern="1200">
+        <a:solidFill>
+          <a:schemeClr val="tx1"/>
+        </a:solidFill>
+        <a:latin typeface="+mn-lt"/>
+        <a:ea typeface="+mn-ea"/>
+        <a:cs typeface="+mn-cs"/>
+      </a:defRPr>
+    </a:lvl3pPr>
+    <a:lvl4pPr marL="1371600" algn="l" defTabSz="914400" rtl="0" eaLnBrk="1" latinLnBrk="0" hangingPunct="1">
+      <a:defRPr sz="1200" kern="1200">
+        <a:solidFill>
+          <a:schemeClr val="tx1"/>
+        </a:solidFill>
+        <a:latin typeface="+mn-lt"/>
+        <a:ea typeface="+mn-ea"/>
+        <a:cs typeface="+mn-cs"/>
+      </a:defRPr>
+    </a:lvl4pPr>
+    <a:lvl5pPr marL="1828800" algn="l" defTabSz="914400" rtl="0" eaLnBrk="1" latinLnBrk="0" hangingPunct="1">
+      <a:defRPr sz="1200" kern="1200">
+        <a:solidFill>
+          <a:schemeClr val="tx1"/>
+        </a:solidFill>
+        <a:latin typeface="+mn-lt"/>
+        <a:ea typeface="+mn-ea"/>
+        <a:cs typeface="+mn-cs"/>
+      </a:defRPr>
+    </a:lvl5pPr>
+    <a:lvl6pPr marL="2286000" algn="l" defTabSz="914400" rtl="0" eaLnBrk="1" latinLnBrk="0" hangingPunct="1">
+      <a:defRPr sz="1200" kern="1200">
+        <a:solidFill>
+          <a:schemeClr val="tx1"/>
+        </a:solidFill>
+        <a:latin typeface="+mn-lt"/>
+        <a:ea typeface="+mn-ea"/>
+        <a:cs typeface="+mn-cs"/>
+      </a:defRPr>
+    </a:lvl6pPr>
+    <a:lvl7pPr marL="2743200" algn="l" defTabSz="914400" rtl="0" eaLnBrk="1" latinLnBrk="0" hangingPunct="1">
+      <a:defRPr sz="1200" kern="1200">
+        <a:solidFill>
+          <a:schemeClr val="tx1"/>
+        </a:solidFill>
+        <a:latin typeface="+mn-lt"/>
+        <a:ea typeface="+mn-ea"/>
+        <a:cs typeface="+mn-cs"/>
+      </a:defRPr>
+    </a:lvl7pPr>
+    <a:lvl8pPr marL="3200400" algn="l" defTabSz="914400" rtl="0" eaLnBrk="1" latinLnBrk="0" hangingPunct="1">
+      <a:defRPr sz="1200" kern="1200">
+        <a:solidFill>
+          <a:schemeClr val="tx1"/>
+        </a:solidFill>
+        <a:latin typeface="+mn-lt"/>
+        <a:ea typeface="+mn-ea"/>
+        <a:cs typeface="+mn-cs"/>
+      </a:defRPr>
+    </a:lvl8pPr>
+    <a:lvl9pPr marL="3657600" algn="l" defTabSz="914400" rtl="0" eaLnBrk="1" latinLnBrk="0" hangingPunct="1">
+      <a:defRPr sz="1200" kern="1200">
+        <a:solidFill>
+          <a:schemeClr val="tx1"/>
+        </a:solidFill>
+        <a:latin typeface="+mn-lt"/>
+        <a:ea typeface="+mn-ea"/>
+        <a:cs typeface="+mn-cs"/>
+      </a:defRPr>
+    </a:lvl9pPr>
+  </p:notesStyle>
+</p:notesMaster>
+</file>
+
+<file path=ppt/notesSlides/notesSlide1.xml><?xml version="1.0" encoding="utf-8"?>
+<p:notes xmlns:a="http://schemas.openxmlformats.org/drawingml/2006/main" xmlns:r="http://schemas.openxmlformats.org/officeDocument/2006/relationships" xmlns:p="http://schemas.openxmlformats.org/presentationml/2006/main">
+  <p:cSld>
+    <p:spTree>
+      <p:nvGrpSpPr>
+        <p:cNvPr id="1" name=""/>
+        <p:cNvGrpSpPr/>
+        <p:nvPr/>
+      </p:nvGrpSpPr>
+      <p:grpSpPr>
+        <a:xfrm>
+          <a:off x="0" y="0"/>
+          <a:ext cx="0" cy="0"/>
+          <a:chOff x="0" y="0"/>
+          <a:chExt cx="0" cy="0"/>
+        </a:xfrm>
+      </p:grpSpPr>
+      <p:sp>
+        <p:nvSpPr>
+          <p:cNvPr id="2" name="Slide Image Placeholder 1"/>
+          <p:cNvSpPr>
+            <a:spLocks noGrp="1" noRot="1" noChangeAspect="1"/>
+          </p:cNvSpPr>
+          <p:nvPr>
+            <p:ph type="sldImg"/>
+          </p:nvPr>
+        </p:nvSpPr>
+        <p:spPr/>
+      </p:sp>
+      <p:sp>
+        <p:nvSpPr>
+          <p:cNvPr id="3" name="Notes Placeholder 2"/>
+          <p:cNvSpPr>
+            <a:spLocks noGrp="1"/>
+          </p:cNvSpPr>
+          <p:nvPr>
+            <p:ph type="body" idx="1"/>
+          </p:nvPr>
+        </p:nvSpPr>
+        <p:spPr/>
+        <p:txBody>
+          <a:bodyPr/>
+          <a:lstStyle/>
+          <a:p>
+            <a:endParaRPr lang="en-US" dirty="0"/>
+          </a:p>
+        </p:txBody>
+      </p:sp>
+      <p:sp>
+        <p:nvSpPr>
+          <p:cNvPr id="4" name="Slide Number Placeholder 3"/>
+          <p:cNvSpPr>
+            <a:spLocks noGrp="1"/>
+          </p:cNvSpPr>
+          <p:nvPr>
+            <p:ph type="sldNum" sz="quarter" idx="10"/>
+          </p:nvPr>
+        </p:nvSpPr>
+        <p:spPr/>
+        <p:txBody>
+          <a:bodyPr/>
+          <a:lstStyle/>
+          <a:p>
+            <a:fld id="{68358633-4DF3-46B2-AAC6-AA6E1B5E5A98}" type="slidenum">
+              <a:rPr lang="en-US" smtClean="0"/>
+              <a:t>11</a:t>
+            </a:fld>
+            <a:endParaRPr lang="en-US"/>
+          </a:p>
+        </p:txBody>
+      </p:sp>
+    </p:spTree>
+    <p:extLst>
+      <p:ext uri="{BB962C8B-B14F-4D97-AF65-F5344CB8AC3E}">
+        <p14:creationId xmlns:p14="http://schemas.microsoft.com/office/powerpoint/2010/main" val="3210062713"/>
+      </p:ext>
+    </p:extLst>
+  </p:cSld>
+  <p:clrMapOvr>
+    <a:masterClrMapping/>
+  </p:clrMapOvr>
+</p:notes>
 </file>
 
 <file path=ppt/slideLayouts/slideLayout1.xml><?xml version="1.0" encoding="utf-8"?>
@@ -251,7 +728,7 @@
           <a:p>
             <a:fld id="{B8966210-D7C8-4A1C-B59E-033C29288170}" type="datetimeFigureOut">
               <a:rPr lang="en-US" smtClean="0"/>
-              <a:t>3/1/2016</a:t>
+              <a:t>3/7/2016</a:t>
             </a:fld>
             <a:endParaRPr lang="en-US"/>
           </a:p>
@@ -421,7 +898,7 @@
           <a:p>
             <a:fld id="{B8966210-D7C8-4A1C-B59E-033C29288170}" type="datetimeFigureOut">
               <a:rPr lang="en-US" smtClean="0"/>
-              <a:t>3/1/2016</a:t>
+              <a:t>3/7/2016</a:t>
             </a:fld>
             <a:endParaRPr lang="en-US"/>
           </a:p>
@@ -601,7 +1078,7 @@
           <a:p>
             <a:fld id="{B8966210-D7C8-4A1C-B59E-033C29288170}" type="datetimeFigureOut">
               <a:rPr lang="en-US" smtClean="0"/>
-              <a:t>3/1/2016</a:t>
+              <a:t>3/7/2016</a:t>
             </a:fld>
             <a:endParaRPr lang="en-US"/>
           </a:p>
@@ -850,7 +1327,7 @@
                 </a:solidFill>
               </a:rPr>
               <a:pPr/>
-              <a:t>3/1/2016</a:t>
+              <a:t>3/7/2016</a:t>
             </a:fld>
             <a:endParaRPr lang="en-US">
               <a:solidFill>
@@ -1052,7 +1529,7 @@
                 </a:solidFill>
               </a:rPr>
               <a:pPr/>
-              <a:t>3/1/2016</a:t>
+              <a:t>3/7/2016</a:t>
             </a:fld>
             <a:endParaRPr lang="en-US">
               <a:solidFill>
@@ -1330,7 +1807,7 @@
                 </a:solidFill>
               </a:rPr>
               <a:pPr/>
-              <a:t>3/1/2016</a:t>
+              <a:t>3/7/2016</a:t>
             </a:fld>
             <a:endParaRPr lang="en-US">
               <a:solidFill>
@@ -1650,7 +2127,7 @@
                 </a:solidFill>
               </a:rPr>
               <a:pPr/>
-              <a:t>3/1/2016</a:t>
+              <a:t>3/7/2016</a:t>
             </a:fld>
             <a:endParaRPr lang="en-US">
               <a:solidFill>
@@ -2109,7 +2586,7 @@
                 </a:solidFill>
               </a:rPr>
               <a:pPr/>
-              <a:t>3/1/2016</a:t>
+              <a:t>3/7/2016</a:t>
             </a:fld>
             <a:endParaRPr lang="en-US">
               <a:solidFill>
@@ -2259,7 +2736,7 @@
                 </a:solidFill>
               </a:rPr>
               <a:pPr/>
-              <a:t>3/1/2016</a:t>
+              <a:t>3/7/2016</a:t>
             </a:fld>
             <a:endParaRPr lang="en-US">
               <a:solidFill>
@@ -2386,7 +2863,7 @@
                 </a:solidFill>
               </a:rPr>
               <a:pPr/>
-              <a:t>3/1/2016</a:t>
+              <a:t>3/7/2016</a:t>
             </a:fld>
             <a:endParaRPr lang="en-US">
               <a:solidFill>
@@ -2695,7 +3172,7 @@
                 </a:solidFill>
               </a:rPr>
               <a:pPr/>
-              <a:t>3/1/2016</a:t>
+              <a:t>3/7/2016</a:t>
             </a:fld>
             <a:endParaRPr lang="en-US">
               <a:solidFill>
@@ -2890,7 +3367,7 @@
           <a:p>
             <a:fld id="{B8966210-D7C8-4A1C-B59E-033C29288170}" type="datetimeFigureOut">
               <a:rPr lang="en-US" smtClean="0"/>
-              <a:t>3/1/2016</a:t>
+              <a:t>3/7/2016</a:t>
             </a:fld>
             <a:endParaRPr lang="en-US"/>
           </a:p>
@@ -3150,7 +3627,7 @@
                 </a:solidFill>
               </a:rPr>
               <a:pPr/>
-              <a:t>3/1/2016</a:t>
+              <a:t>3/7/2016</a:t>
             </a:fld>
             <a:endParaRPr lang="en-US">
               <a:solidFill>
@@ -3352,7 +3829,7 @@
                 </a:solidFill>
               </a:rPr>
               <a:pPr/>
-              <a:t>3/1/2016</a:t>
+              <a:t>3/7/2016</a:t>
             </a:fld>
             <a:endParaRPr lang="en-US">
               <a:solidFill>
@@ -3564,7 +4041,7 @@
                 </a:solidFill>
               </a:rPr>
               <a:pPr/>
-              <a:t>3/1/2016</a:t>
+              <a:t>3/7/2016</a:t>
             </a:fld>
             <a:endParaRPr lang="en-US">
               <a:solidFill>
@@ -3835,7 +4312,7 @@
           <a:p>
             <a:fld id="{B8966210-D7C8-4A1C-B59E-033C29288170}" type="datetimeFigureOut">
               <a:rPr lang="en-US" smtClean="0"/>
-              <a:t>3/1/2016</a:t>
+              <a:t>3/7/2016</a:t>
             </a:fld>
             <a:endParaRPr lang="en-US"/>
           </a:p>
@@ -4067,7 +4544,7 @@
           <a:p>
             <a:fld id="{B8966210-D7C8-4A1C-B59E-033C29288170}" type="datetimeFigureOut">
               <a:rPr lang="en-US" smtClean="0"/>
-              <a:t>3/1/2016</a:t>
+              <a:t>3/7/2016</a:t>
             </a:fld>
             <a:endParaRPr lang="en-US"/>
           </a:p>
@@ -4434,7 +4911,7 @@
           <a:p>
             <a:fld id="{B8966210-D7C8-4A1C-B59E-033C29288170}" type="datetimeFigureOut">
               <a:rPr lang="en-US" smtClean="0"/>
-              <a:t>3/1/2016</a:t>
+              <a:t>3/7/2016</a:t>
             </a:fld>
             <a:endParaRPr lang="en-US"/>
           </a:p>
@@ -4552,7 +5029,7 @@
           <a:p>
             <a:fld id="{B8966210-D7C8-4A1C-B59E-033C29288170}" type="datetimeFigureOut">
               <a:rPr lang="en-US" smtClean="0"/>
-              <a:t>3/1/2016</a:t>
+              <a:t>3/7/2016</a:t>
             </a:fld>
             <a:endParaRPr lang="en-US"/>
           </a:p>
@@ -4647,7 +5124,7 @@
           <a:p>
             <a:fld id="{B8966210-D7C8-4A1C-B59E-033C29288170}" type="datetimeFigureOut">
               <a:rPr lang="en-US" smtClean="0"/>
-              <a:t>3/1/2016</a:t>
+              <a:t>3/7/2016</a:t>
             </a:fld>
             <a:endParaRPr lang="en-US"/>
           </a:p>
@@ -4924,7 +5401,7 @@
           <a:p>
             <a:fld id="{B8966210-D7C8-4A1C-B59E-033C29288170}" type="datetimeFigureOut">
               <a:rPr lang="en-US" smtClean="0"/>
-              <a:t>3/1/2016</a:t>
+              <a:t>3/7/2016</a:t>
             </a:fld>
             <a:endParaRPr lang="en-US"/>
           </a:p>
@@ -5177,7 +5654,7 @@
           <a:p>
             <a:fld id="{B8966210-D7C8-4A1C-B59E-033C29288170}" type="datetimeFigureOut">
               <a:rPr lang="en-US" smtClean="0"/>
-              <a:t>3/1/2016</a:t>
+              <a:t>3/7/2016</a:t>
             </a:fld>
             <a:endParaRPr lang="en-US"/>
           </a:p>
@@ -5390,7 +5867,7 @@
           <a:p>
             <a:fld id="{B8966210-D7C8-4A1C-B59E-033C29288170}" type="datetimeFigureOut">
               <a:rPr lang="en-US" smtClean="0"/>
-              <a:t>3/1/2016</a:t>
+              <a:t>3/7/2016</a:t>
             </a:fld>
             <a:endParaRPr lang="en-US"/>
           </a:p>
@@ -5938,7 +6415,7 @@
                 </a:solidFill>
               </a:rPr>
               <a:pPr defTabSz="609585"/>
-              <a:t>3/1/2016</a:t>
+              <a:t>3/7/2016</a:t>
             </a:fld>
             <a:endParaRPr lang="en-US">
               <a:solidFill>
@@ -6473,7 +6950,7 @@
         </p:nvSpPr>
         <p:spPr>
           <a:xfrm>
-            <a:off x="1474124" y="4162588"/>
+            <a:off x="1474124" y="4614320"/>
             <a:ext cx="9144000" cy="1880668"/>
           </a:xfrm>
           <a:prstGeom prst="rect">
@@ -6524,7 +7001,7 @@
         </p:nvSpPr>
         <p:spPr>
           <a:xfrm>
-            <a:off x="1413739" y="3692323"/>
+            <a:off x="1413739" y="4117376"/>
             <a:ext cx="9144000" cy="1880668"/>
           </a:xfrm>
           <a:prstGeom prst="rect">
@@ -6567,8 +7044,72 @@
           </a:p>
           <a:p>
             <a:r>
+              <a:rPr lang="en-US" sz="4000" dirty="0" smtClean="0"/>
+              <a:t>Twitter @</a:t>
+            </a:r>
+            <a:r>
+              <a:rPr lang="en-US" sz="4000" dirty="0" err="1" smtClean="0"/>
+              <a:t>nedtwigg</a:t>
+            </a:r>
+            <a:endParaRPr lang="en-US" sz="4000" dirty="0" smtClean="0"/>
+          </a:p>
+          <a:p>
+            <a:r>
               <a:rPr lang="en-US" sz="3200" dirty="0" smtClean="0"/>
               <a:t>All code examples available here</a:t>
+            </a:r>
+            <a:endParaRPr lang="en-US" sz="3200" dirty="0"/>
+          </a:p>
+        </p:txBody>
+      </p:sp>
+      <p:sp>
+        <p:nvSpPr>
+          <p:cNvPr id="7" name="Title 1"/>
+          <p:cNvSpPr txBox="1">
+            <a:spLocks/>
+          </p:cNvSpPr>
+          <p:nvPr/>
+        </p:nvSpPr>
+        <p:spPr>
+          <a:xfrm>
+            <a:off x="1413739" y="2913713"/>
+            <a:ext cx="9144000" cy="560298"/>
+          </a:xfrm>
+          <a:prstGeom prst="rect">
+            <a:avLst/>
+          </a:prstGeom>
+        </p:spPr>
+        <p:txBody>
+          <a:bodyPr vert="horz" lIns="91440" tIns="45720" rIns="91440" bIns="45720" rtlCol="0" anchor="b">
+            <a:normAutofit fontScale="92500" lnSpcReduction="10000"/>
+          </a:bodyPr>
+          <a:lstStyle>
+            <a:lvl1pPr algn="ctr" defTabSz="914400" rtl="0" eaLnBrk="1" latinLnBrk="0" hangingPunct="1">
+              <a:lnSpc>
+                <a:spcPct val="90000"/>
+              </a:lnSpc>
+              <a:spcBef>
+                <a:spcPct val="0"/>
+              </a:spcBef>
+              <a:buNone/>
+              <a:defRPr sz="6000" kern="1200">
+                <a:solidFill>
+                  <a:schemeClr val="tx1"/>
+                </a:solidFill>
+                <a:latin typeface="+mj-lt"/>
+                <a:ea typeface="+mj-ea"/>
+                <a:cs typeface="+mj-cs"/>
+              </a:defRPr>
+            </a:lvl1pPr>
+          </a:lstStyle>
+          <a:p>
+            <a:r>
+              <a:rPr lang="en-US" sz="4000" dirty="0" smtClean="0"/>
+              <a:t>@</a:t>
+            </a:r>
+            <a:r>
+              <a:rPr lang="en-US" sz="4000" dirty="0" err="1" smtClean="0"/>
+              <a:t>diffplug</a:t>
             </a:r>
             <a:endParaRPr lang="en-US" sz="3200" dirty="0"/>
           </a:p>
@@ -6578,6 +7119,3374 @@
     <p:extLst>
       <p:ext uri="{BB962C8B-B14F-4D97-AF65-F5344CB8AC3E}">
         <p14:creationId xmlns:p14="http://schemas.microsoft.com/office/powerpoint/2010/main" val="2443352194"/>
+      </p:ext>
+    </p:extLst>
+  </p:cSld>
+  <p:clrMapOvr>
+    <a:masterClrMapping/>
+  </p:clrMapOvr>
+  <p:timing>
+    <p:tnLst>
+      <p:par>
+        <p:cTn id="1" dur="indefinite" restart="never" nodeType="tmRoot"/>
+      </p:par>
+    </p:tnLst>
+  </p:timing>
+</p:sld>
+</file>
+
+<file path=ppt/slides/slide10.xml><?xml version="1.0" encoding="utf-8"?>
+<p:sld xmlns:a="http://schemas.openxmlformats.org/drawingml/2006/main" xmlns:r="http://schemas.openxmlformats.org/officeDocument/2006/relationships" xmlns:p="http://schemas.openxmlformats.org/presentationml/2006/main">
+  <p:cSld>
+    <p:spTree>
+      <p:nvGrpSpPr>
+        <p:cNvPr id="1" name=""/>
+        <p:cNvGrpSpPr/>
+        <p:nvPr/>
+      </p:nvGrpSpPr>
+      <p:grpSpPr>
+        <a:xfrm>
+          <a:off x="0" y="0"/>
+          <a:ext cx="0" cy="0"/>
+          <a:chOff x="0" y="0"/>
+          <a:chExt cx="0" cy="0"/>
+        </a:xfrm>
+      </p:grpSpPr>
+      <p:pic>
+        <p:nvPicPr>
+          <p:cNvPr id="5" name="Picture 4"/>
+          <p:cNvPicPr>
+            <a:picLocks noChangeAspect="1"/>
+          </p:cNvPicPr>
+          <p:nvPr/>
+        </p:nvPicPr>
+        <p:blipFill rotWithShape="1">
+          <a:blip r:embed="rId2"/>
+          <a:srcRect l="1215" t="7464" r="36156" b="2435"/>
+          <a:stretch/>
+        </p:blipFill>
+        <p:spPr>
+          <a:xfrm>
+            <a:off x="9655378" y="434219"/>
+            <a:ext cx="1698422" cy="1650837"/>
+          </a:xfrm>
+          <a:prstGeom prst="rect">
+            <a:avLst/>
+          </a:prstGeom>
+        </p:spPr>
+      </p:pic>
+      <p:sp>
+        <p:nvSpPr>
+          <p:cNvPr id="7" name="Rectangle 6"/>
+          <p:cNvSpPr/>
+          <p:nvPr/>
+        </p:nvSpPr>
+        <p:spPr>
+          <a:xfrm>
+            <a:off x="838200" y="1000474"/>
+            <a:ext cx="6656718" cy="1200329"/>
+          </a:xfrm>
+          <a:prstGeom prst="rect">
+            <a:avLst/>
+          </a:prstGeom>
+        </p:spPr>
+        <p:txBody>
+          <a:bodyPr wrap="square">
+            <a:spAutoFit/>
+          </a:bodyPr>
+          <a:lstStyle/>
+          <a:p>
+            <a:r>
+              <a:rPr lang="en-US" dirty="0" smtClean="0">
+                <a:solidFill>
+                  <a:srgbClr val="3F5FBF"/>
+                </a:solidFill>
+                <a:latin typeface="Consolas" panose="020B0609020204030204" pitchFamily="49" charset="0"/>
+              </a:rPr>
+              <a:t>/** </a:t>
+            </a:r>
+            <a:r>
+              <a:rPr lang="en-US" dirty="0">
+                <a:solidFill>
+                  <a:srgbClr val="3F5FBF"/>
+                </a:solidFill>
+                <a:latin typeface="Consolas" panose="020B0609020204030204" pitchFamily="49" charset="0"/>
+              </a:rPr>
+              <a:t>Adds the given listener to the color </a:t>
+            </a:r>
+            <a:r>
+              <a:rPr lang="en-US" dirty="0" smtClean="0">
+                <a:solidFill>
+                  <a:srgbClr val="3F5FBF"/>
+                </a:solidFill>
+                <a:latin typeface="Consolas" panose="020B0609020204030204" pitchFamily="49" charset="0"/>
+              </a:rPr>
+              <a:t>canvas. */</a:t>
+            </a:r>
+          </a:p>
+          <a:p>
+            <a:r>
+              <a:rPr lang="nb-NO" b="1" dirty="0" smtClean="0">
+                <a:solidFill>
+                  <a:srgbClr val="7F0055"/>
+                </a:solidFill>
+                <a:latin typeface="Consolas" panose="020B0609020204030204" pitchFamily="49" charset="0"/>
+              </a:rPr>
+              <a:t>void</a:t>
+            </a:r>
+            <a:r>
+              <a:rPr lang="nb-NO" b="1" dirty="0" smtClean="0">
+                <a:solidFill>
+                  <a:srgbClr val="000000"/>
+                </a:solidFill>
+                <a:latin typeface="Consolas" panose="020B0609020204030204" pitchFamily="49" charset="0"/>
+              </a:rPr>
+              <a:t> </a:t>
+            </a:r>
+            <a:r>
+              <a:rPr lang="nb-NO" b="1" dirty="0">
+                <a:solidFill>
+                  <a:srgbClr val="000000"/>
+                </a:solidFill>
+                <a:latin typeface="Consolas" panose="020B0609020204030204" pitchFamily="49" charset="0"/>
+              </a:rPr>
+              <a:t>addListener(</a:t>
+            </a:r>
+            <a:r>
+              <a:rPr lang="nb-NO" b="1" dirty="0">
+                <a:solidFill>
+                  <a:srgbClr val="7F0055"/>
+                </a:solidFill>
+                <a:latin typeface="Consolas" panose="020B0609020204030204" pitchFamily="49" charset="0"/>
+              </a:rPr>
+              <a:t>int</a:t>
+            </a:r>
+            <a:r>
+              <a:rPr lang="nb-NO" b="1" dirty="0">
+                <a:solidFill>
+                  <a:srgbClr val="000000"/>
+                </a:solidFill>
+                <a:latin typeface="Consolas" panose="020B0609020204030204" pitchFamily="49" charset="0"/>
+              </a:rPr>
+              <a:t> </a:t>
+            </a:r>
+            <a:r>
+              <a:rPr lang="nb-NO" b="1" dirty="0">
+                <a:solidFill>
+                  <a:srgbClr val="6A3E3E"/>
+                </a:solidFill>
+                <a:latin typeface="Consolas" panose="020B0609020204030204" pitchFamily="49" charset="0"/>
+              </a:rPr>
+              <a:t>eventType</a:t>
+            </a:r>
+            <a:r>
+              <a:rPr lang="nb-NO" b="1" dirty="0">
+                <a:solidFill>
+                  <a:srgbClr val="000000"/>
+                </a:solidFill>
+                <a:latin typeface="Consolas" panose="020B0609020204030204" pitchFamily="49" charset="0"/>
+              </a:rPr>
+              <a:t>, Listener </a:t>
+            </a:r>
+            <a:r>
+              <a:rPr lang="nb-NO" b="1" dirty="0">
+                <a:solidFill>
+                  <a:srgbClr val="6A3E3E"/>
+                </a:solidFill>
+                <a:latin typeface="Consolas" panose="020B0609020204030204" pitchFamily="49" charset="0"/>
+              </a:rPr>
+              <a:t>listener</a:t>
+            </a:r>
+            <a:r>
+              <a:rPr lang="nb-NO" b="1" dirty="0">
+                <a:solidFill>
+                  <a:srgbClr val="000000"/>
+                </a:solidFill>
+                <a:latin typeface="Consolas" panose="020B0609020204030204" pitchFamily="49" charset="0"/>
+              </a:rPr>
+              <a:t>);</a:t>
+            </a:r>
+          </a:p>
+          <a:p>
+            <a:r>
+              <a:rPr lang="en-US" dirty="0">
+                <a:solidFill>
+                  <a:srgbClr val="3F5FBF"/>
+                </a:solidFill>
+                <a:latin typeface="Consolas" panose="020B0609020204030204" pitchFamily="49" charset="0"/>
+              </a:rPr>
+              <a:t>/** Converts a coordinate to an RGB value. */</a:t>
+            </a:r>
+          </a:p>
+          <a:p>
+            <a:r>
+              <a:rPr lang="en-US" dirty="0">
+                <a:solidFill>
+                  <a:srgbClr val="000000"/>
+                </a:solidFill>
+                <a:latin typeface="Consolas" panose="020B0609020204030204" pitchFamily="49" charset="0"/>
+              </a:rPr>
+              <a:t>RGB </a:t>
+            </a:r>
+            <a:r>
+              <a:rPr lang="en-US" b="1" dirty="0" err="1">
+                <a:solidFill>
+                  <a:srgbClr val="000000"/>
+                </a:solidFill>
+                <a:latin typeface="Consolas" panose="020B0609020204030204" pitchFamily="49" charset="0"/>
+              </a:rPr>
+              <a:t>toColor</a:t>
+            </a:r>
+            <a:r>
+              <a:rPr lang="en-US" dirty="0">
+                <a:solidFill>
+                  <a:srgbClr val="000000"/>
+                </a:solidFill>
+                <a:latin typeface="Consolas" panose="020B0609020204030204" pitchFamily="49" charset="0"/>
+              </a:rPr>
+              <a:t>(</a:t>
+            </a:r>
+            <a:r>
+              <a:rPr lang="en-US" b="1" dirty="0" err="1">
+                <a:solidFill>
+                  <a:srgbClr val="7F0055"/>
+                </a:solidFill>
+                <a:latin typeface="Consolas" panose="020B0609020204030204" pitchFamily="49" charset="0"/>
+              </a:rPr>
+              <a:t>int</a:t>
+            </a:r>
+            <a:r>
+              <a:rPr lang="en-US" b="1" dirty="0">
+                <a:solidFill>
+                  <a:srgbClr val="000000"/>
+                </a:solidFill>
+                <a:latin typeface="Consolas" panose="020B0609020204030204" pitchFamily="49" charset="0"/>
+              </a:rPr>
+              <a:t> </a:t>
+            </a:r>
+            <a:r>
+              <a:rPr lang="en-US" b="1" dirty="0">
+                <a:solidFill>
+                  <a:srgbClr val="6A3E3E"/>
+                </a:solidFill>
+                <a:latin typeface="Consolas" panose="020B0609020204030204" pitchFamily="49" charset="0"/>
+              </a:rPr>
+              <a:t>x</a:t>
+            </a:r>
+            <a:r>
+              <a:rPr lang="en-US" b="1" dirty="0">
+                <a:solidFill>
+                  <a:srgbClr val="000000"/>
+                </a:solidFill>
+                <a:latin typeface="Consolas" panose="020B0609020204030204" pitchFamily="49" charset="0"/>
+              </a:rPr>
+              <a:t>, </a:t>
+            </a:r>
+            <a:r>
+              <a:rPr lang="en-US" b="1" dirty="0" err="1">
+                <a:solidFill>
+                  <a:srgbClr val="7F0055"/>
+                </a:solidFill>
+                <a:latin typeface="Consolas" panose="020B0609020204030204" pitchFamily="49" charset="0"/>
+              </a:rPr>
+              <a:t>int</a:t>
+            </a:r>
+            <a:r>
+              <a:rPr lang="en-US" b="1" dirty="0">
+                <a:solidFill>
+                  <a:srgbClr val="000000"/>
+                </a:solidFill>
+                <a:latin typeface="Consolas" panose="020B0609020204030204" pitchFamily="49" charset="0"/>
+              </a:rPr>
+              <a:t> </a:t>
+            </a:r>
+            <a:r>
+              <a:rPr lang="en-US" b="1" dirty="0">
+                <a:solidFill>
+                  <a:srgbClr val="6A3E3E"/>
+                </a:solidFill>
+                <a:latin typeface="Consolas" panose="020B0609020204030204" pitchFamily="49" charset="0"/>
+              </a:rPr>
+              <a:t>y</a:t>
+            </a:r>
+            <a:r>
+              <a:rPr lang="en-US" b="1" dirty="0" smtClean="0">
+                <a:solidFill>
+                  <a:srgbClr val="000000"/>
+                </a:solidFill>
+                <a:latin typeface="Consolas" panose="020B0609020204030204" pitchFamily="49" charset="0"/>
+              </a:rPr>
+              <a:t>);</a:t>
+            </a:r>
+            <a:endParaRPr lang="en-US" b="1" dirty="0">
+              <a:solidFill>
+                <a:srgbClr val="000000"/>
+              </a:solidFill>
+              <a:latin typeface="Consolas" panose="020B0609020204030204" pitchFamily="49" charset="0"/>
+            </a:endParaRPr>
+          </a:p>
+        </p:txBody>
+      </p:sp>
+      <p:sp>
+        <p:nvSpPr>
+          <p:cNvPr id="9" name="Rectangle 8"/>
+          <p:cNvSpPr/>
+          <p:nvPr/>
+        </p:nvSpPr>
+        <p:spPr>
+          <a:xfrm>
+            <a:off x="838200" y="3731998"/>
+            <a:ext cx="6488574" cy="2308324"/>
+          </a:xfrm>
+          <a:prstGeom prst="rect">
+            <a:avLst/>
+          </a:prstGeom>
+        </p:spPr>
+        <p:txBody>
+          <a:bodyPr wrap="square">
+            <a:spAutoFit/>
+          </a:bodyPr>
+          <a:lstStyle/>
+          <a:p>
+            <a:r>
+              <a:rPr lang="en-US" b="1" dirty="0">
+                <a:solidFill>
+                  <a:srgbClr val="7F0055"/>
+                </a:solidFill>
+                <a:latin typeface="Consolas" panose="020B0609020204030204" pitchFamily="49" charset="0"/>
+              </a:rPr>
+              <a:t>public</a:t>
+            </a:r>
+            <a:r>
+              <a:rPr lang="en-US" b="1" dirty="0">
+                <a:solidFill>
+                  <a:srgbClr val="000000"/>
+                </a:solidFill>
+                <a:latin typeface="Consolas" panose="020B0609020204030204" pitchFamily="49" charset="0"/>
+              </a:rPr>
+              <a:t> </a:t>
+            </a:r>
+            <a:r>
+              <a:rPr lang="en-US" b="1" dirty="0">
+                <a:solidFill>
+                  <a:srgbClr val="7F0055"/>
+                </a:solidFill>
+                <a:latin typeface="Consolas" panose="020B0609020204030204" pitchFamily="49" charset="0"/>
+              </a:rPr>
+              <a:t>class</a:t>
+            </a:r>
+            <a:r>
+              <a:rPr lang="en-US" b="1" dirty="0">
+                <a:solidFill>
+                  <a:srgbClr val="000000"/>
+                </a:solidFill>
+                <a:latin typeface="Consolas" panose="020B0609020204030204" pitchFamily="49" charset="0"/>
+              </a:rPr>
+              <a:t> </a:t>
+            </a:r>
+            <a:r>
+              <a:rPr lang="en-US" b="1" dirty="0" err="1">
+                <a:solidFill>
+                  <a:srgbClr val="000000"/>
+                </a:solidFill>
+                <a:latin typeface="Consolas" panose="020B0609020204030204" pitchFamily="49" charset="0"/>
+              </a:rPr>
+              <a:t>ColorEvent</a:t>
+            </a:r>
+            <a:r>
+              <a:rPr lang="en-US" b="1" dirty="0">
+                <a:solidFill>
+                  <a:srgbClr val="000000"/>
+                </a:solidFill>
+                <a:latin typeface="Consolas" panose="020B0609020204030204" pitchFamily="49" charset="0"/>
+              </a:rPr>
+              <a:t> {</a:t>
+            </a:r>
+          </a:p>
+          <a:p>
+            <a:r>
+              <a:rPr lang="en-US" dirty="0" smtClean="0">
+                <a:solidFill>
+                  <a:srgbClr val="000000"/>
+                </a:solidFill>
+                <a:latin typeface="Consolas" panose="020B0609020204030204" pitchFamily="49" charset="0"/>
+              </a:rPr>
+              <a:t>    RGB </a:t>
+            </a:r>
+            <a:r>
+              <a:rPr lang="en-US" dirty="0">
+                <a:solidFill>
+                  <a:srgbClr val="0000C0"/>
+                </a:solidFill>
+                <a:latin typeface="Consolas" panose="020B0609020204030204" pitchFamily="49" charset="0"/>
+              </a:rPr>
+              <a:t>color</a:t>
+            </a:r>
+            <a:r>
+              <a:rPr lang="en-US" dirty="0">
+                <a:solidFill>
+                  <a:srgbClr val="000000"/>
+                </a:solidFill>
+                <a:latin typeface="Consolas" panose="020B0609020204030204" pitchFamily="49" charset="0"/>
+              </a:rPr>
+              <a:t>;</a:t>
+            </a:r>
+          </a:p>
+          <a:p>
+            <a:r>
+              <a:rPr lang="en-US" dirty="0">
+                <a:solidFill>
+                  <a:srgbClr val="000000"/>
+                </a:solidFill>
+                <a:latin typeface="Consolas" panose="020B0609020204030204" pitchFamily="49" charset="0"/>
+              </a:rPr>
+              <a:t>}</a:t>
+            </a:r>
+          </a:p>
+          <a:p>
+            <a:r>
+              <a:rPr lang="en-US" b="1" dirty="0">
+                <a:solidFill>
+                  <a:srgbClr val="7F0055"/>
+                </a:solidFill>
+                <a:latin typeface="Consolas" panose="020B0609020204030204" pitchFamily="49" charset="0"/>
+              </a:rPr>
+              <a:t>public</a:t>
+            </a:r>
+            <a:r>
+              <a:rPr lang="en-US" b="1" dirty="0">
+                <a:solidFill>
+                  <a:srgbClr val="000000"/>
+                </a:solidFill>
+                <a:latin typeface="Consolas" panose="020B0609020204030204" pitchFamily="49" charset="0"/>
+              </a:rPr>
+              <a:t> </a:t>
+            </a:r>
+            <a:r>
+              <a:rPr lang="en-US" b="1" dirty="0">
+                <a:solidFill>
+                  <a:srgbClr val="7F0055"/>
+                </a:solidFill>
+                <a:latin typeface="Consolas" panose="020B0609020204030204" pitchFamily="49" charset="0"/>
+              </a:rPr>
+              <a:t>interface</a:t>
+            </a:r>
+            <a:r>
+              <a:rPr lang="en-US" b="1" dirty="0">
+                <a:solidFill>
+                  <a:srgbClr val="000000"/>
+                </a:solidFill>
+                <a:latin typeface="Consolas" panose="020B0609020204030204" pitchFamily="49" charset="0"/>
+              </a:rPr>
+              <a:t> </a:t>
+            </a:r>
+            <a:r>
+              <a:rPr lang="en-US" b="1" dirty="0" err="1">
+                <a:solidFill>
+                  <a:srgbClr val="000000"/>
+                </a:solidFill>
+                <a:latin typeface="Consolas" panose="020B0609020204030204" pitchFamily="49" charset="0"/>
+              </a:rPr>
+              <a:t>ColorListener</a:t>
+            </a:r>
+            <a:r>
+              <a:rPr lang="en-US" b="1" dirty="0">
+                <a:solidFill>
+                  <a:srgbClr val="000000"/>
+                </a:solidFill>
+                <a:latin typeface="Consolas" panose="020B0609020204030204" pitchFamily="49" charset="0"/>
+              </a:rPr>
+              <a:t> {</a:t>
+            </a:r>
+          </a:p>
+          <a:p>
+            <a:r>
+              <a:rPr lang="en-US" b="1" dirty="0" smtClean="0">
+                <a:solidFill>
+                  <a:srgbClr val="7F0055"/>
+                </a:solidFill>
+                <a:latin typeface="Consolas" panose="020B0609020204030204" pitchFamily="49" charset="0"/>
+              </a:rPr>
+              <a:t>    void</a:t>
+            </a:r>
+            <a:r>
+              <a:rPr lang="en-US" b="1" dirty="0" smtClean="0">
+                <a:solidFill>
+                  <a:srgbClr val="000000"/>
+                </a:solidFill>
+                <a:latin typeface="Consolas" panose="020B0609020204030204" pitchFamily="49" charset="0"/>
+              </a:rPr>
+              <a:t> </a:t>
+            </a:r>
+            <a:r>
+              <a:rPr lang="en-US" b="1" dirty="0">
+                <a:solidFill>
+                  <a:srgbClr val="000000"/>
+                </a:solidFill>
+                <a:latin typeface="Consolas" panose="020B0609020204030204" pitchFamily="49" charset="0"/>
+              </a:rPr>
+              <a:t>handle(</a:t>
+            </a:r>
+            <a:r>
+              <a:rPr lang="en-US" b="1" dirty="0" err="1">
+                <a:solidFill>
+                  <a:srgbClr val="000000"/>
+                </a:solidFill>
+                <a:latin typeface="Consolas" panose="020B0609020204030204" pitchFamily="49" charset="0"/>
+              </a:rPr>
+              <a:t>ColorEvent</a:t>
+            </a:r>
+            <a:r>
+              <a:rPr lang="en-US" b="1" dirty="0">
+                <a:solidFill>
+                  <a:srgbClr val="000000"/>
+                </a:solidFill>
+                <a:latin typeface="Consolas" panose="020B0609020204030204" pitchFamily="49" charset="0"/>
+              </a:rPr>
+              <a:t> </a:t>
+            </a:r>
+            <a:r>
+              <a:rPr lang="en-US" b="1" dirty="0">
+                <a:solidFill>
+                  <a:srgbClr val="6A3E3E"/>
+                </a:solidFill>
+                <a:latin typeface="Consolas" panose="020B0609020204030204" pitchFamily="49" charset="0"/>
+              </a:rPr>
+              <a:t>event</a:t>
+            </a:r>
+            <a:r>
+              <a:rPr lang="en-US" b="1" dirty="0">
+                <a:solidFill>
+                  <a:srgbClr val="000000"/>
+                </a:solidFill>
+                <a:latin typeface="Consolas" panose="020B0609020204030204" pitchFamily="49" charset="0"/>
+              </a:rPr>
+              <a:t>);</a:t>
+            </a:r>
+          </a:p>
+          <a:p>
+            <a:r>
+              <a:rPr lang="en-US" dirty="0">
+                <a:solidFill>
+                  <a:srgbClr val="000000"/>
+                </a:solidFill>
+                <a:latin typeface="Consolas" panose="020B0609020204030204" pitchFamily="49" charset="0"/>
+              </a:rPr>
+              <a:t>}</a:t>
+            </a:r>
+          </a:p>
+          <a:p>
+            <a:r>
+              <a:rPr lang="en-US" b="1" dirty="0">
+                <a:solidFill>
+                  <a:srgbClr val="7F0055"/>
+                </a:solidFill>
+                <a:latin typeface="Consolas" panose="020B0609020204030204" pitchFamily="49" charset="0"/>
+              </a:rPr>
+              <a:t>void</a:t>
+            </a:r>
+            <a:r>
+              <a:rPr lang="en-US" b="1" dirty="0">
+                <a:solidFill>
+                  <a:srgbClr val="000000"/>
+                </a:solidFill>
+                <a:latin typeface="Consolas" panose="020B0609020204030204" pitchFamily="49" charset="0"/>
+              </a:rPr>
+              <a:t> </a:t>
+            </a:r>
+            <a:r>
+              <a:rPr lang="en-US" b="1" dirty="0" err="1">
+                <a:solidFill>
+                  <a:srgbClr val="000000"/>
+                </a:solidFill>
+                <a:latin typeface="Consolas" panose="020B0609020204030204" pitchFamily="49" charset="0"/>
+              </a:rPr>
+              <a:t>addMouseMoveListener</a:t>
+            </a:r>
+            <a:r>
+              <a:rPr lang="en-US" b="1" dirty="0">
+                <a:solidFill>
+                  <a:srgbClr val="000000"/>
+                </a:solidFill>
+                <a:latin typeface="Consolas" panose="020B0609020204030204" pitchFamily="49" charset="0"/>
+              </a:rPr>
+              <a:t>(</a:t>
+            </a:r>
+            <a:r>
+              <a:rPr lang="en-US" b="1" dirty="0" err="1">
+                <a:solidFill>
+                  <a:srgbClr val="000000"/>
+                </a:solidFill>
+                <a:latin typeface="Consolas" panose="020B0609020204030204" pitchFamily="49" charset="0"/>
+              </a:rPr>
+              <a:t>ColorListener</a:t>
+            </a:r>
+            <a:r>
+              <a:rPr lang="en-US" b="1" dirty="0">
+                <a:solidFill>
+                  <a:srgbClr val="000000"/>
+                </a:solidFill>
+                <a:latin typeface="Consolas" panose="020B0609020204030204" pitchFamily="49" charset="0"/>
+              </a:rPr>
+              <a:t> </a:t>
+            </a:r>
+            <a:r>
+              <a:rPr lang="en-US" b="1" dirty="0">
+                <a:solidFill>
+                  <a:srgbClr val="6A3E3E"/>
+                </a:solidFill>
+                <a:latin typeface="Consolas" panose="020B0609020204030204" pitchFamily="49" charset="0"/>
+              </a:rPr>
+              <a:t>listener</a:t>
+            </a:r>
+            <a:r>
+              <a:rPr lang="en-US" b="1" dirty="0">
+                <a:solidFill>
+                  <a:srgbClr val="000000"/>
+                </a:solidFill>
+                <a:latin typeface="Consolas" panose="020B0609020204030204" pitchFamily="49" charset="0"/>
+              </a:rPr>
+              <a:t>);</a:t>
+            </a:r>
+          </a:p>
+          <a:p>
+            <a:r>
+              <a:rPr lang="en-US" b="1" dirty="0">
+                <a:solidFill>
+                  <a:srgbClr val="7F0055"/>
+                </a:solidFill>
+                <a:latin typeface="Consolas" panose="020B0609020204030204" pitchFamily="49" charset="0"/>
+              </a:rPr>
+              <a:t>void</a:t>
+            </a:r>
+            <a:r>
+              <a:rPr lang="en-US" b="1" dirty="0">
+                <a:solidFill>
+                  <a:srgbClr val="000000"/>
+                </a:solidFill>
+                <a:latin typeface="Consolas" panose="020B0609020204030204" pitchFamily="49" charset="0"/>
+              </a:rPr>
+              <a:t> </a:t>
+            </a:r>
+            <a:r>
+              <a:rPr lang="en-US" b="1" dirty="0" err="1">
+                <a:solidFill>
+                  <a:srgbClr val="000000"/>
+                </a:solidFill>
+                <a:latin typeface="Consolas" panose="020B0609020204030204" pitchFamily="49" charset="0"/>
+              </a:rPr>
+              <a:t>addMouseDownListener</a:t>
+            </a:r>
+            <a:r>
+              <a:rPr lang="en-US" b="1" dirty="0">
+                <a:solidFill>
+                  <a:srgbClr val="000000"/>
+                </a:solidFill>
+                <a:latin typeface="Consolas" panose="020B0609020204030204" pitchFamily="49" charset="0"/>
+              </a:rPr>
+              <a:t>(</a:t>
+            </a:r>
+            <a:r>
+              <a:rPr lang="en-US" b="1" dirty="0" err="1">
+                <a:solidFill>
+                  <a:srgbClr val="000000"/>
+                </a:solidFill>
+                <a:latin typeface="Consolas" panose="020B0609020204030204" pitchFamily="49" charset="0"/>
+              </a:rPr>
+              <a:t>ColorListener</a:t>
+            </a:r>
+            <a:r>
+              <a:rPr lang="en-US" b="1" dirty="0">
+                <a:solidFill>
+                  <a:srgbClr val="000000"/>
+                </a:solidFill>
+                <a:latin typeface="Consolas" panose="020B0609020204030204" pitchFamily="49" charset="0"/>
+              </a:rPr>
+              <a:t> </a:t>
+            </a:r>
+            <a:r>
+              <a:rPr lang="en-US" b="1" dirty="0">
+                <a:solidFill>
+                  <a:srgbClr val="6A3E3E"/>
+                </a:solidFill>
+                <a:latin typeface="Consolas" panose="020B0609020204030204" pitchFamily="49" charset="0"/>
+              </a:rPr>
+              <a:t>listener</a:t>
+            </a:r>
+            <a:r>
+              <a:rPr lang="en-US" b="1" dirty="0">
+                <a:solidFill>
+                  <a:srgbClr val="000000"/>
+                </a:solidFill>
+                <a:latin typeface="Consolas" panose="020B0609020204030204" pitchFamily="49" charset="0"/>
+              </a:rPr>
+              <a:t>);</a:t>
+            </a:r>
+          </a:p>
+        </p:txBody>
+      </p:sp>
+      <p:sp>
+        <p:nvSpPr>
+          <p:cNvPr id="10" name="Rectangle 9"/>
+          <p:cNvSpPr/>
+          <p:nvPr/>
+        </p:nvSpPr>
+        <p:spPr>
+          <a:xfrm>
+            <a:off x="7521927" y="3745345"/>
+            <a:ext cx="4000017" cy="646331"/>
+          </a:xfrm>
+          <a:prstGeom prst="rect">
+            <a:avLst/>
+          </a:prstGeom>
+        </p:spPr>
+        <p:txBody>
+          <a:bodyPr wrap="square">
+            <a:spAutoFit/>
+          </a:bodyPr>
+          <a:lstStyle/>
+          <a:p>
+            <a:r>
+              <a:rPr lang="en-US" b="1" dirty="0" smtClean="0">
+                <a:solidFill>
+                  <a:srgbClr val="7F0055"/>
+                </a:solidFill>
+                <a:latin typeface="Consolas" panose="020B0609020204030204" pitchFamily="49" charset="0"/>
+              </a:rPr>
+              <a:t>Observable&lt;RGB&gt; </a:t>
+            </a:r>
+            <a:r>
+              <a:rPr lang="en-US" b="1" dirty="0" err="1" smtClean="0">
+                <a:solidFill>
+                  <a:srgbClr val="000000"/>
+                </a:solidFill>
+                <a:latin typeface="Consolas" panose="020B0609020204030204" pitchFamily="49" charset="0"/>
+              </a:rPr>
+              <a:t>rxMouseMove</a:t>
+            </a:r>
+            <a:r>
+              <a:rPr lang="en-US" b="1" dirty="0" smtClean="0">
+                <a:solidFill>
+                  <a:srgbClr val="000000"/>
+                </a:solidFill>
+                <a:latin typeface="Consolas" panose="020B0609020204030204" pitchFamily="49" charset="0"/>
+              </a:rPr>
+              <a:t>();</a:t>
+            </a:r>
+          </a:p>
+          <a:p>
+            <a:r>
+              <a:rPr lang="en-US" b="1" dirty="0">
+                <a:solidFill>
+                  <a:srgbClr val="7F0055"/>
+                </a:solidFill>
+                <a:latin typeface="Consolas" panose="020B0609020204030204" pitchFamily="49" charset="0"/>
+              </a:rPr>
+              <a:t>Observable&lt;RGB&gt; </a:t>
+            </a:r>
+            <a:r>
+              <a:rPr lang="en-US" b="1" dirty="0" err="1" smtClean="0">
+                <a:solidFill>
+                  <a:srgbClr val="000000"/>
+                </a:solidFill>
+                <a:latin typeface="Consolas" panose="020B0609020204030204" pitchFamily="49" charset="0"/>
+              </a:rPr>
+              <a:t>rxMouseDown</a:t>
+            </a:r>
+            <a:r>
+              <a:rPr lang="en-US" b="1" dirty="0" smtClean="0">
+                <a:solidFill>
+                  <a:srgbClr val="000000"/>
+                </a:solidFill>
+                <a:latin typeface="Consolas" panose="020B0609020204030204" pitchFamily="49" charset="0"/>
+              </a:rPr>
+              <a:t>();</a:t>
+            </a:r>
+            <a:endParaRPr lang="en-US" b="1" dirty="0">
+              <a:solidFill>
+                <a:srgbClr val="000000"/>
+              </a:solidFill>
+              <a:latin typeface="Consolas" panose="020B0609020204030204" pitchFamily="49" charset="0"/>
+            </a:endParaRPr>
+          </a:p>
+        </p:txBody>
+      </p:sp>
+      <p:sp>
+        <p:nvSpPr>
+          <p:cNvPr id="11" name="Title 7"/>
+          <p:cNvSpPr>
+            <a:spLocks noGrp="1"/>
+          </p:cNvSpPr>
+          <p:nvPr>
+            <p:ph type="title"/>
+          </p:nvPr>
+        </p:nvSpPr>
+        <p:spPr>
+          <a:xfrm>
+            <a:off x="838200" y="-266217"/>
+            <a:ext cx="10515600" cy="1956906"/>
+          </a:xfrm>
+        </p:spPr>
+        <p:txBody>
+          <a:bodyPr>
+            <a:normAutofit/>
+          </a:bodyPr>
+          <a:lstStyle/>
+          <a:p>
+            <a:r>
+              <a:rPr lang="en-US" sz="2800" dirty="0" smtClean="0">
+                <a:latin typeface="+mn-lt"/>
+              </a:rPr>
+              <a:t>Expose SWT Listeners</a:t>
+            </a:r>
+            <a:endParaRPr lang="en-US" sz="2800" dirty="0">
+              <a:latin typeface="+mn-lt"/>
+            </a:endParaRPr>
+          </a:p>
+        </p:txBody>
+      </p:sp>
+      <p:sp>
+        <p:nvSpPr>
+          <p:cNvPr id="14" name="Title 7"/>
+          <p:cNvSpPr txBox="1">
+            <a:spLocks/>
+          </p:cNvSpPr>
+          <p:nvPr/>
+        </p:nvSpPr>
+        <p:spPr>
+          <a:xfrm>
+            <a:off x="838200" y="2563887"/>
+            <a:ext cx="10515600" cy="1956906"/>
+          </a:xfrm>
+          <a:prstGeom prst="rect">
+            <a:avLst/>
+          </a:prstGeom>
+        </p:spPr>
+        <p:txBody>
+          <a:bodyPr vert="horz" lIns="91440" tIns="45720" rIns="91440" bIns="45720" rtlCol="0" anchor="ctr">
+            <a:normAutofit/>
+          </a:bodyPr>
+          <a:lstStyle>
+            <a:lvl1pPr algn="l" defTabSz="914400" rtl="0" eaLnBrk="1" latinLnBrk="0" hangingPunct="1">
+              <a:lnSpc>
+                <a:spcPct val="90000"/>
+              </a:lnSpc>
+              <a:spcBef>
+                <a:spcPct val="0"/>
+              </a:spcBef>
+              <a:buNone/>
+              <a:defRPr sz="4400" kern="1200">
+                <a:solidFill>
+                  <a:schemeClr val="tx1"/>
+                </a:solidFill>
+                <a:latin typeface="+mj-lt"/>
+                <a:ea typeface="+mj-ea"/>
+                <a:cs typeface="+mj-cs"/>
+              </a:defRPr>
+            </a:lvl1pPr>
+          </a:lstStyle>
+          <a:p>
+            <a:r>
+              <a:rPr lang="en-US" sz="2800" dirty="0" smtClean="0">
+                <a:latin typeface="+mn-lt"/>
+              </a:rPr>
+              <a:t>Create yet another event pair</a:t>
+            </a:r>
+            <a:endParaRPr lang="en-US" sz="2800" dirty="0">
+              <a:latin typeface="+mn-lt"/>
+            </a:endParaRPr>
+          </a:p>
+        </p:txBody>
+      </p:sp>
+      <p:sp>
+        <p:nvSpPr>
+          <p:cNvPr id="15" name="Title 7"/>
+          <p:cNvSpPr txBox="1">
+            <a:spLocks/>
+          </p:cNvSpPr>
+          <p:nvPr/>
+        </p:nvSpPr>
+        <p:spPr>
+          <a:xfrm>
+            <a:off x="7494918" y="2596164"/>
+            <a:ext cx="10515600" cy="1956906"/>
+          </a:xfrm>
+          <a:prstGeom prst="rect">
+            <a:avLst/>
+          </a:prstGeom>
+        </p:spPr>
+        <p:txBody>
+          <a:bodyPr vert="horz" lIns="91440" tIns="45720" rIns="91440" bIns="45720" rtlCol="0" anchor="ctr">
+            <a:normAutofit/>
+          </a:bodyPr>
+          <a:lstStyle>
+            <a:lvl1pPr algn="l" defTabSz="914400" rtl="0" eaLnBrk="1" latinLnBrk="0" hangingPunct="1">
+              <a:lnSpc>
+                <a:spcPct val="90000"/>
+              </a:lnSpc>
+              <a:spcBef>
+                <a:spcPct val="0"/>
+              </a:spcBef>
+              <a:buNone/>
+              <a:defRPr sz="4400" kern="1200">
+                <a:solidFill>
+                  <a:schemeClr val="tx1"/>
+                </a:solidFill>
+                <a:latin typeface="+mj-lt"/>
+                <a:ea typeface="+mj-ea"/>
+                <a:cs typeface="+mj-cs"/>
+              </a:defRPr>
+            </a:lvl1pPr>
+          </a:lstStyle>
+          <a:p>
+            <a:r>
+              <a:rPr lang="en-US" sz="2800" dirty="0" err="1" smtClean="0">
+                <a:latin typeface="+mn-lt"/>
+              </a:rPr>
+              <a:t>RxJava</a:t>
+            </a:r>
+            <a:endParaRPr lang="en-US" sz="2800" dirty="0">
+              <a:latin typeface="+mn-lt"/>
+            </a:endParaRPr>
+          </a:p>
+        </p:txBody>
+      </p:sp>
+    </p:spTree>
+    <p:extLst>
+      <p:ext uri="{BB962C8B-B14F-4D97-AF65-F5344CB8AC3E}">
+        <p14:creationId xmlns:p14="http://schemas.microsoft.com/office/powerpoint/2010/main" val="2981432146"/>
+      </p:ext>
+    </p:extLst>
+  </p:cSld>
+  <p:clrMapOvr>
+    <a:masterClrMapping/>
+  </p:clrMapOvr>
+  <p:timing>
+    <p:tnLst>
+      <p:par>
+        <p:cTn id="1" dur="indefinite" restart="never" nodeType="tmRoot">
+          <p:childTnLst>
+            <p:seq concurrent="1" nextAc="seek">
+              <p:cTn id="2" dur="indefinite" nodeType="mainSeq">
+                <p:childTnLst>
+                  <p:par>
+                    <p:cTn id="3" fill="hold">
+                      <p:stCondLst>
+                        <p:cond delay="indefinite"/>
+                      </p:stCondLst>
+                      <p:childTnLst>
+                        <p:par>
+                          <p:cTn id="4" fill="hold">
+                            <p:stCondLst>
+                              <p:cond delay="0"/>
+                            </p:stCondLst>
+                            <p:childTnLst>
+                              <p:par>
+                                <p:cTn id="5" presetID="1" presetClass="entr" presetSubtype="0" fill="hold" grpId="0" nodeType="clickEffect">
+                                  <p:stCondLst>
+                                    <p:cond delay="0"/>
+                                  </p:stCondLst>
+                                  <p:childTnLst>
+                                    <p:set>
+                                      <p:cBhvr>
+                                        <p:cTn id="6" dur="1" fill="hold">
+                                          <p:stCondLst>
+                                            <p:cond delay="0"/>
+                                          </p:stCondLst>
+                                        </p:cTn>
+                                        <p:tgtEl>
+                                          <p:spTgt spid="11"/>
+                                        </p:tgtEl>
+                                        <p:attrNameLst>
+                                          <p:attrName>style.visibility</p:attrName>
+                                        </p:attrNameLst>
+                                      </p:cBhvr>
+                                      <p:to>
+                                        <p:strVal val="visible"/>
+                                      </p:to>
+                                    </p:set>
+                                  </p:childTnLst>
+                                </p:cTn>
+                              </p:par>
+                              <p:par>
+                                <p:cTn id="7" presetID="1" presetClass="entr" presetSubtype="0" fill="hold" grpId="0" nodeType="withEffect">
+                                  <p:stCondLst>
+                                    <p:cond delay="0"/>
+                                  </p:stCondLst>
+                                  <p:childTnLst>
+                                    <p:set>
+                                      <p:cBhvr>
+                                        <p:cTn id="8" dur="1" fill="hold">
+                                          <p:stCondLst>
+                                            <p:cond delay="0"/>
+                                          </p:stCondLst>
+                                        </p:cTn>
+                                        <p:tgtEl>
+                                          <p:spTgt spid="7"/>
+                                        </p:tgtEl>
+                                        <p:attrNameLst>
+                                          <p:attrName>style.visibility</p:attrName>
+                                        </p:attrNameLst>
+                                      </p:cBhvr>
+                                      <p:to>
+                                        <p:strVal val="visible"/>
+                                      </p:to>
+                                    </p:set>
+                                  </p:childTnLst>
+                                </p:cTn>
+                              </p:par>
+                            </p:childTnLst>
+                          </p:cTn>
+                        </p:par>
+                      </p:childTnLst>
+                    </p:cTn>
+                  </p:par>
+                  <p:par>
+                    <p:cTn id="9" fill="hold">
+                      <p:stCondLst>
+                        <p:cond delay="indefinite"/>
+                      </p:stCondLst>
+                      <p:childTnLst>
+                        <p:par>
+                          <p:cTn id="10" fill="hold">
+                            <p:stCondLst>
+                              <p:cond delay="0"/>
+                            </p:stCondLst>
+                            <p:childTnLst>
+                              <p:par>
+                                <p:cTn id="11" presetID="1" presetClass="entr" presetSubtype="0" fill="hold" grpId="0" nodeType="clickEffect">
+                                  <p:stCondLst>
+                                    <p:cond delay="0"/>
+                                  </p:stCondLst>
+                                  <p:childTnLst>
+                                    <p:set>
+                                      <p:cBhvr>
+                                        <p:cTn id="12" dur="1" fill="hold">
+                                          <p:stCondLst>
+                                            <p:cond delay="0"/>
+                                          </p:stCondLst>
+                                        </p:cTn>
+                                        <p:tgtEl>
+                                          <p:spTgt spid="14"/>
+                                        </p:tgtEl>
+                                        <p:attrNameLst>
+                                          <p:attrName>style.visibility</p:attrName>
+                                        </p:attrNameLst>
+                                      </p:cBhvr>
+                                      <p:to>
+                                        <p:strVal val="visible"/>
+                                      </p:to>
+                                    </p:set>
+                                  </p:childTnLst>
+                                </p:cTn>
+                              </p:par>
+                              <p:par>
+                                <p:cTn id="13" presetID="1" presetClass="entr" presetSubtype="0" fill="hold" grpId="0" nodeType="withEffect">
+                                  <p:stCondLst>
+                                    <p:cond delay="0"/>
+                                  </p:stCondLst>
+                                  <p:childTnLst>
+                                    <p:set>
+                                      <p:cBhvr>
+                                        <p:cTn id="14" dur="1" fill="hold">
+                                          <p:stCondLst>
+                                            <p:cond delay="0"/>
+                                          </p:stCondLst>
+                                        </p:cTn>
+                                        <p:tgtEl>
+                                          <p:spTgt spid="9"/>
+                                        </p:tgtEl>
+                                        <p:attrNameLst>
+                                          <p:attrName>style.visibility</p:attrName>
+                                        </p:attrNameLst>
+                                      </p:cBhvr>
+                                      <p:to>
+                                        <p:strVal val="visible"/>
+                                      </p:to>
+                                    </p:set>
+                                  </p:childTnLst>
+                                </p:cTn>
+                              </p:par>
+                            </p:childTnLst>
+                          </p:cTn>
+                        </p:par>
+                      </p:childTnLst>
+                    </p:cTn>
+                  </p:par>
+                  <p:par>
+                    <p:cTn id="15" fill="hold">
+                      <p:stCondLst>
+                        <p:cond delay="indefinite"/>
+                      </p:stCondLst>
+                      <p:childTnLst>
+                        <p:par>
+                          <p:cTn id="16" fill="hold">
+                            <p:stCondLst>
+                              <p:cond delay="0"/>
+                            </p:stCondLst>
+                            <p:childTnLst>
+                              <p:par>
+                                <p:cTn id="17" presetID="1" presetClass="entr" presetSubtype="0" fill="hold" grpId="0" nodeType="clickEffect">
+                                  <p:stCondLst>
+                                    <p:cond delay="0"/>
+                                  </p:stCondLst>
+                                  <p:childTnLst>
+                                    <p:set>
+                                      <p:cBhvr>
+                                        <p:cTn id="18" dur="1" fill="hold">
+                                          <p:stCondLst>
+                                            <p:cond delay="0"/>
+                                          </p:stCondLst>
+                                        </p:cTn>
+                                        <p:tgtEl>
+                                          <p:spTgt spid="10"/>
+                                        </p:tgtEl>
+                                        <p:attrNameLst>
+                                          <p:attrName>style.visibility</p:attrName>
+                                        </p:attrNameLst>
+                                      </p:cBhvr>
+                                      <p:to>
+                                        <p:strVal val="visible"/>
+                                      </p:to>
+                                    </p:set>
+                                  </p:childTnLst>
+                                </p:cTn>
+                              </p:par>
+                              <p:par>
+                                <p:cTn id="19" presetID="1" presetClass="entr" presetSubtype="0" fill="hold" grpId="0" nodeType="withEffect">
+                                  <p:stCondLst>
+                                    <p:cond delay="0"/>
+                                  </p:stCondLst>
+                                  <p:childTnLst>
+                                    <p:set>
+                                      <p:cBhvr>
+                                        <p:cTn id="20" dur="1" fill="hold">
+                                          <p:stCondLst>
+                                            <p:cond delay="0"/>
+                                          </p:stCondLst>
+                                        </p:cTn>
+                                        <p:tgtEl>
+                                          <p:spTgt spid="15"/>
+                                        </p:tgtEl>
+                                        <p:attrNameLst>
+                                          <p:attrName>style.visibility</p:attrName>
+                                        </p:attrNameLst>
+                                      </p:cBhvr>
+                                      <p:to>
+                                        <p:strVal val="visible"/>
+                                      </p:to>
+                                    </p:set>
+                                  </p:childTnLst>
+                                </p:cTn>
+                              </p:par>
+                            </p:childTnLst>
+                          </p:cTn>
+                        </p:par>
+                      </p:childTnLst>
+                    </p:cTn>
+                  </p:par>
+                </p:childTnLst>
+              </p:cTn>
+              <p:prevCondLst>
+                <p:cond evt="onPrev" delay="0">
+                  <p:tgtEl>
+                    <p:sldTgt/>
+                  </p:tgtEl>
+                </p:cond>
+              </p:prevCondLst>
+              <p:nextCondLst>
+                <p:cond evt="onNext" delay="0">
+                  <p:tgtEl>
+                    <p:sldTgt/>
+                  </p:tgtEl>
+                </p:cond>
+              </p:nextCondLst>
+            </p:seq>
+          </p:childTnLst>
+        </p:cTn>
+      </p:par>
+    </p:tnLst>
+    <p:bldLst>
+      <p:bldP spid="7" grpId="0"/>
+      <p:bldP spid="9" grpId="0"/>
+      <p:bldP spid="10" grpId="0"/>
+      <p:bldP spid="11" grpId="0"/>
+      <p:bldP spid="14" grpId="0"/>
+      <p:bldP spid="15" grpId="0"/>
+    </p:bldLst>
+  </p:timing>
+</p:sld>
+</file>
+
+<file path=ppt/slides/slide11.xml><?xml version="1.0" encoding="utf-8"?>
+<p:sld xmlns:a="http://schemas.openxmlformats.org/drawingml/2006/main" xmlns:r="http://schemas.openxmlformats.org/officeDocument/2006/relationships" xmlns:p="http://schemas.openxmlformats.org/presentationml/2006/main">
+  <p:cSld>
+    <p:spTree>
+      <p:nvGrpSpPr>
+        <p:cNvPr id="1" name=""/>
+        <p:cNvGrpSpPr/>
+        <p:nvPr/>
+      </p:nvGrpSpPr>
+      <p:grpSpPr>
+        <a:xfrm>
+          <a:off x="0" y="0"/>
+          <a:ext cx="0" cy="0"/>
+          <a:chOff x="0" y="0"/>
+          <a:chExt cx="0" cy="0"/>
+        </a:xfrm>
+      </p:grpSpPr>
+      <p:sp>
+        <p:nvSpPr>
+          <p:cNvPr id="2" name="Title 1"/>
+          <p:cNvSpPr>
+            <a:spLocks noGrp="1"/>
+          </p:cNvSpPr>
+          <p:nvPr>
+            <p:ph type="title"/>
+          </p:nvPr>
+        </p:nvSpPr>
+        <p:spPr/>
+        <p:txBody>
+          <a:bodyPr/>
+          <a:lstStyle/>
+          <a:p>
+            <a:r>
+              <a:rPr lang="en-US" dirty="0" smtClean="0"/>
+              <a:t>Passing errors (that you thought of)</a:t>
+            </a:r>
+            <a:endParaRPr lang="en-US" dirty="0"/>
+          </a:p>
+        </p:txBody>
+      </p:sp>
+      <p:pic>
+        <p:nvPicPr>
+          <p:cNvPr id="7" name="Picture 6"/>
+          <p:cNvPicPr>
+            <a:picLocks noChangeAspect="1"/>
+          </p:cNvPicPr>
+          <p:nvPr/>
+        </p:nvPicPr>
+        <p:blipFill>
+          <a:blip r:embed="rId4"/>
+          <a:stretch>
+            <a:fillRect/>
+          </a:stretch>
+        </p:blipFill>
+        <p:spPr>
+          <a:xfrm>
+            <a:off x="645160" y="1522555"/>
+            <a:ext cx="3858502" cy="1060448"/>
+          </a:xfrm>
+          <a:prstGeom prst="rect">
+            <a:avLst/>
+          </a:prstGeom>
+        </p:spPr>
+      </p:pic>
+      <p:pic>
+        <p:nvPicPr>
+          <p:cNvPr id="8" name="Picture 7"/>
+          <p:cNvPicPr>
+            <a:picLocks noChangeAspect="1"/>
+          </p:cNvPicPr>
+          <p:nvPr/>
+        </p:nvPicPr>
+        <p:blipFill>
+          <a:blip r:embed="rId5"/>
+          <a:stretch>
+            <a:fillRect/>
+          </a:stretch>
+        </p:blipFill>
+        <p:spPr>
+          <a:xfrm>
+            <a:off x="5765701" y="1382209"/>
+            <a:ext cx="5944432" cy="2093110"/>
+          </a:xfrm>
+          <a:prstGeom prst="rect">
+            <a:avLst/>
+          </a:prstGeom>
+        </p:spPr>
+      </p:pic>
+      <p:graphicFrame>
+        <p:nvGraphicFramePr>
+          <p:cNvPr id="11" name="Object 10"/>
+          <p:cNvGraphicFramePr>
+            <a:graphicFrameLocks noChangeAspect="1"/>
+          </p:cNvGraphicFramePr>
+          <p:nvPr>
+            <p:extLst>
+              <p:ext uri="{D42A27DB-BD31-4B8C-83A1-F6EECF244321}">
+                <p14:modId xmlns:p14="http://schemas.microsoft.com/office/powerpoint/2010/main" val="1420537639"/>
+              </p:ext>
+            </p:extLst>
+          </p:nvPr>
+        </p:nvGraphicFramePr>
+        <p:xfrm>
+          <a:off x="441960" y="4199501"/>
+          <a:ext cx="11088036" cy="2601894"/>
+        </p:xfrm>
+        <a:graphic>
+          <a:graphicData uri="http://schemas.openxmlformats.org/presentationml/2006/ole">
+            <mc:AlternateContent xmlns:mc="http://schemas.openxmlformats.org/markup-compatibility/2006">
+              <mc:Choice xmlns:v="urn:schemas-microsoft-com:vml" Requires="v">
+                <p:oleObj spid="_x0000_s2070" name="Bitmap Image" r:id="rId6" imgW="6751440" imgH="1585080" progId="Paint.Picture">
+                  <p:embed/>
+                </p:oleObj>
+              </mc:Choice>
+              <mc:Fallback>
+                <p:oleObj name="Bitmap Image" r:id="rId6" imgW="6751440" imgH="1585080" progId="Paint.Picture">
+                  <p:embed/>
+                  <p:pic>
+                    <p:nvPicPr>
+                      <p:cNvPr id="0" name=""/>
+                      <p:cNvPicPr/>
+                      <p:nvPr/>
+                    </p:nvPicPr>
+                    <p:blipFill>
+                      <a:blip r:embed="rId7"/>
+                      <a:stretch>
+                        <a:fillRect/>
+                      </a:stretch>
+                    </p:blipFill>
+                    <p:spPr>
+                      <a:xfrm>
+                        <a:off x="441960" y="4199501"/>
+                        <a:ext cx="11088036" cy="2601894"/>
+                      </a:xfrm>
+                      <a:prstGeom prst="rect">
+                        <a:avLst/>
+                      </a:prstGeom>
+                    </p:spPr>
+                  </p:pic>
+                </p:oleObj>
+              </mc:Fallback>
+            </mc:AlternateContent>
+          </a:graphicData>
+        </a:graphic>
+      </p:graphicFrame>
+      <p:sp>
+        <p:nvSpPr>
+          <p:cNvPr id="12" name="Content Placeholder 2"/>
+          <p:cNvSpPr>
+            <a:spLocks noGrp="1"/>
+          </p:cNvSpPr>
+          <p:nvPr>
+            <p:ph idx="1"/>
+          </p:nvPr>
+        </p:nvSpPr>
+        <p:spPr>
+          <a:xfrm>
+            <a:off x="441960" y="3596639"/>
+            <a:ext cx="10911840" cy="2580323"/>
+          </a:xfrm>
+        </p:spPr>
+        <p:txBody>
+          <a:bodyPr/>
+          <a:lstStyle/>
+          <a:p>
+            <a:r>
+              <a:rPr lang="en-US" dirty="0" smtClean="0"/>
+              <a:t>Either&lt;Value, </a:t>
+            </a:r>
+            <a:r>
+              <a:rPr lang="en-US" dirty="0" err="1" smtClean="0"/>
+              <a:t>Throwable</a:t>
+            </a:r>
+            <a:r>
+              <a:rPr lang="en-US" dirty="0" smtClean="0"/>
+              <a:t>&gt;</a:t>
+            </a:r>
+            <a:endParaRPr lang="en-US" dirty="0" smtClean="0"/>
+          </a:p>
+        </p:txBody>
+      </p:sp>
+    </p:spTree>
+    <p:extLst>
+      <p:ext uri="{BB962C8B-B14F-4D97-AF65-F5344CB8AC3E}">
+        <p14:creationId xmlns:p14="http://schemas.microsoft.com/office/powerpoint/2010/main" val="844766564"/>
+      </p:ext>
+    </p:extLst>
+  </p:cSld>
+  <p:clrMapOvr>
+    <a:masterClrMapping/>
+  </p:clrMapOvr>
+  <p:timing>
+    <p:tnLst>
+      <p:par>
+        <p:cTn id="1" dur="indefinite" restart="never" nodeType="tmRoot">
+          <p:childTnLst>
+            <p:seq concurrent="1" nextAc="seek">
+              <p:cTn id="2" dur="indefinite" nodeType="mainSeq">
+                <p:childTnLst>
+                  <p:par>
+                    <p:cTn id="3" fill="hold">
+                      <p:stCondLst>
+                        <p:cond delay="indefinite"/>
+                        <p:cond evt="onBegin" delay="0">
+                          <p:tn val="2"/>
+                        </p:cond>
+                      </p:stCondLst>
+                      <p:childTnLst>
+                        <p:par>
+                          <p:cTn id="4" fill="hold">
+                            <p:stCondLst>
+                              <p:cond delay="0"/>
+                            </p:stCondLst>
+                            <p:childTnLst>
+                              <p:par>
+                                <p:cTn id="5" presetID="1" presetClass="entr" presetSubtype="0" fill="hold" nodeType="withEffect">
+                                  <p:stCondLst>
+                                    <p:cond delay="0"/>
+                                  </p:stCondLst>
+                                  <p:childTnLst>
+                                    <p:set>
+                                      <p:cBhvr>
+                                        <p:cTn id="6" dur="1" fill="hold">
+                                          <p:stCondLst>
+                                            <p:cond delay="0"/>
+                                          </p:stCondLst>
+                                        </p:cTn>
+                                        <p:tgtEl>
+                                          <p:spTgt spid="8"/>
+                                        </p:tgtEl>
+                                        <p:attrNameLst>
+                                          <p:attrName>style.visibility</p:attrName>
+                                        </p:attrNameLst>
+                                      </p:cBhvr>
+                                      <p:to>
+                                        <p:strVal val="visible"/>
+                                      </p:to>
+                                    </p:set>
+                                  </p:childTnLst>
+                                </p:cTn>
+                              </p:par>
+                            </p:childTnLst>
+                          </p:cTn>
+                        </p:par>
+                      </p:childTnLst>
+                    </p:cTn>
+                  </p:par>
+                  <p:par>
+                    <p:cTn id="7" fill="hold">
+                      <p:stCondLst>
+                        <p:cond delay="indefinite"/>
+                      </p:stCondLst>
+                      <p:childTnLst>
+                        <p:par>
+                          <p:cTn id="8" fill="hold">
+                            <p:stCondLst>
+                              <p:cond delay="0"/>
+                            </p:stCondLst>
+                            <p:childTnLst>
+                              <p:par>
+                                <p:cTn id="9" presetID="1" presetClass="entr" presetSubtype="0" fill="hold" nodeType="clickEffect">
+                                  <p:stCondLst>
+                                    <p:cond delay="0"/>
+                                  </p:stCondLst>
+                                  <p:childTnLst>
+                                    <p:set>
+                                      <p:cBhvr>
+                                        <p:cTn id="10" dur="1" fill="hold">
+                                          <p:stCondLst>
+                                            <p:cond delay="0"/>
+                                          </p:stCondLst>
+                                        </p:cTn>
+                                        <p:tgtEl>
+                                          <p:spTgt spid="11"/>
+                                        </p:tgtEl>
+                                        <p:attrNameLst>
+                                          <p:attrName>style.visibility</p:attrName>
+                                        </p:attrNameLst>
+                                      </p:cBhvr>
+                                      <p:to>
+                                        <p:strVal val="visible"/>
+                                      </p:to>
+                                    </p:set>
+                                  </p:childTnLst>
+                                </p:cTn>
+                              </p:par>
+                              <p:par>
+                                <p:cTn id="11" presetID="1" presetClass="entr" presetSubtype="0" fill="hold" grpId="0" nodeType="withEffect">
+                                  <p:stCondLst>
+                                    <p:cond delay="0"/>
+                                  </p:stCondLst>
+                                  <p:childTnLst>
+                                    <p:set>
+                                      <p:cBhvr>
+                                        <p:cTn id="12" dur="1" fill="hold">
+                                          <p:stCondLst>
+                                            <p:cond delay="0"/>
+                                          </p:stCondLst>
+                                        </p:cTn>
+                                        <p:tgtEl>
+                                          <p:spTgt spid="12">
+                                            <p:txEl>
+                                              <p:pRg st="0" end="0"/>
+                                            </p:txEl>
+                                          </p:spTgt>
+                                        </p:tgtEl>
+                                        <p:attrNameLst>
+                                          <p:attrName>style.visibility</p:attrName>
+                                        </p:attrNameLst>
+                                      </p:cBhvr>
+                                      <p:to>
+                                        <p:strVal val="visible"/>
+                                      </p:to>
+                                    </p:set>
+                                  </p:childTnLst>
+                                </p:cTn>
+                              </p:par>
+                            </p:childTnLst>
+                          </p:cTn>
+                        </p:par>
+                      </p:childTnLst>
+                    </p:cTn>
+                  </p:par>
+                </p:childTnLst>
+              </p:cTn>
+              <p:prevCondLst>
+                <p:cond evt="onPrev" delay="0">
+                  <p:tgtEl>
+                    <p:sldTgt/>
+                  </p:tgtEl>
+                </p:cond>
+              </p:prevCondLst>
+              <p:nextCondLst>
+                <p:cond evt="onNext" delay="0">
+                  <p:tgtEl>
+                    <p:sldTgt/>
+                  </p:tgtEl>
+                </p:cond>
+              </p:nextCondLst>
+            </p:seq>
+          </p:childTnLst>
+        </p:cTn>
+      </p:par>
+    </p:tnLst>
+    <p:bldLst>
+      <p:bldP spid="12" grpId="0" build="p"/>
+    </p:bldLst>
+  </p:timing>
+</p:sld>
+</file>
+
+<file path=ppt/slides/slide12.xml><?xml version="1.0" encoding="utf-8"?>
+<p:sld xmlns:a="http://schemas.openxmlformats.org/drawingml/2006/main" xmlns:r="http://schemas.openxmlformats.org/officeDocument/2006/relationships" xmlns:p="http://schemas.openxmlformats.org/presentationml/2006/main">
+  <p:cSld>
+    <p:spTree>
+      <p:nvGrpSpPr>
+        <p:cNvPr id="1" name=""/>
+        <p:cNvGrpSpPr/>
+        <p:nvPr/>
+      </p:nvGrpSpPr>
+      <p:grpSpPr>
+        <a:xfrm>
+          <a:off x="0" y="0"/>
+          <a:ext cx="0" cy="0"/>
+          <a:chOff x="0" y="0"/>
+          <a:chExt cx="0" cy="0"/>
+        </a:xfrm>
+      </p:grpSpPr>
+      <p:sp>
+        <p:nvSpPr>
+          <p:cNvPr id="2" name="Title 1"/>
+          <p:cNvSpPr>
+            <a:spLocks noGrp="1"/>
+          </p:cNvSpPr>
+          <p:nvPr>
+            <p:ph type="title"/>
+          </p:nvPr>
+        </p:nvSpPr>
+        <p:spPr/>
+        <p:txBody>
+          <a:bodyPr/>
+          <a:lstStyle/>
+          <a:p>
+            <a:r>
+              <a:rPr lang="en-US" dirty="0" smtClean="0"/>
+              <a:t>Handling errors (that you didn’t think of)</a:t>
+            </a:r>
+            <a:endParaRPr lang="en-US" dirty="0"/>
+          </a:p>
+        </p:txBody>
+      </p:sp>
+      <p:sp>
+        <p:nvSpPr>
+          <p:cNvPr id="3" name="Content Placeholder 2"/>
+          <p:cNvSpPr>
+            <a:spLocks noGrp="1"/>
+          </p:cNvSpPr>
+          <p:nvPr>
+            <p:ph idx="1"/>
+          </p:nvPr>
+        </p:nvSpPr>
+        <p:spPr/>
+        <p:txBody>
+          <a:bodyPr>
+            <a:normAutofit/>
+          </a:bodyPr>
+          <a:lstStyle/>
+          <a:p>
+            <a:r>
+              <a:rPr lang="en-US" dirty="0" err="1" smtClean="0"/>
+              <a:t>Async</a:t>
+            </a:r>
+            <a:r>
+              <a:rPr lang="en-US" dirty="0" smtClean="0"/>
+              <a:t> code makes it easy to swallow errors</a:t>
+            </a:r>
+          </a:p>
+          <a:p>
+            <a:r>
+              <a:rPr lang="en-US" dirty="0" smtClean="0"/>
+              <a:t>It’s a big problem with Observables and Futures</a:t>
+            </a:r>
+          </a:p>
+          <a:p>
+            <a:r>
+              <a:rPr lang="en-US" dirty="0" smtClean="0"/>
+              <a:t>Too easy to subscribe to values, and forget to subscribe to errors</a:t>
+            </a:r>
+          </a:p>
+          <a:p>
+            <a:r>
+              <a:rPr lang="en-US" dirty="0" smtClean="0"/>
+              <a:t>Current behavior is “swallow by default”</a:t>
+            </a:r>
+          </a:p>
+          <a:p>
+            <a:r>
+              <a:rPr lang="en-US" dirty="0" smtClean="0"/>
+              <a:t>Log by default is much better…</a:t>
+            </a:r>
+          </a:p>
+        </p:txBody>
+      </p:sp>
+    </p:spTree>
+    <p:extLst>
+      <p:ext uri="{BB962C8B-B14F-4D97-AF65-F5344CB8AC3E}">
+        <p14:creationId xmlns:p14="http://schemas.microsoft.com/office/powerpoint/2010/main" val="1249853190"/>
+      </p:ext>
+    </p:extLst>
+  </p:cSld>
+  <p:clrMapOvr>
+    <a:masterClrMapping/>
+  </p:clrMapOvr>
+  <p:timing>
+    <p:tnLst>
+      <p:par>
+        <p:cTn id="1" dur="indefinite" restart="never" nodeType="tmRoot"/>
+      </p:par>
+    </p:tnLst>
+  </p:timing>
+</p:sld>
+</file>
+
+<file path=ppt/slides/slide13.xml><?xml version="1.0" encoding="utf-8"?>
+<p:sld xmlns:a="http://schemas.openxmlformats.org/drawingml/2006/main" xmlns:r="http://schemas.openxmlformats.org/officeDocument/2006/relationships" xmlns:p="http://schemas.openxmlformats.org/presentationml/2006/main">
+  <p:cSld>
+    <p:spTree>
+      <p:nvGrpSpPr>
+        <p:cNvPr id="1" name=""/>
+        <p:cNvGrpSpPr/>
+        <p:nvPr/>
+      </p:nvGrpSpPr>
+      <p:grpSpPr>
+        <a:xfrm>
+          <a:off x="0" y="0"/>
+          <a:ext cx="0" cy="0"/>
+          <a:chOff x="0" y="0"/>
+          <a:chExt cx="0" cy="0"/>
+        </a:xfrm>
+      </p:grpSpPr>
+      <p:sp>
+        <p:nvSpPr>
+          <p:cNvPr id="2" name="Title 1"/>
+          <p:cNvSpPr>
+            <a:spLocks noGrp="1"/>
+          </p:cNvSpPr>
+          <p:nvPr>
+            <p:ph type="title"/>
+          </p:nvPr>
+        </p:nvSpPr>
+        <p:spPr/>
+        <p:txBody>
+          <a:bodyPr/>
+          <a:lstStyle/>
+          <a:p>
+            <a:r>
+              <a:rPr lang="en-US" dirty="0" smtClean="0"/>
+              <a:t>Some useful libraries</a:t>
+            </a:r>
+            <a:endParaRPr lang="en-US" dirty="0"/>
+          </a:p>
+        </p:txBody>
+      </p:sp>
+      <p:sp>
+        <p:nvSpPr>
+          <p:cNvPr id="3" name="Content Placeholder 2"/>
+          <p:cNvSpPr>
+            <a:spLocks noGrp="1"/>
+          </p:cNvSpPr>
+          <p:nvPr>
+            <p:ph idx="1"/>
+          </p:nvPr>
+        </p:nvSpPr>
+        <p:spPr/>
+        <p:txBody>
+          <a:bodyPr/>
+          <a:lstStyle/>
+          <a:p>
+            <a:r>
+              <a:rPr lang="en-US" dirty="0" smtClean="0"/>
+              <a:t>Durian – no deps</a:t>
+            </a:r>
+          </a:p>
+          <a:p>
+            <a:pPr lvl="1"/>
+            <a:r>
+              <a:rPr lang="en-US" dirty="0" smtClean="0"/>
+              <a:t>Box -&gt; a value you can get() and set()</a:t>
+            </a:r>
+          </a:p>
+          <a:p>
+            <a:pPr lvl="1"/>
+            <a:r>
+              <a:rPr lang="en-US" dirty="0" smtClean="0"/>
+              <a:t>Either</a:t>
+            </a:r>
+          </a:p>
+          <a:p>
+            <a:r>
+              <a:rPr lang="en-US" dirty="0" err="1" smtClean="0"/>
+              <a:t>DurianRx</a:t>
+            </a:r>
+            <a:r>
+              <a:rPr lang="en-US" dirty="0" smtClean="0"/>
+              <a:t> – requires Durian and Guava (but we’re removing Guava)</a:t>
+            </a:r>
+          </a:p>
+          <a:p>
+            <a:pPr lvl="1"/>
+            <a:r>
+              <a:rPr lang="en-US" dirty="0" err="1" smtClean="0"/>
+              <a:t>RxBox</a:t>
+            </a:r>
+            <a:r>
+              <a:rPr lang="en-US" dirty="0" smtClean="0"/>
+              <a:t> -&gt; a value you can get(), set(), and subscribe to()</a:t>
+            </a:r>
+          </a:p>
+          <a:p>
+            <a:pPr lvl="1"/>
+            <a:r>
+              <a:rPr lang="en-US" dirty="0" err="1" smtClean="0"/>
+              <a:t>Rx.subscribe</a:t>
+            </a:r>
+            <a:r>
+              <a:rPr lang="en-US" dirty="0" smtClean="0"/>
+              <a:t>(Observable/</a:t>
+            </a:r>
+            <a:r>
+              <a:rPr lang="en-US" dirty="0" err="1" smtClean="0"/>
+              <a:t>CompletionStage</a:t>
+            </a:r>
+            <a:r>
+              <a:rPr lang="en-US" dirty="0" smtClean="0"/>
+              <a:t>/</a:t>
+            </a:r>
+            <a:r>
+              <a:rPr lang="en-US" dirty="0" err="1" smtClean="0"/>
+              <a:t>ListenableFuture</a:t>
+            </a:r>
+            <a:r>
+              <a:rPr lang="en-US" dirty="0" smtClean="0"/>
+              <a:t>)</a:t>
+            </a:r>
+          </a:p>
+          <a:p>
+            <a:r>
+              <a:rPr lang="en-US" dirty="0" err="1" smtClean="0"/>
+              <a:t>DurianSwt</a:t>
+            </a:r>
+            <a:r>
+              <a:rPr lang="en-US" dirty="0" smtClean="0"/>
+              <a:t> – requires the above and SWT / </a:t>
+            </a:r>
+            <a:r>
+              <a:rPr lang="en-US" dirty="0" err="1" smtClean="0"/>
+              <a:t>JFace</a:t>
+            </a:r>
+            <a:endParaRPr lang="en-US" dirty="0" smtClean="0"/>
+          </a:p>
+          <a:p>
+            <a:pPr lvl="1"/>
+            <a:r>
+              <a:rPr lang="en-US" dirty="0" err="1" smtClean="0"/>
+              <a:t>SwtRx.addListener</a:t>
+            </a:r>
+            <a:r>
+              <a:rPr lang="en-US" dirty="0" smtClean="0"/>
+              <a:t>()</a:t>
+            </a:r>
+          </a:p>
+          <a:p>
+            <a:pPr lvl="1"/>
+            <a:r>
+              <a:rPr lang="en-US" dirty="0" err="1" smtClean="0"/>
+              <a:t>SwtExec.async</a:t>
+            </a:r>
+            <a:r>
+              <a:rPr lang="en-US" dirty="0" smtClean="0"/>
+              <a:t>().subscribe()</a:t>
+            </a:r>
+          </a:p>
+          <a:p>
+            <a:pPr lvl="1"/>
+            <a:r>
+              <a:rPr lang="en-US" dirty="0" err="1" smtClean="0"/>
+              <a:t>InteractiveTest.testCmp</a:t>
+            </a:r>
+            <a:r>
+              <a:rPr lang="en-US" dirty="0" smtClean="0"/>
+              <a:t>()</a:t>
+            </a:r>
+          </a:p>
+          <a:p>
+            <a:pPr lvl="1"/>
+            <a:endParaRPr lang="en-US" dirty="0" smtClean="0"/>
+          </a:p>
+        </p:txBody>
+      </p:sp>
+    </p:spTree>
+    <p:extLst>
+      <p:ext uri="{BB962C8B-B14F-4D97-AF65-F5344CB8AC3E}">
+        <p14:creationId xmlns:p14="http://schemas.microsoft.com/office/powerpoint/2010/main" val="3283836772"/>
+      </p:ext>
+    </p:extLst>
+  </p:cSld>
+  <p:clrMapOvr>
+    <a:masterClrMapping/>
+  </p:clrMapOvr>
+  <p:timing>
+    <p:tnLst>
+      <p:par>
+        <p:cTn id="1" dur="indefinite" restart="never" nodeType="tmRoot"/>
+      </p:par>
+    </p:tnLst>
+  </p:timing>
+</p:sld>
+</file>
+
+<file path=ppt/slides/slide14.xml><?xml version="1.0" encoding="utf-8"?>
+<p:sld xmlns:a="http://schemas.openxmlformats.org/drawingml/2006/main" xmlns:r="http://schemas.openxmlformats.org/officeDocument/2006/relationships" xmlns:p="http://schemas.openxmlformats.org/presentationml/2006/main">
+  <p:cSld>
+    <p:spTree>
+      <p:nvGrpSpPr>
+        <p:cNvPr id="1" name=""/>
+        <p:cNvGrpSpPr/>
+        <p:nvPr/>
+      </p:nvGrpSpPr>
+      <p:grpSpPr>
+        <a:xfrm>
+          <a:off x="0" y="0"/>
+          <a:ext cx="0" cy="0"/>
+          <a:chOff x="0" y="0"/>
+          <a:chExt cx="0" cy="0"/>
+        </a:xfrm>
+      </p:grpSpPr>
+      <p:sp>
+        <p:nvSpPr>
+          <p:cNvPr id="2" name="Title 1"/>
+          <p:cNvSpPr>
+            <a:spLocks noGrp="1"/>
+          </p:cNvSpPr>
+          <p:nvPr>
+            <p:ph type="title"/>
+          </p:nvPr>
+        </p:nvSpPr>
+        <p:spPr/>
+        <p:txBody>
+          <a:bodyPr/>
+          <a:lstStyle/>
+          <a:p>
+            <a:r>
+              <a:rPr lang="en-US" dirty="0" smtClean="0"/>
+              <a:t>Handling errors (that you didn’t think of)</a:t>
+            </a:r>
+            <a:endParaRPr lang="en-US" dirty="0"/>
+          </a:p>
+        </p:txBody>
+      </p:sp>
+      <p:sp>
+        <p:nvSpPr>
+          <p:cNvPr id="3" name="Content Placeholder 2"/>
+          <p:cNvSpPr>
+            <a:spLocks noGrp="1"/>
+          </p:cNvSpPr>
+          <p:nvPr>
+            <p:ph idx="1"/>
+          </p:nvPr>
+        </p:nvSpPr>
+        <p:spPr/>
+        <p:txBody>
+          <a:bodyPr/>
+          <a:lstStyle/>
+          <a:p>
+            <a:r>
+              <a:rPr lang="en-US" dirty="0" smtClean="0"/>
+              <a:t>Durian</a:t>
+            </a:r>
+          </a:p>
+          <a:p>
+            <a:pPr lvl="1"/>
+            <a:r>
+              <a:rPr lang="en-US" dirty="0" smtClean="0"/>
+              <a:t>Box -&gt; a value you can get() and set()</a:t>
+            </a:r>
+          </a:p>
+          <a:p>
+            <a:pPr lvl="1"/>
+            <a:r>
+              <a:rPr lang="en-US" dirty="0" smtClean="0"/>
+              <a:t>Either</a:t>
+            </a:r>
+          </a:p>
+          <a:p>
+            <a:r>
+              <a:rPr lang="en-US" dirty="0" err="1" smtClean="0"/>
+              <a:t>DurianRx</a:t>
+            </a:r>
+            <a:endParaRPr lang="en-US" dirty="0" smtClean="0"/>
+          </a:p>
+          <a:p>
+            <a:pPr lvl="1"/>
+            <a:r>
+              <a:rPr lang="en-US" dirty="0" err="1" smtClean="0"/>
+              <a:t>RxBox</a:t>
+            </a:r>
+            <a:r>
+              <a:rPr lang="en-US" dirty="0" smtClean="0"/>
+              <a:t> -&gt; a value you can get(), set(), and subscribe to()</a:t>
+            </a:r>
+          </a:p>
+          <a:p>
+            <a:pPr lvl="1"/>
+            <a:r>
+              <a:rPr lang="en-US" dirty="0" err="1" smtClean="0"/>
+              <a:t>Rx.subscribe</a:t>
+            </a:r>
+            <a:r>
+              <a:rPr lang="en-US" dirty="0" smtClean="0"/>
+              <a:t>(Observable/</a:t>
+            </a:r>
+            <a:r>
+              <a:rPr lang="en-US" dirty="0" err="1" smtClean="0"/>
+              <a:t>CompletionStage</a:t>
+            </a:r>
+            <a:r>
+              <a:rPr lang="en-US" dirty="0" smtClean="0"/>
+              <a:t>/</a:t>
+            </a:r>
+            <a:r>
+              <a:rPr lang="en-US" dirty="0" err="1" smtClean="0"/>
+              <a:t>ListenableFuture</a:t>
+            </a:r>
+            <a:r>
+              <a:rPr lang="en-US" dirty="0" smtClean="0"/>
+              <a:t>)</a:t>
+            </a:r>
+          </a:p>
+          <a:p>
+            <a:r>
+              <a:rPr lang="en-US" dirty="0" err="1" smtClean="0"/>
+              <a:t>DurianSwt</a:t>
+            </a:r>
+            <a:endParaRPr lang="en-US" dirty="0" smtClean="0"/>
+          </a:p>
+          <a:p>
+            <a:pPr lvl="1"/>
+            <a:r>
+              <a:rPr lang="en-US" dirty="0" err="1" smtClean="0"/>
+              <a:t>SwtRx.addListener</a:t>
+            </a:r>
+            <a:r>
+              <a:rPr lang="en-US" dirty="0" smtClean="0"/>
+              <a:t>()</a:t>
+            </a:r>
+          </a:p>
+          <a:p>
+            <a:pPr lvl="1"/>
+            <a:r>
+              <a:rPr lang="en-US" dirty="0" err="1" smtClean="0"/>
+              <a:t>SwtExec.async</a:t>
+            </a:r>
+            <a:r>
+              <a:rPr lang="en-US" dirty="0" smtClean="0"/>
+              <a:t>().subscribe()</a:t>
+            </a:r>
+          </a:p>
+          <a:p>
+            <a:pPr lvl="1"/>
+            <a:r>
+              <a:rPr lang="en-US" dirty="0" err="1" smtClean="0"/>
+              <a:t>InteractiveTest.testCmp</a:t>
+            </a:r>
+            <a:r>
+              <a:rPr lang="en-US" dirty="0" smtClean="0"/>
+              <a:t>()</a:t>
+            </a:r>
+          </a:p>
+          <a:p>
+            <a:pPr lvl="1"/>
+            <a:endParaRPr lang="en-US" dirty="0" smtClean="0"/>
+          </a:p>
+        </p:txBody>
+      </p:sp>
+    </p:spTree>
+    <p:extLst>
+      <p:ext uri="{BB962C8B-B14F-4D97-AF65-F5344CB8AC3E}">
+        <p14:creationId xmlns:p14="http://schemas.microsoft.com/office/powerpoint/2010/main" val="1605248062"/>
+      </p:ext>
+    </p:extLst>
+  </p:cSld>
+  <p:clrMapOvr>
+    <a:masterClrMapping/>
+  </p:clrMapOvr>
+  <p:timing>
+    <p:tnLst>
+      <p:par>
+        <p:cTn id="1" dur="indefinite" restart="never" nodeType="tmRoot"/>
+      </p:par>
+    </p:tnLst>
+  </p:timing>
+</p:sld>
+</file>
+
+<file path=ppt/slides/slide15.xml><?xml version="1.0" encoding="utf-8"?>
+<p:sld xmlns:a="http://schemas.openxmlformats.org/drawingml/2006/main" xmlns:r="http://schemas.openxmlformats.org/officeDocument/2006/relationships" xmlns:p="http://schemas.openxmlformats.org/presentationml/2006/main">
+  <p:cSld>
+    <p:spTree>
+      <p:nvGrpSpPr>
+        <p:cNvPr id="1" name=""/>
+        <p:cNvGrpSpPr/>
+        <p:nvPr/>
+      </p:nvGrpSpPr>
+      <p:grpSpPr>
+        <a:xfrm>
+          <a:off x="0" y="0"/>
+          <a:ext cx="0" cy="0"/>
+          <a:chOff x="0" y="0"/>
+          <a:chExt cx="0" cy="0"/>
+        </a:xfrm>
+      </p:grpSpPr>
+      <p:sp>
+        <p:nvSpPr>
+          <p:cNvPr id="2" name="Title 1"/>
+          <p:cNvSpPr>
+            <a:spLocks noGrp="1"/>
+          </p:cNvSpPr>
+          <p:nvPr>
+            <p:ph type="title"/>
+          </p:nvPr>
+        </p:nvSpPr>
+        <p:spPr/>
+        <p:txBody>
+          <a:bodyPr/>
+          <a:lstStyle/>
+          <a:p>
+            <a:r>
+              <a:rPr lang="en-US" dirty="0" smtClean="0"/>
+              <a:t>Mapping Futures to Observables</a:t>
+            </a:r>
+            <a:endParaRPr lang="en-US" dirty="0"/>
+          </a:p>
+        </p:txBody>
+      </p:sp>
+      <p:sp>
+        <p:nvSpPr>
+          <p:cNvPr id="3" name="Content Placeholder 2"/>
+          <p:cNvSpPr>
+            <a:spLocks noGrp="1"/>
+          </p:cNvSpPr>
+          <p:nvPr>
+            <p:ph idx="1"/>
+          </p:nvPr>
+        </p:nvSpPr>
+        <p:spPr/>
+        <p:txBody>
+          <a:bodyPr>
+            <a:normAutofit fontScale="92500" lnSpcReduction="10000"/>
+          </a:bodyPr>
+          <a:lstStyle/>
+          <a:p>
+            <a:r>
+              <a:rPr lang="en-US" dirty="0" smtClean="0"/>
+              <a:t>A future returns either a value or an exception</a:t>
+            </a:r>
+          </a:p>
+          <a:p>
+            <a:pPr lvl="1"/>
+            <a:r>
+              <a:rPr lang="en-US" dirty="0" smtClean="0"/>
+              <a:t>Value         -&gt; </a:t>
+            </a:r>
+            <a:r>
+              <a:rPr lang="en-US" dirty="0" err="1" smtClean="0"/>
+              <a:t>onValue</a:t>
+            </a:r>
+            <a:r>
+              <a:rPr lang="en-US" dirty="0" smtClean="0"/>
+              <a:t>(), </a:t>
+            </a:r>
+            <a:r>
+              <a:rPr lang="en-US" dirty="0" err="1" smtClean="0"/>
+              <a:t>onCompleted</a:t>
+            </a:r>
+            <a:r>
+              <a:rPr lang="en-US" dirty="0" smtClean="0"/>
+              <a:t>()</a:t>
+            </a:r>
+          </a:p>
+          <a:p>
+            <a:pPr lvl="1"/>
+            <a:r>
+              <a:rPr lang="en-US" dirty="0" smtClean="0"/>
+              <a:t>Exception -&gt; </a:t>
+            </a:r>
+            <a:r>
+              <a:rPr lang="en-US" dirty="0" err="1" smtClean="0"/>
+              <a:t>onError</a:t>
+            </a:r>
+            <a:r>
+              <a:rPr lang="en-US" dirty="0" smtClean="0"/>
+              <a:t>()</a:t>
+            </a:r>
+          </a:p>
+          <a:p>
+            <a:r>
+              <a:rPr lang="en-US" dirty="0" smtClean="0"/>
+              <a:t>It makes sense to use the same subscription and error-handling policies for all </a:t>
+            </a:r>
+            <a:r>
+              <a:rPr lang="en-US" dirty="0" err="1" smtClean="0"/>
+              <a:t>async</a:t>
+            </a:r>
+            <a:r>
+              <a:rPr lang="en-US" dirty="0" smtClean="0"/>
+              <a:t> code.</a:t>
+            </a:r>
+          </a:p>
+          <a:p>
+            <a:r>
+              <a:rPr lang="en-US" dirty="0" err="1" smtClean="0"/>
+              <a:t>Rx.subscribe</a:t>
+            </a:r>
+            <a:r>
+              <a:rPr lang="en-US" dirty="0" smtClean="0"/>
+              <a:t>(Future or Observable, </a:t>
+            </a:r>
+            <a:r>
+              <a:rPr lang="en-US" dirty="0" err="1" smtClean="0"/>
+              <a:t>onValue</a:t>
+            </a:r>
+            <a:r>
+              <a:rPr lang="en-US" dirty="0" smtClean="0"/>
+              <a:t> -&gt; </a:t>
+            </a:r>
+            <a:r>
+              <a:rPr lang="en-US" dirty="0" err="1" smtClean="0"/>
+              <a:t>doSomething</a:t>
+            </a:r>
+            <a:r>
+              <a:rPr lang="en-US" dirty="0" smtClean="0"/>
+              <a:t>());</a:t>
+            </a:r>
+          </a:p>
+          <a:p>
+            <a:pPr lvl="1"/>
+            <a:r>
+              <a:rPr lang="en-US" dirty="0" smtClean="0"/>
+              <a:t>Automatically logs all exceptions.</a:t>
+            </a:r>
+          </a:p>
+          <a:p>
+            <a:r>
+              <a:rPr lang="en-US" dirty="0" smtClean="0"/>
+              <a:t>If you set a magic system property, it will record the </a:t>
+            </a:r>
+            <a:r>
+              <a:rPr lang="en-US" dirty="0" err="1" smtClean="0"/>
+              <a:t>stacktrace</a:t>
+            </a:r>
+            <a:r>
+              <a:rPr lang="en-US" dirty="0" smtClean="0"/>
+              <a:t> </a:t>
+            </a:r>
+            <a:r>
+              <a:rPr lang="en-US" b="1" dirty="0" smtClean="0"/>
+              <a:t>at the time of subscription</a:t>
+            </a:r>
+            <a:r>
+              <a:rPr lang="en-US" dirty="0" smtClean="0"/>
+              <a:t>, and decorate any exceptions with their source</a:t>
+            </a:r>
+          </a:p>
+          <a:p>
+            <a:pPr lvl="1"/>
+            <a:r>
+              <a:rPr lang="en-US" dirty="0" err="1"/>
+              <a:t>durian.plugins.com.diffplug.common.rx.RxTracingPolicy</a:t>
+            </a:r>
+            <a:r>
+              <a:rPr lang="en-US" dirty="0"/>
+              <a:t>=</a:t>
+            </a:r>
+            <a:r>
+              <a:rPr lang="en-US" dirty="0" err="1"/>
+              <a:t>com.diffplug.common.rx.RxTracingPolicy$LogSubscriptionTrace</a:t>
+            </a:r>
+            <a:endParaRPr lang="en-US" dirty="0" smtClean="0"/>
+          </a:p>
+          <a:p>
+            <a:endParaRPr lang="en-US" dirty="0" smtClean="0"/>
+          </a:p>
+          <a:p>
+            <a:endParaRPr lang="en-US" dirty="0" smtClean="0"/>
+          </a:p>
+        </p:txBody>
+      </p:sp>
+    </p:spTree>
+    <p:extLst>
+      <p:ext uri="{BB962C8B-B14F-4D97-AF65-F5344CB8AC3E}">
+        <p14:creationId xmlns:p14="http://schemas.microsoft.com/office/powerpoint/2010/main" val="1304064821"/>
+      </p:ext>
+    </p:extLst>
+  </p:cSld>
+  <p:clrMapOvr>
+    <a:masterClrMapping/>
+  </p:clrMapOvr>
+  <p:timing>
+    <p:tnLst>
+      <p:par>
+        <p:cTn id="1" dur="indefinite" restart="never" nodeType="tmRoot"/>
+      </p:par>
+    </p:tnLst>
+  </p:timing>
+</p:sld>
+</file>
+
+<file path=ppt/slides/slide16.xml><?xml version="1.0" encoding="utf-8"?>
+<p:sld xmlns:a="http://schemas.openxmlformats.org/drawingml/2006/main" xmlns:r="http://schemas.openxmlformats.org/officeDocument/2006/relationships" xmlns:p="http://schemas.openxmlformats.org/presentationml/2006/main">
+  <p:cSld>
+    <p:spTree>
+      <p:nvGrpSpPr>
+        <p:cNvPr id="1" name=""/>
+        <p:cNvGrpSpPr/>
+        <p:nvPr/>
+      </p:nvGrpSpPr>
+      <p:grpSpPr>
+        <a:xfrm>
+          <a:off x="0" y="0"/>
+          <a:ext cx="0" cy="0"/>
+          <a:chOff x="0" y="0"/>
+          <a:chExt cx="0" cy="0"/>
+        </a:xfrm>
+      </p:grpSpPr>
+      <p:sp>
+        <p:nvSpPr>
+          <p:cNvPr id="2" name="Title 1"/>
+          <p:cNvSpPr>
+            <a:spLocks noGrp="1"/>
+          </p:cNvSpPr>
+          <p:nvPr>
+            <p:ph type="title"/>
+          </p:nvPr>
+        </p:nvSpPr>
+        <p:spPr/>
+        <p:txBody>
+          <a:bodyPr/>
+          <a:lstStyle/>
+          <a:p>
+            <a:r>
+              <a:rPr lang="en-US" dirty="0" smtClean="0"/>
+              <a:t>SWT Threads</a:t>
+            </a:r>
+            <a:endParaRPr lang="en-US" dirty="0"/>
+          </a:p>
+        </p:txBody>
+      </p:sp>
+      <p:sp>
+        <p:nvSpPr>
+          <p:cNvPr id="3" name="Content Placeholder 2"/>
+          <p:cNvSpPr>
+            <a:spLocks noGrp="1"/>
+          </p:cNvSpPr>
+          <p:nvPr>
+            <p:ph idx="1"/>
+          </p:nvPr>
+        </p:nvSpPr>
+        <p:spPr/>
+        <p:txBody>
+          <a:bodyPr/>
+          <a:lstStyle/>
+          <a:p>
+            <a:r>
+              <a:rPr lang="en-US" dirty="0" err="1" smtClean="0"/>
+              <a:t>SwtExec.async</a:t>
+            </a:r>
+            <a:r>
+              <a:rPr lang="en-US" dirty="0" smtClean="0"/>
+              <a:t>() -&gt; </a:t>
+            </a:r>
+            <a:r>
+              <a:rPr lang="en-US" dirty="0" err="1" smtClean="0"/>
+              <a:t>Display.asyncExec</a:t>
+            </a:r>
+            <a:r>
+              <a:rPr lang="en-US" dirty="0" smtClean="0"/>
+              <a:t>()</a:t>
+            </a:r>
+          </a:p>
+          <a:p>
+            <a:r>
+              <a:rPr lang="en-US" dirty="0" err="1" smtClean="0"/>
+              <a:t>SwtExec.blocking</a:t>
+            </a:r>
+            <a:r>
+              <a:rPr lang="en-US" dirty="0" smtClean="0"/>
+              <a:t>() -&gt; </a:t>
+            </a:r>
+            <a:r>
+              <a:rPr lang="en-US" dirty="0" err="1" smtClean="0"/>
+              <a:t>Display.syncExec</a:t>
+            </a:r>
+            <a:r>
+              <a:rPr lang="en-US" dirty="0" smtClean="0"/>
+              <a:t>()</a:t>
+            </a:r>
+          </a:p>
+          <a:p>
+            <a:r>
+              <a:rPr lang="en-US" dirty="0" err="1" smtClean="0"/>
+              <a:t>SwtExec.immediate</a:t>
+            </a:r>
+            <a:r>
+              <a:rPr lang="en-US" dirty="0" smtClean="0"/>
+              <a:t>()</a:t>
+            </a:r>
+          </a:p>
+          <a:p>
+            <a:endParaRPr lang="en-US" dirty="0"/>
+          </a:p>
+          <a:p>
+            <a:endParaRPr lang="en-US" dirty="0" smtClean="0"/>
+          </a:p>
+          <a:p>
+            <a:endParaRPr lang="en-US" dirty="0"/>
+          </a:p>
+          <a:p>
+            <a:endParaRPr lang="en-US" dirty="0" smtClean="0"/>
+          </a:p>
+          <a:p>
+            <a:r>
+              <a:rPr lang="en-US" dirty="0" err="1" smtClean="0"/>
+              <a:t>SwtExec.guardOn</a:t>
+            </a:r>
+            <a:r>
+              <a:rPr lang="en-US" dirty="0" smtClean="0"/>
+              <a:t>(control).subscribe(Observable / Future)</a:t>
+            </a:r>
+            <a:endParaRPr lang="en-US" dirty="0"/>
+          </a:p>
+        </p:txBody>
+      </p:sp>
+      <p:sp>
+        <p:nvSpPr>
+          <p:cNvPr id="4" name="Rectangle 3"/>
+          <p:cNvSpPr/>
+          <p:nvPr/>
+        </p:nvSpPr>
+        <p:spPr>
+          <a:xfrm>
+            <a:off x="1285186" y="3429995"/>
+            <a:ext cx="7981361" cy="2031325"/>
+          </a:xfrm>
+          <a:prstGeom prst="rect">
+            <a:avLst/>
+          </a:prstGeom>
+        </p:spPr>
+        <p:txBody>
+          <a:bodyPr wrap="square">
+            <a:spAutoFit/>
+          </a:bodyPr>
+          <a:lstStyle/>
+          <a:p>
+            <a:r>
+              <a:rPr lang="en-US" b="1" dirty="0">
+                <a:solidFill>
+                  <a:srgbClr val="7F0055"/>
+                </a:solidFill>
+                <a:latin typeface="Consolas" panose="020B0609020204030204" pitchFamily="49" charset="0"/>
+              </a:rPr>
+              <a:t>public</a:t>
+            </a:r>
+            <a:r>
+              <a:rPr lang="en-US" b="1" dirty="0">
+                <a:solidFill>
+                  <a:srgbClr val="000000"/>
+                </a:solidFill>
+                <a:latin typeface="Consolas" panose="020B0609020204030204" pitchFamily="49" charset="0"/>
+              </a:rPr>
+              <a:t> </a:t>
+            </a:r>
+            <a:r>
+              <a:rPr lang="en-US" b="1" dirty="0">
+                <a:solidFill>
+                  <a:srgbClr val="7F0055"/>
+                </a:solidFill>
+                <a:latin typeface="Consolas" panose="020B0609020204030204" pitchFamily="49" charset="0"/>
+              </a:rPr>
+              <a:t>void</a:t>
+            </a:r>
+            <a:r>
+              <a:rPr lang="en-US" b="1" dirty="0">
+                <a:solidFill>
+                  <a:srgbClr val="000000"/>
+                </a:solidFill>
+                <a:latin typeface="Consolas" panose="020B0609020204030204" pitchFamily="49" charset="0"/>
+              </a:rPr>
+              <a:t> execute(Runnable </a:t>
+            </a:r>
+            <a:r>
+              <a:rPr lang="en-US" b="1" dirty="0">
+                <a:solidFill>
+                  <a:srgbClr val="6A3E3E"/>
+                </a:solidFill>
+                <a:latin typeface="Consolas" panose="020B0609020204030204" pitchFamily="49" charset="0"/>
+              </a:rPr>
+              <a:t>runnable</a:t>
+            </a:r>
+            <a:r>
+              <a:rPr lang="en-US" b="1" dirty="0">
+                <a:solidFill>
+                  <a:srgbClr val="000000"/>
+                </a:solidFill>
+                <a:latin typeface="Consolas" panose="020B0609020204030204" pitchFamily="49" charset="0"/>
+              </a:rPr>
+              <a:t>) {</a:t>
+            </a:r>
+          </a:p>
+          <a:p>
+            <a:r>
+              <a:rPr lang="en-US" b="1" dirty="0" smtClean="0">
+                <a:solidFill>
+                  <a:srgbClr val="7F0055"/>
+                </a:solidFill>
+                <a:latin typeface="Consolas" panose="020B0609020204030204" pitchFamily="49" charset="0"/>
+              </a:rPr>
+              <a:t>    if</a:t>
+            </a:r>
+            <a:r>
+              <a:rPr lang="en-US" b="1" dirty="0" smtClean="0">
+                <a:solidFill>
+                  <a:srgbClr val="000000"/>
+                </a:solidFill>
+                <a:latin typeface="Consolas" panose="020B0609020204030204" pitchFamily="49" charset="0"/>
+              </a:rPr>
+              <a:t> </a:t>
+            </a:r>
+            <a:r>
+              <a:rPr lang="en-US" b="1" dirty="0">
+                <a:solidFill>
+                  <a:srgbClr val="000000"/>
+                </a:solidFill>
+                <a:latin typeface="Consolas" panose="020B0609020204030204" pitchFamily="49" charset="0"/>
+              </a:rPr>
+              <a:t>(</a:t>
+            </a:r>
+            <a:r>
+              <a:rPr lang="en-US" b="1" dirty="0" err="1">
+                <a:solidFill>
+                  <a:srgbClr val="000000"/>
+                </a:solidFill>
+                <a:latin typeface="Consolas" panose="020B0609020204030204" pitchFamily="49" charset="0"/>
+              </a:rPr>
+              <a:t>Thread.</a:t>
+            </a:r>
+            <a:r>
+              <a:rPr lang="en-US" b="1" i="1" dirty="0" err="1">
+                <a:solidFill>
+                  <a:srgbClr val="000000"/>
+                </a:solidFill>
+                <a:latin typeface="Consolas" panose="020B0609020204030204" pitchFamily="49" charset="0"/>
+              </a:rPr>
+              <a:t>currentThread</a:t>
+            </a:r>
+            <a:r>
+              <a:rPr lang="en-US" b="1" i="1" dirty="0">
+                <a:solidFill>
+                  <a:srgbClr val="000000"/>
+                </a:solidFill>
+                <a:latin typeface="Consolas" panose="020B0609020204030204" pitchFamily="49" charset="0"/>
+              </a:rPr>
+              <a:t>() == </a:t>
+            </a:r>
+            <a:r>
+              <a:rPr lang="en-US" b="1" i="1" dirty="0" err="1">
+                <a:solidFill>
+                  <a:srgbClr val="0000C0"/>
+                </a:solidFill>
+                <a:latin typeface="Consolas" panose="020B0609020204030204" pitchFamily="49" charset="0"/>
+              </a:rPr>
+              <a:t>display</a:t>
+            </a:r>
+            <a:r>
+              <a:rPr lang="en-US" b="1" i="1" dirty="0" err="1">
+                <a:solidFill>
+                  <a:srgbClr val="000000"/>
+                </a:solidFill>
+                <a:latin typeface="Consolas" panose="020B0609020204030204" pitchFamily="49" charset="0"/>
+              </a:rPr>
+              <a:t>.getThread</a:t>
+            </a:r>
+            <a:r>
+              <a:rPr lang="en-US" b="1" i="1" dirty="0">
+                <a:solidFill>
+                  <a:srgbClr val="000000"/>
+                </a:solidFill>
+                <a:latin typeface="Consolas" panose="020B0609020204030204" pitchFamily="49" charset="0"/>
+              </a:rPr>
+              <a:t>()) {</a:t>
+            </a:r>
+          </a:p>
+          <a:p>
+            <a:r>
+              <a:rPr lang="en-US" dirty="0" smtClean="0">
+                <a:solidFill>
+                  <a:srgbClr val="6A3E3E"/>
+                </a:solidFill>
+                <a:latin typeface="Consolas" panose="020B0609020204030204" pitchFamily="49" charset="0"/>
+              </a:rPr>
+              <a:t>        </a:t>
+            </a:r>
+            <a:r>
+              <a:rPr lang="en-US" dirty="0" err="1" smtClean="0">
+                <a:solidFill>
+                  <a:srgbClr val="6A3E3E"/>
+                </a:solidFill>
+                <a:latin typeface="Consolas" panose="020B0609020204030204" pitchFamily="49" charset="0"/>
+              </a:rPr>
+              <a:t>runnable</a:t>
+            </a:r>
+            <a:r>
+              <a:rPr lang="en-US" dirty="0" err="1" smtClean="0">
+                <a:solidFill>
+                  <a:srgbClr val="000000"/>
+                </a:solidFill>
+                <a:latin typeface="Consolas" panose="020B0609020204030204" pitchFamily="49" charset="0"/>
+              </a:rPr>
+              <a:t>.run</a:t>
+            </a:r>
+            <a:r>
+              <a:rPr lang="en-US" dirty="0">
+                <a:solidFill>
+                  <a:srgbClr val="000000"/>
+                </a:solidFill>
+                <a:latin typeface="Consolas" panose="020B0609020204030204" pitchFamily="49" charset="0"/>
+              </a:rPr>
+              <a:t>();</a:t>
+            </a:r>
+          </a:p>
+          <a:p>
+            <a:r>
+              <a:rPr lang="en-US" dirty="0" smtClean="0">
+                <a:solidFill>
+                  <a:srgbClr val="000000"/>
+                </a:solidFill>
+                <a:latin typeface="Consolas" panose="020B0609020204030204" pitchFamily="49" charset="0"/>
+              </a:rPr>
+              <a:t>    } </a:t>
+            </a:r>
+            <a:r>
+              <a:rPr lang="en-US" b="1" dirty="0">
+                <a:solidFill>
+                  <a:srgbClr val="7F0055"/>
+                </a:solidFill>
+                <a:latin typeface="Consolas" panose="020B0609020204030204" pitchFamily="49" charset="0"/>
+              </a:rPr>
+              <a:t>else</a:t>
+            </a:r>
+            <a:r>
+              <a:rPr lang="en-US" b="1" dirty="0">
+                <a:solidFill>
+                  <a:srgbClr val="000000"/>
+                </a:solidFill>
+                <a:latin typeface="Consolas" panose="020B0609020204030204" pitchFamily="49" charset="0"/>
+              </a:rPr>
+              <a:t> {</a:t>
+            </a:r>
+          </a:p>
+          <a:p>
+            <a:r>
+              <a:rPr lang="en-US" dirty="0" smtClean="0">
+                <a:solidFill>
+                  <a:srgbClr val="0000C0"/>
+                </a:solidFill>
+                <a:latin typeface="Consolas" panose="020B0609020204030204" pitchFamily="49" charset="0"/>
+              </a:rPr>
+              <a:t>        </a:t>
+            </a:r>
+            <a:r>
+              <a:rPr lang="en-US" dirty="0" err="1" smtClean="0">
+                <a:solidFill>
+                  <a:srgbClr val="0000C0"/>
+                </a:solidFill>
+                <a:latin typeface="Consolas" panose="020B0609020204030204" pitchFamily="49" charset="0"/>
+              </a:rPr>
+              <a:t>display</a:t>
+            </a:r>
+            <a:r>
+              <a:rPr lang="en-US" dirty="0" err="1" smtClean="0">
+                <a:solidFill>
+                  <a:srgbClr val="000000"/>
+                </a:solidFill>
+                <a:latin typeface="Consolas" panose="020B0609020204030204" pitchFamily="49" charset="0"/>
+              </a:rPr>
+              <a:t>.asyncExec</a:t>
+            </a:r>
+            <a:r>
+              <a:rPr lang="en-US" dirty="0" smtClean="0">
+                <a:solidFill>
+                  <a:srgbClr val="000000"/>
+                </a:solidFill>
+                <a:latin typeface="Consolas" panose="020B0609020204030204" pitchFamily="49" charset="0"/>
+              </a:rPr>
+              <a:t>(</a:t>
+            </a:r>
+            <a:r>
+              <a:rPr lang="en-US" dirty="0" smtClean="0">
+                <a:solidFill>
+                  <a:srgbClr val="6A3E3E"/>
+                </a:solidFill>
+                <a:latin typeface="Consolas" panose="020B0609020204030204" pitchFamily="49" charset="0"/>
+              </a:rPr>
+              <a:t>runnable</a:t>
+            </a:r>
+            <a:r>
+              <a:rPr lang="en-US" dirty="0">
+                <a:solidFill>
+                  <a:srgbClr val="000000"/>
+                </a:solidFill>
+                <a:latin typeface="Consolas" panose="020B0609020204030204" pitchFamily="49" charset="0"/>
+              </a:rPr>
+              <a:t>);</a:t>
+            </a:r>
+          </a:p>
+          <a:p>
+            <a:r>
+              <a:rPr lang="en-US" dirty="0" smtClean="0">
+                <a:solidFill>
+                  <a:srgbClr val="000000"/>
+                </a:solidFill>
+                <a:latin typeface="Consolas" panose="020B0609020204030204" pitchFamily="49" charset="0"/>
+              </a:rPr>
+              <a:t>    }</a:t>
+            </a:r>
+            <a:endParaRPr lang="en-US" dirty="0">
+              <a:solidFill>
+                <a:srgbClr val="000000"/>
+              </a:solidFill>
+              <a:latin typeface="Consolas" panose="020B0609020204030204" pitchFamily="49" charset="0"/>
+            </a:endParaRPr>
+          </a:p>
+          <a:p>
+            <a:r>
+              <a:rPr lang="en-US" dirty="0" smtClean="0">
+                <a:solidFill>
+                  <a:srgbClr val="000000"/>
+                </a:solidFill>
+                <a:latin typeface="Consolas" panose="020B0609020204030204" pitchFamily="49" charset="0"/>
+              </a:rPr>
+              <a:t>}</a:t>
+            </a:r>
+            <a:endParaRPr lang="en-US" dirty="0">
+              <a:solidFill>
+                <a:srgbClr val="000000"/>
+              </a:solidFill>
+              <a:latin typeface="Consolas" panose="020B0609020204030204" pitchFamily="49" charset="0"/>
+            </a:endParaRPr>
+          </a:p>
+        </p:txBody>
+      </p:sp>
+    </p:spTree>
+    <p:extLst>
+      <p:ext uri="{BB962C8B-B14F-4D97-AF65-F5344CB8AC3E}">
+        <p14:creationId xmlns:p14="http://schemas.microsoft.com/office/powerpoint/2010/main" val="1210694317"/>
+      </p:ext>
+    </p:extLst>
+  </p:cSld>
+  <p:clrMapOvr>
+    <a:masterClrMapping/>
+  </p:clrMapOvr>
+  <p:timing>
+    <p:tnLst>
+      <p:par>
+        <p:cTn id="1" dur="indefinite" restart="never" nodeType="tmRoot"/>
+      </p:par>
+    </p:tnLst>
+  </p:timing>
+</p:sld>
+</file>
+
+<file path=ppt/slides/slide17.xml><?xml version="1.0" encoding="utf-8"?>
+<p:sld xmlns:a="http://schemas.openxmlformats.org/drawingml/2006/main" xmlns:r="http://schemas.openxmlformats.org/officeDocument/2006/relationships" xmlns:p="http://schemas.openxmlformats.org/presentationml/2006/main">
+  <p:cSld>
+    <p:spTree>
+      <p:nvGrpSpPr>
+        <p:cNvPr id="1" name=""/>
+        <p:cNvGrpSpPr/>
+        <p:nvPr/>
+      </p:nvGrpSpPr>
+      <p:grpSpPr>
+        <a:xfrm>
+          <a:off x="0" y="0"/>
+          <a:ext cx="0" cy="0"/>
+          <a:chOff x="0" y="0"/>
+          <a:chExt cx="0" cy="0"/>
+        </a:xfrm>
+      </p:grpSpPr>
+      <p:sp>
+        <p:nvSpPr>
+          <p:cNvPr id="2" name="Title 1"/>
+          <p:cNvSpPr>
+            <a:spLocks noGrp="1"/>
+          </p:cNvSpPr>
+          <p:nvPr>
+            <p:ph type="title"/>
+          </p:nvPr>
+        </p:nvSpPr>
+        <p:spPr/>
+        <p:txBody>
+          <a:bodyPr/>
+          <a:lstStyle/>
+          <a:p>
+            <a:r>
+              <a:rPr lang="en-US" dirty="0" err="1" smtClean="0"/>
+              <a:t>InteractiveTest</a:t>
+            </a:r>
+            <a:endParaRPr lang="en-US" dirty="0"/>
+          </a:p>
+        </p:txBody>
+      </p:sp>
+      <p:sp>
+        <p:nvSpPr>
+          <p:cNvPr id="3" name="Content Placeholder 2"/>
+          <p:cNvSpPr>
+            <a:spLocks noGrp="1"/>
+          </p:cNvSpPr>
+          <p:nvPr>
+            <p:ph idx="1"/>
+          </p:nvPr>
+        </p:nvSpPr>
+        <p:spPr>
+          <a:xfrm>
+            <a:off x="838200" y="1503680"/>
+            <a:ext cx="10515600" cy="4836160"/>
+          </a:xfrm>
+        </p:spPr>
+        <p:txBody>
+          <a:bodyPr>
+            <a:normAutofit lnSpcReduction="10000"/>
+          </a:bodyPr>
+          <a:lstStyle/>
+          <a:p>
+            <a:r>
+              <a:rPr lang="en-US" dirty="0" smtClean="0"/>
+              <a:t>Ideally, all UI is tested with UI automation.</a:t>
+            </a:r>
+          </a:p>
+          <a:p>
+            <a:r>
+              <a:rPr lang="en-US" dirty="0" smtClean="0"/>
+              <a:t>Practically, most UIs don’t have tests and are buggy.</a:t>
+            </a:r>
+          </a:p>
+          <a:p>
+            <a:endParaRPr lang="en-US" dirty="0"/>
+          </a:p>
+          <a:p>
+            <a:endParaRPr lang="en-US" dirty="0" smtClean="0"/>
+          </a:p>
+          <a:p>
+            <a:endParaRPr lang="en-US" dirty="0"/>
+          </a:p>
+          <a:p>
+            <a:endParaRPr lang="en-US" dirty="0" smtClean="0"/>
+          </a:p>
+          <a:p>
+            <a:endParaRPr lang="en-US" dirty="0"/>
+          </a:p>
+          <a:p>
+            <a:r>
+              <a:rPr lang="en-US" dirty="0" smtClean="0"/>
+              <a:t>Middle ground is a user-in-the-loop test suite, which can run on a headless server to make sure the tests still work for the user.</a:t>
+            </a:r>
+          </a:p>
+          <a:p>
+            <a:pPr lvl="1"/>
+            <a:r>
+              <a:rPr lang="en-US" dirty="0" err="1" smtClean="0"/>
+              <a:t>gradlew</a:t>
+            </a:r>
+            <a:r>
+              <a:rPr lang="en-US" dirty="0" smtClean="0"/>
+              <a:t> </a:t>
+            </a:r>
+            <a:r>
+              <a:rPr lang="en-US" dirty="0" err="1" smtClean="0"/>
+              <a:t>interactiveTest</a:t>
+            </a:r>
+            <a:r>
+              <a:rPr lang="en-US" dirty="0"/>
+              <a:t> </a:t>
+            </a:r>
+            <a:r>
+              <a:rPr lang="en-US" dirty="0" smtClean="0"/>
+              <a:t>  - runs interactive tests and prompts user</a:t>
+            </a:r>
+          </a:p>
+          <a:p>
+            <a:pPr lvl="1"/>
+            <a:r>
+              <a:rPr lang="en-US" dirty="0" err="1" smtClean="0"/>
+              <a:t>gradlew</a:t>
+            </a:r>
+            <a:r>
+              <a:rPr lang="en-US" dirty="0" smtClean="0"/>
+              <a:t> </a:t>
+            </a:r>
+            <a:r>
+              <a:rPr lang="en-US" dirty="0" err="1" smtClean="0"/>
+              <a:t>headlessTest</a:t>
+            </a:r>
+            <a:r>
+              <a:rPr lang="en-US" dirty="0" smtClean="0"/>
+              <a:t>      - runs interactive tests for 500ms each</a:t>
+            </a:r>
+          </a:p>
+        </p:txBody>
+      </p:sp>
+      <p:pic>
+        <p:nvPicPr>
+          <p:cNvPr id="5" name="Picture 4"/>
+          <p:cNvPicPr>
+            <a:picLocks noChangeAspect="1"/>
+          </p:cNvPicPr>
+          <p:nvPr/>
+        </p:nvPicPr>
+        <p:blipFill>
+          <a:blip r:embed="rId2"/>
+          <a:stretch>
+            <a:fillRect/>
+          </a:stretch>
+        </p:blipFill>
+        <p:spPr>
+          <a:xfrm>
+            <a:off x="838200" y="2352306"/>
+            <a:ext cx="8903322" cy="2508670"/>
+          </a:xfrm>
+          <a:prstGeom prst="rect">
+            <a:avLst/>
+          </a:prstGeom>
+        </p:spPr>
+      </p:pic>
+    </p:spTree>
+    <p:extLst>
+      <p:ext uri="{BB962C8B-B14F-4D97-AF65-F5344CB8AC3E}">
+        <p14:creationId xmlns:p14="http://schemas.microsoft.com/office/powerpoint/2010/main" val="2300418601"/>
+      </p:ext>
+    </p:extLst>
+  </p:cSld>
+  <p:clrMapOvr>
+    <a:masterClrMapping/>
+  </p:clrMapOvr>
+  <p:timing>
+    <p:tnLst>
+      <p:par>
+        <p:cTn id="1" dur="indefinite" restart="never" nodeType="tmRoot"/>
+      </p:par>
+    </p:tnLst>
+  </p:timing>
+</p:sld>
+</file>
+
+<file path=ppt/slides/slide18.xml><?xml version="1.0" encoding="utf-8"?>
+<p:sld xmlns:a="http://schemas.openxmlformats.org/drawingml/2006/main" xmlns:r="http://schemas.openxmlformats.org/officeDocument/2006/relationships" xmlns:p="http://schemas.openxmlformats.org/presentationml/2006/main">
+  <p:cSld>
+    <p:bg>
+      <p:bgPr>
+        <a:solidFill>
+          <a:srgbClr val="CDDD45"/>
+        </a:solidFill>
+        <a:effectLst/>
+      </p:bgPr>
+    </p:bg>
+    <p:spTree>
+      <p:nvGrpSpPr>
+        <p:cNvPr id="1" name=""/>
+        <p:cNvGrpSpPr/>
+        <p:nvPr/>
+      </p:nvGrpSpPr>
+      <p:grpSpPr>
+        <a:xfrm>
+          <a:off x="0" y="0"/>
+          <a:ext cx="0" cy="0"/>
+          <a:chOff x="0" y="0"/>
+          <a:chExt cx="0" cy="0"/>
+        </a:xfrm>
+      </p:grpSpPr>
+      <p:pic>
+        <p:nvPicPr>
+          <p:cNvPr id="7" name="Picture 6"/>
+          <p:cNvPicPr>
+            <a:picLocks noChangeAspect="1"/>
+          </p:cNvPicPr>
+          <p:nvPr/>
+        </p:nvPicPr>
+        <p:blipFill>
+          <a:blip r:embed="rId2"/>
+          <a:stretch>
+            <a:fillRect/>
+          </a:stretch>
+        </p:blipFill>
+        <p:spPr>
+          <a:xfrm>
+            <a:off x="0" y="0"/>
+            <a:ext cx="12192000" cy="6858000"/>
+          </a:xfrm>
+          <a:prstGeom prst="rect">
+            <a:avLst/>
+          </a:prstGeom>
+        </p:spPr>
+      </p:pic>
+      <p:pic>
+        <p:nvPicPr>
+          <p:cNvPr id="8" name="Picture 7"/>
+          <p:cNvPicPr>
+            <a:picLocks noChangeAspect="1"/>
+          </p:cNvPicPr>
+          <p:nvPr/>
+        </p:nvPicPr>
+        <p:blipFill rotWithShape="1">
+          <a:blip r:embed="rId3"/>
+          <a:srcRect t="-957" b="-957"/>
+          <a:stretch/>
+        </p:blipFill>
+        <p:spPr>
+          <a:xfrm rot="20862665">
+            <a:off x="-3797211" y="945332"/>
+            <a:ext cx="20738979" cy="5072844"/>
+          </a:xfrm>
+          <a:prstGeom prst="rect">
+            <a:avLst/>
+          </a:prstGeom>
+          <a:effectLst>
+            <a:glow rad="63500">
+              <a:schemeClr val="bg1">
+                <a:alpha val="19000"/>
+              </a:schemeClr>
+            </a:glow>
+            <a:softEdge rad="12700"/>
+          </a:effectLst>
+        </p:spPr>
+      </p:pic>
+      <p:sp>
+        <p:nvSpPr>
+          <p:cNvPr id="39" name="Title 3"/>
+          <p:cNvSpPr txBox="1">
+            <a:spLocks/>
+          </p:cNvSpPr>
+          <p:nvPr/>
+        </p:nvSpPr>
+        <p:spPr>
+          <a:xfrm>
+            <a:off x="3859451" y="1473200"/>
+            <a:ext cx="4168299" cy="4334933"/>
+          </a:xfrm>
+          <a:prstGeom prst="rect">
+            <a:avLst/>
+          </a:prstGeom>
+        </p:spPr>
+        <p:txBody>
+          <a:bodyPr vert="horz" lIns="121920" tIns="60960" rIns="121920" bIns="60960" rtlCol="0" anchor="ctr">
+            <a:noAutofit/>
+          </a:bodyPr>
+          <a:lstStyle/>
+          <a:p>
+            <a:pPr algn="ctr">
+              <a:spcBef>
+                <a:spcPct val="0"/>
+              </a:spcBef>
+              <a:defRPr/>
+            </a:pPr>
+            <a:endParaRPr lang="en-CA" sz="39999" b="1" dirty="0">
+              <a:solidFill>
+                <a:srgbClr val="7F7F7F"/>
+              </a:solidFill>
+              <a:latin typeface="Times"/>
+              <a:cs typeface="Times"/>
+            </a:endParaRPr>
+          </a:p>
+        </p:txBody>
+      </p:sp>
+      <p:pic>
+        <p:nvPicPr>
+          <p:cNvPr id="2" name="Picture 1"/>
+          <p:cNvPicPr>
+            <a:picLocks noChangeAspect="1"/>
+          </p:cNvPicPr>
+          <p:nvPr/>
+        </p:nvPicPr>
+        <p:blipFill>
+          <a:blip r:embed="rId4"/>
+          <a:stretch>
+            <a:fillRect/>
+          </a:stretch>
+        </p:blipFill>
+        <p:spPr>
+          <a:xfrm>
+            <a:off x="9071203" y="309930"/>
+            <a:ext cx="2840492" cy="694796"/>
+          </a:xfrm>
+          <a:prstGeom prst="rect">
+            <a:avLst/>
+          </a:prstGeom>
+        </p:spPr>
+      </p:pic>
+      <p:sp>
+        <p:nvSpPr>
+          <p:cNvPr id="9" name="TextBox 8"/>
+          <p:cNvSpPr txBox="1"/>
+          <p:nvPr/>
+        </p:nvSpPr>
+        <p:spPr>
+          <a:xfrm>
+            <a:off x="3361442" y="1581871"/>
+            <a:ext cx="5399491" cy="748988"/>
+          </a:xfrm>
+          <a:prstGeom prst="rect">
+            <a:avLst/>
+          </a:prstGeom>
+          <a:noFill/>
+          <a:effectLst>
+            <a:outerShdw blurRad="63500" dist="25400" dir="3600000" algn="ctr" rotWithShape="0">
+              <a:schemeClr val="tx1">
+                <a:alpha val="85000"/>
+              </a:schemeClr>
+            </a:outerShdw>
+          </a:effectLst>
+        </p:spPr>
+        <p:txBody>
+          <a:bodyPr wrap="none" rtlCol="0">
+            <a:spAutoFit/>
+          </a:bodyPr>
+          <a:lstStyle/>
+          <a:p>
+            <a:pPr defTabSz="609585"/>
+            <a:r>
+              <a:rPr lang="en-CA" sz="4267" dirty="0">
+                <a:solidFill>
+                  <a:prstClr val="white"/>
+                </a:solidFill>
+                <a:latin typeface="Tahoma" panose="020B0604030504040204" pitchFamily="34" charset="0"/>
+                <a:ea typeface="Tahoma" panose="020B0604030504040204" pitchFamily="34" charset="0"/>
+                <a:cs typeface="Tahoma" panose="020B0604030504040204" pitchFamily="34" charset="0"/>
+              </a:rPr>
+              <a:t>Evaluate the Sessions</a:t>
+            </a:r>
+          </a:p>
+        </p:txBody>
+      </p:sp>
+      <p:sp>
+        <p:nvSpPr>
+          <p:cNvPr id="15" name="TextBox 14"/>
+          <p:cNvSpPr txBox="1"/>
+          <p:nvPr/>
+        </p:nvSpPr>
+        <p:spPr>
+          <a:xfrm>
+            <a:off x="2271631" y="2885023"/>
+            <a:ext cx="8875058" cy="748988"/>
+          </a:xfrm>
+          <a:prstGeom prst="rect">
+            <a:avLst/>
+          </a:prstGeom>
+          <a:noFill/>
+          <a:effectLst>
+            <a:outerShdw blurRad="63500" dist="25400" dir="3600000" algn="ctr" rotWithShape="0">
+              <a:schemeClr val="tx1">
+                <a:alpha val="85000"/>
+              </a:schemeClr>
+            </a:outerShdw>
+          </a:effectLst>
+        </p:spPr>
+        <p:txBody>
+          <a:bodyPr wrap="none" rtlCol="0">
+            <a:spAutoFit/>
+          </a:bodyPr>
+          <a:lstStyle/>
+          <a:p>
+            <a:pPr defTabSz="609585"/>
+            <a:r>
+              <a:rPr lang="en-CA" sz="4267" dirty="0">
+                <a:solidFill>
+                  <a:prstClr val="white"/>
+                </a:solidFill>
+                <a:latin typeface="Tahoma" panose="020B0604030504040204" pitchFamily="34" charset="0"/>
+                <a:ea typeface="Tahoma" panose="020B0604030504040204" pitchFamily="34" charset="0"/>
+                <a:cs typeface="Tahoma" panose="020B0604030504040204" pitchFamily="34" charset="0"/>
+              </a:rPr>
+              <a:t>Sign in and vote at </a:t>
+            </a:r>
+            <a:r>
+              <a:rPr lang="en-CA" sz="4267" b="1" dirty="0">
+                <a:solidFill>
+                  <a:prstClr val="white"/>
+                </a:solidFill>
+                <a:latin typeface="Tahoma" panose="020B0604030504040204" pitchFamily="34" charset="0"/>
+                <a:ea typeface="Tahoma" panose="020B0604030504040204" pitchFamily="34" charset="0"/>
+                <a:cs typeface="Tahoma" panose="020B0604030504040204" pitchFamily="34" charset="0"/>
+              </a:rPr>
+              <a:t>eclipsecon.org</a:t>
+            </a:r>
+          </a:p>
+        </p:txBody>
+      </p:sp>
+      <p:sp>
+        <p:nvSpPr>
+          <p:cNvPr id="19" name="TextBox 18"/>
+          <p:cNvSpPr txBox="1"/>
+          <p:nvPr/>
+        </p:nvSpPr>
+        <p:spPr>
+          <a:xfrm>
+            <a:off x="3566888" y="4404333"/>
+            <a:ext cx="2021707" cy="1897892"/>
+          </a:xfrm>
+          <a:prstGeom prst="rect">
+            <a:avLst/>
+          </a:prstGeom>
+          <a:noFill/>
+          <a:effectLst>
+            <a:outerShdw blurRad="63500" dist="25400" dir="3600000" algn="ctr" rotWithShape="0">
+              <a:schemeClr val="tx1">
+                <a:alpha val="85000"/>
+              </a:schemeClr>
+            </a:outerShdw>
+          </a:effectLst>
+        </p:spPr>
+        <p:txBody>
+          <a:bodyPr wrap="none" rtlCol="0">
+            <a:spAutoFit/>
+          </a:bodyPr>
+          <a:lstStyle/>
+          <a:p>
+            <a:pPr defTabSz="609585"/>
+            <a:r>
+              <a:rPr lang="en-CA" sz="11733" dirty="0">
+                <a:solidFill>
+                  <a:prstClr val="white"/>
+                </a:solidFill>
+                <a:latin typeface="Tahoma" panose="020B0604030504040204" pitchFamily="34" charset="0"/>
+                <a:ea typeface="Tahoma" panose="020B0604030504040204" pitchFamily="34" charset="0"/>
+                <a:cs typeface="Tahoma" panose="020B0604030504040204" pitchFamily="34" charset="0"/>
+              </a:rPr>
+              <a:t>- 1</a:t>
+            </a:r>
+          </a:p>
+        </p:txBody>
+      </p:sp>
+      <p:sp>
+        <p:nvSpPr>
+          <p:cNvPr id="22" name="TextBox 21"/>
+          <p:cNvSpPr txBox="1"/>
+          <p:nvPr/>
+        </p:nvSpPr>
+        <p:spPr>
+          <a:xfrm>
+            <a:off x="8626983" y="4404333"/>
+            <a:ext cx="2569934" cy="1897892"/>
+          </a:xfrm>
+          <a:prstGeom prst="rect">
+            <a:avLst/>
+          </a:prstGeom>
+          <a:noFill/>
+          <a:effectLst>
+            <a:outerShdw blurRad="63500" dist="25400" dir="3600000" algn="ctr" rotWithShape="0">
+              <a:schemeClr val="tx1">
+                <a:alpha val="85000"/>
+              </a:schemeClr>
+            </a:outerShdw>
+          </a:effectLst>
+        </p:spPr>
+        <p:txBody>
+          <a:bodyPr wrap="none" rtlCol="0">
+            <a:spAutoFit/>
+          </a:bodyPr>
+          <a:lstStyle/>
+          <a:p>
+            <a:pPr defTabSz="609585"/>
+            <a:r>
+              <a:rPr lang="en-CA" sz="11733" dirty="0">
+                <a:solidFill>
+                  <a:prstClr val="white"/>
+                </a:solidFill>
+                <a:latin typeface="Tahoma" panose="020B0604030504040204" pitchFamily="34" charset="0"/>
+                <a:ea typeface="Tahoma" panose="020B0604030504040204" pitchFamily="34" charset="0"/>
+                <a:cs typeface="Tahoma" panose="020B0604030504040204" pitchFamily="34" charset="0"/>
+              </a:rPr>
+              <a:t>+ 1</a:t>
+            </a:r>
+          </a:p>
+        </p:txBody>
+      </p:sp>
+      <p:sp>
+        <p:nvSpPr>
+          <p:cNvPr id="10" name="TextBox 9"/>
+          <p:cNvSpPr txBox="1"/>
+          <p:nvPr/>
+        </p:nvSpPr>
+        <p:spPr>
+          <a:xfrm>
+            <a:off x="6749541" y="4435160"/>
+            <a:ext cx="1005403" cy="1897892"/>
+          </a:xfrm>
+          <a:prstGeom prst="rect">
+            <a:avLst/>
+          </a:prstGeom>
+          <a:noFill/>
+          <a:effectLst>
+            <a:outerShdw blurRad="63500" dist="25400" dir="3600000" algn="ctr" rotWithShape="0">
+              <a:schemeClr val="tx1">
+                <a:alpha val="85000"/>
+              </a:schemeClr>
+            </a:outerShdw>
+          </a:effectLst>
+        </p:spPr>
+        <p:txBody>
+          <a:bodyPr wrap="none" rtlCol="0">
+            <a:spAutoFit/>
+          </a:bodyPr>
+          <a:lstStyle/>
+          <a:p>
+            <a:pPr defTabSz="609585"/>
+            <a:r>
+              <a:rPr lang="en-CA" sz="11733" dirty="0">
+                <a:solidFill>
+                  <a:prstClr val="white"/>
+                </a:solidFill>
+                <a:latin typeface="Tahoma" panose="020B0604030504040204" pitchFamily="34" charset="0"/>
+                <a:ea typeface="Tahoma" panose="020B0604030504040204" pitchFamily="34" charset="0"/>
+                <a:cs typeface="Tahoma" panose="020B0604030504040204" pitchFamily="34" charset="0"/>
+              </a:rPr>
+              <a:t>0</a:t>
+            </a:r>
+          </a:p>
+        </p:txBody>
+      </p:sp>
+      <p:sp>
+        <p:nvSpPr>
+          <p:cNvPr id="12" name="Title 1">
+            <a:hlinkClick r:id="rId5"/>
+          </p:cNvPr>
+          <p:cNvSpPr txBox="1">
+            <a:spLocks/>
+          </p:cNvSpPr>
+          <p:nvPr/>
+        </p:nvSpPr>
+        <p:spPr>
+          <a:xfrm>
+            <a:off x="0" y="-43470"/>
+            <a:ext cx="4673599" cy="1384590"/>
+          </a:xfrm>
+          <a:prstGeom prst="rect">
+            <a:avLst/>
+          </a:prstGeom>
+          <a:solidFill>
+            <a:srgbClr val="FFFFFF">
+              <a:alpha val="76863"/>
+            </a:srgbClr>
+          </a:solidFill>
+        </p:spPr>
+        <p:txBody>
+          <a:bodyPr vert="horz" lIns="91440" tIns="45720" rIns="91440" bIns="45720" rtlCol="0" anchor="ctr">
+            <a:normAutofit fontScale="40000" lnSpcReduction="20000"/>
+          </a:bodyPr>
+          <a:lstStyle>
+            <a:lvl1pPr algn="ctr" defTabSz="609585" rtl="0" eaLnBrk="1" latinLnBrk="0" hangingPunct="1">
+              <a:spcBef>
+                <a:spcPct val="0"/>
+              </a:spcBef>
+              <a:buNone/>
+              <a:defRPr sz="5867" kern="1200">
+                <a:solidFill>
+                  <a:schemeClr val="tx1"/>
+                </a:solidFill>
+                <a:latin typeface="+mj-lt"/>
+                <a:ea typeface="+mj-ea"/>
+                <a:cs typeface="+mj-cs"/>
+              </a:defRPr>
+            </a:lvl1pPr>
+          </a:lstStyle>
+          <a:p>
+            <a:r>
+              <a:rPr lang="en-US" dirty="0" smtClean="0"/>
+              <a:t>Code available at</a:t>
+            </a:r>
+          </a:p>
+          <a:p>
+            <a:r>
+              <a:rPr lang="en-US" dirty="0" smtClean="0">
+                <a:hlinkClick r:id="rId6"/>
+              </a:rPr>
+              <a:t>diffplug.com/</a:t>
+            </a:r>
+            <a:r>
+              <a:rPr lang="en-US" dirty="0" err="1" smtClean="0">
+                <a:hlinkClick r:id="rId6"/>
+              </a:rPr>
+              <a:t>opensource</a:t>
+            </a:r>
+            <a:endParaRPr lang="en-US" dirty="0" smtClean="0"/>
+          </a:p>
+          <a:p>
+            <a:endParaRPr lang="en-US" dirty="0"/>
+          </a:p>
+          <a:p>
+            <a:r>
+              <a:rPr lang="en-US" dirty="0" smtClean="0"/>
+              <a:t>Get updates by following </a:t>
+            </a:r>
+            <a:r>
+              <a:rPr lang="en-US" dirty="0" smtClean="0">
+                <a:hlinkClick r:id="rId5"/>
+              </a:rPr>
+              <a:t>@</a:t>
+            </a:r>
+            <a:r>
+              <a:rPr lang="en-US" dirty="0" err="1" smtClean="0">
+                <a:hlinkClick r:id="rId5"/>
+              </a:rPr>
+              <a:t>diffplug</a:t>
+            </a:r>
+            <a:endParaRPr lang="en-US" dirty="0"/>
+          </a:p>
+        </p:txBody>
+      </p:sp>
+    </p:spTree>
+    <p:extLst>
+      <p:ext uri="{BB962C8B-B14F-4D97-AF65-F5344CB8AC3E}">
+        <p14:creationId xmlns:p14="http://schemas.microsoft.com/office/powerpoint/2010/main" val="313739013"/>
       </p:ext>
     </p:extLst>
   </p:cSld>
@@ -6647,7 +10556,7 @@
         <p:spPr/>
         <p:txBody>
           <a:bodyPr>
-            <a:normAutofit/>
+            <a:normAutofit lnSpcReduction="10000"/>
           </a:bodyPr>
           <a:lstStyle/>
           <a:p>
@@ -6659,11 +10568,11 @@
           <a:p>
             <a:r>
               <a:rPr lang="en-US" dirty="0" smtClean="0"/>
-              <a:t>But this time the events are COMPOSABLE</a:t>
-            </a:r>
-          </a:p>
-          <a:p>
-            <a:pPr lvl="1"/>
+              <a:t>Except the events live inside a pipe that models time explicitly</a:t>
+            </a:r>
+            <a:endParaRPr lang="en-US" dirty="0" smtClean="0"/>
+          </a:p>
+          <a:p>
             <a:r>
               <a:rPr lang="en-US" u="sng" dirty="0" smtClean="0">
                 <a:hlinkClick r:id="rId2"/>
@@ -6732,7 +10641,270 @@
   <p:timing>
     <p:tnLst>
       <p:par>
-        <p:cTn id="1" dur="indefinite" restart="never" nodeType="tmRoot"/>
+        <p:cTn id="1" dur="indefinite" restart="never" nodeType="tmRoot">
+          <p:childTnLst>
+            <p:seq concurrent="1" nextAc="seek">
+              <p:cTn id="2" dur="indefinite" nodeType="mainSeq">
+                <p:childTnLst>
+                  <p:par>
+                    <p:cTn id="3" fill="hold">
+                      <p:stCondLst>
+                        <p:cond delay="indefinite"/>
+                      </p:stCondLst>
+                      <p:childTnLst>
+                        <p:par>
+                          <p:cTn id="4" fill="hold">
+                            <p:stCondLst>
+                              <p:cond delay="0"/>
+                            </p:stCondLst>
+                            <p:childTnLst>
+                              <p:par>
+                                <p:cTn id="5" presetID="1" presetClass="entr" presetSubtype="0" fill="hold" nodeType="clickEffect">
+                                  <p:stCondLst>
+                                    <p:cond delay="0"/>
+                                  </p:stCondLst>
+                                  <p:childTnLst>
+                                    <p:set>
+                                      <p:cBhvr>
+                                        <p:cTn id="6" dur="1" fill="hold">
+                                          <p:stCondLst>
+                                            <p:cond delay="0"/>
+                                          </p:stCondLst>
+                                        </p:cTn>
+                                        <p:tgtEl>
+                                          <p:spTgt spid="3">
+                                            <p:txEl>
+                                              <p:pRg st="0" end="0"/>
+                                            </p:txEl>
+                                          </p:spTgt>
+                                        </p:tgtEl>
+                                        <p:attrNameLst>
+                                          <p:attrName>style.visibility</p:attrName>
+                                        </p:attrNameLst>
+                                      </p:cBhvr>
+                                      <p:to>
+                                        <p:strVal val="visible"/>
+                                      </p:to>
+                                    </p:set>
+                                  </p:childTnLst>
+                                </p:cTn>
+                              </p:par>
+                            </p:childTnLst>
+                          </p:cTn>
+                        </p:par>
+                      </p:childTnLst>
+                    </p:cTn>
+                  </p:par>
+                  <p:par>
+                    <p:cTn id="7" fill="hold">
+                      <p:stCondLst>
+                        <p:cond delay="indefinite"/>
+                      </p:stCondLst>
+                      <p:childTnLst>
+                        <p:par>
+                          <p:cTn id="8" fill="hold">
+                            <p:stCondLst>
+                              <p:cond delay="0"/>
+                            </p:stCondLst>
+                            <p:childTnLst>
+                              <p:par>
+                                <p:cTn id="9" presetID="1" presetClass="entr" presetSubtype="0" fill="hold" nodeType="clickEffect">
+                                  <p:stCondLst>
+                                    <p:cond delay="0"/>
+                                  </p:stCondLst>
+                                  <p:childTnLst>
+                                    <p:set>
+                                      <p:cBhvr>
+                                        <p:cTn id="10" dur="1" fill="hold">
+                                          <p:stCondLst>
+                                            <p:cond delay="0"/>
+                                          </p:stCondLst>
+                                        </p:cTn>
+                                        <p:tgtEl>
+                                          <p:spTgt spid="3">
+                                            <p:txEl>
+                                              <p:pRg st="1" end="1"/>
+                                            </p:txEl>
+                                          </p:spTgt>
+                                        </p:tgtEl>
+                                        <p:attrNameLst>
+                                          <p:attrName>style.visibility</p:attrName>
+                                        </p:attrNameLst>
+                                      </p:cBhvr>
+                                      <p:to>
+                                        <p:strVal val="visible"/>
+                                      </p:to>
+                                    </p:set>
+                                  </p:childTnLst>
+                                </p:cTn>
+                              </p:par>
+                            </p:childTnLst>
+                          </p:cTn>
+                        </p:par>
+                      </p:childTnLst>
+                    </p:cTn>
+                  </p:par>
+                  <p:par>
+                    <p:cTn id="11" fill="hold">
+                      <p:stCondLst>
+                        <p:cond delay="indefinite"/>
+                      </p:stCondLst>
+                      <p:childTnLst>
+                        <p:par>
+                          <p:cTn id="12" fill="hold">
+                            <p:stCondLst>
+                              <p:cond delay="0"/>
+                            </p:stCondLst>
+                            <p:childTnLst>
+                              <p:par>
+                                <p:cTn id="13" presetID="1" presetClass="entr" presetSubtype="0" fill="hold" nodeType="clickEffect">
+                                  <p:stCondLst>
+                                    <p:cond delay="0"/>
+                                  </p:stCondLst>
+                                  <p:childTnLst>
+                                    <p:set>
+                                      <p:cBhvr>
+                                        <p:cTn id="14" dur="1" fill="hold">
+                                          <p:stCondLst>
+                                            <p:cond delay="0"/>
+                                          </p:stCondLst>
+                                        </p:cTn>
+                                        <p:tgtEl>
+                                          <p:spTgt spid="3">
+                                            <p:txEl>
+                                              <p:pRg st="2" end="2"/>
+                                            </p:txEl>
+                                          </p:spTgt>
+                                        </p:tgtEl>
+                                        <p:attrNameLst>
+                                          <p:attrName>style.visibility</p:attrName>
+                                        </p:attrNameLst>
+                                      </p:cBhvr>
+                                      <p:to>
+                                        <p:strVal val="visible"/>
+                                      </p:to>
+                                    </p:set>
+                                  </p:childTnLst>
+                                </p:cTn>
+                              </p:par>
+                              <p:par>
+                                <p:cTn id="15" presetID="1" presetClass="entr" presetSubtype="0" fill="hold" nodeType="withEffect">
+                                  <p:stCondLst>
+                                    <p:cond delay="0"/>
+                                  </p:stCondLst>
+                                  <p:childTnLst>
+                                    <p:set>
+                                      <p:cBhvr>
+                                        <p:cTn id="16" dur="1" fill="hold">
+                                          <p:stCondLst>
+                                            <p:cond delay="0"/>
+                                          </p:stCondLst>
+                                        </p:cTn>
+                                        <p:tgtEl>
+                                          <p:spTgt spid="3">
+                                            <p:txEl>
+                                              <p:pRg st="3" end="3"/>
+                                            </p:txEl>
+                                          </p:spTgt>
+                                        </p:tgtEl>
+                                        <p:attrNameLst>
+                                          <p:attrName>style.visibility</p:attrName>
+                                        </p:attrNameLst>
+                                      </p:cBhvr>
+                                      <p:to>
+                                        <p:strVal val="visible"/>
+                                      </p:to>
+                                    </p:set>
+                                  </p:childTnLst>
+                                </p:cTn>
+                              </p:par>
+                              <p:par>
+                                <p:cTn id="17" presetID="1" presetClass="entr" presetSubtype="0" fill="hold" nodeType="withEffect">
+                                  <p:stCondLst>
+                                    <p:cond delay="0"/>
+                                  </p:stCondLst>
+                                  <p:childTnLst>
+                                    <p:set>
+                                      <p:cBhvr>
+                                        <p:cTn id="18" dur="1" fill="hold">
+                                          <p:stCondLst>
+                                            <p:cond delay="0"/>
+                                          </p:stCondLst>
+                                        </p:cTn>
+                                        <p:tgtEl>
+                                          <p:spTgt spid="3">
+                                            <p:txEl>
+                                              <p:pRg st="4" end="4"/>
+                                            </p:txEl>
+                                          </p:spTgt>
+                                        </p:tgtEl>
+                                        <p:attrNameLst>
+                                          <p:attrName>style.visibility</p:attrName>
+                                        </p:attrNameLst>
+                                      </p:cBhvr>
+                                      <p:to>
+                                        <p:strVal val="visible"/>
+                                      </p:to>
+                                    </p:set>
+                                  </p:childTnLst>
+                                </p:cTn>
+                              </p:par>
+                              <p:par>
+                                <p:cTn id="19" presetID="1" presetClass="entr" presetSubtype="0" fill="hold" nodeType="withEffect">
+                                  <p:stCondLst>
+                                    <p:cond delay="0"/>
+                                  </p:stCondLst>
+                                  <p:childTnLst>
+                                    <p:set>
+                                      <p:cBhvr>
+                                        <p:cTn id="20" dur="1" fill="hold">
+                                          <p:stCondLst>
+                                            <p:cond delay="0"/>
+                                          </p:stCondLst>
+                                        </p:cTn>
+                                        <p:tgtEl>
+                                          <p:spTgt spid="3">
+                                            <p:txEl>
+                                              <p:pRg st="5" end="5"/>
+                                            </p:txEl>
+                                          </p:spTgt>
+                                        </p:tgtEl>
+                                        <p:attrNameLst>
+                                          <p:attrName>style.visibility</p:attrName>
+                                        </p:attrNameLst>
+                                      </p:cBhvr>
+                                      <p:to>
+                                        <p:strVal val="visible"/>
+                                      </p:to>
+                                    </p:set>
+                                  </p:childTnLst>
+                                </p:cTn>
+                              </p:par>
+                            </p:childTnLst>
+                          </p:cTn>
+                        </p:par>
+                      </p:childTnLst>
+                    </p:cTn>
+                  </p:par>
+                </p:childTnLst>
+              </p:cTn>
+              <p:prevCondLst>
+                <p:cond evt="onPrev" delay="0">
+                  <p:tgtEl>
+                    <p:sldTgt/>
+                  </p:tgtEl>
+                </p:cond>
+              </p:prevCondLst>
+              <p:nextCondLst>
+                <p:cond evt="onNext" delay="0">
+                  <p:tgtEl>
+                    <p:sldTgt/>
+                  </p:tgtEl>
+                </p:cond>
+              </p:nextCondLst>
+            </p:seq>
+          </p:childTnLst>
+        </p:cTn>
       </p:par>
     </p:tnLst>
   </p:timing>
@@ -6866,54 +11038,592 @@
           </a:p>
         </p:txBody>
       </p:sp>
-      <p:pic>
-        <p:nvPicPr>
-          <p:cNvPr id="4" name="Picture 3"/>
-          <p:cNvPicPr>
-            <a:picLocks noChangeAspect="1"/>
-          </p:cNvPicPr>
+      <p:sp>
+        <p:nvSpPr>
+          <p:cNvPr id="6" name="Rectangle 5"/>
+          <p:cNvSpPr/>
           <p:nvPr/>
-        </p:nvPicPr>
-        <p:blipFill>
-          <a:blip r:embed="rId2"/>
-          <a:stretch>
-            <a:fillRect/>
-          </a:stretch>
-        </p:blipFill>
+        </p:nvSpPr>
         <p:spPr>
           <a:xfrm>
-            <a:off x="988309" y="1981199"/>
-            <a:ext cx="6614758" cy="1161520"/>
+            <a:off x="988309" y="1890245"/>
+            <a:ext cx="6096000" cy="1200329"/>
           </a:xfrm>
           <a:prstGeom prst="rect">
             <a:avLst/>
           </a:prstGeom>
         </p:spPr>
-      </p:pic>
-      <p:pic>
-        <p:nvPicPr>
-          <p:cNvPr id="5" name="Picture 4"/>
-          <p:cNvPicPr>
-            <a:picLocks noChangeAspect="1"/>
-          </p:cNvPicPr>
+        <p:txBody>
+          <a:bodyPr>
+            <a:spAutoFit/>
+          </a:bodyPr>
+          <a:lstStyle/>
+          <a:p>
+            <a:r>
+              <a:rPr lang="en-US" dirty="0" err="1">
+                <a:solidFill>
+                  <a:srgbClr val="6A3E3E"/>
+                </a:solidFill>
+                <a:latin typeface="Consolas" panose="020B0609020204030204" pitchFamily="49" charset="0"/>
+              </a:rPr>
+              <a:t>widget</a:t>
+            </a:r>
+            <a:r>
+              <a:rPr lang="en-US" dirty="0" err="1">
+                <a:solidFill>
+                  <a:srgbClr val="000000"/>
+                </a:solidFill>
+                <a:latin typeface="Consolas" panose="020B0609020204030204" pitchFamily="49" charset="0"/>
+              </a:rPr>
+              <a:t>.addListener</a:t>
+            </a:r>
+            <a:r>
+              <a:rPr lang="en-US" dirty="0">
+                <a:solidFill>
+                  <a:srgbClr val="000000"/>
+                </a:solidFill>
+                <a:latin typeface="Consolas" panose="020B0609020204030204" pitchFamily="49" charset="0"/>
+              </a:rPr>
+              <a:t>(</a:t>
+            </a:r>
+            <a:r>
+              <a:rPr lang="en-US" dirty="0" err="1">
+                <a:solidFill>
+                  <a:srgbClr val="000000"/>
+                </a:solidFill>
+                <a:latin typeface="Consolas" panose="020B0609020204030204" pitchFamily="49" charset="0"/>
+              </a:rPr>
+              <a:t>SWT.</a:t>
+            </a:r>
+            <a:r>
+              <a:rPr lang="en-US" b="1" i="1" dirty="0" err="1">
+                <a:solidFill>
+                  <a:srgbClr val="0000C0"/>
+                </a:solidFill>
+                <a:latin typeface="Consolas" panose="020B0609020204030204" pitchFamily="49" charset="0"/>
+              </a:rPr>
+              <a:t>KeyDown</a:t>
+            </a:r>
+            <a:r>
+              <a:rPr lang="en-US" b="1" i="1" dirty="0">
+                <a:solidFill>
+                  <a:srgbClr val="000000"/>
+                </a:solidFill>
+                <a:latin typeface="Consolas" panose="020B0609020204030204" pitchFamily="49" charset="0"/>
+              </a:rPr>
+              <a:t>, </a:t>
+            </a:r>
+            <a:r>
+              <a:rPr lang="en-US" b="1" i="1" dirty="0">
+                <a:solidFill>
+                  <a:srgbClr val="6A3E3E"/>
+                </a:solidFill>
+                <a:latin typeface="Consolas" panose="020B0609020204030204" pitchFamily="49" charset="0"/>
+              </a:rPr>
+              <a:t>e</a:t>
+            </a:r>
+            <a:r>
+              <a:rPr lang="en-US" b="1" i="1" dirty="0">
+                <a:solidFill>
+                  <a:srgbClr val="000000"/>
+                </a:solidFill>
+                <a:latin typeface="Consolas" panose="020B0609020204030204" pitchFamily="49" charset="0"/>
+              </a:rPr>
+              <a:t> -&gt; {</a:t>
+            </a:r>
+          </a:p>
+          <a:p>
+            <a:r>
+              <a:rPr lang="en-US" dirty="0">
+                <a:solidFill>
+                  <a:srgbClr val="3F7F5F"/>
+                </a:solidFill>
+                <a:latin typeface="Consolas" panose="020B0609020204030204" pitchFamily="49" charset="0"/>
+              </a:rPr>
+              <a:t> </a:t>
+            </a:r>
+            <a:r>
+              <a:rPr lang="en-US" dirty="0" smtClean="0">
+                <a:solidFill>
+                  <a:srgbClr val="3F7F5F"/>
+                </a:solidFill>
+                <a:latin typeface="Consolas" panose="020B0609020204030204" pitchFamily="49" charset="0"/>
+              </a:rPr>
+              <a:t>   // </a:t>
+            </a:r>
+            <a:r>
+              <a:rPr lang="en-US" dirty="0">
+                <a:solidFill>
+                  <a:srgbClr val="3F7F5F"/>
+                </a:solidFill>
+                <a:latin typeface="Consolas" panose="020B0609020204030204" pitchFamily="49" charset="0"/>
+              </a:rPr>
+              <a:t>this is our chance to react</a:t>
+            </a:r>
+          </a:p>
+          <a:p>
+            <a:r>
+              <a:rPr lang="en-US" dirty="0" smtClean="0">
+                <a:solidFill>
+                  <a:srgbClr val="000000"/>
+                </a:solidFill>
+                <a:latin typeface="Consolas" panose="020B0609020204030204" pitchFamily="49" charset="0"/>
+              </a:rPr>
+              <a:t>    </a:t>
+            </a:r>
+            <a:r>
+              <a:rPr lang="en-US" dirty="0" err="1" smtClean="0">
+                <a:solidFill>
+                  <a:srgbClr val="000000"/>
+                </a:solidFill>
+                <a:latin typeface="Consolas" panose="020B0609020204030204" pitchFamily="49" charset="0"/>
+              </a:rPr>
+              <a:t>System.</a:t>
+            </a:r>
+            <a:r>
+              <a:rPr lang="en-US" b="1" i="1" dirty="0" err="1" smtClean="0">
+                <a:solidFill>
+                  <a:srgbClr val="0000C0"/>
+                </a:solidFill>
+                <a:latin typeface="Consolas" panose="020B0609020204030204" pitchFamily="49" charset="0"/>
+              </a:rPr>
+              <a:t>out</a:t>
+            </a:r>
+            <a:r>
+              <a:rPr lang="en-US" b="1" i="1" dirty="0" err="1" smtClean="0">
+                <a:solidFill>
+                  <a:srgbClr val="000000"/>
+                </a:solidFill>
+                <a:latin typeface="Consolas" panose="020B0609020204030204" pitchFamily="49" charset="0"/>
+              </a:rPr>
+              <a:t>.println</a:t>
+            </a:r>
+            <a:r>
+              <a:rPr lang="en-US" b="1" i="1" dirty="0">
+                <a:solidFill>
+                  <a:srgbClr val="000000"/>
+                </a:solidFill>
+                <a:latin typeface="Consolas" panose="020B0609020204030204" pitchFamily="49" charset="0"/>
+              </a:rPr>
+              <a:t>(</a:t>
+            </a:r>
+            <a:r>
+              <a:rPr lang="en-US" b="1" i="1" dirty="0">
+                <a:solidFill>
+                  <a:srgbClr val="2A00FF"/>
+                </a:solidFill>
+                <a:latin typeface="Consolas" panose="020B0609020204030204" pitchFamily="49" charset="0"/>
+              </a:rPr>
+              <a:t>"</a:t>
+            </a:r>
+            <a:r>
+              <a:rPr lang="en-US" b="1" i="1" dirty="0" err="1">
+                <a:solidFill>
+                  <a:srgbClr val="2A00FF"/>
+                </a:solidFill>
+                <a:latin typeface="Consolas" panose="020B0609020204030204" pitchFamily="49" charset="0"/>
+              </a:rPr>
+              <a:t>keyCode</a:t>
+            </a:r>
+            <a:r>
+              <a:rPr lang="en-US" b="1" i="1" dirty="0">
+                <a:solidFill>
+                  <a:srgbClr val="2A00FF"/>
+                </a:solidFill>
+                <a:latin typeface="Consolas" panose="020B0609020204030204" pitchFamily="49" charset="0"/>
+              </a:rPr>
+              <a:t>="</a:t>
+            </a:r>
+            <a:r>
+              <a:rPr lang="en-US" b="1" i="1" dirty="0">
+                <a:solidFill>
+                  <a:srgbClr val="000000"/>
+                </a:solidFill>
+                <a:latin typeface="Consolas" panose="020B0609020204030204" pitchFamily="49" charset="0"/>
+              </a:rPr>
+              <a:t> + </a:t>
+            </a:r>
+            <a:r>
+              <a:rPr lang="en-US" b="1" i="1" dirty="0" err="1">
+                <a:solidFill>
+                  <a:srgbClr val="6A3E3E"/>
+                </a:solidFill>
+                <a:latin typeface="Consolas" panose="020B0609020204030204" pitchFamily="49" charset="0"/>
+              </a:rPr>
+              <a:t>e</a:t>
+            </a:r>
+            <a:r>
+              <a:rPr lang="en-US" b="1" i="1" dirty="0" err="1">
+                <a:solidFill>
+                  <a:srgbClr val="000000"/>
+                </a:solidFill>
+                <a:latin typeface="Consolas" panose="020B0609020204030204" pitchFamily="49" charset="0"/>
+              </a:rPr>
+              <a:t>.</a:t>
+            </a:r>
+            <a:r>
+              <a:rPr lang="en-US" b="1" i="1" dirty="0" err="1">
+                <a:solidFill>
+                  <a:srgbClr val="0000C0"/>
+                </a:solidFill>
+                <a:latin typeface="Consolas" panose="020B0609020204030204" pitchFamily="49" charset="0"/>
+              </a:rPr>
+              <a:t>keyCode</a:t>
+            </a:r>
+            <a:r>
+              <a:rPr lang="en-US" b="1" i="1" dirty="0">
+                <a:solidFill>
+                  <a:srgbClr val="000000"/>
+                </a:solidFill>
+                <a:latin typeface="Consolas" panose="020B0609020204030204" pitchFamily="49" charset="0"/>
+              </a:rPr>
+              <a:t>);</a:t>
+            </a:r>
+          </a:p>
+          <a:p>
+            <a:r>
+              <a:rPr lang="en-US" dirty="0">
+                <a:solidFill>
+                  <a:srgbClr val="000000"/>
+                </a:solidFill>
+                <a:latin typeface="Consolas" panose="020B0609020204030204" pitchFamily="49" charset="0"/>
+              </a:rPr>
+              <a:t>});</a:t>
+            </a:r>
+            <a:endParaRPr lang="en-US" dirty="0"/>
+          </a:p>
+        </p:txBody>
+      </p:sp>
+      <p:sp>
+        <p:nvSpPr>
+          <p:cNvPr id="7" name="Rectangle 6"/>
+          <p:cNvSpPr/>
           <p:nvPr/>
-        </p:nvPicPr>
-        <p:blipFill>
-          <a:blip r:embed="rId3"/>
-          <a:stretch>
-            <a:fillRect/>
-          </a:stretch>
-        </p:blipFill>
+        </p:nvSpPr>
         <p:spPr>
           <a:xfrm>
-            <a:off x="988309" y="3908149"/>
-            <a:ext cx="10440858" cy="1451239"/>
+            <a:off x="988308" y="3852537"/>
+            <a:ext cx="9344411" cy="1477328"/>
           </a:xfrm>
           <a:prstGeom prst="rect">
             <a:avLst/>
           </a:prstGeom>
         </p:spPr>
-      </p:pic>
+        <p:txBody>
+          <a:bodyPr wrap="square">
+            <a:spAutoFit/>
+          </a:bodyPr>
+          <a:lstStyle/>
+          <a:p>
+            <a:r>
+              <a:rPr lang="en-US" dirty="0">
+                <a:solidFill>
+                  <a:srgbClr val="000000"/>
+                </a:solidFill>
+                <a:latin typeface="Consolas" panose="020B0609020204030204" pitchFamily="49" charset="0"/>
+              </a:rPr>
+              <a:t>Observable&lt;Event&gt; </a:t>
+            </a:r>
+            <a:r>
+              <a:rPr lang="en-US" dirty="0" err="1">
+                <a:solidFill>
+                  <a:srgbClr val="6A3E3E"/>
+                </a:solidFill>
+                <a:latin typeface="Consolas" panose="020B0609020204030204" pitchFamily="49" charset="0"/>
+              </a:rPr>
+              <a:t>keyDownStream</a:t>
+            </a:r>
+            <a:r>
+              <a:rPr lang="en-US" dirty="0">
+                <a:solidFill>
+                  <a:srgbClr val="000000"/>
+                </a:solidFill>
+                <a:latin typeface="Consolas" panose="020B0609020204030204" pitchFamily="49" charset="0"/>
+              </a:rPr>
+              <a:t> = </a:t>
+            </a:r>
+            <a:r>
+              <a:rPr lang="en-US" dirty="0" err="1">
+                <a:solidFill>
+                  <a:srgbClr val="000000"/>
+                </a:solidFill>
+                <a:latin typeface="Consolas" panose="020B0609020204030204" pitchFamily="49" charset="0"/>
+              </a:rPr>
+              <a:t>SwtRx.</a:t>
+            </a:r>
+            <a:r>
+              <a:rPr lang="en-US" i="1" dirty="0" err="1">
+                <a:solidFill>
+                  <a:srgbClr val="000000"/>
+                </a:solidFill>
+                <a:latin typeface="Consolas" panose="020B0609020204030204" pitchFamily="49" charset="0"/>
+              </a:rPr>
+              <a:t>addListener</a:t>
+            </a:r>
+            <a:r>
+              <a:rPr lang="en-US" i="1" dirty="0">
+                <a:solidFill>
+                  <a:srgbClr val="000000"/>
+                </a:solidFill>
+                <a:latin typeface="Consolas" panose="020B0609020204030204" pitchFamily="49" charset="0"/>
+              </a:rPr>
+              <a:t>(</a:t>
+            </a:r>
+            <a:r>
+              <a:rPr lang="en-US" i="1" dirty="0">
+                <a:solidFill>
+                  <a:srgbClr val="6A3E3E"/>
+                </a:solidFill>
+                <a:latin typeface="Consolas" panose="020B0609020204030204" pitchFamily="49" charset="0"/>
+              </a:rPr>
+              <a:t>widget</a:t>
+            </a:r>
+            <a:r>
+              <a:rPr lang="en-US" i="1" dirty="0">
+                <a:solidFill>
+                  <a:srgbClr val="000000"/>
+                </a:solidFill>
+                <a:latin typeface="Consolas" panose="020B0609020204030204" pitchFamily="49" charset="0"/>
+              </a:rPr>
+              <a:t>, </a:t>
+            </a:r>
+            <a:r>
+              <a:rPr lang="en-US" i="1" dirty="0" err="1">
+                <a:solidFill>
+                  <a:srgbClr val="000000"/>
+                </a:solidFill>
+                <a:latin typeface="Consolas" panose="020B0609020204030204" pitchFamily="49" charset="0"/>
+              </a:rPr>
+              <a:t>SWT.</a:t>
+            </a:r>
+            <a:r>
+              <a:rPr lang="en-US" b="1" i="1" dirty="0" err="1">
+                <a:solidFill>
+                  <a:srgbClr val="0000C0"/>
+                </a:solidFill>
+                <a:latin typeface="Consolas" panose="020B0609020204030204" pitchFamily="49" charset="0"/>
+              </a:rPr>
+              <a:t>KeyDown</a:t>
+            </a:r>
+            <a:r>
+              <a:rPr lang="en-US" b="1" i="1" dirty="0">
+                <a:solidFill>
+                  <a:srgbClr val="000000"/>
+                </a:solidFill>
+                <a:latin typeface="Consolas" panose="020B0609020204030204" pitchFamily="49" charset="0"/>
+              </a:rPr>
+              <a:t>);</a:t>
+            </a:r>
+          </a:p>
+          <a:p>
+            <a:r>
+              <a:rPr lang="en-US" dirty="0" err="1">
+                <a:solidFill>
+                  <a:srgbClr val="6A3E3E"/>
+                </a:solidFill>
+                <a:latin typeface="Consolas" panose="020B0609020204030204" pitchFamily="49" charset="0"/>
+              </a:rPr>
+              <a:t>keyDownStream</a:t>
+            </a:r>
+            <a:r>
+              <a:rPr lang="en-US" dirty="0" err="1">
+                <a:solidFill>
+                  <a:srgbClr val="000000"/>
+                </a:solidFill>
+                <a:latin typeface="Consolas" panose="020B0609020204030204" pitchFamily="49" charset="0"/>
+              </a:rPr>
+              <a:t>.subscribe</a:t>
+            </a:r>
+            <a:r>
+              <a:rPr lang="en-US" dirty="0">
+                <a:solidFill>
+                  <a:srgbClr val="000000"/>
+                </a:solidFill>
+                <a:latin typeface="Consolas" panose="020B0609020204030204" pitchFamily="49" charset="0"/>
+              </a:rPr>
+              <a:t>(</a:t>
+            </a:r>
+            <a:r>
+              <a:rPr lang="en-US" dirty="0">
+                <a:solidFill>
+                  <a:srgbClr val="6A3E3E"/>
+                </a:solidFill>
+                <a:latin typeface="Consolas" panose="020B0609020204030204" pitchFamily="49" charset="0"/>
+              </a:rPr>
+              <a:t>e</a:t>
+            </a:r>
+            <a:r>
+              <a:rPr lang="en-US" dirty="0">
+                <a:solidFill>
+                  <a:srgbClr val="000000"/>
+                </a:solidFill>
+                <a:latin typeface="Consolas" panose="020B0609020204030204" pitchFamily="49" charset="0"/>
+              </a:rPr>
+              <a:t> -&gt; {</a:t>
+            </a:r>
+          </a:p>
+          <a:p>
+            <a:r>
+              <a:rPr lang="en-US" dirty="0" smtClean="0">
+                <a:solidFill>
+                  <a:srgbClr val="3F7F5F"/>
+                </a:solidFill>
+                <a:latin typeface="Consolas" panose="020B0609020204030204" pitchFamily="49" charset="0"/>
+              </a:rPr>
+              <a:t>    </a:t>
+            </a:r>
+            <a:r>
+              <a:rPr lang="en-US" b="1" dirty="0" smtClean="0">
+                <a:solidFill>
+                  <a:srgbClr val="3F7F5F"/>
+                </a:solidFill>
+                <a:latin typeface="Consolas" panose="020B0609020204030204" pitchFamily="49" charset="0"/>
+              </a:rPr>
+              <a:t>// </a:t>
+            </a:r>
+            <a:r>
+              <a:rPr lang="en-US" b="1" dirty="0">
+                <a:solidFill>
+                  <a:srgbClr val="3F7F5F"/>
+                </a:solidFill>
+                <a:latin typeface="Consolas" panose="020B0609020204030204" pitchFamily="49" charset="0"/>
+              </a:rPr>
+              <a:t>this is our chance to react</a:t>
+            </a:r>
+          </a:p>
+          <a:p>
+            <a:r>
+              <a:rPr lang="en-US" b="1" dirty="0" smtClean="0">
+                <a:solidFill>
+                  <a:srgbClr val="000000"/>
+                </a:solidFill>
+                <a:latin typeface="Consolas" panose="020B0609020204030204" pitchFamily="49" charset="0"/>
+              </a:rPr>
+              <a:t>    </a:t>
+            </a:r>
+            <a:r>
+              <a:rPr lang="en-US" b="1" dirty="0" err="1" smtClean="0">
+                <a:solidFill>
+                  <a:srgbClr val="000000"/>
+                </a:solidFill>
+                <a:latin typeface="Consolas" panose="020B0609020204030204" pitchFamily="49" charset="0"/>
+              </a:rPr>
+              <a:t>System.</a:t>
+            </a:r>
+            <a:r>
+              <a:rPr lang="en-US" b="1" i="1" dirty="0" err="1" smtClean="0">
+                <a:solidFill>
+                  <a:srgbClr val="0000C0"/>
+                </a:solidFill>
+                <a:latin typeface="Consolas" panose="020B0609020204030204" pitchFamily="49" charset="0"/>
+              </a:rPr>
+              <a:t>out</a:t>
+            </a:r>
+            <a:r>
+              <a:rPr lang="en-US" b="1" i="1" dirty="0" err="1" smtClean="0">
+                <a:solidFill>
+                  <a:srgbClr val="000000"/>
+                </a:solidFill>
+                <a:latin typeface="Consolas" panose="020B0609020204030204" pitchFamily="49" charset="0"/>
+              </a:rPr>
+              <a:t>.println</a:t>
+            </a:r>
+            <a:r>
+              <a:rPr lang="en-US" b="1" i="1" dirty="0">
+                <a:solidFill>
+                  <a:srgbClr val="000000"/>
+                </a:solidFill>
+                <a:latin typeface="Consolas" panose="020B0609020204030204" pitchFamily="49" charset="0"/>
+              </a:rPr>
+              <a:t>(</a:t>
+            </a:r>
+            <a:r>
+              <a:rPr lang="en-US" b="1" i="1" dirty="0">
+                <a:solidFill>
+                  <a:srgbClr val="2A00FF"/>
+                </a:solidFill>
+                <a:latin typeface="Consolas" panose="020B0609020204030204" pitchFamily="49" charset="0"/>
+              </a:rPr>
+              <a:t>"</a:t>
+            </a:r>
+            <a:r>
+              <a:rPr lang="en-US" b="1" i="1" dirty="0" err="1">
+                <a:solidFill>
+                  <a:srgbClr val="2A00FF"/>
+                </a:solidFill>
+                <a:latin typeface="Consolas" panose="020B0609020204030204" pitchFamily="49" charset="0"/>
+              </a:rPr>
+              <a:t>keyCode</a:t>
+            </a:r>
+            <a:r>
+              <a:rPr lang="en-US" b="1" i="1" dirty="0">
+                <a:solidFill>
+                  <a:srgbClr val="2A00FF"/>
+                </a:solidFill>
+                <a:latin typeface="Consolas" panose="020B0609020204030204" pitchFamily="49" charset="0"/>
+              </a:rPr>
+              <a:t>="</a:t>
+            </a:r>
+            <a:r>
+              <a:rPr lang="en-US" b="1" i="1" dirty="0">
+                <a:solidFill>
+                  <a:srgbClr val="000000"/>
+                </a:solidFill>
+                <a:latin typeface="Consolas" panose="020B0609020204030204" pitchFamily="49" charset="0"/>
+              </a:rPr>
+              <a:t> + </a:t>
+            </a:r>
+            <a:r>
+              <a:rPr lang="en-US" b="1" i="1" dirty="0" err="1">
+                <a:solidFill>
+                  <a:srgbClr val="6A3E3E"/>
+                </a:solidFill>
+                <a:latin typeface="Consolas" panose="020B0609020204030204" pitchFamily="49" charset="0"/>
+              </a:rPr>
+              <a:t>e</a:t>
+            </a:r>
+            <a:r>
+              <a:rPr lang="en-US" b="1" i="1" dirty="0" err="1">
+                <a:solidFill>
+                  <a:srgbClr val="000000"/>
+                </a:solidFill>
+                <a:latin typeface="Consolas" panose="020B0609020204030204" pitchFamily="49" charset="0"/>
+              </a:rPr>
+              <a:t>.</a:t>
+            </a:r>
+            <a:r>
+              <a:rPr lang="en-US" b="1" i="1" dirty="0" err="1">
+                <a:solidFill>
+                  <a:srgbClr val="0000C0"/>
+                </a:solidFill>
+                <a:latin typeface="Consolas" panose="020B0609020204030204" pitchFamily="49" charset="0"/>
+              </a:rPr>
+              <a:t>keyCode</a:t>
+            </a:r>
+            <a:r>
+              <a:rPr lang="en-US" b="1" i="1" dirty="0">
+                <a:solidFill>
+                  <a:srgbClr val="000000"/>
+                </a:solidFill>
+                <a:latin typeface="Consolas" panose="020B0609020204030204" pitchFamily="49" charset="0"/>
+              </a:rPr>
+              <a:t>);</a:t>
+            </a:r>
+          </a:p>
+          <a:p>
+            <a:r>
+              <a:rPr lang="en-US" b="1" dirty="0">
+                <a:solidFill>
+                  <a:srgbClr val="000000"/>
+                </a:solidFill>
+                <a:latin typeface="Consolas" panose="020B0609020204030204" pitchFamily="49" charset="0"/>
+              </a:rPr>
+              <a:t>});</a:t>
+            </a:r>
+            <a:endParaRPr lang="en-US" b="1" dirty="0"/>
+          </a:p>
+        </p:txBody>
+      </p:sp>
     </p:spTree>
     <p:extLst>
       <p:ext uri="{BB962C8B-B14F-4D97-AF65-F5344CB8AC3E}">
@@ -6927,7 +11637,301 @@
   <p:timing>
     <p:tnLst>
       <p:par>
-        <p:cTn id="1" dur="indefinite" restart="never" nodeType="tmRoot"/>
+        <p:cTn id="1" dur="indefinite" restart="never" nodeType="tmRoot">
+          <p:childTnLst>
+            <p:seq concurrent="1" nextAc="seek">
+              <p:cTn id="2" dur="indefinite" nodeType="mainSeq">
+                <p:childTnLst>
+                  <p:par>
+                    <p:cTn id="3" fill="hold">
+                      <p:stCondLst>
+                        <p:cond delay="indefinite"/>
+                      </p:stCondLst>
+                      <p:childTnLst>
+                        <p:par>
+                          <p:cTn id="4" fill="hold">
+                            <p:stCondLst>
+                              <p:cond delay="0"/>
+                            </p:stCondLst>
+                            <p:childTnLst>
+                              <p:par>
+                                <p:cTn id="5" presetID="1" presetClass="entr" presetSubtype="0" fill="hold" nodeType="clickEffect">
+                                  <p:stCondLst>
+                                    <p:cond delay="0"/>
+                                  </p:stCondLst>
+                                  <p:childTnLst>
+                                    <p:set>
+                                      <p:cBhvr>
+                                        <p:cTn id="6" dur="1" fill="hold">
+                                          <p:stCondLst>
+                                            <p:cond delay="0"/>
+                                          </p:stCondLst>
+                                        </p:cTn>
+                                        <p:tgtEl>
+                                          <p:spTgt spid="3">
+                                            <p:txEl>
+                                              <p:pRg st="4" end="4"/>
+                                            </p:txEl>
+                                          </p:spTgt>
+                                        </p:tgtEl>
+                                        <p:attrNameLst>
+                                          <p:attrName>style.visibility</p:attrName>
+                                        </p:attrNameLst>
+                                      </p:cBhvr>
+                                      <p:to>
+                                        <p:strVal val="visible"/>
+                                      </p:to>
+                                    </p:set>
+                                  </p:childTnLst>
+                                </p:cTn>
+                              </p:par>
+                              <p:par>
+                                <p:cTn id="7" presetID="1" presetClass="entr" presetSubtype="0" fill="hold" nodeType="withEffect">
+                                  <p:stCondLst>
+                                    <p:cond delay="0"/>
+                                  </p:stCondLst>
+                                  <p:childTnLst>
+                                    <p:set>
+                                      <p:cBhvr>
+                                        <p:cTn id="8" dur="1" fill="hold">
+                                          <p:stCondLst>
+                                            <p:cond delay="0"/>
+                                          </p:stCondLst>
+                                        </p:cTn>
+                                        <p:tgtEl>
+                                          <p:spTgt spid="7">
+                                            <p:txEl>
+                                              <p:pRg st="0" end="0"/>
+                                            </p:txEl>
+                                          </p:spTgt>
+                                        </p:tgtEl>
+                                        <p:attrNameLst>
+                                          <p:attrName>style.visibility</p:attrName>
+                                        </p:attrNameLst>
+                                      </p:cBhvr>
+                                      <p:to>
+                                        <p:strVal val="visible"/>
+                                      </p:to>
+                                    </p:set>
+                                  </p:childTnLst>
+                                </p:cTn>
+                              </p:par>
+                            </p:childTnLst>
+                          </p:cTn>
+                        </p:par>
+                      </p:childTnLst>
+                    </p:cTn>
+                  </p:par>
+                  <p:par>
+                    <p:cTn id="9" fill="hold">
+                      <p:stCondLst>
+                        <p:cond delay="indefinite"/>
+                      </p:stCondLst>
+                      <p:childTnLst>
+                        <p:par>
+                          <p:cTn id="10" fill="hold">
+                            <p:stCondLst>
+                              <p:cond delay="0"/>
+                            </p:stCondLst>
+                            <p:childTnLst>
+                              <p:par>
+                                <p:cTn id="11" presetID="1" presetClass="entr" presetSubtype="0" fill="hold" nodeType="clickEffect">
+                                  <p:stCondLst>
+                                    <p:cond delay="0"/>
+                                  </p:stCondLst>
+                                  <p:childTnLst>
+                                    <p:set>
+                                      <p:cBhvr>
+                                        <p:cTn id="12" dur="1" fill="hold">
+                                          <p:stCondLst>
+                                            <p:cond delay="0"/>
+                                          </p:stCondLst>
+                                        </p:cTn>
+                                        <p:tgtEl>
+                                          <p:spTgt spid="7">
+                                            <p:txEl>
+                                              <p:pRg st="1" end="1"/>
+                                            </p:txEl>
+                                          </p:spTgt>
+                                        </p:tgtEl>
+                                        <p:attrNameLst>
+                                          <p:attrName>style.visibility</p:attrName>
+                                        </p:attrNameLst>
+                                      </p:cBhvr>
+                                      <p:to>
+                                        <p:strVal val="visible"/>
+                                      </p:to>
+                                    </p:set>
+                                  </p:childTnLst>
+                                </p:cTn>
+                              </p:par>
+                              <p:par>
+                                <p:cTn id="13" presetID="1" presetClass="entr" presetSubtype="0" fill="hold" nodeType="withEffect">
+                                  <p:stCondLst>
+                                    <p:cond delay="0"/>
+                                  </p:stCondLst>
+                                  <p:childTnLst>
+                                    <p:set>
+                                      <p:cBhvr>
+                                        <p:cTn id="14" dur="1" fill="hold">
+                                          <p:stCondLst>
+                                            <p:cond delay="0"/>
+                                          </p:stCondLst>
+                                        </p:cTn>
+                                        <p:tgtEl>
+                                          <p:spTgt spid="7">
+                                            <p:txEl>
+                                              <p:pRg st="2" end="2"/>
+                                            </p:txEl>
+                                          </p:spTgt>
+                                        </p:tgtEl>
+                                        <p:attrNameLst>
+                                          <p:attrName>style.visibility</p:attrName>
+                                        </p:attrNameLst>
+                                      </p:cBhvr>
+                                      <p:to>
+                                        <p:strVal val="visible"/>
+                                      </p:to>
+                                    </p:set>
+                                  </p:childTnLst>
+                                </p:cTn>
+                              </p:par>
+                              <p:par>
+                                <p:cTn id="15" presetID="1" presetClass="entr" presetSubtype="0" fill="hold" nodeType="withEffect">
+                                  <p:stCondLst>
+                                    <p:cond delay="0"/>
+                                  </p:stCondLst>
+                                  <p:childTnLst>
+                                    <p:set>
+                                      <p:cBhvr>
+                                        <p:cTn id="16" dur="1" fill="hold">
+                                          <p:stCondLst>
+                                            <p:cond delay="0"/>
+                                          </p:stCondLst>
+                                        </p:cTn>
+                                        <p:tgtEl>
+                                          <p:spTgt spid="7">
+                                            <p:txEl>
+                                              <p:pRg st="3" end="3"/>
+                                            </p:txEl>
+                                          </p:spTgt>
+                                        </p:tgtEl>
+                                        <p:attrNameLst>
+                                          <p:attrName>style.visibility</p:attrName>
+                                        </p:attrNameLst>
+                                      </p:cBhvr>
+                                      <p:to>
+                                        <p:strVal val="visible"/>
+                                      </p:to>
+                                    </p:set>
+                                  </p:childTnLst>
+                                </p:cTn>
+                              </p:par>
+                              <p:par>
+                                <p:cTn id="17" presetID="1" presetClass="entr" presetSubtype="0" fill="hold" nodeType="withEffect">
+                                  <p:stCondLst>
+                                    <p:cond delay="0"/>
+                                  </p:stCondLst>
+                                  <p:childTnLst>
+                                    <p:set>
+                                      <p:cBhvr>
+                                        <p:cTn id="18" dur="1" fill="hold">
+                                          <p:stCondLst>
+                                            <p:cond delay="0"/>
+                                          </p:stCondLst>
+                                        </p:cTn>
+                                        <p:tgtEl>
+                                          <p:spTgt spid="7">
+                                            <p:txEl>
+                                              <p:pRg st="4" end="4"/>
+                                            </p:txEl>
+                                          </p:spTgt>
+                                        </p:tgtEl>
+                                        <p:attrNameLst>
+                                          <p:attrName>style.visibility</p:attrName>
+                                        </p:attrNameLst>
+                                      </p:cBhvr>
+                                      <p:to>
+                                        <p:strVal val="visible"/>
+                                      </p:to>
+                                    </p:set>
+                                  </p:childTnLst>
+                                </p:cTn>
+                              </p:par>
+                            </p:childTnLst>
+                          </p:cTn>
+                        </p:par>
+                      </p:childTnLst>
+                    </p:cTn>
+                  </p:par>
+                  <p:par>
+                    <p:cTn id="19" fill="hold">
+                      <p:stCondLst>
+                        <p:cond delay="indefinite"/>
+                      </p:stCondLst>
+                      <p:childTnLst>
+                        <p:par>
+                          <p:cTn id="20" fill="hold">
+                            <p:stCondLst>
+                              <p:cond delay="0"/>
+                            </p:stCondLst>
+                            <p:childTnLst>
+                              <p:par>
+                                <p:cTn id="21" presetID="1" presetClass="entr" presetSubtype="0" fill="hold" nodeType="clickEffect">
+                                  <p:stCondLst>
+                                    <p:cond delay="0"/>
+                                  </p:stCondLst>
+                                  <p:childTnLst>
+                                    <p:set>
+                                      <p:cBhvr>
+                                        <p:cTn id="22" dur="1" fill="hold">
+                                          <p:stCondLst>
+                                            <p:cond delay="0"/>
+                                          </p:stCondLst>
+                                        </p:cTn>
+                                        <p:tgtEl>
+                                          <p:spTgt spid="3">
+                                            <p:txEl>
+                                              <p:pRg st="9" end="9"/>
+                                            </p:txEl>
+                                          </p:spTgt>
+                                        </p:tgtEl>
+                                        <p:attrNameLst>
+                                          <p:attrName>style.visibility</p:attrName>
+                                        </p:attrNameLst>
+                                      </p:cBhvr>
+                                      <p:to>
+                                        <p:strVal val="visible"/>
+                                      </p:to>
+                                    </p:set>
+                                  </p:childTnLst>
+                                </p:cTn>
+                              </p:par>
+                            </p:childTnLst>
+                          </p:cTn>
+                        </p:par>
+                      </p:childTnLst>
+                    </p:cTn>
+                  </p:par>
+                </p:childTnLst>
+              </p:cTn>
+              <p:prevCondLst>
+                <p:cond evt="onPrev" delay="0">
+                  <p:tgtEl>
+                    <p:sldTgt/>
+                  </p:tgtEl>
+                </p:cond>
+              </p:prevCondLst>
+              <p:nextCondLst>
+                <p:cond evt="onNext" delay="0">
+                  <p:tgtEl>
+                    <p:sldTgt/>
+                  </p:tgtEl>
+                </p:cond>
+              </p:nextCondLst>
+            </p:seq>
+          </p:childTnLst>
+        </p:cTn>
       </p:par>
     </p:tnLst>
   </p:timing>
@@ -6968,58 +11972,440 @@
           <a:p>
             <a:r>
               <a:rPr lang="en-US" dirty="0" smtClean="0"/>
-              <a:t>What good is a pipe?</a:t>
+              <a:t>What is an “Observable”</a:t>
             </a:r>
             <a:endParaRPr lang="en-US" dirty="0"/>
           </a:p>
         </p:txBody>
       </p:sp>
-      <p:pic>
-        <p:nvPicPr>
-          <p:cNvPr id="6" name="Picture 5"/>
-          <p:cNvPicPr>
-            <a:picLocks noChangeAspect="1"/>
-          </p:cNvPicPr>
-          <p:nvPr/>
-        </p:nvPicPr>
-        <p:blipFill rotWithShape="1">
-          <a:blip r:embed="rId2"/>
-          <a:srcRect l="5560" t="32930" r="11137" b="41269"/>
-          <a:stretch/>
-        </p:blipFill>
+      <p:sp>
+        <p:nvSpPr>
+          <p:cNvPr id="3" name="Content Placeholder 2"/>
+          <p:cNvSpPr>
+            <a:spLocks noGrp="1"/>
+          </p:cNvSpPr>
+          <p:nvPr>
+            <p:ph idx="1"/>
+          </p:nvPr>
+        </p:nvSpPr>
         <p:spPr>
           <a:xfrm>
-            <a:off x="413466" y="2390328"/>
-            <a:ext cx="4753155" cy="569343"/>
+            <a:off x="838200" y="1825625"/>
+            <a:ext cx="5730240" cy="4351338"/>
+          </a:xfrm>
+        </p:spPr>
+        <p:txBody>
+          <a:bodyPr/>
+          <a:lstStyle/>
+          <a:p>
+            <a:r>
+              <a:rPr lang="en-US" dirty="0" smtClean="0"/>
+              <a:t>You can subscribe an Observer&lt;T&gt; with these methods:</a:t>
+            </a:r>
+            <a:endParaRPr lang="en-US" dirty="0"/>
+          </a:p>
+        </p:txBody>
+      </p:sp>
+      <p:sp>
+        <p:nvSpPr>
+          <p:cNvPr id="4" name="Rectangle 3"/>
+          <p:cNvSpPr/>
+          <p:nvPr/>
+        </p:nvSpPr>
+        <p:spPr>
+          <a:xfrm>
+            <a:off x="6775947" y="1690688"/>
+            <a:ext cx="4780160" cy="1477328"/>
           </a:xfrm>
           <a:prstGeom prst="rect">
             <a:avLst/>
           </a:prstGeom>
         </p:spPr>
-      </p:pic>
+        <p:txBody>
+          <a:bodyPr wrap="square">
+            <a:spAutoFit/>
+          </a:bodyPr>
+          <a:lstStyle/>
+          <a:p>
+            <a:r>
+              <a:rPr lang="en-US" b="1" dirty="0">
+                <a:solidFill>
+                  <a:srgbClr val="7F0055"/>
+                </a:solidFill>
+                <a:latin typeface="Consolas" panose="020B0609020204030204" pitchFamily="49" charset="0"/>
+              </a:rPr>
+              <a:t>public</a:t>
+            </a:r>
+            <a:r>
+              <a:rPr lang="en-US" b="1" dirty="0">
+                <a:solidFill>
+                  <a:srgbClr val="000000"/>
+                </a:solidFill>
+                <a:latin typeface="Consolas" panose="020B0609020204030204" pitchFamily="49" charset="0"/>
+              </a:rPr>
+              <a:t> </a:t>
+            </a:r>
+            <a:r>
+              <a:rPr lang="en-US" b="1" dirty="0">
+                <a:solidFill>
+                  <a:srgbClr val="7F0055"/>
+                </a:solidFill>
+                <a:latin typeface="Consolas" panose="020B0609020204030204" pitchFamily="49" charset="0"/>
+              </a:rPr>
+              <a:t>interface</a:t>
+            </a:r>
+            <a:r>
+              <a:rPr lang="en-US" b="1" dirty="0">
+                <a:solidFill>
+                  <a:srgbClr val="000000"/>
+                </a:solidFill>
+                <a:latin typeface="Consolas" panose="020B0609020204030204" pitchFamily="49" charset="0"/>
+              </a:rPr>
+              <a:t> Observer&lt;T&gt; {</a:t>
+            </a:r>
+          </a:p>
+          <a:p>
+            <a:r>
+              <a:rPr lang="en-US" b="1" dirty="0" smtClean="0">
+                <a:solidFill>
+                  <a:srgbClr val="7F0055"/>
+                </a:solidFill>
+                <a:latin typeface="Consolas" panose="020B0609020204030204" pitchFamily="49" charset="0"/>
+              </a:rPr>
+              <a:t>    void</a:t>
+            </a:r>
+            <a:r>
+              <a:rPr lang="en-US" b="1" dirty="0" smtClean="0">
+                <a:solidFill>
+                  <a:srgbClr val="000000"/>
+                </a:solidFill>
+                <a:latin typeface="Consolas" panose="020B0609020204030204" pitchFamily="49" charset="0"/>
+              </a:rPr>
+              <a:t> </a:t>
+            </a:r>
+            <a:r>
+              <a:rPr lang="en-US" b="1" dirty="0" err="1">
+                <a:solidFill>
+                  <a:srgbClr val="000000"/>
+                </a:solidFill>
+                <a:latin typeface="Consolas" panose="020B0609020204030204" pitchFamily="49" charset="0"/>
+              </a:rPr>
+              <a:t>onNext</a:t>
+            </a:r>
+            <a:r>
+              <a:rPr lang="en-US" b="1" dirty="0">
+                <a:solidFill>
+                  <a:srgbClr val="000000"/>
+                </a:solidFill>
+                <a:latin typeface="Consolas" panose="020B0609020204030204" pitchFamily="49" charset="0"/>
+              </a:rPr>
+              <a:t>(T </a:t>
+            </a:r>
+            <a:r>
+              <a:rPr lang="en-US" b="1" dirty="0">
+                <a:solidFill>
+                  <a:srgbClr val="6A3E3E"/>
+                </a:solidFill>
+                <a:latin typeface="Consolas" panose="020B0609020204030204" pitchFamily="49" charset="0"/>
+              </a:rPr>
+              <a:t>t</a:t>
+            </a:r>
+            <a:r>
+              <a:rPr lang="en-US" b="1" dirty="0">
+                <a:solidFill>
+                  <a:srgbClr val="000000"/>
+                </a:solidFill>
+                <a:latin typeface="Consolas" panose="020B0609020204030204" pitchFamily="49" charset="0"/>
+              </a:rPr>
+              <a:t>);</a:t>
+            </a:r>
+          </a:p>
+          <a:p>
+            <a:r>
+              <a:rPr lang="en-US" b="1" dirty="0" smtClean="0">
+                <a:solidFill>
+                  <a:srgbClr val="7F0055"/>
+                </a:solidFill>
+                <a:latin typeface="Consolas" panose="020B0609020204030204" pitchFamily="49" charset="0"/>
+              </a:rPr>
+              <a:t>    void</a:t>
+            </a:r>
+            <a:r>
+              <a:rPr lang="en-US" b="1" dirty="0" smtClean="0">
+                <a:solidFill>
+                  <a:srgbClr val="000000"/>
+                </a:solidFill>
+                <a:latin typeface="Consolas" panose="020B0609020204030204" pitchFamily="49" charset="0"/>
+              </a:rPr>
+              <a:t> </a:t>
+            </a:r>
+            <a:r>
+              <a:rPr lang="en-US" b="1" dirty="0" err="1">
+                <a:solidFill>
+                  <a:srgbClr val="000000"/>
+                </a:solidFill>
+                <a:latin typeface="Consolas" panose="020B0609020204030204" pitchFamily="49" charset="0"/>
+              </a:rPr>
+              <a:t>onComplete</a:t>
+            </a:r>
+            <a:r>
+              <a:rPr lang="en-US" b="1" dirty="0">
+                <a:solidFill>
+                  <a:srgbClr val="000000"/>
+                </a:solidFill>
+                <a:latin typeface="Consolas" panose="020B0609020204030204" pitchFamily="49" charset="0"/>
+              </a:rPr>
+              <a:t>();</a:t>
+            </a:r>
+          </a:p>
+          <a:p>
+            <a:r>
+              <a:rPr lang="en-US" b="1" dirty="0">
+                <a:solidFill>
+                  <a:srgbClr val="7F0055"/>
+                </a:solidFill>
+                <a:latin typeface="Consolas" panose="020B0609020204030204" pitchFamily="49" charset="0"/>
+              </a:rPr>
+              <a:t> </a:t>
+            </a:r>
+            <a:r>
+              <a:rPr lang="en-US" b="1" dirty="0" smtClean="0">
+                <a:solidFill>
+                  <a:srgbClr val="7F0055"/>
+                </a:solidFill>
+                <a:latin typeface="Consolas" panose="020B0609020204030204" pitchFamily="49" charset="0"/>
+              </a:rPr>
+              <a:t>   </a:t>
+            </a:r>
+            <a:r>
+              <a:rPr lang="en-US" b="1" dirty="0" smtClean="0">
+                <a:solidFill>
+                  <a:srgbClr val="7F0055"/>
+                </a:solidFill>
+                <a:latin typeface="Consolas" panose="020B0609020204030204" pitchFamily="49" charset="0"/>
+              </a:rPr>
+              <a:t>void</a:t>
+            </a:r>
+            <a:r>
+              <a:rPr lang="en-US" b="1" dirty="0" smtClean="0">
+                <a:solidFill>
+                  <a:srgbClr val="000000"/>
+                </a:solidFill>
+                <a:latin typeface="Consolas" panose="020B0609020204030204" pitchFamily="49" charset="0"/>
+              </a:rPr>
+              <a:t> </a:t>
+            </a:r>
+            <a:r>
+              <a:rPr lang="en-US" b="1" dirty="0" err="1" smtClean="0">
+                <a:solidFill>
+                  <a:srgbClr val="000000"/>
+                </a:solidFill>
+                <a:latin typeface="Consolas" panose="020B0609020204030204" pitchFamily="49" charset="0"/>
+              </a:rPr>
+              <a:t>onError</a:t>
+            </a:r>
+            <a:r>
+              <a:rPr lang="en-US" b="1" dirty="0" smtClean="0">
+                <a:solidFill>
+                  <a:srgbClr val="000000"/>
+                </a:solidFill>
+                <a:latin typeface="Consolas" panose="020B0609020204030204" pitchFamily="49" charset="0"/>
+              </a:rPr>
+              <a:t>(</a:t>
+            </a:r>
+            <a:r>
+              <a:rPr lang="en-US" b="1" dirty="0" err="1" smtClean="0">
+                <a:solidFill>
+                  <a:srgbClr val="000000"/>
+                </a:solidFill>
+                <a:latin typeface="Consolas" panose="020B0609020204030204" pitchFamily="49" charset="0"/>
+              </a:rPr>
+              <a:t>Throwable</a:t>
+            </a:r>
+            <a:r>
+              <a:rPr lang="en-US" b="1" dirty="0" smtClean="0">
+                <a:solidFill>
+                  <a:srgbClr val="000000"/>
+                </a:solidFill>
+                <a:latin typeface="Consolas" panose="020B0609020204030204" pitchFamily="49" charset="0"/>
+              </a:rPr>
+              <a:t> </a:t>
+            </a:r>
+            <a:r>
+              <a:rPr lang="en-US" b="1" dirty="0" smtClean="0">
+                <a:solidFill>
+                  <a:srgbClr val="6A3E3E"/>
+                </a:solidFill>
+                <a:latin typeface="Consolas" panose="020B0609020204030204" pitchFamily="49" charset="0"/>
+              </a:rPr>
+              <a:t>e</a:t>
+            </a:r>
+            <a:r>
+              <a:rPr lang="en-US" b="1" dirty="0" smtClean="0">
+                <a:solidFill>
+                  <a:srgbClr val="000000"/>
+                </a:solidFill>
+                <a:latin typeface="Consolas" panose="020B0609020204030204" pitchFamily="49" charset="0"/>
+              </a:rPr>
+              <a:t>);</a:t>
+            </a:r>
+          </a:p>
+          <a:p>
+            <a:r>
+              <a:rPr lang="en-US" dirty="0" smtClean="0">
+                <a:solidFill>
+                  <a:srgbClr val="000000"/>
+                </a:solidFill>
+                <a:latin typeface="Consolas" panose="020B0609020204030204" pitchFamily="49" charset="0"/>
+              </a:rPr>
+              <a:t>}</a:t>
+            </a:r>
+            <a:endParaRPr lang="en-US" dirty="0"/>
+          </a:p>
+        </p:txBody>
+      </p:sp>
       <p:pic>
         <p:nvPicPr>
-          <p:cNvPr id="7" name="Picture 6"/>
+          <p:cNvPr id="1026" name="Picture 2" descr="http://reactivex.io/documentation/operators/images/S.PublishSubject.png"/>
           <p:cNvPicPr>
-            <a:picLocks noChangeAspect="1"/>
+            <a:picLocks noChangeAspect="1" noChangeArrowheads="1"/>
           </p:cNvPicPr>
           <p:nvPr/>
         </p:nvPicPr>
-        <p:blipFill rotWithShape="1">
-          <a:blip r:embed="rId3"/>
-          <a:srcRect t="44948" r="17634" b="31718"/>
-          <a:stretch/>
+        <p:blipFill>
+          <a:blip r:embed="rId2" cstate="print">
+            <a:extLst>
+              <a:ext uri="{28A0092B-C50C-407E-A947-70E740481C1C}">
+                <a14:useLocalDpi xmlns:a14="http://schemas.microsoft.com/office/drawing/2010/main" val="0"/>
+              </a:ext>
+            </a:extLst>
+          </a:blip>
+          <a:srcRect/>
+          <a:stretch>
+            <a:fillRect/>
+          </a:stretch>
         </p:blipFill>
-        <p:spPr>
+        <p:spPr bwMode="auto">
           <a:xfrm>
-            <a:off x="5739771" y="2345016"/>
-            <a:ext cx="5614029" cy="569343"/>
+            <a:off x="630693" y="3430736"/>
+            <a:ext cx="5084307" cy="3217413"/>
           </a:xfrm>
           <a:prstGeom prst="rect">
             <a:avLst/>
           </a:prstGeom>
+          <a:noFill/>
+          <a:extLst>
+            <a:ext uri="{909E8E84-426E-40DD-AFC4-6F175D3DCCD1}">
+              <a14:hiddenFill xmlns:a14="http://schemas.microsoft.com/office/drawing/2010/main">
+                <a:solidFill>
+                  <a:srgbClr val="FFFFFF"/>
+                </a:solidFill>
+              </a14:hiddenFill>
+            </a:ext>
+          </a:extLst>
         </p:spPr>
       </p:pic>
+      <p:pic>
+        <p:nvPicPr>
+          <p:cNvPr id="1028" name="Picture 4" descr="http://reactivex.io/documentation/operators/images/S.PublishSubject.e.png"/>
+          <p:cNvPicPr>
+            <a:picLocks noChangeAspect="1" noChangeArrowheads="1"/>
+          </p:cNvPicPr>
+          <p:nvPr/>
+        </p:nvPicPr>
+        <p:blipFill>
+          <a:blip r:embed="rId3">
+            <a:extLst>
+              <a:ext uri="{28A0092B-C50C-407E-A947-70E740481C1C}">
+                <a14:useLocalDpi xmlns:a14="http://schemas.microsoft.com/office/drawing/2010/main" val="0"/>
+              </a:ext>
+            </a:extLst>
+          </a:blip>
+          <a:srcRect/>
+          <a:stretch>
+            <a:fillRect/>
+          </a:stretch>
+        </p:blipFill>
+        <p:spPr bwMode="auto">
+          <a:xfrm>
+            <a:off x="6349365" y="3361692"/>
+            <a:ext cx="5327650" cy="3288158"/>
+          </a:xfrm>
+          <a:prstGeom prst="rect">
+            <a:avLst/>
+          </a:prstGeom>
+          <a:noFill/>
+          <a:extLst>
+            <a:ext uri="{909E8E84-426E-40DD-AFC4-6F175D3DCCD1}">
+              <a14:hiddenFill xmlns:a14="http://schemas.microsoft.com/office/drawing/2010/main">
+                <a:solidFill>
+                  <a:srgbClr val="FFFFFF"/>
+                </a:solidFill>
+              </a14:hiddenFill>
+            </a:ext>
+          </a:extLst>
+        </p:spPr>
+      </p:pic>
+    </p:spTree>
+    <p:extLst>
+      <p:ext uri="{BB962C8B-B14F-4D97-AF65-F5344CB8AC3E}">
+        <p14:creationId xmlns:p14="http://schemas.microsoft.com/office/powerpoint/2010/main" val="2468521510"/>
+      </p:ext>
+    </p:extLst>
+  </p:cSld>
+  <p:clrMapOvr>
+    <a:masterClrMapping/>
+  </p:clrMapOvr>
+  <p:timing>
+    <p:tnLst>
+      <p:par>
+        <p:cTn id="1" dur="indefinite" restart="never" nodeType="tmRoot"/>
+      </p:par>
+    </p:tnLst>
+  </p:timing>
+</p:sld>
+</file>
+
+<file path=ppt/slides/slide5.xml><?xml version="1.0" encoding="utf-8"?>
+<p:sld xmlns:a="http://schemas.openxmlformats.org/drawingml/2006/main" xmlns:r="http://schemas.openxmlformats.org/officeDocument/2006/relationships" xmlns:p="http://schemas.openxmlformats.org/presentationml/2006/main">
+  <p:cSld>
+    <p:spTree>
+      <p:nvGrpSpPr>
+        <p:cNvPr id="1" name=""/>
+        <p:cNvGrpSpPr/>
+        <p:nvPr/>
+      </p:nvGrpSpPr>
+      <p:grpSpPr>
+        <a:xfrm>
+          <a:off x="0" y="0"/>
+          <a:ext cx="0" cy="0"/>
+          <a:chOff x="0" y="0"/>
+          <a:chExt cx="0" cy="0"/>
+        </a:xfrm>
+      </p:grpSpPr>
+      <p:sp>
+        <p:nvSpPr>
+          <p:cNvPr id="2" name="Title 1"/>
+          <p:cNvSpPr>
+            <a:spLocks noGrp="1"/>
+          </p:cNvSpPr>
+          <p:nvPr>
+            <p:ph type="title"/>
+          </p:nvPr>
+        </p:nvSpPr>
+        <p:spPr/>
+        <p:txBody>
+          <a:bodyPr/>
+          <a:lstStyle/>
+          <a:p>
+            <a:r>
+              <a:rPr lang="en-US" dirty="0" smtClean="0"/>
+              <a:t>What good is a pipe?</a:t>
+            </a:r>
+            <a:endParaRPr lang="en-US" dirty="0"/>
+          </a:p>
+        </p:txBody>
+      </p:sp>
       <p:sp>
         <p:nvSpPr>
           <p:cNvPr id="8" name="Content Placeholder 2"/>
@@ -7087,7 +12473,11 @@
             <a:pPr lvl="1"/>
             <a:r>
               <a:rPr lang="en-US" dirty="0" smtClean="0"/>
-              <a:t>With Events, that cascade flows through ad-hoc function calls</a:t>
+              <a:t>With </a:t>
+            </a:r>
+            <a:r>
+              <a:rPr lang="en-US" dirty="0" smtClean="0"/>
+              <a:t>Events, that cascade flows through ad-hoc function calls</a:t>
             </a:r>
           </a:p>
           <a:p>
@@ -7122,53 +12512,922 @@
           </a:p>
         </p:txBody>
       </p:sp>
-      <p:pic>
-        <p:nvPicPr>
-          <p:cNvPr id="10" name="Picture 9"/>
-          <p:cNvPicPr>
-            <a:picLocks noChangeAspect="1"/>
-          </p:cNvPicPr>
+      <p:sp>
+        <p:nvSpPr>
+          <p:cNvPr id="3" name="Rectangle 2"/>
+          <p:cNvSpPr/>
           <p:nvPr/>
-        </p:nvPicPr>
-        <p:blipFill rotWithShape="1">
-          <a:blip r:embed="rId3"/>
-          <a:srcRect t="75315" r="6302"/>
-          <a:stretch/>
-        </p:blipFill>
+        </p:nvSpPr>
         <p:spPr>
           <a:xfrm>
-            <a:off x="5838196" y="3741211"/>
-            <a:ext cx="5515604" cy="520163"/>
+            <a:off x="343785" y="2278130"/>
+            <a:ext cx="5257801" cy="738664"/>
           </a:xfrm>
           <a:prstGeom prst="rect">
             <a:avLst/>
           </a:prstGeom>
         </p:spPr>
-      </p:pic>
-      <p:pic>
-        <p:nvPicPr>
-          <p:cNvPr id="11" name="Picture 10"/>
-          <p:cNvPicPr>
-            <a:picLocks noChangeAspect="1"/>
-          </p:cNvPicPr>
+        <p:txBody>
+          <a:bodyPr wrap="square">
+            <a:spAutoFit/>
+          </a:bodyPr>
+          <a:lstStyle/>
+          <a:p>
+            <a:r>
+              <a:rPr lang="en-US" sz="1400" b="1" dirty="0">
+                <a:solidFill>
+                  <a:srgbClr val="7F0055"/>
+                </a:solidFill>
+                <a:latin typeface="Consolas" panose="020B0609020204030204" pitchFamily="49" charset="0"/>
+              </a:rPr>
+              <a:t>if</a:t>
+            </a:r>
+            <a:r>
+              <a:rPr lang="en-US" sz="1400" b="1" dirty="0">
+                <a:solidFill>
+                  <a:srgbClr val="000000"/>
+                </a:solidFill>
+                <a:latin typeface="Consolas" panose="020B0609020204030204" pitchFamily="49" charset="0"/>
+              </a:rPr>
+              <a:t> (</a:t>
+            </a:r>
+            <a:r>
+              <a:rPr lang="en-US" sz="1400" b="1" dirty="0" err="1">
+                <a:solidFill>
+                  <a:srgbClr val="6A3E3E"/>
+                </a:solidFill>
+                <a:latin typeface="Consolas" panose="020B0609020204030204" pitchFamily="49" charset="0"/>
+              </a:rPr>
+              <a:t>e</a:t>
+            </a:r>
+            <a:r>
+              <a:rPr lang="en-US" sz="1400" b="1" dirty="0" err="1">
+                <a:solidFill>
+                  <a:srgbClr val="000000"/>
+                </a:solidFill>
+                <a:latin typeface="Consolas" panose="020B0609020204030204" pitchFamily="49" charset="0"/>
+              </a:rPr>
+              <a:t>.</a:t>
+            </a:r>
+            <a:r>
+              <a:rPr lang="en-US" sz="1400" b="1" dirty="0" err="1">
+                <a:solidFill>
+                  <a:srgbClr val="0000C0"/>
+                </a:solidFill>
+                <a:latin typeface="Consolas" panose="020B0609020204030204" pitchFamily="49" charset="0"/>
+              </a:rPr>
+              <a:t>keyCode</a:t>
+            </a:r>
+            <a:r>
+              <a:rPr lang="en-US" sz="1400" b="1" dirty="0">
+                <a:solidFill>
+                  <a:srgbClr val="000000"/>
+                </a:solidFill>
+                <a:latin typeface="Consolas" panose="020B0609020204030204" pitchFamily="49" charset="0"/>
+              </a:rPr>
+              <a:t> == </a:t>
+            </a:r>
+            <a:r>
+              <a:rPr lang="en-US" sz="1400" b="1" dirty="0">
+                <a:solidFill>
+                  <a:srgbClr val="2A00FF"/>
+                </a:solidFill>
+                <a:latin typeface="Consolas" panose="020B0609020204030204" pitchFamily="49" charset="0"/>
+              </a:rPr>
+              <a:t>'q'</a:t>
+            </a:r>
+            <a:r>
+              <a:rPr lang="en-US" sz="1400" b="1" dirty="0">
+                <a:solidFill>
+                  <a:srgbClr val="000000"/>
+                </a:solidFill>
+                <a:latin typeface="Consolas" panose="020B0609020204030204" pitchFamily="49" charset="0"/>
+              </a:rPr>
+              <a:t>) {</a:t>
+            </a:r>
+          </a:p>
+          <a:p>
+            <a:r>
+              <a:rPr lang="en-US" sz="1400" dirty="0" smtClean="0">
+                <a:solidFill>
+                  <a:srgbClr val="000000"/>
+                </a:solidFill>
+                <a:latin typeface="Consolas" panose="020B0609020204030204" pitchFamily="49" charset="0"/>
+              </a:rPr>
+              <a:t>    </a:t>
+            </a:r>
+            <a:r>
+              <a:rPr lang="en-US" sz="1400" dirty="0" err="1" smtClean="0">
+                <a:solidFill>
+                  <a:srgbClr val="000000"/>
+                </a:solidFill>
+                <a:latin typeface="Consolas" panose="020B0609020204030204" pitchFamily="49" charset="0"/>
+              </a:rPr>
+              <a:t>System.</a:t>
+            </a:r>
+            <a:r>
+              <a:rPr lang="en-US" sz="1400" b="1" i="1" dirty="0" err="1" smtClean="0">
+                <a:solidFill>
+                  <a:srgbClr val="0000C0"/>
+                </a:solidFill>
+                <a:latin typeface="Consolas" panose="020B0609020204030204" pitchFamily="49" charset="0"/>
+              </a:rPr>
+              <a:t>out</a:t>
+            </a:r>
+            <a:r>
+              <a:rPr lang="en-US" sz="1400" b="1" i="1" dirty="0" err="1" smtClean="0">
+                <a:solidFill>
+                  <a:srgbClr val="000000"/>
+                </a:solidFill>
+                <a:latin typeface="Consolas" panose="020B0609020204030204" pitchFamily="49" charset="0"/>
+              </a:rPr>
+              <a:t>.println</a:t>
+            </a:r>
+            <a:r>
+              <a:rPr lang="en-US" sz="1400" b="1" i="1" dirty="0">
+                <a:solidFill>
+                  <a:srgbClr val="000000"/>
+                </a:solidFill>
+                <a:latin typeface="Consolas" panose="020B0609020204030204" pitchFamily="49" charset="0"/>
+              </a:rPr>
+              <a:t>(</a:t>
+            </a:r>
+            <a:r>
+              <a:rPr lang="en-US" sz="1400" b="1" i="1" dirty="0">
+                <a:solidFill>
+                  <a:srgbClr val="2A00FF"/>
+                </a:solidFill>
+                <a:latin typeface="Consolas" panose="020B0609020204030204" pitchFamily="49" charset="0"/>
+              </a:rPr>
+              <a:t>"user wants to leave talk"</a:t>
+            </a:r>
+            <a:r>
+              <a:rPr lang="en-US" sz="1400" b="1" i="1" dirty="0">
+                <a:solidFill>
+                  <a:srgbClr val="000000"/>
+                </a:solidFill>
+                <a:latin typeface="Consolas" panose="020B0609020204030204" pitchFamily="49" charset="0"/>
+              </a:rPr>
+              <a:t>);</a:t>
+            </a:r>
+          </a:p>
+          <a:p>
+            <a:r>
+              <a:rPr lang="en-US" sz="1400" dirty="0">
+                <a:solidFill>
+                  <a:srgbClr val="000000"/>
+                </a:solidFill>
+                <a:latin typeface="Consolas" panose="020B0609020204030204" pitchFamily="49" charset="0"/>
+              </a:rPr>
+              <a:t>}</a:t>
+            </a:r>
+            <a:endParaRPr lang="en-US" sz="1400" dirty="0"/>
+          </a:p>
+        </p:txBody>
+      </p:sp>
+      <p:sp>
+        <p:nvSpPr>
+          <p:cNvPr id="4" name="Rectangle 3"/>
+          <p:cNvSpPr/>
           <p:nvPr/>
-        </p:nvPicPr>
-        <p:blipFill>
-          <a:blip r:embed="rId4"/>
-          <a:stretch>
-            <a:fillRect/>
-          </a:stretch>
-        </p:blipFill>
+        </p:nvSpPr>
         <p:spPr>
           <a:xfrm>
-            <a:off x="413466" y="3682893"/>
-            <a:ext cx="5125611" cy="578481"/>
+            <a:off x="5838196" y="2278130"/>
+            <a:ext cx="6096000" cy="738664"/>
           </a:xfrm>
           <a:prstGeom prst="rect">
             <a:avLst/>
           </a:prstGeom>
         </p:spPr>
-      </p:pic>
+        <p:txBody>
+          <a:bodyPr>
+            <a:spAutoFit/>
+          </a:bodyPr>
+          <a:lstStyle/>
+          <a:p>
+            <a:r>
+              <a:rPr lang="en-US" sz="1400" dirty="0" err="1">
+                <a:solidFill>
+                  <a:srgbClr val="6A3E3E"/>
+                </a:solidFill>
+                <a:latin typeface="Consolas" panose="020B0609020204030204" pitchFamily="49" charset="0"/>
+              </a:rPr>
+              <a:t>keyDownStream</a:t>
+            </a:r>
+            <a:r>
+              <a:rPr lang="en-US" sz="1400" dirty="0" err="1">
+                <a:solidFill>
+                  <a:srgbClr val="000000"/>
+                </a:solidFill>
+                <a:latin typeface="Consolas" panose="020B0609020204030204" pitchFamily="49" charset="0"/>
+              </a:rPr>
+              <a:t>.filter</a:t>
+            </a:r>
+            <a:r>
+              <a:rPr lang="en-US" sz="1400" dirty="0">
+                <a:solidFill>
+                  <a:srgbClr val="000000"/>
+                </a:solidFill>
+                <a:latin typeface="Consolas" panose="020B0609020204030204" pitchFamily="49" charset="0"/>
+              </a:rPr>
+              <a:t>(</a:t>
+            </a:r>
+            <a:r>
+              <a:rPr lang="en-US" sz="1400" dirty="0">
+                <a:solidFill>
+                  <a:srgbClr val="6A3E3E"/>
+                </a:solidFill>
+                <a:latin typeface="Consolas" panose="020B0609020204030204" pitchFamily="49" charset="0"/>
+              </a:rPr>
+              <a:t>e</a:t>
+            </a:r>
+            <a:r>
+              <a:rPr lang="en-US" sz="1400" dirty="0">
+                <a:solidFill>
+                  <a:srgbClr val="000000"/>
+                </a:solidFill>
+                <a:latin typeface="Consolas" panose="020B0609020204030204" pitchFamily="49" charset="0"/>
+              </a:rPr>
+              <a:t> -&gt; </a:t>
+            </a:r>
+            <a:r>
+              <a:rPr lang="en-US" sz="1400" dirty="0" err="1">
+                <a:solidFill>
+                  <a:srgbClr val="6A3E3E"/>
+                </a:solidFill>
+                <a:latin typeface="Consolas" panose="020B0609020204030204" pitchFamily="49" charset="0"/>
+              </a:rPr>
+              <a:t>e</a:t>
+            </a:r>
+            <a:r>
+              <a:rPr lang="en-US" sz="1400" dirty="0" err="1">
+                <a:solidFill>
+                  <a:srgbClr val="000000"/>
+                </a:solidFill>
+                <a:latin typeface="Consolas" panose="020B0609020204030204" pitchFamily="49" charset="0"/>
+              </a:rPr>
+              <a:t>.</a:t>
+            </a:r>
+            <a:r>
+              <a:rPr lang="en-US" sz="1400" dirty="0" err="1">
+                <a:solidFill>
+                  <a:srgbClr val="0000C0"/>
+                </a:solidFill>
+                <a:latin typeface="Consolas" panose="020B0609020204030204" pitchFamily="49" charset="0"/>
+              </a:rPr>
+              <a:t>keyCode</a:t>
+            </a:r>
+            <a:r>
+              <a:rPr lang="en-US" sz="1400" dirty="0">
+                <a:solidFill>
+                  <a:srgbClr val="000000"/>
+                </a:solidFill>
+                <a:latin typeface="Consolas" panose="020B0609020204030204" pitchFamily="49" charset="0"/>
+              </a:rPr>
+              <a:t> == </a:t>
+            </a:r>
+            <a:r>
+              <a:rPr lang="en-US" sz="1400" dirty="0">
+                <a:solidFill>
+                  <a:srgbClr val="2A00FF"/>
+                </a:solidFill>
+                <a:latin typeface="Consolas" panose="020B0609020204030204" pitchFamily="49" charset="0"/>
+              </a:rPr>
+              <a:t>'q'</a:t>
+            </a:r>
+            <a:r>
+              <a:rPr lang="en-US" sz="1400" dirty="0">
+                <a:solidFill>
+                  <a:srgbClr val="000000"/>
+                </a:solidFill>
+                <a:latin typeface="Consolas" panose="020B0609020204030204" pitchFamily="49" charset="0"/>
+              </a:rPr>
+              <a:t>).subscribe(</a:t>
+            </a:r>
+            <a:r>
+              <a:rPr lang="en-US" sz="1400" dirty="0">
+                <a:solidFill>
+                  <a:srgbClr val="6A3E3E"/>
+                </a:solidFill>
+                <a:latin typeface="Consolas" panose="020B0609020204030204" pitchFamily="49" charset="0"/>
+              </a:rPr>
+              <a:t>e</a:t>
+            </a:r>
+            <a:r>
+              <a:rPr lang="en-US" sz="1400" dirty="0">
+                <a:solidFill>
+                  <a:srgbClr val="000000"/>
+                </a:solidFill>
+                <a:latin typeface="Consolas" panose="020B0609020204030204" pitchFamily="49" charset="0"/>
+              </a:rPr>
+              <a:t> -&gt; {</a:t>
+            </a:r>
+          </a:p>
+          <a:p>
+            <a:r>
+              <a:rPr lang="en-US" sz="1400" dirty="0" smtClean="0">
+                <a:solidFill>
+                  <a:srgbClr val="000000"/>
+                </a:solidFill>
+                <a:latin typeface="Consolas" panose="020B0609020204030204" pitchFamily="49" charset="0"/>
+              </a:rPr>
+              <a:t>    </a:t>
+            </a:r>
+            <a:r>
+              <a:rPr lang="en-US" sz="1400" dirty="0" err="1" smtClean="0">
+                <a:solidFill>
+                  <a:srgbClr val="000000"/>
+                </a:solidFill>
+                <a:latin typeface="Consolas" panose="020B0609020204030204" pitchFamily="49" charset="0"/>
+              </a:rPr>
+              <a:t>System.</a:t>
+            </a:r>
+            <a:r>
+              <a:rPr lang="en-US" sz="1400" b="1" i="1" dirty="0" err="1" smtClean="0">
+                <a:solidFill>
+                  <a:srgbClr val="0000C0"/>
+                </a:solidFill>
+                <a:latin typeface="Consolas" panose="020B0609020204030204" pitchFamily="49" charset="0"/>
+              </a:rPr>
+              <a:t>out</a:t>
+            </a:r>
+            <a:r>
+              <a:rPr lang="en-US" sz="1400" b="1" i="1" dirty="0" err="1" smtClean="0">
+                <a:solidFill>
+                  <a:srgbClr val="000000"/>
+                </a:solidFill>
+                <a:latin typeface="Consolas" panose="020B0609020204030204" pitchFamily="49" charset="0"/>
+              </a:rPr>
+              <a:t>.println</a:t>
+            </a:r>
+            <a:r>
+              <a:rPr lang="en-US" sz="1400" b="1" i="1" dirty="0">
+                <a:solidFill>
+                  <a:srgbClr val="000000"/>
+                </a:solidFill>
+                <a:latin typeface="Consolas" panose="020B0609020204030204" pitchFamily="49" charset="0"/>
+              </a:rPr>
+              <a:t>(</a:t>
+            </a:r>
+            <a:r>
+              <a:rPr lang="en-US" sz="1400" b="1" i="1" dirty="0">
+                <a:solidFill>
+                  <a:srgbClr val="2A00FF"/>
+                </a:solidFill>
+                <a:latin typeface="Consolas" panose="020B0609020204030204" pitchFamily="49" charset="0"/>
+              </a:rPr>
+              <a:t>"user wants to leave talk"</a:t>
+            </a:r>
+            <a:r>
+              <a:rPr lang="en-US" sz="1400" b="1" i="1" dirty="0">
+                <a:solidFill>
+                  <a:srgbClr val="000000"/>
+                </a:solidFill>
+                <a:latin typeface="Consolas" panose="020B0609020204030204" pitchFamily="49" charset="0"/>
+              </a:rPr>
+              <a:t>);</a:t>
+            </a:r>
+          </a:p>
+          <a:p>
+            <a:r>
+              <a:rPr lang="en-US" sz="1400" dirty="0">
+                <a:solidFill>
+                  <a:srgbClr val="000000"/>
+                </a:solidFill>
+                <a:latin typeface="Consolas" panose="020B0609020204030204" pitchFamily="49" charset="0"/>
+              </a:rPr>
+              <a:t>});</a:t>
+            </a:r>
+            <a:endParaRPr lang="en-US" sz="1400" dirty="0"/>
+          </a:p>
+        </p:txBody>
+      </p:sp>
+      <p:sp>
+        <p:nvSpPr>
+          <p:cNvPr id="9" name="Rectangle 8"/>
+          <p:cNvSpPr/>
+          <p:nvPr/>
+        </p:nvSpPr>
+        <p:spPr>
+          <a:xfrm>
+            <a:off x="343785" y="3476005"/>
+            <a:ext cx="6096000" cy="692497"/>
+          </a:xfrm>
+          <a:prstGeom prst="rect">
+            <a:avLst/>
+          </a:prstGeom>
+        </p:spPr>
+        <p:txBody>
+          <a:bodyPr>
+            <a:spAutoFit/>
+          </a:bodyPr>
+          <a:lstStyle/>
+          <a:p>
+            <a:r>
+              <a:rPr lang="en-US" sz="1300" b="1" dirty="0" err="1">
+                <a:solidFill>
+                  <a:srgbClr val="7F0055"/>
+                </a:solidFill>
+                <a:latin typeface="Consolas" panose="020B0609020204030204" pitchFamily="49" charset="0"/>
+              </a:rPr>
+              <a:t>int</a:t>
+            </a:r>
+            <a:r>
+              <a:rPr lang="en-US" sz="1300" b="1" dirty="0">
+                <a:solidFill>
+                  <a:srgbClr val="000000"/>
+                </a:solidFill>
+                <a:latin typeface="Consolas" panose="020B0609020204030204" pitchFamily="49" charset="0"/>
+              </a:rPr>
+              <a:t> </a:t>
+            </a:r>
+            <a:r>
+              <a:rPr lang="en-US" sz="1300" b="1" dirty="0" err="1">
+                <a:solidFill>
+                  <a:srgbClr val="6A3E3E"/>
+                </a:solidFill>
+                <a:latin typeface="Consolas" panose="020B0609020204030204" pitchFamily="49" charset="0"/>
+              </a:rPr>
+              <a:t>accel</a:t>
+            </a:r>
+            <a:r>
+              <a:rPr lang="en-US" sz="1300" b="1" dirty="0">
+                <a:solidFill>
+                  <a:srgbClr val="000000"/>
+                </a:solidFill>
+                <a:latin typeface="Consolas" panose="020B0609020204030204" pitchFamily="49" charset="0"/>
+              </a:rPr>
+              <a:t> = </a:t>
+            </a:r>
+            <a:r>
+              <a:rPr lang="en-US" sz="1300" b="1" dirty="0" err="1">
+                <a:solidFill>
+                  <a:srgbClr val="6A3E3E"/>
+                </a:solidFill>
+                <a:latin typeface="Consolas" panose="020B0609020204030204" pitchFamily="49" charset="0"/>
+              </a:rPr>
+              <a:t>e</a:t>
+            </a:r>
+            <a:r>
+              <a:rPr lang="en-US" sz="1300" b="1" dirty="0" err="1">
+                <a:solidFill>
+                  <a:srgbClr val="000000"/>
+                </a:solidFill>
+                <a:latin typeface="Consolas" panose="020B0609020204030204" pitchFamily="49" charset="0"/>
+              </a:rPr>
+              <a:t>.</a:t>
+            </a:r>
+            <a:r>
+              <a:rPr lang="en-US" sz="1300" b="1" dirty="0" err="1">
+                <a:solidFill>
+                  <a:srgbClr val="0000C0"/>
+                </a:solidFill>
+                <a:latin typeface="Consolas" panose="020B0609020204030204" pitchFamily="49" charset="0"/>
+              </a:rPr>
+              <a:t>keyCode</a:t>
+            </a:r>
+            <a:r>
+              <a:rPr lang="en-US" sz="1300" b="1" dirty="0">
+                <a:solidFill>
+                  <a:srgbClr val="000000"/>
+                </a:solidFill>
+                <a:latin typeface="Consolas" panose="020B0609020204030204" pitchFamily="49" charset="0"/>
+              </a:rPr>
+              <a:t> | </a:t>
+            </a:r>
+            <a:r>
+              <a:rPr lang="en-US" sz="1300" b="1" dirty="0" err="1">
+                <a:solidFill>
+                  <a:srgbClr val="6A3E3E"/>
+                </a:solidFill>
+                <a:latin typeface="Consolas" panose="020B0609020204030204" pitchFamily="49" charset="0"/>
+              </a:rPr>
+              <a:t>e</a:t>
+            </a:r>
+            <a:r>
+              <a:rPr lang="en-US" sz="1300" b="1" dirty="0" err="1">
+                <a:solidFill>
+                  <a:srgbClr val="000000"/>
+                </a:solidFill>
+                <a:latin typeface="Consolas" panose="020B0609020204030204" pitchFamily="49" charset="0"/>
+              </a:rPr>
+              <a:t>.</a:t>
+            </a:r>
+            <a:r>
+              <a:rPr lang="en-US" sz="1300" b="1" dirty="0" err="1">
+                <a:solidFill>
+                  <a:srgbClr val="0000C0"/>
+                </a:solidFill>
+                <a:latin typeface="Consolas" panose="020B0609020204030204" pitchFamily="49" charset="0"/>
+              </a:rPr>
+              <a:t>stateMask</a:t>
+            </a:r>
+            <a:r>
+              <a:rPr lang="en-US" sz="1300" b="1" dirty="0">
+                <a:solidFill>
+                  <a:srgbClr val="000000"/>
+                </a:solidFill>
+                <a:latin typeface="Consolas" panose="020B0609020204030204" pitchFamily="49" charset="0"/>
+              </a:rPr>
+              <a:t>;</a:t>
+            </a:r>
+          </a:p>
+          <a:p>
+            <a:r>
+              <a:rPr lang="en-US" sz="1300" dirty="0">
+                <a:solidFill>
+                  <a:srgbClr val="000000"/>
+                </a:solidFill>
+                <a:latin typeface="Consolas" panose="020B0609020204030204" pitchFamily="49" charset="0"/>
+              </a:rPr>
+              <a:t>String </a:t>
+            </a:r>
+            <a:r>
+              <a:rPr lang="en-US" sz="1300" dirty="0" err="1">
+                <a:solidFill>
+                  <a:srgbClr val="6A3E3E"/>
+                </a:solidFill>
+                <a:latin typeface="Consolas" panose="020B0609020204030204" pitchFamily="49" charset="0"/>
+              </a:rPr>
+              <a:t>keyPress</a:t>
+            </a:r>
+            <a:r>
+              <a:rPr lang="en-US" sz="1300" dirty="0">
+                <a:solidFill>
+                  <a:srgbClr val="000000"/>
+                </a:solidFill>
+                <a:latin typeface="Consolas" panose="020B0609020204030204" pitchFamily="49" charset="0"/>
+              </a:rPr>
+              <a:t> = </a:t>
+            </a:r>
+            <a:r>
+              <a:rPr lang="en-US" sz="1300" dirty="0" err="1">
+                <a:solidFill>
+                  <a:srgbClr val="000000"/>
+                </a:solidFill>
+                <a:latin typeface="Consolas" panose="020B0609020204030204" pitchFamily="49" charset="0"/>
+              </a:rPr>
+              <a:t>Actions.</a:t>
+            </a:r>
+            <a:r>
+              <a:rPr lang="en-US" sz="1300" i="1" dirty="0" err="1">
+                <a:solidFill>
+                  <a:srgbClr val="000000"/>
+                </a:solidFill>
+                <a:latin typeface="Consolas" panose="020B0609020204030204" pitchFamily="49" charset="0"/>
+              </a:rPr>
+              <a:t>getAcceleratorString</a:t>
+            </a:r>
+            <a:r>
+              <a:rPr lang="en-US" sz="1300" i="1" dirty="0">
+                <a:solidFill>
+                  <a:srgbClr val="000000"/>
+                </a:solidFill>
+                <a:latin typeface="Consolas" panose="020B0609020204030204" pitchFamily="49" charset="0"/>
+              </a:rPr>
+              <a:t>(</a:t>
+            </a:r>
+            <a:r>
+              <a:rPr lang="en-US" sz="1300" i="1" dirty="0" err="1">
+                <a:solidFill>
+                  <a:srgbClr val="6A3E3E"/>
+                </a:solidFill>
+                <a:latin typeface="Consolas" panose="020B0609020204030204" pitchFamily="49" charset="0"/>
+              </a:rPr>
+              <a:t>accel</a:t>
+            </a:r>
+            <a:r>
+              <a:rPr lang="en-US" sz="1300" i="1" dirty="0">
+                <a:solidFill>
+                  <a:srgbClr val="000000"/>
+                </a:solidFill>
+                <a:latin typeface="Consolas" panose="020B0609020204030204" pitchFamily="49" charset="0"/>
+              </a:rPr>
+              <a:t>);</a:t>
+            </a:r>
+          </a:p>
+          <a:p>
+            <a:r>
+              <a:rPr lang="en-US" sz="1300" dirty="0" err="1">
+                <a:solidFill>
+                  <a:srgbClr val="000000"/>
+                </a:solidFill>
+                <a:latin typeface="Consolas" panose="020B0609020204030204" pitchFamily="49" charset="0"/>
+              </a:rPr>
+              <a:t>System.</a:t>
+            </a:r>
+            <a:r>
+              <a:rPr lang="en-US" sz="1300" b="1" i="1" dirty="0" err="1">
+                <a:solidFill>
+                  <a:srgbClr val="0000C0"/>
+                </a:solidFill>
+                <a:latin typeface="Consolas" panose="020B0609020204030204" pitchFamily="49" charset="0"/>
+              </a:rPr>
+              <a:t>out</a:t>
+            </a:r>
+            <a:r>
+              <a:rPr lang="en-US" sz="1300" b="1" i="1" dirty="0" err="1">
+                <a:solidFill>
+                  <a:srgbClr val="000000"/>
+                </a:solidFill>
+                <a:latin typeface="Consolas" panose="020B0609020204030204" pitchFamily="49" charset="0"/>
+              </a:rPr>
+              <a:t>.println</a:t>
+            </a:r>
+            <a:r>
+              <a:rPr lang="en-US" sz="1300" b="1" i="1" dirty="0">
+                <a:solidFill>
+                  <a:srgbClr val="000000"/>
+                </a:solidFill>
+                <a:latin typeface="Consolas" panose="020B0609020204030204" pitchFamily="49" charset="0"/>
+              </a:rPr>
+              <a:t>(</a:t>
+            </a:r>
+            <a:r>
+              <a:rPr lang="en-US" sz="1300" b="1" i="1" dirty="0" err="1">
+                <a:solidFill>
+                  <a:srgbClr val="6A3E3E"/>
+                </a:solidFill>
+                <a:latin typeface="Consolas" panose="020B0609020204030204" pitchFamily="49" charset="0"/>
+              </a:rPr>
+              <a:t>keyPress</a:t>
+            </a:r>
+            <a:r>
+              <a:rPr lang="en-US" sz="1300" b="1" i="1" dirty="0">
+                <a:solidFill>
+                  <a:srgbClr val="000000"/>
+                </a:solidFill>
+                <a:latin typeface="Consolas" panose="020B0609020204030204" pitchFamily="49" charset="0"/>
+              </a:rPr>
+              <a:t>);</a:t>
+            </a:r>
+          </a:p>
+        </p:txBody>
+      </p:sp>
+      <p:sp>
+        <p:nvSpPr>
+          <p:cNvPr id="13" name="Rectangle 12"/>
+          <p:cNvSpPr/>
+          <p:nvPr/>
+        </p:nvSpPr>
+        <p:spPr>
+          <a:xfrm>
+            <a:off x="5601586" y="3489309"/>
+            <a:ext cx="7895303" cy="692497"/>
+          </a:xfrm>
+          <a:prstGeom prst="rect">
+            <a:avLst/>
+          </a:prstGeom>
+        </p:spPr>
+        <p:txBody>
+          <a:bodyPr wrap="square">
+            <a:spAutoFit/>
+          </a:bodyPr>
+          <a:lstStyle/>
+          <a:p>
+            <a:r>
+              <a:rPr lang="en-US" sz="1300" dirty="0" err="1" smtClean="0">
+                <a:solidFill>
+                  <a:srgbClr val="6A3E3E"/>
+                </a:solidFill>
+                <a:latin typeface="Consolas" panose="020B0609020204030204" pitchFamily="49" charset="0"/>
+              </a:rPr>
+              <a:t>keyDownStream</a:t>
+            </a:r>
+            <a:r>
+              <a:rPr lang="en-US" sz="1300" dirty="0" err="1" smtClean="0">
+                <a:solidFill>
+                  <a:srgbClr val="000000"/>
+                </a:solidFill>
+                <a:latin typeface="Consolas" panose="020B0609020204030204" pitchFamily="49" charset="0"/>
+              </a:rPr>
+              <a:t>.map</a:t>
+            </a:r>
+            <a:r>
+              <a:rPr lang="en-US" sz="1300" dirty="0" smtClean="0">
+                <a:solidFill>
+                  <a:srgbClr val="000000"/>
+                </a:solidFill>
+                <a:latin typeface="Consolas" panose="020B0609020204030204" pitchFamily="49" charset="0"/>
+              </a:rPr>
+              <a:t>(</a:t>
+            </a:r>
+            <a:r>
+              <a:rPr lang="en-US" sz="1300" dirty="0" smtClean="0">
+                <a:solidFill>
+                  <a:srgbClr val="6A3E3E"/>
+                </a:solidFill>
+                <a:latin typeface="Consolas" panose="020B0609020204030204" pitchFamily="49" charset="0"/>
+              </a:rPr>
+              <a:t>e</a:t>
+            </a:r>
+            <a:r>
+              <a:rPr lang="en-US" sz="1300" dirty="0" smtClean="0">
+                <a:solidFill>
+                  <a:srgbClr val="000000"/>
+                </a:solidFill>
+                <a:latin typeface="Consolas" panose="020B0609020204030204" pitchFamily="49" charset="0"/>
+              </a:rPr>
+              <a:t> </a:t>
+            </a:r>
+            <a:r>
+              <a:rPr lang="en-US" sz="1300" dirty="0">
+                <a:solidFill>
+                  <a:srgbClr val="000000"/>
+                </a:solidFill>
+                <a:latin typeface="Consolas" panose="020B0609020204030204" pitchFamily="49" charset="0"/>
+              </a:rPr>
+              <a:t>-&gt; </a:t>
+            </a:r>
+            <a:r>
+              <a:rPr lang="en-US" sz="1300" dirty="0" err="1">
+                <a:solidFill>
+                  <a:srgbClr val="6A3E3E"/>
+                </a:solidFill>
+                <a:latin typeface="Consolas" panose="020B0609020204030204" pitchFamily="49" charset="0"/>
+              </a:rPr>
+              <a:t>e</a:t>
+            </a:r>
+            <a:r>
+              <a:rPr lang="en-US" sz="1300" dirty="0" err="1">
+                <a:solidFill>
+                  <a:srgbClr val="000000"/>
+                </a:solidFill>
+                <a:latin typeface="Consolas" panose="020B0609020204030204" pitchFamily="49" charset="0"/>
+              </a:rPr>
+              <a:t>.</a:t>
+            </a:r>
+            <a:r>
+              <a:rPr lang="en-US" sz="1300" dirty="0" err="1">
+                <a:solidFill>
+                  <a:srgbClr val="0000C0"/>
+                </a:solidFill>
+                <a:latin typeface="Consolas" panose="020B0609020204030204" pitchFamily="49" charset="0"/>
+              </a:rPr>
+              <a:t>keyCode</a:t>
+            </a:r>
+            <a:r>
+              <a:rPr lang="en-US" sz="1300" dirty="0">
+                <a:solidFill>
+                  <a:srgbClr val="000000"/>
+                </a:solidFill>
+                <a:latin typeface="Consolas" panose="020B0609020204030204" pitchFamily="49" charset="0"/>
+              </a:rPr>
+              <a:t> | </a:t>
+            </a:r>
+            <a:r>
+              <a:rPr lang="en-US" sz="1300" dirty="0" err="1">
+                <a:solidFill>
+                  <a:srgbClr val="6A3E3E"/>
+                </a:solidFill>
+                <a:latin typeface="Consolas" panose="020B0609020204030204" pitchFamily="49" charset="0"/>
+              </a:rPr>
+              <a:t>e</a:t>
+            </a:r>
+            <a:r>
+              <a:rPr lang="en-US" sz="1300" dirty="0" err="1">
+                <a:solidFill>
+                  <a:srgbClr val="000000"/>
+                </a:solidFill>
+                <a:latin typeface="Consolas" panose="020B0609020204030204" pitchFamily="49" charset="0"/>
+              </a:rPr>
+              <a:t>.</a:t>
+            </a:r>
+            <a:r>
+              <a:rPr lang="en-US" sz="1300" dirty="0" err="1">
+                <a:solidFill>
+                  <a:srgbClr val="0000C0"/>
+                </a:solidFill>
+                <a:latin typeface="Consolas" panose="020B0609020204030204" pitchFamily="49" charset="0"/>
+              </a:rPr>
+              <a:t>stateMask</a:t>
+            </a:r>
+            <a:r>
+              <a:rPr lang="en-US" sz="1300" dirty="0">
+                <a:solidFill>
+                  <a:srgbClr val="000000"/>
+                </a:solidFill>
+                <a:latin typeface="Consolas" panose="020B0609020204030204" pitchFamily="49" charset="0"/>
+              </a:rPr>
+              <a:t>).subscribe(</a:t>
+            </a:r>
+            <a:r>
+              <a:rPr lang="en-US" sz="1300" dirty="0" err="1">
+                <a:solidFill>
+                  <a:srgbClr val="6A3E3E"/>
+                </a:solidFill>
+                <a:latin typeface="Consolas" panose="020B0609020204030204" pitchFamily="49" charset="0"/>
+              </a:rPr>
+              <a:t>accel</a:t>
+            </a:r>
+            <a:r>
+              <a:rPr lang="en-US" sz="1300" dirty="0">
+                <a:solidFill>
+                  <a:srgbClr val="000000"/>
+                </a:solidFill>
+                <a:latin typeface="Consolas" panose="020B0609020204030204" pitchFamily="49" charset="0"/>
+              </a:rPr>
+              <a:t> -&gt; {</a:t>
+            </a:r>
+          </a:p>
+          <a:p>
+            <a:r>
+              <a:rPr lang="en-US" sz="1300" dirty="0" smtClean="0">
+                <a:solidFill>
+                  <a:srgbClr val="000000"/>
+                </a:solidFill>
+                <a:latin typeface="Consolas" panose="020B0609020204030204" pitchFamily="49" charset="0"/>
+              </a:rPr>
+              <a:t>    </a:t>
+            </a:r>
+            <a:r>
+              <a:rPr lang="en-US" sz="1300" dirty="0" err="1" smtClean="0">
+                <a:solidFill>
+                  <a:srgbClr val="000000"/>
+                </a:solidFill>
+                <a:latin typeface="Consolas" panose="020B0609020204030204" pitchFamily="49" charset="0"/>
+              </a:rPr>
+              <a:t>System.</a:t>
+            </a:r>
+            <a:r>
+              <a:rPr lang="en-US" sz="1300" b="1" i="1" dirty="0" err="1" smtClean="0">
+                <a:solidFill>
+                  <a:srgbClr val="0000C0"/>
+                </a:solidFill>
+                <a:latin typeface="Consolas" panose="020B0609020204030204" pitchFamily="49" charset="0"/>
+              </a:rPr>
+              <a:t>out</a:t>
+            </a:r>
+            <a:r>
+              <a:rPr lang="en-US" sz="1300" b="1" i="1" dirty="0" err="1" smtClean="0">
+                <a:solidFill>
+                  <a:srgbClr val="000000"/>
+                </a:solidFill>
+                <a:latin typeface="Consolas" panose="020B0609020204030204" pitchFamily="49" charset="0"/>
+              </a:rPr>
+              <a:t>.println</a:t>
+            </a:r>
+            <a:r>
+              <a:rPr lang="en-US" sz="1300" b="1" i="1" dirty="0" smtClean="0">
+                <a:solidFill>
+                  <a:srgbClr val="000000"/>
+                </a:solidFill>
+                <a:latin typeface="Consolas" panose="020B0609020204030204" pitchFamily="49" charset="0"/>
+              </a:rPr>
+              <a:t>(</a:t>
+            </a:r>
+            <a:r>
+              <a:rPr lang="en-US" sz="1300" b="1" i="1" dirty="0" err="1" smtClean="0">
+                <a:solidFill>
+                  <a:srgbClr val="000000"/>
+                </a:solidFill>
+                <a:latin typeface="Consolas" panose="020B0609020204030204" pitchFamily="49" charset="0"/>
+              </a:rPr>
+              <a:t>Actions.getAcceleratorString</a:t>
+            </a:r>
+            <a:r>
+              <a:rPr lang="en-US" sz="1300" b="1" i="1" dirty="0" smtClean="0">
+                <a:solidFill>
+                  <a:srgbClr val="000000"/>
+                </a:solidFill>
+                <a:latin typeface="Consolas" panose="020B0609020204030204" pitchFamily="49" charset="0"/>
+              </a:rPr>
+              <a:t>(</a:t>
+            </a:r>
+            <a:r>
+              <a:rPr lang="en-US" sz="1300" b="1" i="1" dirty="0" err="1" smtClean="0">
+                <a:solidFill>
+                  <a:srgbClr val="6A3E3E"/>
+                </a:solidFill>
+                <a:latin typeface="Consolas" panose="020B0609020204030204" pitchFamily="49" charset="0"/>
+              </a:rPr>
+              <a:t>accel</a:t>
+            </a:r>
+            <a:r>
+              <a:rPr lang="en-US" sz="1300" b="1" i="1" dirty="0">
+                <a:solidFill>
+                  <a:srgbClr val="000000"/>
+                </a:solidFill>
+                <a:latin typeface="Consolas" panose="020B0609020204030204" pitchFamily="49" charset="0"/>
+              </a:rPr>
+              <a:t>));</a:t>
+            </a:r>
+          </a:p>
+          <a:p>
+            <a:r>
+              <a:rPr lang="en-US" sz="1300" dirty="0">
+                <a:solidFill>
+                  <a:srgbClr val="000000"/>
+                </a:solidFill>
+                <a:latin typeface="Consolas" panose="020B0609020204030204" pitchFamily="49" charset="0"/>
+              </a:rPr>
+              <a:t>});</a:t>
+            </a:r>
+            <a:endParaRPr lang="en-US" sz="1300" dirty="0"/>
+          </a:p>
+        </p:txBody>
+      </p:sp>
     </p:spTree>
     <p:extLst>
       <p:ext uri="{BB962C8B-B14F-4D97-AF65-F5344CB8AC3E}">
@@ -7189,7 +13448,7 @@
 </p:sld>
 </file>
 
-<file path=ppt/slides/slide5.xml><?xml version="1.0" encoding="utf-8"?>
+<file path=ppt/slides/slide6.xml><?xml version="1.0" encoding="utf-8"?>
 <p:sld xmlns:a="http://schemas.openxmlformats.org/drawingml/2006/main" xmlns:r="http://schemas.openxmlformats.org/officeDocument/2006/relationships" xmlns:p="http://schemas.openxmlformats.org/presentationml/2006/main">
   <p:cSld>
     <p:spTree>
@@ -7269,189 +13528,174 @@
           </p:spPr>
         </p:pic>
       </p:grpSp>
-      <p:grpSp>
-        <p:nvGrpSpPr>
-          <p:cNvPr id="13" name="Group 12"/>
-          <p:cNvGrpSpPr/>
+      <p:pic>
+        <p:nvPicPr>
+          <p:cNvPr id="7" name="Picture 6"/>
+          <p:cNvPicPr>
+            <a:picLocks noChangeAspect="1"/>
+          </p:cNvPicPr>
           <p:nvPr/>
-        </p:nvGrpSpPr>
-        <p:grpSpPr>
+        </p:nvPicPr>
+        <p:blipFill>
+          <a:blip r:embed="rId4"/>
+          <a:stretch>
+            <a:fillRect/>
+          </a:stretch>
+        </p:blipFill>
+        <p:spPr>
+          <a:xfrm>
+            <a:off x="6362035" y="1606960"/>
+            <a:ext cx="5538741" cy="1390680"/>
+          </a:xfrm>
+          <a:prstGeom prst="rect">
+            <a:avLst/>
+          </a:prstGeom>
+        </p:spPr>
+      </p:pic>
+      <p:sp>
+        <p:nvSpPr>
+          <p:cNvPr id="10" name="Title 1"/>
+          <p:cNvSpPr txBox="1">
+            <a:spLocks/>
+          </p:cNvSpPr>
+          <p:nvPr/>
+        </p:nvSpPr>
+        <p:spPr>
           <a:xfrm>
             <a:off x="6353568" y="784387"/>
-            <a:ext cx="6299865" cy="5054556"/>
-            <a:chOff x="346468" y="1427414"/>
-            <a:chExt cx="6299865" cy="5054556"/>
+            <a:ext cx="6291398" cy="1155489"/>
           </a:xfrm>
-        </p:grpSpPr>
-        <p:pic>
-          <p:nvPicPr>
-            <p:cNvPr id="7" name="Picture 6"/>
-            <p:cNvPicPr>
-              <a:picLocks noChangeAspect="1"/>
-            </p:cNvPicPr>
-            <p:nvPr/>
-          </p:nvPicPr>
-          <p:blipFill>
-            <a:blip r:embed="rId4"/>
-            <a:stretch>
-              <a:fillRect/>
-            </a:stretch>
-          </p:blipFill>
-          <p:spPr>
-            <a:xfrm>
-              <a:off x="354935" y="2249987"/>
-              <a:ext cx="5538741" cy="1390680"/>
-            </a:xfrm>
-            <a:prstGeom prst="rect">
-              <a:avLst/>
-            </a:prstGeom>
-          </p:spPr>
-        </p:pic>
-        <p:sp>
-          <p:nvSpPr>
-            <p:cNvPr id="10" name="Title 1"/>
-            <p:cNvSpPr txBox="1">
-              <a:spLocks/>
-            </p:cNvSpPr>
-            <p:nvPr/>
-          </p:nvSpPr>
-          <p:spPr>
-            <a:xfrm>
-              <a:off x="346468" y="1427414"/>
-              <a:ext cx="6291398" cy="1155489"/>
-            </a:xfrm>
-            <a:prstGeom prst="rect">
-              <a:avLst/>
-            </a:prstGeom>
-          </p:spPr>
-          <p:txBody>
-            <a:bodyPr vert="horz" lIns="91440" tIns="45720" rIns="91440" bIns="45720" rtlCol="0" anchor="ctr">
-              <a:normAutofit/>
-            </a:bodyPr>
-            <a:lstStyle>
-              <a:lvl1pPr algn="l" defTabSz="914400" rtl="0" eaLnBrk="1" latinLnBrk="0" hangingPunct="1">
-                <a:lnSpc>
-                  <a:spcPct val="90000"/>
-                </a:lnSpc>
-                <a:spcBef>
-                  <a:spcPct val="0"/>
-                </a:spcBef>
-                <a:buNone/>
-                <a:defRPr sz="4400" kern="1200">
-                  <a:solidFill>
-                    <a:schemeClr val="tx1"/>
-                  </a:solidFill>
-                  <a:latin typeface="+mj-lt"/>
-                  <a:ea typeface="+mj-ea"/>
-                  <a:cs typeface="+mj-cs"/>
-                </a:defRPr>
-              </a:lvl1pPr>
-            </a:lstStyle>
-            <a:p>
-              <a:r>
-                <a:rPr lang="en-US" sz="2400" dirty="0" smtClean="0"/>
-                <a:t>Events – nested calls</a:t>
-              </a:r>
-              <a:endParaRPr lang="en-US" sz="2400" dirty="0"/>
-            </a:p>
-          </p:txBody>
-        </p:sp>
-        <p:pic>
-          <p:nvPicPr>
-            <p:cNvPr id="12" name="Picture 11"/>
-            <p:cNvPicPr>
-              <a:picLocks noChangeAspect="1"/>
-            </p:cNvPicPr>
-            <p:nvPr/>
-          </p:nvPicPr>
-          <p:blipFill>
-            <a:blip r:embed="rId5"/>
-            <a:stretch>
-              <a:fillRect/>
-            </a:stretch>
-          </p:blipFill>
-          <p:spPr>
-            <a:xfrm>
-              <a:off x="346468" y="4463240"/>
-              <a:ext cx="5458938" cy="2018730"/>
-            </a:xfrm>
-            <a:prstGeom prst="rect">
-              <a:avLst/>
-            </a:prstGeom>
-          </p:spPr>
-        </p:pic>
-        <p:sp>
-          <p:nvSpPr>
-            <p:cNvPr id="11" name="Title 1"/>
-            <p:cNvSpPr txBox="1">
-              <a:spLocks/>
-            </p:cNvSpPr>
-            <p:nvPr/>
-          </p:nvSpPr>
-          <p:spPr>
-            <a:xfrm>
-              <a:off x="354935" y="3736410"/>
-              <a:ext cx="6291398" cy="1302563"/>
-            </a:xfrm>
-            <a:prstGeom prst="rect">
-              <a:avLst/>
-            </a:prstGeom>
-          </p:spPr>
-          <p:txBody>
-            <a:bodyPr vert="horz" lIns="91440" tIns="45720" rIns="91440" bIns="45720" rtlCol="0" anchor="ctr">
-              <a:normAutofit/>
-            </a:bodyPr>
-            <a:lstStyle>
-              <a:lvl1pPr algn="l" defTabSz="914400" rtl="0" eaLnBrk="1" latinLnBrk="0" hangingPunct="1">
-                <a:lnSpc>
-                  <a:spcPct val="90000"/>
-                </a:lnSpc>
-                <a:spcBef>
-                  <a:spcPct val="0"/>
-                </a:spcBef>
-                <a:buNone/>
-                <a:defRPr sz="4400" kern="1200">
-                  <a:solidFill>
-                    <a:schemeClr val="tx1"/>
-                  </a:solidFill>
-                  <a:latin typeface="+mj-lt"/>
-                  <a:ea typeface="+mj-ea"/>
-                  <a:cs typeface="+mj-cs"/>
-                </a:defRPr>
-              </a:lvl1pPr>
-            </a:lstStyle>
-            <a:p>
-              <a:r>
-                <a:rPr lang="en-US" sz="2400" dirty="0" smtClean="0"/>
-                <a:t>Observable – </a:t>
-              </a:r>
-              <a:r>
-                <a:rPr lang="en-US" sz="2400" b="1" i="1" dirty="0" smtClean="0"/>
-                <a:t>decouples</a:t>
-              </a:r>
-              <a:r>
-                <a:rPr lang="en-US" sz="2400" dirty="0" smtClean="0"/>
-                <a:t> the event’s </a:t>
-              </a:r>
-              <a:r>
-                <a:rPr lang="en-US" sz="2400" b="1" i="1" dirty="0" smtClean="0"/>
-                <a:t>source</a:t>
-              </a:r>
-            </a:p>
-            <a:p>
-              <a:r>
-                <a:rPr lang="en-US" sz="2400" dirty="0" smtClean="0"/>
-                <a:t>                                                   from its </a:t>
-              </a:r>
-              <a:r>
-                <a:rPr lang="en-US" sz="2400" b="1" i="1" dirty="0" smtClean="0"/>
-                <a:t>effects </a:t>
-              </a:r>
-              <a:endParaRPr lang="en-US" sz="2400" b="1" i="1" dirty="0"/>
-            </a:p>
-          </p:txBody>
-        </p:sp>
-      </p:grpSp>
+          <a:prstGeom prst="rect">
+            <a:avLst/>
+          </a:prstGeom>
+        </p:spPr>
+        <p:txBody>
+          <a:bodyPr vert="horz" lIns="91440" tIns="45720" rIns="91440" bIns="45720" rtlCol="0" anchor="ctr">
+            <a:normAutofit/>
+          </a:bodyPr>
+          <a:lstStyle>
+            <a:lvl1pPr algn="l" defTabSz="914400" rtl="0" eaLnBrk="1" latinLnBrk="0" hangingPunct="1">
+              <a:lnSpc>
+                <a:spcPct val="90000"/>
+              </a:lnSpc>
+              <a:spcBef>
+                <a:spcPct val="0"/>
+              </a:spcBef>
+              <a:buNone/>
+              <a:defRPr sz="4400" kern="1200">
+                <a:solidFill>
+                  <a:schemeClr val="tx1"/>
+                </a:solidFill>
+                <a:latin typeface="+mj-lt"/>
+                <a:ea typeface="+mj-ea"/>
+                <a:cs typeface="+mj-cs"/>
+              </a:defRPr>
+            </a:lvl1pPr>
+          </a:lstStyle>
+          <a:p>
+            <a:r>
+              <a:rPr lang="en-US" sz="2400" dirty="0" smtClean="0"/>
+              <a:t>Events – nested calls</a:t>
+            </a:r>
+            <a:endParaRPr lang="en-US" sz="2400" dirty="0"/>
+          </a:p>
+        </p:txBody>
+      </p:sp>
+      <p:sp>
+        <p:nvSpPr>
+          <p:cNvPr id="11" name="Title 1"/>
+          <p:cNvSpPr txBox="1">
+            <a:spLocks/>
+          </p:cNvSpPr>
+          <p:nvPr/>
+        </p:nvSpPr>
+        <p:spPr>
+          <a:xfrm>
+            <a:off x="6362035" y="3093383"/>
+            <a:ext cx="6291398" cy="1302563"/>
+          </a:xfrm>
+          <a:prstGeom prst="rect">
+            <a:avLst/>
+          </a:prstGeom>
+        </p:spPr>
+        <p:txBody>
+          <a:bodyPr vert="horz" lIns="91440" tIns="45720" rIns="91440" bIns="45720" rtlCol="0" anchor="ctr">
+            <a:normAutofit/>
+          </a:bodyPr>
+          <a:lstStyle>
+            <a:lvl1pPr algn="l" defTabSz="914400" rtl="0" eaLnBrk="1" latinLnBrk="0" hangingPunct="1">
+              <a:lnSpc>
+                <a:spcPct val="90000"/>
+              </a:lnSpc>
+              <a:spcBef>
+                <a:spcPct val="0"/>
+              </a:spcBef>
+              <a:buNone/>
+              <a:defRPr sz="4400" kern="1200">
+                <a:solidFill>
+                  <a:schemeClr val="tx1"/>
+                </a:solidFill>
+                <a:latin typeface="+mj-lt"/>
+                <a:ea typeface="+mj-ea"/>
+                <a:cs typeface="+mj-cs"/>
+              </a:defRPr>
+            </a:lvl1pPr>
+          </a:lstStyle>
+          <a:p>
+            <a:r>
+              <a:rPr lang="en-US" sz="2400" dirty="0" smtClean="0"/>
+              <a:t>Observable – </a:t>
+            </a:r>
+            <a:r>
+              <a:rPr lang="en-US" sz="2400" b="1" i="1" dirty="0" smtClean="0"/>
+              <a:t>decouples</a:t>
+            </a:r>
+            <a:r>
+              <a:rPr lang="en-US" sz="2400" dirty="0" smtClean="0"/>
+              <a:t> the event’s </a:t>
+            </a:r>
+            <a:r>
+              <a:rPr lang="en-US" sz="2400" b="1" i="1" dirty="0" smtClean="0"/>
+              <a:t>source</a:t>
+            </a:r>
+          </a:p>
+          <a:p>
+            <a:r>
+              <a:rPr lang="en-US" sz="2400" dirty="0" smtClean="0"/>
+              <a:t>                                                   from its </a:t>
+            </a:r>
+            <a:r>
+              <a:rPr lang="en-US" sz="2400" b="1" i="1" dirty="0" smtClean="0"/>
+              <a:t>effects </a:t>
+            </a:r>
+            <a:endParaRPr lang="en-US" sz="2400" b="1" i="1" dirty="0"/>
+          </a:p>
+        </p:txBody>
+      </p:sp>
+      <p:pic>
+        <p:nvPicPr>
+          <p:cNvPr id="3" name="Picture 2"/>
+          <p:cNvPicPr>
+            <a:picLocks noChangeAspect="1"/>
+          </p:cNvPicPr>
+          <p:nvPr/>
+        </p:nvPicPr>
+        <p:blipFill>
+          <a:blip r:embed="rId5"/>
+          <a:stretch>
+            <a:fillRect/>
+          </a:stretch>
+        </p:blipFill>
+        <p:spPr>
+          <a:xfrm>
+            <a:off x="5956344" y="4201280"/>
+            <a:ext cx="5944432" cy="2093110"/>
+          </a:xfrm>
+          <a:prstGeom prst="rect">
+            <a:avLst/>
+          </a:prstGeom>
+        </p:spPr>
+      </p:pic>
     </p:spTree>
     <p:extLst>
       <p:ext uri="{BB962C8B-B14F-4D97-AF65-F5344CB8AC3E}">
@@ -7465,14 +13709,185 @@
   <p:timing>
     <p:tnLst>
       <p:par>
-        <p:cTn id="1" dur="indefinite" restart="never" nodeType="tmRoot"/>
+        <p:cTn id="1" dur="indefinite" restart="never" nodeType="tmRoot">
+          <p:childTnLst>
+            <p:seq concurrent="1" nextAc="seek">
+              <p:cTn id="2" dur="indefinite" nodeType="mainSeq">
+                <p:childTnLst>
+                  <p:par>
+                    <p:cTn id="3" fill="hold">
+                      <p:stCondLst>
+                        <p:cond delay="indefinite"/>
+                      </p:stCondLst>
+                      <p:childTnLst>
+                        <p:par>
+                          <p:cTn id="4" fill="hold">
+                            <p:stCondLst>
+                              <p:cond delay="0"/>
+                            </p:stCondLst>
+                            <p:childTnLst>
+                              <p:par>
+                                <p:cTn id="5" presetID="1" presetClass="entr" presetSubtype="0" fill="hold" nodeType="clickEffect">
+                                  <p:stCondLst>
+                                    <p:cond delay="0"/>
+                                  </p:stCondLst>
+                                  <p:childTnLst>
+                                    <p:set>
+                                      <p:cBhvr>
+                                        <p:cTn id="6" dur="1" fill="hold">
+                                          <p:stCondLst>
+                                            <p:cond delay="0"/>
+                                          </p:stCondLst>
+                                        </p:cTn>
+                                        <p:tgtEl>
+                                          <p:spTgt spid="7"/>
+                                        </p:tgtEl>
+                                        <p:attrNameLst>
+                                          <p:attrName>style.visibility</p:attrName>
+                                        </p:attrNameLst>
+                                      </p:cBhvr>
+                                      <p:to>
+                                        <p:strVal val="visible"/>
+                                      </p:to>
+                                    </p:set>
+                                  </p:childTnLst>
+                                </p:cTn>
+                              </p:par>
+                              <p:par>
+                                <p:cTn id="7" presetID="1" presetClass="entr" presetSubtype="0" fill="hold" grpId="0" nodeType="withEffect">
+                                  <p:stCondLst>
+                                    <p:cond delay="0"/>
+                                  </p:stCondLst>
+                                  <p:childTnLst>
+                                    <p:set>
+                                      <p:cBhvr>
+                                        <p:cTn id="8" dur="1" fill="hold">
+                                          <p:stCondLst>
+                                            <p:cond delay="0"/>
+                                          </p:stCondLst>
+                                        </p:cTn>
+                                        <p:tgtEl>
+                                          <p:spTgt spid="10"/>
+                                        </p:tgtEl>
+                                        <p:attrNameLst>
+                                          <p:attrName>style.visibility</p:attrName>
+                                        </p:attrNameLst>
+                                      </p:cBhvr>
+                                      <p:to>
+                                        <p:strVal val="visible"/>
+                                      </p:to>
+                                    </p:set>
+                                  </p:childTnLst>
+                                </p:cTn>
+                              </p:par>
+                            </p:childTnLst>
+                          </p:cTn>
+                        </p:par>
+                      </p:childTnLst>
+                    </p:cTn>
+                  </p:par>
+                  <p:par>
+                    <p:cTn id="9" fill="hold">
+                      <p:stCondLst>
+                        <p:cond delay="indefinite"/>
+                      </p:stCondLst>
+                      <p:childTnLst>
+                        <p:par>
+                          <p:cTn id="10" fill="hold">
+                            <p:stCondLst>
+                              <p:cond delay="0"/>
+                            </p:stCondLst>
+                            <p:childTnLst>
+                              <p:par>
+                                <p:cTn id="11" presetID="1" presetClass="entr" presetSubtype="0" fill="hold" grpId="0" nodeType="clickEffect">
+                                  <p:stCondLst>
+                                    <p:cond delay="0"/>
+                                  </p:stCondLst>
+                                  <p:childTnLst>
+                                    <p:set>
+                                      <p:cBhvr>
+                                        <p:cTn id="12" dur="1" fill="hold">
+                                          <p:stCondLst>
+                                            <p:cond delay="0"/>
+                                          </p:stCondLst>
+                                        </p:cTn>
+                                        <p:tgtEl>
+                                          <p:spTgt spid="11"/>
+                                        </p:tgtEl>
+                                        <p:attrNameLst>
+                                          <p:attrName>style.visibility</p:attrName>
+                                        </p:attrNameLst>
+                                      </p:cBhvr>
+                                      <p:to>
+                                        <p:strVal val="visible"/>
+                                      </p:to>
+                                    </p:set>
+                                  </p:childTnLst>
+                                </p:cTn>
+                              </p:par>
+                              <p:par>
+                                <p:cTn id="13" presetID="1" presetClass="entr" presetSubtype="0" fill="hold" nodeType="withEffect">
+                                  <p:stCondLst>
+                                    <p:cond delay="0"/>
+                                  </p:stCondLst>
+                                  <p:childTnLst>
+                                    <p:set>
+                                      <p:cBhvr>
+                                        <p:cTn id="14" dur="1" fill="hold">
+                                          <p:stCondLst>
+                                            <p:cond delay="0"/>
+                                          </p:stCondLst>
+                                        </p:cTn>
+                                        <p:tgtEl>
+                                          <p:spTgt spid="3"/>
+                                        </p:tgtEl>
+                                        <p:attrNameLst>
+                                          <p:attrName>style.visibility</p:attrName>
+                                        </p:attrNameLst>
+                                      </p:cBhvr>
+                                      <p:to>
+                                        <p:strVal val="visible"/>
+                                      </p:to>
+                                    </p:set>
+                                  </p:childTnLst>
+                                </p:cTn>
+                              </p:par>
+                            </p:childTnLst>
+                          </p:cTn>
+                        </p:par>
+                      </p:childTnLst>
+                    </p:cTn>
+                  </p:par>
+                </p:childTnLst>
+              </p:cTn>
+              <p:prevCondLst>
+                <p:cond evt="onPrev" delay="0">
+                  <p:tgtEl>
+                    <p:sldTgt/>
+                  </p:tgtEl>
+                </p:cond>
+              </p:prevCondLst>
+              <p:nextCondLst>
+                <p:cond evt="onNext" delay="0">
+                  <p:tgtEl>
+                    <p:sldTgt/>
+                  </p:tgtEl>
+                </p:cond>
+              </p:nextCondLst>
+            </p:seq>
+          </p:childTnLst>
+        </p:cTn>
       </p:par>
     </p:tnLst>
+    <p:bldLst>
+      <p:bldP spid="10" grpId="0"/>
+      <p:bldP spid="11" grpId="0"/>
+    </p:bldLst>
   </p:timing>
 </p:sld>
 </file>
 
-<file path=ppt/slides/slide6.xml><?xml version="1.0" encoding="utf-8"?>
+<file path=ppt/slides/slide7.xml><?xml version="1.0" encoding="utf-8"?>
 <p:sld xmlns:a="http://schemas.openxmlformats.org/drawingml/2006/main" xmlns:r="http://schemas.openxmlformats.org/officeDocument/2006/relationships" xmlns:p="http://schemas.openxmlformats.org/presentationml/2006/main">
   <p:cSld>
     <p:spTree>
@@ -7537,9 +13952,152 @@
           </a:prstGeom>
         </p:spPr>
       </p:pic>
+      <p:sp>
+        <p:nvSpPr>
+          <p:cNvPr id="7" name="Title 1"/>
+          <p:cNvSpPr txBox="1">
+            <a:spLocks/>
+          </p:cNvSpPr>
+          <p:nvPr/>
+        </p:nvSpPr>
+        <p:spPr>
+          <a:xfrm>
+            <a:off x="385627" y="1235977"/>
+            <a:ext cx="6291398" cy="1155489"/>
+          </a:xfrm>
+          <a:prstGeom prst="rect">
+            <a:avLst/>
+          </a:prstGeom>
+        </p:spPr>
+        <p:txBody>
+          <a:bodyPr vert="horz" lIns="91440" tIns="45720" rIns="91440" bIns="45720" rtlCol="0" anchor="ctr">
+            <a:normAutofit/>
+          </a:bodyPr>
+          <a:lstStyle>
+            <a:lvl1pPr algn="l" defTabSz="914400" rtl="0" eaLnBrk="1" latinLnBrk="0" hangingPunct="1">
+              <a:lnSpc>
+                <a:spcPct val="90000"/>
+              </a:lnSpc>
+              <a:spcBef>
+                <a:spcPct val="0"/>
+              </a:spcBef>
+              <a:buNone/>
+              <a:defRPr sz="4400" kern="1200">
+                <a:solidFill>
+                  <a:schemeClr val="tx1"/>
+                </a:solidFill>
+                <a:latin typeface="+mj-lt"/>
+                <a:ea typeface="+mj-ea"/>
+                <a:cs typeface="+mj-cs"/>
+              </a:defRPr>
+            </a:lvl1pPr>
+          </a:lstStyle>
+          <a:p>
+            <a:r>
+              <a:rPr lang="en-US" sz="2400" dirty="0" smtClean="0"/>
+              <a:t>Events – nested calls</a:t>
+            </a:r>
+            <a:endParaRPr lang="en-US" sz="2400" dirty="0"/>
+          </a:p>
+        </p:txBody>
+      </p:sp>
+      <p:sp>
+        <p:nvSpPr>
+          <p:cNvPr id="8" name="Title 7"/>
+          <p:cNvSpPr>
+            <a:spLocks noGrp="1"/>
+          </p:cNvSpPr>
+          <p:nvPr>
+            <p:ph type="title"/>
+          </p:nvPr>
+        </p:nvSpPr>
+        <p:spPr/>
+        <p:txBody>
+          <a:bodyPr/>
+          <a:lstStyle/>
+          <a:p>
+            <a:r>
+              <a:rPr lang="en-US" dirty="0" smtClean="0"/>
+              <a:t>Just a smidge harder…</a:t>
+            </a:r>
+            <a:endParaRPr lang="en-US" dirty="0"/>
+          </a:p>
+        </p:txBody>
+      </p:sp>
+      <p:sp>
+        <p:nvSpPr>
+          <p:cNvPr id="9" name="Title 1"/>
+          <p:cNvSpPr txBox="1">
+            <a:spLocks/>
+          </p:cNvSpPr>
+          <p:nvPr/>
+        </p:nvSpPr>
+        <p:spPr>
+          <a:xfrm>
+            <a:off x="6222334" y="1740184"/>
+            <a:ext cx="6291398" cy="1302563"/>
+          </a:xfrm>
+          <a:prstGeom prst="rect">
+            <a:avLst/>
+          </a:prstGeom>
+        </p:spPr>
+        <p:txBody>
+          <a:bodyPr vert="horz" lIns="91440" tIns="45720" rIns="91440" bIns="45720" rtlCol="0" anchor="ctr">
+            <a:normAutofit/>
+          </a:bodyPr>
+          <a:lstStyle>
+            <a:lvl1pPr algn="l" defTabSz="914400" rtl="0" eaLnBrk="1" latinLnBrk="0" hangingPunct="1">
+              <a:lnSpc>
+                <a:spcPct val="90000"/>
+              </a:lnSpc>
+              <a:spcBef>
+                <a:spcPct val="0"/>
+              </a:spcBef>
+              <a:buNone/>
+              <a:defRPr sz="4400" kern="1200">
+                <a:solidFill>
+                  <a:schemeClr val="tx1"/>
+                </a:solidFill>
+                <a:latin typeface="+mj-lt"/>
+                <a:ea typeface="+mj-ea"/>
+                <a:cs typeface="+mj-cs"/>
+              </a:defRPr>
+            </a:lvl1pPr>
+          </a:lstStyle>
+          <a:p>
+            <a:r>
+              <a:rPr lang="en-US" sz="2400" dirty="0" smtClean="0"/>
+              <a:t>Observable – </a:t>
+            </a:r>
+            <a:r>
+              <a:rPr lang="en-US" sz="2400" b="1" i="1" dirty="0" smtClean="0"/>
+              <a:t>decouples</a:t>
+            </a:r>
+            <a:r>
+              <a:rPr lang="en-US" sz="2400" dirty="0" smtClean="0"/>
+              <a:t> the event’s </a:t>
+            </a:r>
+            <a:r>
+              <a:rPr lang="en-US" sz="2400" b="1" i="1" dirty="0" smtClean="0"/>
+              <a:t>source</a:t>
+            </a:r>
+          </a:p>
+          <a:p>
+            <a:r>
+              <a:rPr lang="en-US" sz="2400" dirty="0" smtClean="0"/>
+              <a:t>                                                   from its </a:t>
+            </a:r>
+            <a:r>
+              <a:rPr lang="en-US" sz="2400" b="1" i="1" dirty="0" smtClean="0"/>
+              <a:t>effects </a:t>
+            </a:r>
+            <a:endParaRPr lang="en-US" sz="2400" b="1" i="1" dirty="0"/>
+          </a:p>
+        </p:txBody>
+      </p:sp>
       <p:pic>
         <p:nvPicPr>
-          <p:cNvPr id="6" name="Picture 5"/>
+          <p:cNvPr id="2" name="Picture 1"/>
           <p:cNvPicPr>
             <a:picLocks noChangeAspect="1"/>
           </p:cNvPicPr>
@@ -7553,161 +14111,309 @@
         </p:blipFill>
         <p:spPr>
           <a:xfrm>
-            <a:off x="6524624" y="3403600"/>
-            <a:ext cx="4676775" cy="3143250"/>
+            <a:off x="6271894" y="2798680"/>
+            <a:ext cx="4862830" cy="3900574"/>
           </a:xfrm>
           <a:prstGeom prst="rect">
             <a:avLst/>
           </a:prstGeom>
         </p:spPr>
       </p:pic>
-      <p:sp>
-        <p:nvSpPr>
-          <p:cNvPr id="7" name="Title 1"/>
-          <p:cNvSpPr txBox="1">
-            <a:spLocks/>
-          </p:cNvSpPr>
-          <p:nvPr/>
+    </p:spTree>
+    <p:extLst>
+      <p:ext uri="{BB962C8B-B14F-4D97-AF65-F5344CB8AC3E}">
+        <p14:creationId xmlns:p14="http://schemas.microsoft.com/office/powerpoint/2010/main" val="3341701171"/>
+      </p:ext>
+    </p:extLst>
+  </p:cSld>
+  <p:clrMapOvr>
+    <a:masterClrMapping/>
+  </p:clrMapOvr>
+  <p:timing>
+    <p:tnLst>
+      <p:par>
+        <p:cTn id="1" dur="indefinite" restart="never" nodeType="tmRoot">
+          <p:childTnLst>
+            <p:seq concurrent="1" nextAc="seek">
+              <p:cTn id="2" dur="indefinite" nodeType="mainSeq">
+                <p:childTnLst>
+                  <p:par>
+                    <p:cTn id="3" fill="hold">
+                      <p:stCondLst>
+                        <p:cond delay="indefinite"/>
+                      </p:stCondLst>
+                      <p:childTnLst>
+                        <p:par>
+                          <p:cTn id="4" fill="hold">
+                            <p:stCondLst>
+                              <p:cond delay="0"/>
+                            </p:stCondLst>
+                            <p:childTnLst>
+                              <p:par>
+                                <p:cTn id="5" presetID="1" presetClass="entr" presetSubtype="0" fill="hold" grpId="0" nodeType="clickEffect">
+                                  <p:stCondLst>
+                                    <p:cond delay="0"/>
+                                  </p:stCondLst>
+                                  <p:childTnLst>
+                                    <p:set>
+                                      <p:cBhvr>
+                                        <p:cTn id="6" dur="1" fill="hold">
+                                          <p:stCondLst>
+                                            <p:cond delay="0"/>
+                                          </p:stCondLst>
+                                        </p:cTn>
+                                        <p:tgtEl>
+                                          <p:spTgt spid="7"/>
+                                        </p:tgtEl>
+                                        <p:attrNameLst>
+                                          <p:attrName>style.visibility</p:attrName>
+                                        </p:attrNameLst>
+                                      </p:cBhvr>
+                                      <p:to>
+                                        <p:strVal val="visible"/>
+                                      </p:to>
+                                    </p:set>
+                                  </p:childTnLst>
+                                </p:cTn>
+                              </p:par>
+                              <p:par>
+                                <p:cTn id="7" presetID="1" presetClass="entr" presetSubtype="0" fill="hold" nodeType="withEffect">
+                                  <p:stCondLst>
+                                    <p:cond delay="0"/>
+                                  </p:stCondLst>
+                                  <p:childTnLst>
+                                    <p:set>
+                                      <p:cBhvr>
+                                        <p:cTn id="8" dur="1" fill="hold">
+                                          <p:stCondLst>
+                                            <p:cond delay="0"/>
+                                          </p:stCondLst>
+                                        </p:cTn>
+                                        <p:tgtEl>
+                                          <p:spTgt spid="5"/>
+                                        </p:tgtEl>
+                                        <p:attrNameLst>
+                                          <p:attrName>style.visibility</p:attrName>
+                                        </p:attrNameLst>
+                                      </p:cBhvr>
+                                      <p:to>
+                                        <p:strVal val="visible"/>
+                                      </p:to>
+                                    </p:set>
+                                  </p:childTnLst>
+                                </p:cTn>
+                              </p:par>
+                            </p:childTnLst>
+                          </p:cTn>
+                        </p:par>
+                      </p:childTnLst>
+                    </p:cTn>
+                  </p:par>
+                  <p:par>
+                    <p:cTn id="9" fill="hold">
+                      <p:stCondLst>
+                        <p:cond delay="indefinite"/>
+                      </p:stCondLst>
+                      <p:childTnLst>
+                        <p:par>
+                          <p:cTn id="10" fill="hold">
+                            <p:stCondLst>
+                              <p:cond delay="0"/>
+                            </p:stCondLst>
+                            <p:childTnLst>
+                              <p:par>
+                                <p:cTn id="11" presetID="1" presetClass="entr" presetSubtype="0" fill="hold" grpId="0" nodeType="clickEffect">
+                                  <p:stCondLst>
+                                    <p:cond delay="0"/>
+                                  </p:stCondLst>
+                                  <p:childTnLst>
+                                    <p:set>
+                                      <p:cBhvr>
+                                        <p:cTn id="12" dur="1" fill="hold">
+                                          <p:stCondLst>
+                                            <p:cond delay="0"/>
+                                          </p:stCondLst>
+                                        </p:cTn>
+                                        <p:tgtEl>
+                                          <p:spTgt spid="9"/>
+                                        </p:tgtEl>
+                                        <p:attrNameLst>
+                                          <p:attrName>style.visibility</p:attrName>
+                                        </p:attrNameLst>
+                                      </p:cBhvr>
+                                      <p:to>
+                                        <p:strVal val="visible"/>
+                                      </p:to>
+                                    </p:set>
+                                  </p:childTnLst>
+                                </p:cTn>
+                              </p:par>
+                            </p:childTnLst>
+                          </p:cTn>
+                        </p:par>
+                      </p:childTnLst>
+                    </p:cTn>
+                  </p:par>
+                </p:childTnLst>
+              </p:cTn>
+              <p:prevCondLst>
+                <p:cond evt="onPrev" delay="0">
+                  <p:tgtEl>
+                    <p:sldTgt/>
+                  </p:tgtEl>
+                </p:cond>
+              </p:prevCondLst>
+              <p:nextCondLst>
+                <p:cond evt="onNext" delay="0">
+                  <p:tgtEl>
+                    <p:sldTgt/>
+                  </p:tgtEl>
+                </p:cond>
+              </p:nextCondLst>
+            </p:seq>
+          </p:childTnLst>
+        </p:cTn>
+      </p:par>
+    </p:tnLst>
+    <p:bldLst>
+      <p:bldP spid="7" grpId="0"/>
+      <p:bldP spid="9" grpId="0"/>
+    </p:bldLst>
+  </p:timing>
+</p:sld>
+</file>
+
+<file path=ppt/slides/slide8.xml><?xml version="1.0" encoding="utf-8"?>
+<p:sld xmlns:a="http://schemas.openxmlformats.org/drawingml/2006/main" xmlns:r="http://schemas.openxmlformats.org/officeDocument/2006/relationships" xmlns:p="http://schemas.openxmlformats.org/presentationml/2006/main">
+  <p:cSld>
+    <p:spTree>
+      <p:nvGrpSpPr>
+        <p:cNvPr id="1" name=""/>
+        <p:cNvGrpSpPr/>
+        <p:nvPr/>
+      </p:nvGrpSpPr>
+      <p:grpSpPr>
+        <a:xfrm>
+          <a:off x="0" y="0"/>
+          <a:ext cx="0" cy="0"/>
+          <a:chOff x="0" y="0"/>
+          <a:chExt cx="0" cy="0"/>
+        </a:xfrm>
+      </p:grpSpPr>
+      <p:sp>
+        <p:nvSpPr>
+          <p:cNvPr id="2" name="Title 1"/>
+          <p:cNvSpPr>
+            <a:spLocks noGrp="1"/>
+          </p:cNvSpPr>
+          <p:nvPr>
+            <p:ph type="title"/>
+          </p:nvPr>
+        </p:nvSpPr>
+        <p:spPr/>
+        <p:txBody>
+          <a:bodyPr/>
+          <a:lstStyle/>
+          <a:p>
+            <a:r>
+              <a:rPr lang="en-US" dirty="0" err="1" smtClean="0"/>
+              <a:t>Xkcd</a:t>
+            </a:r>
+            <a:r>
+              <a:rPr lang="en-US" dirty="0" smtClean="0"/>
+              <a:t> Color Survey</a:t>
+            </a:r>
+            <a:endParaRPr lang="en-US" dirty="0"/>
+          </a:p>
+        </p:txBody>
+      </p:sp>
+      <p:sp>
+        <p:nvSpPr>
+          <p:cNvPr id="3" name="Content Placeholder 2"/>
+          <p:cNvSpPr>
+            <a:spLocks noGrp="1"/>
+          </p:cNvSpPr>
+          <p:nvPr>
+            <p:ph idx="1"/>
+          </p:nvPr>
         </p:nvSpPr>
         <p:spPr>
           <a:xfrm>
-            <a:off x="385627" y="1235977"/>
-            <a:ext cx="6291398" cy="1155489"/>
+            <a:off x="838200" y="1825625"/>
+            <a:ext cx="3889075" cy="4351338"/>
+          </a:xfrm>
+        </p:spPr>
+        <p:txBody>
+          <a:bodyPr/>
+          <a:lstStyle/>
+          <a:p>
+            <a:r>
+              <a:rPr lang="en-US" dirty="0" smtClean="0"/>
+              <a:t>Show the user a random RGB value</a:t>
+            </a:r>
+          </a:p>
+          <a:p>
+            <a:r>
+              <a:rPr lang="en-US" dirty="0" smtClean="0"/>
+              <a:t>Ask them to name it</a:t>
+            </a:r>
+          </a:p>
+          <a:p>
+            <a:endParaRPr lang="en-US" dirty="0" smtClean="0"/>
+          </a:p>
+          <a:p>
+            <a:r>
+              <a:rPr lang="en-US" dirty="0" smtClean="0"/>
+              <a:t>Take all the RGB values that were labeled with the same name and average them to find the “truest” red, green, vomit green, etc.</a:t>
+            </a:r>
+          </a:p>
+        </p:txBody>
+      </p:sp>
+      <p:pic>
+        <p:nvPicPr>
+          <p:cNvPr id="4" name="Picture 2" descr="http://imgs.xkcd.com/blag/satfaces_map_450.png"/>
+          <p:cNvPicPr>
+            <a:picLocks noChangeAspect="1" noChangeArrowheads="1"/>
+          </p:cNvPicPr>
+          <p:nvPr/>
+        </p:nvPicPr>
+        <p:blipFill>
+          <a:blip r:embed="rId2">
+            <a:extLst>
+              <a:ext uri="{28A0092B-C50C-407E-A947-70E740481C1C}">
+                <a14:useLocalDpi xmlns:a14="http://schemas.microsoft.com/office/drawing/2010/main" val="0"/>
+              </a:ext>
+            </a:extLst>
+          </a:blip>
+          <a:srcRect/>
+          <a:stretch>
+            <a:fillRect/>
+          </a:stretch>
+        </p:blipFill>
+        <p:spPr bwMode="auto">
+          <a:xfrm>
+            <a:off x="6039928" y="863091"/>
+            <a:ext cx="5313872" cy="5313872"/>
           </a:xfrm>
           <a:prstGeom prst="rect">
             <a:avLst/>
           </a:prstGeom>
+          <a:noFill/>
+          <a:extLst>
+            <a:ext uri="{909E8E84-426E-40DD-AFC4-6F175D3DCCD1}">
+              <a14:hiddenFill xmlns:a14="http://schemas.microsoft.com/office/drawing/2010/main">
+                <a:solidFill>
+                  <a:srgbClr val="FFFFFF"/>
+                </a:solidFill>
+              </a14:hiddenFill>
+            </a:ext>
+          </a:extLst>
         </p:spPr>
-        <p:txBody>
-          <a:bodyPr vert="horz" lIns="91440" tIns="45720" rIns="91440" bIns="45720" rtlCol="0" anchor="ctr">
-            <a:normAutofit/>
-          </a:bodyPr>
-          <a:lstStyle>
-            <a:lvl1pPr algn="l" defTabSz="914400" rtl="0" eaLnBrk="1" latinLnBrk="0" hangingPunct="1">
-              <a:lnSpc>
-                <a:spcPct val="90000"/>
-              </a:lnSpc>
-              <a:spcBef>
-                <a:spcPct val="0"/>
-              </a:spcBef>
-              <a:buNone/>
-              <a:defRPr sz="4400" kern="1200">
-                <a:solidFill>
-                  <a:schemeClr val="tx1"/>
-                </a:solidFill>
-                <a:latin typeface="+mj-lt"/>
-                <a:ea typeface="+mj-ea"/>
-                <a:cs typeface="+mj-cs"/>
-              </a:defRPr>
-            </a:lvl1pPr>
-          </a:lstStyle>
-          <a:p>
-            <a:r>
-              <a:rPr lang="en-US" sz="2400" dirty="0" smtClean="0"/>
-              <a:t>Events – nested calls</a:t>
-            </a:r>
-            <a:endParaRPr lang="en-US" sz="2400" dirty="0"/>
-          </a:p>
-        </p:txBody>
-      </p:sp>
-      <p:sp>
-        <p:nvSpPr>
-          <p:cNvPr id="8" name="Title 7"/>
-          <p:cNvSpPr>
-            <a:spLocks noGrp="1"/>
-          </p:cNvSpPr>
-          <p:nvPr>
-            <p:ph type="title"/>
-          </p:nvPr>
-        </p:nvSpPr>
-        <p:spPr/>
-        <p:txBody>
-          <a:bodyPr/>
-          <a:lstStyle/>
-          <a:p>
-            <a:r>
-              <a:rPr lang="en-US" dirty="0" smtClean="0"/>
-              <a:t>Just a smidge harder…</a:t>
-            </a:r>
-            <a:endParaRPr lang="en-US" dirty="0"/>
-          </a:p>
-        </p:txBody>
-      </p:sp>
-      <p:sp>
-        <p:nvSpPr>
-          <p:cNvPr id="9" name="Title 1"/>
-          <p:cNvSpPr txBox="1">
-            <a:spLocks/>
-          </p:cNvSpPr>
-          <p:nvPr/>
-        </p:nvSpPr>
-        <p:spPr>
-          <a:xfrm>
-            <a:off x="6222334" y="2445180"/>
-            <a:ext cx="6291398" cy="1302563"/>
-          </a:xfrm>
-          <a:prstGeom prst="rect">
-            <a:avLst/>
-          </a:prstGeom>
-        </p:spPr>
-        <p:txBody>
-          <a:bodyPr vert="horz" lIns="91440" tIns="45720" rIns="91440" bIns="45720" rtlCol="0" anchor="ctr">
-            <a:normAutofit/>
-          </a:bodyPr>
-          <a:lstStyle>
-            <a:lvl1pPr algn="l" defTabSz="914400" rtl="0" eaLnBrk="1" latinLnBrk="0" hangingPunct="1">
-              <a:lnSpc>
-                <a:spcPct val="90000"/>
-              </a:lnSpc>
-              <a:spcBef>
-                <a:spcPct val="0"/>
-              </a:spcBef>
-              <a:buNone/>
-              <a:defRPr sz="4400" kern="1200">
-                <a:solidFill>
-                  <a:schemeClr val="tx1"/>
-                </a:solidFill>
-                <a:latin typeface="+mj-lt"/>
-                <a:ea typeface="+mj-ea"/>
-                <a:cs typeface="+mj-cs"/>
-              </a:defRPr>
-            </a:lvl1pPr>
-          </a:lstStyle>
-          <a:p>
-            <a:r>
-              <a:rPr lang="en-US" sz="2400" dirty="0" smtClean="0"/>
-              <a:t>Observable – </a:t>
-            </a:r>
-            <a:r>
-              <a:rPr lang="en-US" sz="2400" b="1" i="1" dirty="0" smtClean="0"/>
-              <a:t>decouples</a:t>
-            </a:r>
-            <a:r>
-              <a:rPr lang="en-US" sz="2400" dirty="0" smtClean="0"/>
-              <a:t> the event’s </a:t>
-            </a:r>
-            <a:r>
-              <a:rPr lang="en-US" sz="2400" b="1" i="1" dirty="0" smtClean="0"/>
-              <a:t>source</a:t>
-            </a:r>
-          </a:p>
-          <a:p>
-            <a:r>
-              <a:rPr lang="en-US" sz="2400" dirty="0" smtClean="0"/>
-              <a:t>                                                   from its </a:t>
-            </a:r>
-            <a:r>
-              <a:rPr lang="en-US" sz="2400" b="1" i="1" dirty="0" smtClean="0"/>
-              <a:t>effects </a:t>
-            </a:r>
-            <a:endParaRPr lang="en-US" sz="2400" b="1" i="1" dirty="0"/>
-          </a:p>
-        </p:txBody>
-      </p:sp>
+      </p:pic>
     </p:spTree>
     <p:extLst>
       <p:ext uri="{BB962C8B-B14F-4D97-AF65-F5344CB8AC3E}">
-        <p14:creationId xmlns:p14="http://schemas.microsoft.com/office/powerpoint/2010/main" val="3341701171"/>
+        <p14:creationId xmlns:p14="http://schemas.microsoft.com/office/powerpoint/2010/main" val="2449454313"/>
       </p:ext>
     </p:extLst>
   </p:cSld>
@@ -7724,7 +14430,7 @@
 </p:sld>
 </file>
 
-<file path=ppt/slides/slide7.xml><?xml version="1.0" encoding="utf-8"?>
+<file path=ppt/slides/slide9.xml><?xml version="1.0" encoding="utf-8"?>
 <p:sld xmlns:a="http://schemas.openxmlformats.org/drawingml/2006/main" xmlns:r="http://schemas.openxmlformats.org/officeDocument/2006/relationships" xmlns:p="http://schemas.openxmlformats.org/presentationml/2006/main">
   <p:cSld>
     <p:spTree>
@@ -7743,110 +14449,79 @@
       </p:grpSpPr>
       <p:sp>
         <p:nvSpPr>
-          <p:cNvPr id="2" name="Title 1"/>
-          <p:cNvSpPr>
-            <a:spLocks noGrp="1"/>
-          </p:cNvSpPr>
-          <p:nvPr>
-            <p:ph type="title"/>
-          </p:nvPr>
-        </p:nvSpPr>
-        <p:spPr/>
+          <p:cNvPr id="3" name="Content Placeholder 2"/>
+          <p:cNvSpPr>
+            <a:spLocks noGrp="1"/>
+          </p:cNvSpPr>
+          <p:nvPr>
+            <p:ph idx="1"/>
+          </p:nvPr>
+        </p:nvSpPr>
+        <p:spPr>
+          <a:xfrm>
+            <a:off x="838198" y="543464"/>
+            <a:ext cx="10186359" cy="5633499"/>
+          </a:xfrm>
+        </p:spPr>
         <p:txBody>
           <a:bodyPr/>
           <a:lstStyle/>
           <a:p>
             <a:r>
               <a:rPr lang="en-US" dirty="0" smtClean="0"/>
-              <a:t>Still to come, pending time from dry runs</a:t>
-            </a:r>
-            <a:endParaRPr lang="en-US" dirty="0"/>
-          </a:p>
-        </p:txBody>
-      </p:sp>
-      <p:sp>
-        <p:nvSpPr>
-          <p:cNvPr id="3" name="Content Placeholder 2"/>
-          <p:cNvSpPr>
-            <a:spLocks noGrp="1"/>
-          </p:cNvSpPr>
-          <p:nvPr>
-            <p:ph idx="1"/>
-          </p:nvPr>
-        </p:nvSpPr>
-        <p:spPr/>
-        <p:txBody>
-          <a:bodyPr/>
-          <a:lstStyle/>
-          <a:p>
+              <a:t>Given an RGB value, what is the nearest named RGB value?</a:t>
+            </a:r>
+          </a:p>
+          <a:p>
+            <a:pPr lvl="1"/>
+            <a:r>
+              <a:rPr lang="en-US" dirty="0" err="1" smtClean="0"/>
+              <a:t>CompletionStage</a:t>
+            </a:r>
             <a:r>
               <a:rPr lang="en-US" dirty="0" smtClean="0"/>
-              <a:t>Error handling</a:t>
-            </a:r>
-          </a:p>
-          <a:p>
-            <a:pPr lvl="1"/>
+              <a:t>&lt;</a:t>
+            </a:r>
+            <a:r>
+              <a:rPr lang="en-US" dirty="0" err="1" smtClean="0"/>
+              <a:t>Map.Entry</a:t>
+            </a:r>
             <a:r>
               <a:rPr lang="en-US" dirty="0" smtClean="0"/>
-              <a:t>Either&lt;Value, Exception&gt; vs handling them directly</a:t>
-            </a:r>
-          </a:p>
-          <a:p>
+              <a:t>&lt;String</a:t>
+            </a:r>
+            <a:r>
+              <a:rPr lang="en-US" dirty="0"/>
+              <a:t>, RGB&gt;&gt; </a:t>
+            </a:r>
+            <a:r>
+              <a:rPr lang="en-US" dirty="0" err="1" smtClean="0"/>
+              <a:t>getNearestColor</a:t>
+            </a:r>
             <a:r>
               <a:rPr lang="en-US" dirty="0" smtClean="0"/>
-              <a:t>Non-SWT thread issues (stock picker example)</a:t>
-            </a:r>
-          </a:p>
-          <a:p>
-            <a:pPr lvl="1"/>
-            <a:r>
-              <a:rPr lang="en-US" dirty="0" err="1" smtClean="0"/>
-              <a:t>SwtExec.async</a:t>
+              <a:t>(RGB </a:t>
+            </a:r>
+            <a:r>
+              <a:rPr lang="en-US" dirty="0" err="1"/>
+              <a:t>rgb</a:t>
             </a:r>
             <a:r>
               <a:rPr lang="en-US" dirty="0" smtClean="0"/>
-              <a:t>().</a:t>
-            </a:r>
-            <a:r>
-              <a:rPr lang="en-US" dirty="0" err="1" smtClean="0"/>
-              <a:t>guardOn</a:t>
-            </a:r>
+              <a:t>)</a:t>
+            </a:r>
+          </a:p>
+          <a:p>
             <a:r>
               <a:rPr lang="en-US" dirty="0" smtClean="0"/>
-              <a:t>(widget).</a:t>
-            </a:r>
-            <a:r>
-              <a:rPr lang="en-US" dirty="0" err="1" smtClean="0"/>
-              <a:t>subscribeTo</a:t>
-            </a:r>
-            <a:r>
-              <a:rPr lang="en-US" dirty="0" smtClean="0"/>
-              <a:t>(</a:t>
-            </a:r>
-            <a:r>
-              <a:rPr lang="en-US" dirty="0" err="1" smtClean="0"/>
-              <a:t>rxValue</a:t>
-            </a:r>
-            <a:r>
-              <a:rPr lang="en-US" dirty="0" smtClean="0"/>
-              <a:t>, action);</a:t>
-            </a:r>
-          </a:p>
-          <a:p>
-            <a:r>
-              <a:rPr lang="en-US" dirty="0" smtClean="0"/>
-              <a:t>Tour-de-force colored stock picker example</a:t>
-            </a:r>
-          </a:p>
-          <a:p>
-            <a:pPr lvl="1"/>
-            <a:endParaRPr lang="en-US" dirty="0" smtClean="0"/>
+              <a:t>How do we make this work?</a:t>
+            </a:r>
           </a:p>
         </p:txBody>
       </p:sp>
       <p:pic>
         <p:nvPicPr>
-          <p:cNvPr id="4" name="Picture 3"/>
+          <p:cNvPr id="5" name="Picture 4"/>
           <p:cNvPicPr>
             <a:picLocks noChangeAspect="1"/>
           </p:cNvPicPr>
@@ -7860,8 +14535,8 @@
         </p:blipFill>
         <p:spPr>
           <a:xfrm>
-            <a:off x="1954212" y="4029075"/>
-            <a:ext cx="2390775" cy="2828925"/>
+            <a:off x="966160" y="1998153"/>
+            <a:ext cx="6391004" cy="4318013"/>
           </a:xfrm>
           <a:prstGeom prst="rect">
             <a:avLst/>
@@ -7871,401 +14546,7 @@
     </p:spTree>
     <p:extLst>
       <p:ext uri="{BB962C8B-B14F-4D97-AF65-F5344CB8AC3E}">
-        <p14:creationId xmlns:p14="http://schemas.microsoft.com/office/powerpoint/2010/main" val="4034754423"/>
-      </p:ext>
-    </p:extLst>
-  </p:cSld>
-  <p:clrMapOvr>
-    <a:masterClrMapping/>
-  </p:clrMapOvr>
-  <p:timing>
-    <p:tnLst>
-      <p:par>
-        <p:cTn id="1" dur="indefinite" restart="never" nodeType="tmRoot"/>
-      </p:par>
-    </p:tnLst>
-  </p:timing>
-</p:sld>
-</file>
-
-<file path=ppt/slides/slide8.xml><?xml version="1.0" encoding="utf-8"?>
-<p:sld xmlns:a="http://schemas.openxmlformats.org/drawingml/2006/main" xmlns:r="http://schemas.openxmlformats.org/officeDocument/2006/relationships" xmlns:p="http://schemas.openxmlformats.org/presentationml/2006/main">
-  <p:cSld>
-    <p:bg>
-      <p:bgPr>
-        <a:solidFill>
-          <a:srgbClr val="CDDD45"/>
-        </a:solidFill>
-        <a:effectLst/>
-      </p:bgPr>
-    </p:bg>
-    <p:spTree>
-      <p:nvGrpSpPr>
-        <p:cNvPr id="1" name=""/>
-        <p:cNvGrpSpPr/>
-        <p:nvPr/>
-      </p:nvGrpSpPr>
-      <p:grpSpPr>
-        <a:xfrm>
-          <a:off x="0" y="0"/>
-          <a:ext cx="0" cy="0"/>
-          <a:chOff x="0" y="0"/>
-          <a:chExt cx="0" cy="0"/>
-        </a:xfrm>
-      </p:grpSpPr>
-      <p:pic>
-        <p:nvPicPr>
-          <p:cNvPr id="7" name="Picture 6"/>
-          <p:cNvPicPr>
-            <a:picLocks noChangeAspect="1"/>
-          </p:cNvPicPr>
-          <p:nvPr/>
-        </p:nvPicPr>
-        <p:blipFill>
-          <a:blip r:embed="rId2"/>
-          <a:stretch>
-            <a:fillRect/>
-          </a:stretch>
-        </p:blipFill>
-        <p:spPr>
-          <a:xfrm>
-            <a:off x="0" y="0"/>
-            <a:ext cx="12192000" cy="6858000"/>
-          </a:xfrm>
-          <a:prstGeom prst="rect">
-            <a:avLst/>
-          </a:prstGeom>
-        </p:spPr>
-      </p:pic>
-      <p:pic>
-        <p:nvPicPr>
-          <p:cNvPr id="8" name="Picture 7"/>
-          <p:cNvPicPr>
-            <a:picLocks noChangeAspect="1"/>
-          </p:cNvPicPr>
-          <p:nvPr/>
-        </p:nvPicPr>
-        <p:blipFill rotWithShape="1">
-          <a:blip r:embed="rId3"/>
-          <a:srcRect t="-957" b="-957"/>
-          <a:stretch/>
-        </p:blipFill>
-        <p:spPr>
-          <a:xfrm rot="20862665">
-            <a:off x="-631980" y="892578"/>
-            <a:ext cx="20738979" cy="5072844"/>
-          </a:xfrm>
-          <a:prstGeom prst="rect">
-            <a:avLst/>
-          </a:prstGeom>
-          <a:effectLst>
-            <a:glow rad="63500">
-              <a:schemeClr val="bg1">
-                <a:alpha val="19000"/>
-              </a:schemeClr>
-            </a:glow>
-            <a:softEdge rad="12700"/>
-          </a:effectLst>
-        </p:spPr>
-      </p:pic>
-      <p:sp>
-        <p:nvSpPr>
-          <p:cNvPr id="39" name="Title 3"/>
-          <p:cNvSpPr txBox="1">
-            <a:spLocks/>
-          </p:cNvSpPr>
-          <p:nvPr/>
-        </p:nvSpPr>
-        <p:spPr>
-          <a:xfrm>
-            <a:off x="3859451" y="1473200"/>
-            <a:ext cx="4168299" cy="4334933"/>
-          </a:xfrm>
-          <a:prstGeom prst="rect">
-            <a:avLst/>
-          </a:prstGeom>
-        </p:spPr>
-        <p:txBody>
-          <a:bodyPr vert="horz" lIns="121920" tIns="60960" rIns="121920" bIns="60960" rtlCol="0" anchor="ctr">
-            <a:noAutofit/>
-          </a:bodyPr>
-          <a:lstStyle/>
-          <a:p>
-            <a:pPr algn="ctr">
-              <a:spcBef>
-                <a:spcPct val="0"/>
-              </a:spcBef>
-              <a:defRPr/>
-            </a:pPr>
-            <a:endParaRPr lang="en-CA" sz="39999" b="1" dirty="0">
-              <a:solidFill>
-                <a:srgbClr val="7F7F7F"/>
-              </a:solidFill>
-              <a:latin typeface="Times"/>
-              <a:cs typeface="Times"/>
-            </a:endParaRPr>
-          </a:p>
-        </p:txBody>
-      </p:sp>
-      <p:pic>
-        <p:nvPicPr>
-          <p:cNvPr id="2" name="Picture 1"/>
-          <p:cNvPicPr>
-            <a:picLocks noChangeAspect="1"/>
-          </p:cNvPicPr>
-          <p:nvPr/>
-        </p:nvPicPr>
-        <p:blipFill>
-          <a:blip r:embed="rId4"/>
-          <a:stretch>
-            <a:fillRect/>
-          </a:stretch>
-        </p:blipFill>
-        <p:spPr>
-          <a:xfrm>
-            <a:off x="9071203" y="309930"/>
-            <a:ext cx="2840492" cy="694796"/>
-          </a:xfrm>
-          <a:prstGeom prst="rect">
-            <a:avLst/>
-          </a:prstGeom>
-        </p:spPr>
-      </p:pic>
-      <p:sp>
-        <p:nvSpPr>
-          <p:cNvPr id="9" name="TextBox 8"/>
-          <p:cNvSpPr txBox="1"/>
-          <p:nvPr/>
-        </p:nvSpPr>
-        <p:spPr>
-          <a:xfrm>
-            <a:off x="3361442" y="1581871"/>
-            <a:ext cx="5399491" cy="748988"/>
-          </a:xfrm>
-          <a:prstGeom prst="rect">
-            <a:avLst/>
-          </a:prstGeom>
-          <a:noFill/>
-          <a:effectLst>
-            <a:outerShdw blurRad="63500" dist="25400" dir="3600000" algn="ctr" rotWithShape="0">
-              <a:schemeClr val="tx1">
-                <a:alpha val="85000"/>
-              </a:schemeClr>
-            </a:outerShdw>
-          </a:effectLst>
-        </p:spPr>
-        <p:txBody>
-          <a:bodyPr wrap="none" rtlCol="0">
-            <a:spAutoFit/>
-          </a:bodyPr>
-          <a:lstStyle/>
-          <a:p>
-            <a:pPr defTabSz="609585"/>
-            <a:r>
-              <a:rPr lang="en-CA" sz="4267" dirty="0">
-                <a:solidFill>
-                  <a:prstClr val="white"/>
-                </a:solidFill>
-                <a:latin typeface="Tahoma" panose="020B0604030504040204" pitchFamily="34" charset="0"/>
-                <a:ea typeface="Tahoma" panose="020B0604030504040204" pitchFamily="34" charset="0"/>
-                <a:cs typeface="Tahoma" panose="020B0604030504040204" pitchFamily="34" charset="0"/>
-              </a:rPr>
-              <a:t>Evaluate the Sessions</a:t>
-            </a:r>
-          </a:p>
-        </p:txBody>
-      </p:sp>
-      <p:sp>
-        <p:nvSpPr>
-          <p:cNvPr id="15" name="TextBox 14"/>
-          <p:cNvSpPr txBox="1"/>
-          <p:nvPr/>
-        </p:nvSpPr>
-        <p:spPr>
-          <a:xfrm>
-            <a:off x="2271631" y="2885023"/>
-            <a:ext cx="8875058" cy="748988"/>
-          </a:xfrm>
-          <a:prstGeom prst="rect">
-            <a:avLst/>
-          </a:prstGeom>
-          <a:noFill/>
-          <a:effectLst>
-            <a:outerShdw blurRad="63500" dist="25400" dir="3600000" algn="ctr" rotWithShape="0">
-              <a:schemeClr val="tx1">
-                <a:alpha val="85000"/>
-              </a:schemeClr>
-            </a:outerShdw>
-          </a:effectLst>
-        </p:spPr>
-        <p:txBody>
-          <a:bodyPr wrap="none" rtlCol="0">
-            <a:spAutoFit/>
-          </a:bodyPr>
-          <a:lstStyle/>
-          <a:p>
-            <a:pPr defTabSz="609585"/>
-            <a:r>
-              <a:rPr lang="en-CA" sz="4267" dirty="0">
-                <a:solidFill>
-                  <a:prstClr val="white"/>
-                </a:solidFill>
-                <a:latin typeface="Tahoma" panose="020B0604030504040204" pitchFamily="34" charset="0"/>
-                <a:ea typeface="Tahoma" panose="020B0604030504040204" pitchFamily="34" charset="0"/>
-                <a:cs typeface="Tahoma" panose="020B0604030504040204" pitchFamily="34" charset="0"/>
-              </a:rPr>
-              <a:t>Sign in and vote at </a:t>
-            </a:r>
-            <a:r>
-              <a:rPr lang="en-CA" sz="4267" b="1" dirty="0">
-                <a:solidFill>
-                  <a:prstClr val="white"/>
-                </a:solidFill>
-                <a:latin typeface="Tahoma" panose="020B0604030504040204" pitchFamily="34" charset="0"/>
-                <a:ea typeface="Tahoma" panose="020B0604030504040204" pitchFamily="34" charset="0"/>
-                <a:cs typeface="Tahoma" panose="020B0604030504040204" pitchFamily="34" charset="0"/>
-              </a:rPr>
-              <a:t>eclipsecon.org</a:t>
-            </a:r>
-          </a:p>
-        </p:txBody>
-      </p:sp>
-      <p:sp>
-        <p:nvSpPr>
-          <p:cNvPr id="19" name="TextBox 18"/>
-          <p:cNvSpPr txBox="1"/>
-          <p:nvPr/>
-        </p:nvSpPr>
-        <p:spPr>
-          <a:xfrm>
-            <a:off x="3566888" y="4404333"/>
-            <a:ext cx="2021707" cy="1897892"/>
-          </a:xfrm>
-          <a:prstGeom prst="rect">
-            <a:avLst/>
-          </a:prstGeom>
-          <a:noFill/>
-          <a:effectLst>
-            <a:outerShdw blurRad="63500" dist="25400" dir="3600000" algn="ctr" rotWithShape="0">
-              <a:schemeClr val="tx1">
-                <a:alpha val="85000"/>
-              </a:schemeClr>
-            </a:outerShdw>
-          </a:effectLst>
-        </p:spPr>
-        <p:txBody>
-          <a:bodyPr wrap="none" rtlCol="0">
-            <a:spAutoFit/>
-          </a:bodyPr>
-          <a:lstStyle/>
-          <a:p>
-            <a:pPr defTabSz="609585"/>
-            <a:r>
-              <a:rPr lang="en-CA" sz="11733" dirty="0">
-                <a:solidFill>
-                  <a:prstClr val="white"/>
-                </a:solidFill>
-                <a:latin typeface="Tahoma" panose="020B0604030504040204" pitchFamily="34" charset="0"/>
-                <a:ea typeface="Tahoma" panose="020B0604030504040204" pitchFamily="34" charset="0"/>
-                <a:cs typeface="Tahoma" panose="020B0604030504040204" pitchFamily="34" charset="0"/>
-              </a:rPr>
-              <a:t>- 1</a:t>
-            </a:r>
-          </a:p>
-        </p:txBody>
-      </p:sp>
-      <p:sp>
-        <p:nvSpPr>
-          <p:cNvPr id="22" name="TextBox 21"/>
-          <p:cNvSpPr txBox="1"/>
-          <p:nvPr/>
-        </p:nvSpPr>
-        <p:spPr>
-          <a:xfrm>
-            <a:off x="8626983" y="4404333"/>
-            <a:ext cx="2569934" cy="1897892"/>
-          </a:xfrm>
-          <a:prstGeom prst="rect">
-            <a:avLst/>
-          </a:prstGeom>
-          <a:noFill/>
-          <a:effectLst>
-            <a:outerShdw blurRad="63500" dist="25400" dir="3600000" algn="ctr" rotWithShape="0">
-              <a:schemeClr val="tx1">
-                <a:alpha val="85000"/>
-              </a:schemeClr>
-            </a:outerShdw>
-          </a:effectLst>
-        </p:spPr>
-        <p:txBody>
-          <a:bodyPr wrap="none" rtlCol="0">
-            <a:spAutoFit/>
-          </a:bodyPr>
-          <a:lstStyle/>
-          <a:p>
-            <a:pPr defTabSz="609585"/>
-            <a:r>
-              <a:rPr lang="en-CA" sz="11733" dirty="0">
-                <a:solidFill>
-                  <a:prstClr val="white"/>
-                </a:solidFill>
-                <a:latin typeface="Tahoma" panose="020B0604030504040204" pitchFamily="34" charset="0"/>
-                <a:ea typeface="Tahoma" panose="020B0604030504040204" pitchFamily="34" charset="0"/>
-                <a:cs typeface="Tahoma" panose="020B0604030504040204" pitchFamily="34" charset="0"/>
-              </a:rPr>
-              <a:t>+ 1</a:t>
-            </a:r>
-          </a:p>
-        </p:txBody>
-      </p:sp>
-      <p:sp>
-        <p:nvSpPr>
-          <p:cNvPr id="10" name="TextBox 9"/>
-          <p:cNvSpPr txBox="1"/>
-          <p:nvPr/>
-        </p:nvSpPr>
-        <p:spPr>
-          <a:xfrm>
-            <a:off x="6749541" y="4435160"/>
-            <a:ext cx="1005403" cy="1897892"/>
-          </a:xfrm>
-          <a:prstGeom prst="rect">
-            <a:avLst/>
-          </a:prstGeom>
-          <a:noFill/>
-          <a:effectLst>
-            <a:outerShdw blurRad="63500" dist="25400" dir="3600000" algn="ctr" rotWithShape="0">
-              <a:schemeClr val="tx1">
-                <a:alpha val="85000"/>
-              </a:schemeClr>
-            </a:outerShdw>
-          </a:effectLst>
-        </p:spPr>
-        <p:txBody>
-          <a:bodyPr wrap="none" rtlCol="0">
-            <a:spAutoFit/>
-          </a:bodyPr>
-          <a:lstStyle/>
-          <a:p>
-            <a:pPr defTabSz="609585"/>
-            <a:r>
-              <a:rPr lang="en-CA" sz="11733" dirty="0">
-                <a:solidFill>
-                  <a:prstClr val="white"/>
-                </a:solidFill>
-                <a:latin typeface="Tahoma" panose="020B0604030504040204" pitchFamily="34" charset="0"/>
-                <a:ea typeface="Tahoma" panose="020B0604030504040204" pitchFamily="34" charset="0"/>
-                <a:cs typeface="Tahoma" panose="020B0604030504040204" pitchFamily="34" charset="0"/>
-              </a:rPr>
-              <a:t>0</a:t>
-            </a:r>
-          </a:p>
-        </p:txBody>
-      </p:sp>
-    </p:spTree>
-    <p:extLst>
-      <p:ext uri="{BB962C8B-B14F-4D97-AF65-F5344CB8AC3E}">
-        <p14:creationId xmlns:p14="http://schemas.microsoft.com/office/powerpoint/2010/main" val="313739013"/>
+        <p14:creationId xmlns:p14="http://schemas.microsoft.com/office/powerpoint/2010/main" val="3991029601"/>
       </p:ext>
     </p:extLst>
   </p:cSld>
@@ -8859,4 +15140,265 @@
   </a:objectDefaults>
   <a:extraClrSchemeLst/>
 </a:theme>
+</file>
+
+<file path=ppt/theme/theme3.xml><?xml version="1.0" encoding="utf-8"?>
+<a:theme xmlns:a="http://schemas.openxmlformats.org/drawingml/2006/main" name="Office Theme">
+  <a:themeElements>
+    <a:clrScheme name="Office">
+      <a:dk1>
+        <a:sysClr val="windowText" lastClr="000000"/>
+      </a:dk1>
+      <a:lt1>
+        <a:sysClr val="window" lastClr="FFFFFF"/>
+      </a:lt1>
+      <a:dk2>
+        <a:srgbClr val="44546A"/>
+      </a:dk2>
+      <a:lt2>
+        <a:srgbClr val="E7E6E6"/>
+      </a:lt2>
+      <a:accent1>
+        <a:srgbClr val="5B9BD5"/>
+      </a:accent1>
+      <a:accent2>
+        <a:srgbClr val="ED7D31"/>
+      </a:accent2>
+      <a:accent3>
+        <a:srgbClr val="A5A5A5"/>
+      </a:accent3>
+      <a:accent4>
+        <a:srgbClr val="FFC000"/>
+      </a:accent4>
+      <a:accent5>
+        <a:srgbClr val="4472C4"/>
+      </a:accent5>
+      <a:accent6>
+        <a:srgbClr val="70AD47"/>
+      </a:accent6>
+      <a:hlink>
+        <a:srgbClr val="0563C1"/>
+      </a:hlink>
+      <a:folHlink>
+        <a:srgbClr val="954F72"/>
+      </a:folHlink>
+    </a:clrScheme>
+    <a:fontScheme name="Office">
+      <a:majorFont>
+        <a:latin typeface="Calibri Light" panose="020F0302020204030204"/>
+        <a:ea typeface=""/>
+        <a:cs typeface=""/>
+        <a:font script="Jpan" typeface="ＭＳ Ｐゴシック"/>
+        <a:font script="Hang" typeface="맑은 고딕"/>
+        <a:font script="Hans" typeface="宋体"/>
+        <a:font script="Hant" typeface="新細明體"/>
+        <a:font script="Arab" typeface="Times New Roman"/>
+        <a:font script="Hebr" typeface="Times New Roman"/>
+        <a:font script="Thai" typeface="Angsana New"/>
+        <a:font script="Ethi" typeface="Nyala"/>
+        <a:font script="Beng" typeface="Vrinda"/>
+        <a:font script="Gujr" typeface="Shruti"/>
+        <a:font script="Khmr" typeface="MoolBoran"/>
+        <a:font script="Knda" typeface="Tunga"/>
+        <a:font script="Guru" typeface="Raavi"/>
+        <a:font script="Cans" typeface="Euphemia"/>
+        <a:font script="Cher" typeface="Plantagenet Cherokee"/>
+        <a:font script="Yiii" typeface="Microsoft Yi Baiti"/>
+        <a:font script="Tibt" typeface="Microsoft Himalaya"/>
+        <a:font script="Thaa" typeface="MV Boli"/>
+        <a:font script="Deva" typeface="Mangal"/>
+        <a:font script="Telu" typeface="Gautami"/>
+        <a:font script="Taml" typeface="Latha"/>
+        <a:font script="Syrc" typeface="Estrangelo Edessa"/>
+        <a:font script="Orya" typeface="Kalinga"/>
+        <a:font script="Mlym" typeface="Kartika"/>
+        <a:font script="Laoo" typeface="DokChampa"/>
+        <a:font script="Sinh" typeface="Iskoola Pota"/>
+        <a:font script="Mong" typeface="Mongolian Baiti"/>
+        <a:font script="Viet" typeface="Times New Roman"/>
+        <a:font script="Uigh" typeface="Microsoft Uighur"/>
+        <a:font script="Geor" typeface="Sylfaen"/>
+      </a:majorFont>
+      <a:minorFont>
+        <a:latin typeface="Calibri" panose="020F0502020204030204"/>
+        <a:ea typeface=""/>
+        <a:cs typeface=""/>
+        <a:font script="Jpan" typeface="ＭＳ Ｐゴシック"/>
+        <a:font script="Hang" typeface="맑은 고딕"/>
+        <a:font script="Hans" typeface="宋体"/>
+        <a:font script="Hant" typeface="新細明體"/>
+        <a:font script="Arab" typeface="Arial"/>
+        <a:font script="Hebr" typeface="Arial"/>
+        <a:font script="Thai" typeface="Cordia New"/>
+        <a:font script="Ethi" typeface="Nyala"/>
+        <a:font script="Beng" typeface="Vrinda"/>
+        <a:font script="Gujr" typeface="Shruti"/>
+        <a:font script="Khmr" typeface="DaunPenh"/>
+        <a:font script="Knda" typeface="Tunga"/>
+        <a:font script="Guru" typeface="Raavi"/>
+        <a:font script="Cans" typeface="Euphemia"/>
+        <a:font script="Cher" typeface="Plantagenet Cherokee"/>
+        <a:font script="Yiii" typeface="Microsoft Yi Baiti"/>
+        <a:font script="Tibt" typeface="Microsoft Himalaya"/>
+        <a:font script="Thaa" typeface="MV Boli"/>
+        <a:font script="Deva" typeface="Mangal"/>
+        <a:font script="Telu" typeface="Gautami"/>
+        <a:font script="Taml" typeface="Latha"/>
+        <a:font script="Syrc" typeface="Estrangelo Edessa"/>
+        <a:font script="Orya" typeface="Kalinga"/>
+        <a:font script="Mlym" typeface="Kartika"/>
+        <a:font script="Laoo" typeface="DokChampa"/>
+        <a:font script="Sinh" typeface="Iskoola Pota"/>
+        <a:font script="Mong" typeface="Mongolian Baiti"/>
+        <a:font script="Viet" typeface="Arial"/>
+        <a:font script="Uigh" typeface="Microsoft Uighur"/>
+        <a:font script="Geor" typeface="Sylfaen"/>
+      </a:minorFont>
+    </a:fontScheme>
+    <a:fmtScheme name="Office">
+      <a:fillStyleLst>
+        <a:solidFill>
+          <a:schemeClr val="phClr"/>
+        </a:solidFill>
+        <a:gradFill rotWithShape="1">
+          <a:gsLst>
+            <a:gs pos="0">
+              <a:schemeClr val="phClr">
+                <a:lumMod val="110000"/>
+                <a:satMod val="105000"/>
+                <a:tint val="67000"/>
+              </a:schemeClr>
+            </a:gs>
+            <a:gs pos="50000">
+              <a:schemeClr val="phClr">
+                <a:lumMod val="105000"/>
+                <a:satMod val="103000"/>
+                <a:tint val="73000"/>
+              </a:schemeClr>
+            </a:gs>
+            <a:gs pos="100000">
+              <a:schemeClr val="phClr">
+                <a:lumMod val="105000"/>
+                <a:satMod val="109000"/>
+                <a:tint val="81000"/>
+              </a:schemeClr>
+            </a:gs>
+          </a:gsLst>
+          <a:lin ang="5400000" scaled="0"/>
+        </a:gradFill>
+        <a:gradFill rotWithShape="1">
+          <a:gsLst>
+            <a:gs pos="0">
+              <a:schemeClr val="phClr">
+                <a:satMod val="103000"/>
+                <a:lumMod val="102000"/>
+                <a:tint val="94000"/>
+              </a:schemeClr>
+            </a:gs>
+            <a:gs pos="50000">
+              <a:schemeClr val="phClr">
+                <a:satMod val="110000"/>
+                <a:lumMod val="100000"/>
+                <a:shade val="100000"/>
+              </a:schemeClr>
+            </a:gs>
+            <a:gs pos="100000">
+              <a:schemeClr val="phClr">
+                <a:lumMod val="99000"/>
+                <a:satMod val="120000"/>
+                <a:shade val="78000"/>
+              </a:schemeClr>
+            </a:gs>
+          </a:gsLst>
+          <a:lin ang="5400000" scaled="0"/>
+        </a:gradFill>
+      </a:fillStyleLst>
+      <a:lnStyleLst>
+        <a:ln w="6350" cap="flat" cmpd="sng" algn="ctr">
+          <a:solidFill>
+            <a:schemeClr val="phClr"/>
+          </a:solidFill>
+          <a:prstDash val="solid"/>
+          <a:miter lim="800000"/>
+        </a:ln>
+        <a:ln w="12700" cap="flat" cmpd="sng" algn="ctr">
+          <a:solidFill>
+            <a:schemeClr val="phClr"/>
+          </a:solidFill>
+          <a:prstDash val="solid"/>
+          <a:miter lim="800000"/>
+        </a:ln>
+        <a:ln w="19050" cap="flat" cmpd="sng" algn="ctr">
+          <a:solidFill>
+            <a:schemeClr val="phClr"/>
+          </a:solidFill>
+          <a:prstDash val="solid"/>
+          <a:miter lim="800000"/>
+        </a:ln>
+      </a:lnStyleLst>
+      <a:effectStyleLst>
+        <a:effectStyle>
+          <a:effectLst/>
+        </a:effectStyle>
+        <a:effectStyle>
+          <a:effectLst/>
+        </a:effectStyle>
+        <a:effectStyle>
+          <a:effectLst>
+            <a:outerShdw blurRad="57150" dist="19050" dir="5400000" algn="ctr" rotWithShape="0">
+              <a:srgbClr val="000000">
+                <a:alpha val="63000"/>
+              </a:srgbClr>
+            </a:outerShdw>
+          </a:effectLst>
+        </a:effectStyle>
+      </a:effectStyleLst>
+      <a:bgFillStyleLst>
+        <a:solidFill>
+          <a:schemeClr val="phClr"/>
+        </a:solidFill>
+        <a:solidFill>
+          <a:schemeClr val="phClr">
+            <a:tint val="95000"/>
+            <a:satMod val="170000"/>
+          </a:schemeClr>
+        </a:solidFill>
+        <a:gradFill rotWithShape="1">
+          <a:gsLst>
+            <a:gs pos="0">
+              <a:schemeClr val="phClr">
+                <a:tint val="93000"/>
+                <a:satMod val="150000"/>
+                <a:shade val="98000"/>
+                <a:lumMod val="102000"/>
+              </a:schemeClr>
+            </a:gs>
+            <a:gs pos="50000">
+              <a:schemeClr val="phClr">
+                <a:tint val="98000"/>
+                <a:satMod val="130000"/>
+                <a:shade val="90000"/>
+                <a:lumMod val="103000"/>
+              </a:schemeClr>
+            </a:gs>
+            <a:gs pos="100000">
+              <a:schemeClr val="phClr">
+                <a:shade val="63000"/>
+                <a:satMod val="120000"/>
+              </a:schemeClr>
+            </a:gs>
+          </a:gsLst>
+          <a:lin ang="5400000" scaled="0"/>
+        </a:gradFill>
+      </a:bgFillStyleLst>
+    </a:fmtScheme>
+  </a:themeElements>
+  <a:objectDefaults/>
+  <a:extraClrSchemeLst/>
+  <a:extLst>
+    <a:ext uri="{05A4C25C-085E-4340-85A3-A5531E510DB2}">
+      <thm15:themeFamily xmlns:thm15="http://schemas.microsoft.com/office/thememl/2012/main" name="Office Theme" id="{62F939B6-93AF-4DB8-9C6B-D6C7DFDC589F}" vid="{4A3C46E8-61CC-4603-A589-7422A47A8E4A}"/>
+    </a:ext>
+  </a:extLst>
+</a:theme>
 </file>
--- a/RxJava and SWT.pptx
+++ b/RxJava and SWT.pptx
@@ -6,7 +6,7 @@
     <p:sldMasterId id="2147483660" r:id="rId2"/>
   </p:sldMasterIdLst>
   <p:notesMasterIdLst>
-    <p:notesMasterId r:id="rId21"/>
+    <p:notesMasterId r:id="rId20"/>
   </p:notesMasterIdLst>
   <p:sldIdLst>
     <p:sldId id="256" r:id="rId3"/>
@@ -22,11 +22,10 @@
     <p:sldId id="274" r:id="rId13"/>
     <p:sldId id="277" r:id="rId14"/>
     <p:sldId id="278" r:id="rId15"/>
-    <p:sldId id="276" r:id="rId16"/>
-    <p:sldId id="273" r:id="rId17"/>
-    <p:sldId id="275" r:id="rId18"/>
-    <p:sldId id="279" r:id="rId19"/>
-    <p:sldId id="263" r:id="rId20"/>
+    <p:sldId id="273" r:id="rId16"/>
+    <p:sldId id="275" r:id="rId17"/>
+    <p:sldId id="279" r:id="rId18"/>
+    <p:sldId id="263" r:id="rId19"/>
   </p:sldIdLst>
   <p:sldSz cx="12192000" cy="6858000"/>
   <p:notesSz cx="6858000" cy="9144000"/>
@@ -143,7 +142,6 @@
             <p14:sldId id="274"/>
             <p14:sldId id="277"/>
             <p14:sldId id="278"/>
-            <p14:sldId id="276"/>
             <p14:sldId id="273"/>
             <p14:sldId id="275"/>
             <p14:sldId id="279"/>
@@ -597,6 +595,90 @@
 </p:notes>
 </file>
 
+<file path=ppt/notesSlides/notesSlide2.xml><?xml version="1.0" encoding="utf-8"?>
+<p:notes xmlns:a="http://schemas.openxmlformats.org/drawingml/2006/main" xmlns:r="http://schemas.openxmlformats.org/officeDocument/2006/relationships" xmlns:p="http://schemas.openxmlformats.org/presentationml/2006/main">
+  <p:cSld>
+    <p:spTree>
+      <p:nvGrpSpPr>
+        <p:cNvPr id="1" name=""/>
+        <p:cNvGrpSpPr/>
+        <p:nvPr/>
+      </p:nvGrpSpPr>
+      <p:grpSpPr>
+        <a:xfrm>
+          <a:off x="0" y="0"/>
+          <a:ext cx="0" cy="0"/>
+          <a:chOff x="0" y="0"/>
+          <a:chExt cx="0" cy="0"/>
+        </a:xfrm>
+      </p:grpSpPr>
+      <p:sp>
+        <p:nvSpPr>
+          <p:cNvPr id="2" name="Slide Image Placeholder 1"/>
+          <p:cNvSpPr>
+            <a:spLocks noGrp="1" noRot="1" noChangeAspect="1"/>
+          </p:cNvSpPr>
+          <p:nvPr>
+            <p:ph type="sldImg"/>
+          </p:nvPr>
+        </p:nvSpPr>
+        <p:spPr/>
+      </p:sp>
+      <p:sp>
+        <p:nvSpPr>
+          <p:cNvPr id="3" name="Notes Placeholder 2"/>
+          <p:cNvSpPr>
+            <a:spLocks noGrp="1"/>
+          </p:cNvSpPr>
+          <p:nvPr>
+            <p:ph type="body" idx="1"/>
+          </p:nvPr>
+        </p:nvSpPr>
+        <p:spPr/>
+        <p:txBody>
+          <a:bodyPr/>
+          <a:lstStyle/>
+          <a:p>
+            <a:endParaRPr lang="en-US"/>
+          </a:p>
+        </p:txBody>
+      </p:sp>
+      <p:sp>
+        <p:nvSpPr>
+          <p:cNvPr id="4" name="Slide Number Placeholder 3"/>
+          <p:cNvSpPr>
+            <a:spLocks noGrp="1"/>
+          </p:cNvSpPr>
+          <p:nvPr>
+            <p:ph type="sldNum" sz="quarter" idx="10"/>
+          </p:nvPr>
+        </p:nvSpPr>
+        <p:spPr/>
+        <p:txBody>
+          <a:bodyPr/>
+          <a:lstStyle/>
+          <a:p>
+            <a:fld id="{68358633-4DF3-46B2-AAC6-AA6E1B5E5A98}" type="slidenum">
+              <a:rPr lang="en-US" smtClean="0"/>
+              <a:t>17</a:t>
+            </a:fld>
+            <a:endParaRPr lang="en-US"/>
+          </a:p>
+        </p:txBody>
+      </p:sp>
+    </p:spTree>
+    <p:extLst>
+      <p:ext uri="{BB962C8B-B14F-4D97-AF65-F5344CB8AC3E}">
+        <p14:creationId xmlns:p14="http://schemas.microsoft.com/office/powerpoint/2010/main" val="625695869"/>
+      </p:ext>
+    </p:extLst>
+  </p:cSld>
+  <p:clrMapOvr>
+    <a:masterClrMapping/>
+  </p:clrMapOvr>
+</p:notes>
+</file>
+
 <file path=ppt/slideLayouts/slideLayout1.xml><?xml version="1.0" encoding="utf-8"?>
 <p:sldLayout xmlns:a="http://schemas.openxmlformats.org/drawingml/2006/main" xmlns:r="http://schemas.openxmlformats.org/officeDocument/2006/relationships" xmlns:p="http://schemas.openxmlformats.org/presentationml/2006/main" type="title" preserve="1">
   <p:cSld name="Title Slide">
@@ -728,7 +810,7 @@
           <a:p>
             <a:fld id="{B8966210-D7C8-4A1C-B59E-033C29288170}" type="datetimeFigureOut">
               <a:rPr lang="en-US" smtClean="0"/>
-              <a:t>3/7/2016</a:t>
+              <a:t>3/8/2016</a:t>
             </a:fld>
             <a:endParaRPr lang="en-US"/>
           </a:p>
@@ -898,7 +980,7 @@
           <a:p>
             <a:fld id="{B8966210-D7C8-4A1C-B59E-033C29288170}" type="datetimeFigureOut">
               <a:rPr lang="en-US" smtClean="0"/>
-              <a:t>3/7/2016</a:t>
+              <a:t>3/8/2016</a:t>
             </a:fld>
             <a:endParaRPr lang="en-US"/>
           </a:p>
@@ -1078,7 +1160,7 @@
           <a:p>
             <a:fld id="{B8966210-D7C8-4A1C-B59E-033C29288170}" type="datetimeFigureOut">
               <a:rPr lang="en-US" smtClean="0"/>
-              <a:t>3/7/2016</a:t>
+              <a:t>3/8/2016</a:t>
             </a:fld>
             <a:endParaRPr lang="en-US"/>
           </a:p>
@@ -1327,7 +1409,7 @@
                 </a:solidFill>
               </a:rPr>
               <a:pPr/>
-              <a:t>3/7/2016</a:t>
+              <a:t>3/8/2016</a:t>
             </a:fld>
             <a:endParaRPr lang="en-US">
               <a:solidFill>
@@ -1529,7 +1611,7 @@
                 </a:solidFill>
               </a:rPr>
               <a:pPr/>
-              <a:t>3/7/2016</a:t>
+              <a:t>3/8/2016</a:t>
             </a:fld>
             <a:endParaRPr lang="en-US">
               <a:solidFill>
@@ -1807,7 +1889,7 @@
                 </a:solidFill>
               </a:rPr>
               <a:pPr/>
-              <a:t>3/7/2016</a:t>
+              <a:t>3/8/2016</a:t>
             </a:fld>
             <a:endParaRPr lang="en-US">
               <a:solidFill>
@@ -2127,7 +2209,7 @@
                 </a:solidFill>
               </a:rPr>
               <a:pPr/>
-              <a:t>3/7/2016</a:t>
+              <a:t>3/8/2016</a:t>
             </a:fld>
             <a:endParaRPr lang="en-US">
               <a:solidFill>
@@ -2586,7 +2668,7 @@
                 </a:solidFill>
               </a:rPr>
               <a:pPr/>
-              <a:t>3/7/2016</a:t>
+              <a:t>3/8/2016</a:t>
             </a:fld>
             <a:endParaRPr lang="en-US">
               <a:solidFill>
@@ -2736,7 +2818,7 @@
                 </a:solidFill>
               </a:rPr>
               <a:pPr/>
-              <a:t>3/7/2016</a:t>
+              <a:t>3/8/2016</a:t>
             </a:fld>
             <a:endParaRPr lang="en-US">
               <a:solidFill>
@@ -2863,7 +2945,7 @@
                 </a:solidFill>
               </a:rPr>
               <a:pPr/>
-              <a:t>3/7/2016</a:t>
+              <a:t>3/8/2016</a:t>
             </a:fld>
             <a:endParaRPr lang="en-US">
               <a:solidFill>
@@ -3172,7 +3254,7 @@
                 </a:solidFill>
               </a:rPr>
               <a:pPr/>
-              <a:t>3/7/2016</a:t>
+              <a:t>3/8/2016</a:t>
             </a:fld>
             <a:endParaRPr lang="en-US">
               <a:solidFill>
@@ -3367,7 +3449,7 @@
           <a:p>
             <a:fld id="{B8966210-D7C8-4A1C-B59E-033C29288170}" type="datetimeFigureOut">
               <a:rPr lang="en-US" smtClean="0"/>
-              <a:t>3/7/2016</a:t>
+              <a:t>3/8/2016</a:t>
             </a:fld>
             <a:endParaRPr lang="en-US"/>
           </a:p>
@@ -3627,7 +3709,7 @@
                 </a:solidFill>
               </a:rPr>
               <a:pPr/>
-              <a:t>3/7/2016</a:t>
+              <a:t>3/8/2016</a:t>
             </a:fld>
             <a:endParaRPr lang="en-US">
               <a:solidFill>
@@ -3829,7 +3911,7 @@
                 </a:solidFill>
               </a:rPr>
               <a:pPr/>
-              <a:t>3/7/2016</a:t>
+              <a:t>3/8/2016</a:t>
             </a:fld>
             <a:endParaRPr lang="en-US">
               <a:solidFill>
@@ -4041,7 +4123,7 @@
                 </a:solidFill>
               </a:rPr>
               <a:pPr/>
-              <a:t>3/7/2016</a:t>
+              <a:t>3/8/2016</a:t>
             </a:fld>
             <a:endParaRPr lang="en-US">
               <a:solidFill>
@@ -4312,7 +4394,7 @@
           <a:p>
             <a:fld id="{B8966210-D7C8-4A1C-B59E-033C29288170}" type="datetimeFigureOut">
               <a:rPr lang="en-US" smtClean="0"/>
-              <a:t>3/7/2016</a:t>
+              <a:t>3/8/2016</a:t>
             </a:fld>
             <a:endParaRPr lang="en-US"/>
           </a:p>
@@ -4544,7 +4626,7 @@
           <a:p>
             <a:fld id="{B8966210-D7C8-4A1C-B59E-033C29288170}" type="datetimeFigureOut">
               <a:rPr lang="en-US" smtClean="0"/>
-              <a:t>3/7/2016</a:t>
+              <a:t>3/8/2016</a:t>
             </a:fld>
             <a:endParaRPr lang="en-US"/>
           </a:p>
@@ -4911,7 +4993,7 @@
           <a:p>
             <a:fld id="{B8966210-D7C8-4A1C-B59E-033C29288170}" type="datetimeFigureOut">
               <a:rPr lang="en-US" smtClean="0"/>
-              <a:t>3/7/2016</a:t>
+              <a:t>3/8/2016</a:t>
             </a:fld>
             <a:endParaRPr lang="en-US"/>
           </a:p>
@@ -5029,7 +5111,7 @@
           <a:p>
             <a:fld id="{B8966210-D7C8-4A1C-B59E-033C29288170}" type="datetimeFigureOut">
               <a:rPr lang="en-US" smtClean="0"/>
-              <a:t>3/7/2016</a:t>
+              <a:t>3/8/2016</a:t>
             </a:fld>
             <a:endParaRPr lang="en-US"/>
           </a:p>
@@ -5124,7 +5206,7 @@
           <a:p>
             <a:fld id="{B8966210-D7C8-4A1C-B59E-033C29288170}" type="datetimeFigureOut">
               <a:rPr lang="en-US" smtClean="0"/>
-              <a:t>3/7/2016</a:t>
+              <a:t>3/8/2016</a:t>
             </a:fld>
             <a:endParaRPr lang="en-US"/>
           </a:p>
@@ -5401,7 +5483,7 @@
           <a:p>
             <a:fld id="{B8966210-D7C8-4A1C-B59E-033C29288170}" type="datetimeFigureOut">
               <a:rPr lang="en-US" smtClean="0"/>
-              <a:t>3/7/2016</a:t>
+              <a:t>3/8/2016</a:t>
             </a:fld>
             <a:endParaRPr lang="en-US"/>
           </a:p>
@@ -5654,7 +5736,7 @@
           <a:p>
             <a:fld id="{B8966210-D7C8-4A1C-B59E-033C29288170}" type="datetimeFigureOut">
               <a:rPr lang="en-US" smtClean="0"/>
-              <a:t>3/7/2016</a:t>
+              <a:t>3/8/2016</a:t>
             </a:fld>
             <a:endParaRPr lang="en-US"/>
           </a:p>
@@ -5867,7 +5949,7 @@
           <a:p>
             <a:fld id="{B8966210-D7C8-4A1C-B59E-033C29288170}" type="datetimeFigureOut">
               <a:rPr lang="en-US" smtClean="0"/>
-              <a:t>3/7/2016</a:t>
+              <a:t>3/8/2016</a:t>
             </a:fld>
             <a:endParaRPr lang="en-US"/>
           </a:p>
@@ -6415,7 +6497,7 @@
                 </a:solidFill>
               </a:rPr>
               <a:pPr defTabSz="609585"/>
-              <a:t>3/7/2016</a:t>
+              <a:t>3/8/2016</a:t>
             </a:fld>
             <a:endParaRPr lang="en-US">
               <a:solidFill>
@@ -7062,59 +7144,6 @@
           </a:p>
         </p:txBody>
       </p:sp>
-      <p:sp>
-        <p:nvSpPr>
-          <p:cNvPr id="7" name="Title 1"/>
-          <p:cNvSpPr txBox="1">
-            <a:spLocks/>
-          </p:cNvSpPr>
-          <p:nvPr/>
-        </p:nvSpPr>
-        <p:spPr>
-          <a:xfrm>
-            <a:off x="1413739" y="2913713"/>
-            <a:ext cx="9144000" cy="560298"/>
-          </a:xfrm>
-          <a:prstGeom prst="rect">
-            <a:avLst/>
-          </a:prstGeom>
-        </p:spPr>
-        <p:txBody>
-          <a:bodyPr vert="horz" lIns="91440" tIns="45720" rIns="91440" bIns="45720" rtlCol="0" anchor="b">
-            <a:normAutofit fontScale="92500" lnSpcReduction="10000"/>
-          </a:bodyPr>
-          <a:lstStyle>
-            <a:lvl1pPr algn="ctr" defTabSz="914400" rtl="0" eaLnBrk="1" latinLnBrk="0" hangingPunct="1">
-              <a:lnSpc>
-                <a:spcPct val="90000"/>
-              </a:lnSpc>
-              <a:spcBef>
-                <a:spcPct val="0"/>
-              </a:spcBef>
-              <a:buNone/>
-              <a:defRPr sz="6000" kern="1200">
-                <a:solidFill>
-                  <a:schemeClr val="tx1"/>
-                </a:solidFill>
-                <a:latin typeface="+mj-lt"/>
-                <a:ea typeface="+mj-ea"/>
-                <a:cs typeface="+mj-cs"/>
-              </a:defRPr>
-            </a:lvl1pPr>
-          </a:lstStyle>
-          <a:p>
-            <a:r>
-              <a:rPr lang="en-US" sz="4000" dirty="0" smtClean="0"/>
-              <a:t>@</a:t>
-            </a:r>
-            <a:r>
-              <a:rPr lang="en-US" sz="4000" dirty="0" err="1" smtClean="0"/>
-              <a:t>diffplug</a:t>
-            </a:r>
-            <a:endParaRPr lang="en-US" sz="3200" dirty="0"/>
-          </a:p>
-        </p:txBody>
-      </p:sp>
     </p:spTree>
     <p:extLst>
       <p:ext uri="{BB962C8B-B14F-4D97-AF65-F5344CB8AC3E}">
@@ -8428,7 +8457,7 @@
           <a:graphicData uri="http://schemas.openxmlformats.org/presentationml/2006/ole">
             <mc:AlternateContent xmlns:mc="http://schemas.openxmlformats.org/markup-compatibility/2006">
               <mc:Choice xmlns:v="urn:schemas-microsoft-com:vml" Requires="v">
-                <p:oleObj spid="_x0000_s2070" name="Bitmap Image" r:id="rId6" imgW="6751440" imgH="1585080" progId="Paint.Picture">
+                <p:oleObj spid="_x0000_s2086" name="Bitmap Image" r:id="rId6" imgW="6751440" imgH="1585080" progId="Paint.Picture">
                   <p:embed/>
                 </p:oleObj>
               </mc:Choice>
@@ -8495,7 +8524,6 @@
               <a:rPr lang="en-US" dirty="0" smtClean="0"/>
               <a:t>&gt;</a:t>
             </a:r>
-            <a:endParaRPr lang="en-US" dirty="0" smtClean="0"/>
           </a:p>
         </p:txBody>
       </p:sp>
@@ -8873,8 +8901,13 @@
             </a:r>
             <a:r>
               <a:rPr lang="en-US" dirty="0" smtClean="0"/>
-              <a:t> -&gt; a value you can get(), set(), and subscribe to()</a:t>
-            </a:r>
+              <a:t> -&gt; a value you can get(), set(), and subscribe </a:t>
+            </a:r>
+            <a:r>
+              <a:rPr lang="en-US" dirty="0" smtClean="0"/>
+              <a:t>to</a:t>
+            </a:r>
+            <a:endParaRPr lang="en-US" dirty="0" smtClean="0"/>
           </a:p>
           <a:p>
             <a:pPr lvl="1"/>
@@ -9011,7 +9044,7 @@
           <a:p>
             <a:r>
               <a:rPr lang="en-US" dirty="0" smtClean="0"/>
-              <a:t>Handling errors (that you didn’t think of)</a:t>
+              <a:t>Mapping Futures to Observables</a:t>
             </a:r>
             <a:endParaRPr lang="en-US" dirty="0"/>
           </a:p>
@@ -9029,115 +9062,143 @@
         </p:nvSpPr>
         <p:spPr/>
         <p:txBody>
-          <a:bodyPr/>
+          <a:bodyPr>
+            <a:normAutofit fontScale="92500" lnSpcReduction="10000"/>
+          </a:bodyPr>
           <a:lstStyle/>
           <a:p>
             <a:r>
               <a:rPr lang="en-US" dirty="0" smtClean="0"/>
-              <a:t>Durian</a:t>
+              <a:t>A future returns either a value or an exception</a:t>
             </a:r>
           </a:p>
           <a:p>
             <a:pPr lvl="1"/>
             <a:r>
               <a:rPr lang="en-US" dirty="0" smtClean="0"/>
-              <a:t>Box -&gt; a value you can get() and set()</a:t>
+              <a:t>Value         -&gt; </a:t>
+            </a:r>
+            <a:r>
+              <a:rPr lang="en-US" dirty="0" err="1" smtClean="0"/>
+              <a:t>onValue</a:t>
+            </a:r>
+            <a:r>
+              <a:rPr lang="en-US" dirty="0" smtClean="0"/>
+              <a:t>(), </a:t>
+            </a:r>
+            <a:r>
+              <a:rPr lang="en-US" dirty="0" err="1" smtClean="0"/>
+              <a:t>onCompleted</a:t>
+            </a:r>
+            <a:r>
+              <a:rPr lang="en-US" dirty="0" smtClean="0"/>
+              <a:t>()</a:t>
             </a:r>
           </a:p>
           <a:p>
             <a:pPr lvl="1"/>
             <a:r>
               <a:rPr lang="en-US" dirty="0" smtClean="0"/>
-              <a:t>Either</a:t>
-            </a:r>
-          </a:p>
-          <a:p>
+              <a:t>Exception -&gt; </a:t>
+            </a:r>
             <a:r>
               <a:rPr lang="en-US" dirty="0" err="1" smtClean="0"/>
-              <a:t>DurianRx</a:t>
-            </a:r>
-            <a:endParaRPr lang="en-US" dirty="0" smtClean="0"/>
-          </a:p>
-          <a:p>
-            <a:pPr lvl="1"/>
+              <a:t>onError</a:t>
+            </a:r>
+            <a:r>
+              <a:rPr lang="en-US" dirty="0" smtClean="0"/>
+              <a:t>()</a:t>
+            </a:r>
+          </a:p>
+          <a:p>
+            <a:r>
+              <a:rPr lang="en-US" dirty="0" smtClean="0"/>
+              <a:t>It makes sense to use the same subscription and error-handling policies for all </a:t>
+            </a:r>
             <a:r>
               <a:rPr lang="en-US" dirty="0" err="1" smtClean="0"/>
-              <a:t>RxBox</a:t>
+              <a:t>async</a:t>
             </a:r>
             <a:r>
               <a:rPr lang="en-US" dirty="0" smtClean="0"/>
-              <a:t> -&gt; a value you can get(), set(), and subscribe to()</a:t>
-            </a:r>
-          </a:p>
-          <a:p>
-            <a:pPr lvl="1"/>
+              <a:t> code.</a:t>
+            </a:r>
+          </a:p>
+          <a:p>
             <a:r>
               <a:rPr lang="en-US" dirty="0" err="1" smtClean="0"/>
               <a:t>Rx.subscribe</a:t>
             </a:r>
             <a:r>
               <a:rPr lang="en-US" dirty="0" smtClean="0"/>
-              <a:t>(Observable/</a:t>
+              <a:t>(Future or Observable, </a:t>
             </a:r>
             <a:r>
               <a:rPr lang="en-US" dirty="0" err="1" smtClean="0"/>
-              <a:t>CompletionStage</a:t>
+              <a:t>onValue</a:t>
             </a:r>
             <a:r>
               <a:rPr lang="en-US" dirty="0" smtClean="0"/>
-              <a:t>/</a:t>
+              <a:t> -&gt; </a:t>
             </a:r>
             <a:r>
               <a:rPr lang="en-US" dirty="0" err="1" smtClean="0"/>
-              <a:t>ListenableFuture</a:t>
+              <a:t>doSomething</a:t>
             </a:r>
             <a:r>
               <a:rPr lang="en-US" dirty="0" smtClean="0"/>
-              <a:t>)</a:t>
-            </a:r>
-          </a:p>
-          <a:p>
+              <a:t>());</a:t>
+            </a:r>
+          </a:p>
+          <a:p>
+            <a:pPr lvl="1"/>
+            <a:r>
+              <a:rPr lang="en-US" dirty="0" smtClean="0"/>
+              <a:t>Automatically logs all exceptions.</a:t>
+            </a:r>
+          </a:p>
+          <a:p>
+            <a:r>
+              <a:rPr lang="en-US" dirty="0" smtClean="0"/>
+              <a:t>If you set a magic system property, it will record the </a:t>
+            </a:r>
             <a:r>
               <a:rPr lang="en-US" dirty="0" err="1" smtClean="0"/>
-              <a:t>DurianSwt</a:t>
+              <a:t>stacktrace</a:t>
+            </a:r>
+            <a:r>
+              <a:rPr lang="en-US" dirty="0" smtClean="0"/>
+              <a:t> </a:t>
+            </a:r>
+            <a:r>
+              <a:rPr lang="en-US" b="1" dirty="0" smtClean="0"/>
+              <a:t>at the time of subscription</a:t>
+            </a:r>
+            <a:r>
+              <a:rPr lang="en-US" dirty="0" smtClean="0"/>
+              <a:t>, and decorate any exceptions with their source</a:t>
+            </a:r>
+          </a:p>
+          <a:p>
+            <a:pPr lvl="1"/>
+            <a:r>
+              <a:rPr lang="en-US" dirty="0" err="1"/>
+              <a:t>durian.plugins.com.diffplug.common.rx.RxTracingPolicy</a:t>
+            </a:r>
+            <a:r>
+              <a:rPr lang="en-US" dirty="0"/>
+              <a:t>=</a:t>
+            </a:r>
+            <a:r>
+              <a:rPr lang="en-US" dirty="0" err="1"/>
+              <a:t>com.diffplug.common.rx.RxTracingPolicy$LogSubscriptionTrace</a:t>
             </a:r>
             <a:endParaRPr lang="en-US" dirty="0" smtClean="0"/>
           </a:p>
           <a:p>
-            <a:pPr lvl="1"/>
-            <a:r>
-              <a:rPr lang="en-US" dirty="0" err="1" smtClean="0"/>
-              <a:t>SwtRx.addListener</a:t>
-            </a:r>
-            <a:r>
-              <a:rPr lang="en-US" dirty="0" smtClean="0"/>
-              <a:t>()</a:t>
-            </a:r>
-          </a:p>
-          <a:p>
-            <a:pPr lvl="1"/>
-            <a:r>
-              <a:rPr lang="en-US" dirty="0" err="1" smtClean="0"/>
-              <a:t>SwtExec.async</a:t>
-            </a:r>
-            <a:r>
-              <a:rPr lang="en-US" dirty="0" smtClean="0"/>
-              <a:t>().subscribe()</a:t>
-            </a:r>
-          </a:p>
-          <a:p>
-            <a:pPr lvl="1"/>
-            <a:r>
-              <a:rPr lang="en-US" dirty="0" err="1" smtClean="0"/>
-              <a:t>InteractiveTest.testCmp</a:t>
-            </a:r>
-            <a:r>
-              <a:rPr lang="en-US" dirty="0" smtClean="0"/>
-              <a:t>()</a:t>
-            </a:r>
-          </a:p>
-          <a:p>
-            <a:pPr lvl="1"/>
+            <a:endParaRPr lang="en-US" dirty="0" smtClean="0"/>
+          </a:p>
+          <a:p>
             <a:endParaRPr lang="en-US" dirty="0" smtClean="0"/>
           </a:p>
         </p:txBody>
@@ -9145,7 +9206,7 @@
     </p:spTree>
     <p:extLst>
       <p:ext uri="{BB962C8B-B14F-4D97-AF65-F5344CB8AC3E}">
-        <p14:creationId xmlns:p14="http://schemas.microsoft.com/office/powerpoint/2010/main" val="1605248062"/>
+        <p14:creationId xmlns:p14="http://schemas.microsoft.com/office/powerpoint/2010/main" val="1304064821"/>
       </p:ext>
     </p:extLst>
   </p:cSld>
@@ -9196,7 +9257,7 @@
           <a:p>
             <a:r>
               <a:rPr lang="en-US" dirty="0" smtClean="0"/>
-              <a:t>Mapping Futures to Observables</a:t>
+              <a:t>SWT Threads</a:t>
             </a:r>
             <a:endParaRPr lang="en-US" dirty="0"/>
           </a:p>
@@ -9214,33 +9275,20 @@
         </p:nvSpPr>
         <p:spPr/>
         <p:txBody>
-          <a:bodyPr>
-            <a:normAutofit fontScale="92500" lnSpcReduction="10000"/>
-          </a:bodyPr>
+          <a:bodyPr/>
           <a:lstStyle/>
           <a:p>
             <a:r>
+              <a:rPr lang="en-US" dirty="0" err="1" smtClean="0"/>
+              <a:t>SwtExec.async</a:t>
+            </a:r>
+            <a:r>
               <a:rPr lang="en-US" dirty="0" smtClean="0"/>
-              <a:t>A future returns either a value or an exception</a:t>
-            </a:r>
-          </a:p>
-          <a:p>
-            <a:pPr lvl="1"/>
-            <a:r>
-              <a:rPr lang="en-US" dirty="0" smtClean="0"/>
-              <a:t>Value         -&gt; </a:t>
+              <a:t>() -&gt; </a:t>
             </a:r>
             <a:r>
               <a:rPr lang="en-US" dirty="0" err="1" smtClean="0"/>
-              <a:t>onValue</a:t>
-            </a:r>
-            <a:r>
-              <a:rPr lang="en-US" dirty="0" smtClean="0"/>
-              <a:t>(), </a:t>
-            </a:r>
-            <a:r>
-              <a:rPr lang="en-US" dirty="0" err="1" smtClean="0"/>
-              <a:t>onCompleted</a:t>
+              <a:t>Display.asyncExec</a:t>
             </a:r>
             <a:r>
               <a:rPr lang="en-US" dirty="0" smtClean="0"/>
@@ -9248,14 +9296,17 @@
             </a:r>
           </a:p>
           <a:p>
-            <a:pPr lvl="1"/>
+            <a:r>
+              <a:rPr lang="en-US" dirty="0" err="1" smtClean="0"/>
+              <a:t>SwtExec.blocking</a:t>
+            </a:r>
             <a:r>
               <a:rPr lang="en-US" dirty="0" smtClean="0"/>
-              <a:t>Exception -&gt; </a:t>
+              <a:t>() -&gt; </a:t>
             </a:r>
             <a:r>
               <a:rPr lang="en-US" dirty="0" err="1" smtClean="0"/>
-              <a:t>onError</a:t>
+              <a:t>Display.syncExec</a:t>
             </a:r>
             <a:r>
               <a:rPr lang="en-US" dirty="0" smtClean="0"/>
@@ -9264,171 +9315,26 @@
           </a:p>
           <a:p>
             <a:r>
+              <a:rPr lang="en-US" dirty="0" err="1" smtClean="0"/>
+              <a:t>SwtExec.immediate</a:t>
+            </a:r>
+            <a:r>
               <a:rPr lang="en-US" dirty="0" smtClean="0"/>
-              <a:t>It makes sense to use the same subscription and error-handling policies for all </a:t>
-            </a:r>
-            <a:r>
-              <a:rPr lang="en-US" dirty="0" err="1" smtClean="0"/>
-              <a:t>async</a:t>
-            </a:r>
-            <a:r>
-              <a:rPr lang="en-US" dirty="0" smtClean="0"/>
-              <a:t> code.</a:t>
-            </a:r>
-          </a:p>
-          <a:p>
-            <a:r>
-              <a:rPr lang="en-US" dirty="0" err="1" smtClean="0"/>
-              <a:t>Rx.subscribe</a:t>
-            </a:r>
-            <a:r>
-              <a:rPr lang="en-US" dirty="0" smtClean="0"/>
-              <a:t>(Future or Observable, </a:t>
-            </a:r>
-            <a:r>
-              <a:rPr lang="en-US" dirty="0" err="1" smtClean="0"/>
-              <a:t>onValue</a:t>
-            </a:r>
-            <a:r>
-              <a:rPr lang="en-US" dirty="0" smtClean="0"/>
-              <a:t> -&gt; </a:t>
-            </a:r>
-            <a:r>
-              <a:rPr lang="en-US" dirty="0" err="1" smtClean="0"/>
-              <a:t>doSomething</a:t>
-            </a:r>
-            <a:r>
-              <a:rPr lang="en-US" dirty="0" smtClean="0"/>
-              <a:t>());</a:t>
-            </a:r>
-          </a:p>
-          <a:p>
-            <a:pPr lvl="1"/>
-            <a:r>
-              <a:rPr lang="en-US" dirty="0" smtClean="0"/>
-              <a:t>Automatically logs all exceptions.</a:t>
-            </a:r>
-          </a:p>
-          <a:p>
-            <a:r>
-              <a:rPr lang="en-US" dirty="0" smtClean="0"/>
-              <a:t>If you set a magic system property, it will record the </a:t>
-            </a:r>
-            <a:r>
-              <a:rPr lang="en-US" dirty="0" err="1" smtClean="0"/>
-              <a:t>stacktrace</a:t>
-            </a:r>
-            <a:r>
-              <a:rPr lang="en-US" dirty="0" smtClean="0"/>
-              <a:t> </a:t>
-            </a:r>
-            <a:r>
-              <a:rPr lang="en-US" b="1" dirty="0" smtClean="0"/>
-              <a:t>at the time of subscription</a:t>
-            </a:r>
-            <a:r>
-              <a:rPr lang="en-US" dirty="0" smtClean="0"/>
-              <a:t>, and decorate any exceptions with their source</a:t>
-            </a:r>
-          </a:p>
-          <a:p>
-            <a:pPr lvl="1"/>
-            <a:r>
-              <a:rPr lang="en-US" dirty="0" err="1"/>
-              <a:t>durian.plugins.com.diffplug.common.rx.RxTracingPolicy</a:t>
-            </a:r>
-            <a:r>
-              <a:rPr lang="en-US" dirty="0"/>
-              <a:t>=</a:t>
-            </a:r>
-            <a:r>
-              <a:rPr lang="en-US" dirty="0" err="1"/>
-              <a:t>com.diffplug.common.rx.RxTracingPolicy$LogSubscriptionTrace</a:t>
-            </a:r>
+              <a:t>()</a:t>
+            </a:r>
+          </a:p>
+          <a:p>
+            <a:endParaRPr lang="en-US" dirty="0"/>
+          </a:p>
+          <a:p>
             <a:endParaRPr lang="en-US" dirty="0" smtClean="0"/>
           </a:p>
           <a:p>
+            <a:endParaRPr lang="en-US" dirty="0"/>
+          </a:p>
+          <a:p>
             <a:endParaRPr lang="en-US" dirty="0" smtClean="0"/>
           </a:p>
-          <a:p>
-            <a:endParaRPr lang="en-US" dirty="0" smtClean="0"/>
-          </a:p>
-        </p:txBody>
-      </p:sp>
-    </p:spTree>
-    <p:extLst>
-      <p:ext uri="{BB962C8B-B14F-4D97-AF65-F5344CB8AC3E}">
-        <p14:creationId xmlns:p14="http://schemas.microsoft.com/office/powerpoint/2010/main" val="1304064821"/>
-      </p:ext>
-    </p:extLst>
-  </p:cSld>
-  <p:clrMapOvr>
-    <a:masterClrMapping/>
-  </p:clrMapOvr>
-  <p:timing>
-    <p:tnLst>
-      <p:par>
-        <p:cTn id="1" dur="indefinite" restart="never" nodeType="tmRoot"/>
-      </p:par>
-    </p:tnLst>
-  </p:timing>
-</p:sld>
-</file>
-
-<file path=ppt/slides/slide16.xml><?xml version="1.0" encoding="utf-8"?>
-<p:sld xmlns:a="http://schemas.openxmlformats.org/drawingml/2006/main" xmlns:r="http://schemas.openxmlformats.org/officeDocument/2006/relationships" xmlns:p="http://schemas.openxmlformats.org/presentationml/2006/main">
-  <p:cSld>
-    <p:spTree>
-      <p:nvGrpSpPr>
-        <p:cNvPr id="1" name=""/>
-        <p:cNvGrpSpPr/>
-        <p:nvPr/>
-      </p:nvGrpSpPr>
-      <p:grpSpPr>
-        <a:xfrm>
-          <a:off x="0" y="0"/>
-          <a:ext cx="0" cy="0"/>
-          <a:chOff x="0" y="0"/>
-          <a:chExt cx="0" cy="0"/>
-        </a:xfrm>
-      </p:grpSpPr>
-      <p:sp>
-        <p:nvSpPr>
-          <p:cNvPr id="2" name="Title 1"/>
-          <p:cNvSpPr>
-            <a:spLocks noGrp="1"/>
-          </p:cNvSpPr>
-          <p:nvPr>
-            <p:ph type="title"/>
-          </p:nvPr>
-        </p:nvSpPr>
-        <p:spPr/>
-        <p:txBody>
-          <a:bodyPr/>
-          <a:lstStyle/>
-          <a:p>
-            <a:r>
-              <a:rPr lang="en-US" dirty="0" smtClean="0"/>
-              <a:t>SWT Threads</a:t>
-            </a:r>
-            <a:endParaRPr lang="en-US" dirty="0"/>
-          </a:p>
-        </p:txBody>
-      </p:sp>
-      <p:sp>
-        <p:nvSpPr>
-          <p:cNvPr id="3" name="Content Placeholder 2"/>
-          <p:cNvSpPr>
-            <a:spLocks noGrp="1"/>
-          </p:cNvSpPr>
-          <p:nvPr>
-            <p:ph idx="1"/>
-          </p:nvPr>
-        </p:nvSpPr>
-        <p:spPr/>
-        <p:txBody>
-          <a:bodyPr/>
-          <a:lstStyle/>
           <a:p>
             <a:r>
               <a:rPr lang="en-US" dirty="0" err="1" smtClean="0"/>
@@ -9436,65 +9342,23 @@
             </a:r>
             <a:r>
               <a:rPr lang="en-US" dirty="0" smtClean="0"/>
-              <a:t>() -&gt; </a:t>
+              <a:t>().</a:t>
             </a:r>
             <a:r>
               <a:rPr lang="en-US" dirty="0" err="1" smtClean="0"/>
-              <a:t>Display.asyncExec</a:t>
+              <a:t>guardOn</a:t>
             </a:r>
             <a:r>
               <a:rPr lang="en-US" dirty="0" smtClean="0"/>
-              <a:t>()</a:t>
-            </a:r>
-          </a:p>
-          <a:p>
-            <a:r>
-              <a:rPr lang="en-US" dirty="0" err="1" smtClean="0"/>
-              <a:t>SwtExec.blocking</a:t>
+              <a:t>(control</a:t>
             </a:r>
             <a:r>
               <a:rPr lang="en-US" dirty="0" smtClean="0"/>
-              <a:t>() -&gt; </a:t>
-            </a:r>
-            <a:r>
-              <a:rPr lang="en-US" dirty="0" err="1" smtClean="0"/>
-              <a:t>Display.syncExec</a:t>
+              <a:t>).</a:t>
             </a:r>
             <a:r>
               <a:rPr lang="en-US" dirty="0" smtClean="0"/>
-              <a:t>()</a:t>
-            </a:r>
-          </a:p>
-          <a:p>
-            <a:r>
-              <a:rPr lang="en-US" dirty="0" err="1" smtClean="0"/>
-              <a:t>SwtExec.immediate</a:t>
-            </a:r>
-            <a:r>
-              <a:rPr lang="en-US" dirty="0" smtClean="0"/>
-              <a:t>()</a:t>
-            </a:r>
-          </a:p>
-          <a:p>
-            <a:endParaRPr lang="en-US" dirty="0"/>
-          </a:p>
-          <a:p>
-            <a:endParaRPr lang="en-US" dirty="0" smtClean="0"/>
-          </a:p>
-          <a:p>
-            <a:endParaRPr lang="en-US" dirty="0"/>
-          </a:p>
-          <a:p>
-            <a:endParaRPr lang="en-US" dirty="0" smtClean="0"/>
-          </a:p>
-          <a:p>
-            <a:r>
-              <a:rPr lang="en-US" dirty="0" err="1" smtClean="0"/>
-              <a:t>SwtExec.guardOn</a:t>
-            </a:r>
-            <a:r>
-              <a:rPr lang="en-US" dirty="0" smtClean="0"/>
-              <a:t>(control).subscribe(Observable / Future)</a:t>
+              <a:t>subscribe(Observable, Callback)</a:t>
             </a:r>
             <a:endParaRPr lang="en-US" dirty="0"/>
           </a:p>
@@ -9838,7 +9702,7 @@
 </p:sld>
 </file>
 
-<file path=ppt/slides/slide17.xml><?xml version="1.0" encoding="utf-8"?>
+<file path=ppt/slides/slide16.xml><?xml version="1.0" encoding="utf-8"?>
 <p:sld xmlns:a="http://schemas.openxmlformats.org/drawingml/2006/main" xmlns:r="http://schemas.openxmlformats.org/officeDocument/2006/relationships" xmlns:p="http://schemas.openxmlformats.org/presentationml/2006/main">
   <p:cSld>
     <p:spTree>
@@ -10020,7 +9884,7 @@
 </p:sld>
 </file>
 
-<file path=ppt/slides/slide18.xml><?xml version="1.0" encoding="utf-8"?>
+<file path=ppt/slides/slide17.xml><?xml version="1.0" encoding="utf-8"?>
 <p:sld xmlns:a="http://schemas.openxmlformats.org/drawingml/2006/main" xmlns:r="http://schemas.openxmlformats.org/officeDocument/2006/relationships" xmlns:p="http://schemas.openxmlformats.org/presentationml/2006/main">
   <p:cSld>
     <p:bg>
@@ -10054,7 +9918,7 @@
           <p:nvPr/>
         </p:nvPicPr>
         <p:blipFill>
-          <a:blip r:embed="rId2"/>
+          <a:blip r:embed="rId3"/>
           <a:stretch>
             <a:fillRect/>
           </a:stretch>
@@ -10078,7 +9942,7 @@
           <p:nvPr/>
         </p:nvPicPr>
         <p:blipFill rotWithShape="1">
-          <a:blip r:embed="rId3"/>
+          <a:blip r:embed="rId4"/>
           <a:srcRect t="-957" b="-957"/>
           <a:stretch/>
         </p:blipFill>
@@ -10148,7 +10012,7 @@
           <p:nvPr/>
         </p:nvPicPr>
         <p:blipFill>
-          <a:blip r:embed="rId4"/>
+          <a:blip r:embed="rId5"/>
           <a:stretch>
             <a:fillRect/>
           </a:stretch>
@@ -10397,7 +10261,7 @@
       <p:sp>
         <p:nvSpPr>
           <p:cNvPr id="12" name="Title 1">
-            <a:hlinkClick r:id="rId5"/>
+            <a:hlinkClick r:id="rId6"/>
           </p:cNvPr>
           <p:cNvSpPr txBox="1">
             <a:spLocks/>
@@ -10447,35 +10311,35 @@
           <a:p>
             <a:r>
               <a:rPr lang="en-US" dirty="0" smtClean="0">
+                <a:hlinkClick r:id="rId7"/>
+              </a:rPr>
+              <a:t>diffplug.com/</a:t>
+            </a:r>
+            <a:r>
+              <a:rPr lang="en-US" dirty="0" err="1" smtClean="0">
+                <a:hlinkClick r:id="rId7"/>
+              </a:rPr>
+              <a:t>opensource</a:t>
+            </a:r>
+            <a:endParaRPr lang="en-US" dirty="0" smtClean="0"/>
+          </a:p>
+          <a:p>
+            <a:endParaRPr lang="en-US" dirty="0"/>
+          </a:p>
+          <a:p>
+            <a:r>
+              <a:rPr lang="en-US" dirty="0" smtClean="0"/>
+              <a:t>Get updates by following </a:t>
+            </a:r>
+            <a:r>
+              <a:rPr lang="en-US" dirty="0" smtClean="0">
                 <a:hlinkClick r:id="rId6"/>
               </a:rPr>
-              <a:t>diffplug.com/</a:t>
+              <a:t>@</a:t>
             </a:r>
             <a:r>
               <a:rPr lang="en-US" dirty="0" err="1" smtClean="0">
                 <a:hlinkClick r:id="rId6"/>
-              </a:rPr>
-              <a:t>opensource</a:t>
-            </a:r>
-            <a:endParaRPr lang="en-US" dirty="0" smtClean="0"/>
-          </a:p>
-          <a:p>
-            <a:endParaRPr lang="en-US" dirty="0"/>
-          </a:p>
-          <a:p>
-            <a:r>
-              <a:rPr lang="en-US" dirty="0" smtClean="0"/>
-              <a:t>Get updates by following </a:t>
-            </a:r>
-            <a:r>
-              <a:rPr lang="en-US" dirty="0" smtClean="0">
-                <a:hlinkClick r:id="rId5"/>
-              </a:rPr>
-              <a:t>@</a:t>
-            </a:r>
-            <a:r>
-              <a:rPr lang="en-US" dirty="0" err="1" smtClean="0">
-                <a:hlinkClick r:id="rId5"/>
               </a:rPr>
               <a:t>diffplug</a:t>
             </a:r>
@@ -10570,7 +10434,6 @@
               <a:rPr lang="en-US" dirty="0" smtClean="0"/>
               <a:t>Except the events live inside a pipe that models time explicitly</a:t>
             </a:r>
-            <a:endParaRPr lang="en-US" dirty="0" smtClean="0"/>
           </a:p>
           <a:p>
             <a:r>
@@ -11470,36 +11333,36 @@
                 </a:solidFill>
                 <a:latin typeface="Consolas" panose="020B0609020204030204" pitchFamily="49" charset="0"/>
               </a:rPr>
+              <a:t>    // </a:t>
+            </a:r>
+            <a:r>
+              <a:rPr lang="en-US" dirty="0">
+                <a:solidFill>
+                  <a:srgbClr val="3F7F5F"/>
+                </a:solidFill>
+                <a:latin typeface="Consolas" panose="020B0609020204030204" pitchFamily="49" charset="0"/>
+              </a:rPr>
+              <a:t>this is our chance to react</a:t>
+            </a:r>
+          </a:p>
+          <a:p>
+            <a:r>
+              <a:rPr lang="en-US" b="1" dirty="0" smtClean="0">
+                <a:solidFill>
+                  <a:srgbClr val="000000"/>
+                </a:solidFill>
+                <a:latin typeface="Consolas" panose="020B0609020204030204" pitchFamily="49" charset="0"/>
+              </a:rPr>
               <a:t>    </a:t>
             </a:r>
             <a:r>
-              <a:rPr lang="en-US" b="1" dirty="0" smtClean="0">
-                <a:solidFill>
-                  <a:srgbClr val="3F7F5F"/>
-                </a:solidFill>
-                <a:latin typeface="Consolas" panose="020B0609020204030204" pitchFamily="49" charset="0"/>
-              </a:rPr>
-              <a:t>// </a:t>
-            </a:r>
-            <a:r>
-              <a:rPr lang="en-US" b="1" dirty="0">
-                <a:solidFill>
-                  <a:srgbClr val="3F7F5F"/>
-                </a:solidFill>
-                <a:latin typeface="Consolas" panose="020B0609020204030204" pitchFamily="49" charset="0"/>
-              </a:rPr>
-              <a:t>this is our chance to react</a:t>
-            </a:r>
-          </a:p>
-          <a:p>
-            <a:r>
-              <a:rPr lang="en-US" b="1" dirty="0" smtClean="0">
-                <a:solidFill>
-                  <a:srgbClr val="000000"/>
-                </a:solidFill>
-                <a:latin typeface="Consolas" panose="020B0609020204030204" pitchFamily="49" charset="0"/>
-              </a:rPr>
-              <a:t>    </a:t>
+              <a:rPr lang="en-US" dirty="0" err="1" smtClean="0">
+                <a:solidFill>
+                  <a:srgbClr val="000000"/>
+                </a:solidFill>
+                <a:latin typeface="Consolas" panose="020B0609020204030204" pitchFamily="49" charset="0"/>
+              </a:rPr>
+              <a:t>System</a:t>
             </a:r>
             <a:r>
               <a:rPr lang="en-US" b="1" dirty="0" err="1" smtClean="0">
@@ -11508,7 +11371,7 @@
                 </a:solidFill>
                 <a:latin typeface="Consolas" panose="020B0609020204030204" pitchFamily="49" charset="0"/>
               </a:rPr>
-              <a:t>System.</a:t>
+              <a:t>.</a:t>
             </a:r>
             <a:r>
               <a:rPr lang="en-US" b="1" i="1" dirty="0" err="1" smtClean="0">
@@ -12175,16 +12038,7 @@
                 </a:solidFill>
                 <a:latin typeface="Consolas" panose="020B0609020204030204" pitchFamily="49" charset="0"/>
               </a:rPr>
-              <a:t>   </a:t>
-            </a:r>
-            <a:r>
-              <a:rPr lang="en-US" b="1" dirty="0" smtClean="0">
-                <a:solidFill>
-                  <a:srgbClr val="7F0055"/>
-                </a:solidFill>
-                <a:latin typeface="Consolas" panose="020B0609020204030204" pitchFamily="49" charset="0"/>
-              </a:rPr>
-              <a:t>void</a:t>
+              <a:t>   void</a:t>
             </a:r>
             <a:r>
               <a:rPr lang="en-US" b="1" dirty="0" smtClean="0">
@@ -12473,11 +12327,7 @@
             <a:pPr lvl="1"/>
             <a:r>
               <a:rPr lang="en-US" dirty="0" smtClean="0"/>
-              <a:t>With </a:t>
-            </a:r>
-            <a:r>
-              <a:rPr lang="en-US" dirty="0" smtClean="0"/>
-              <a:t>Events, that cascade flows through ad-hoc function calls</a:t>
+              <a:t>With Events, that cascade flows through ad-hoc function calls</a:t>
             </a:r>
           </a:p>
           <a:p>
@@ -13920,7 +13770,7 @@
         </p:blipFill>
         <p:spPr>
           <a:xfrm>
-            <a:off x="7383992" y="365125"/>
+            <a:off x="8938905" y="329506"/>
             <a:ext cx="2876550" cy="1228725"/>
           </a:xfrm>
           <a:prstGeom prst="rect">
@@ -13928,30 +13778,6 @@
           </a:prstGeom>
         </p:spPr>
       </p:pic>
-      <p:pic>
-        <p:nvPicPr>
-          <p:cNvPr id="5" name="Picture 4"/>
-          <p:cNvPicPr>
-            <a:picLocks noChangeAspect="1"/>
-          </p:cNvPicPr>
-          <p:nvPr/>
-        </p:nvPicPr>
-        <p:blipFill>
-          <a:blip r:embed="rId3"/>
-          <a:stretch>
-            <a:fillRect/>
-          </a:stretch>
-        </p:blipFill>
-        <p:spPr>
-          <a:xfrm>
-            <a:off x="459317" y="1936754"/>
-            <a:ext cx="4838700" cy="4762500"/>
-          </a:xfrm>
-          <a:prstGeom prst="rect">
-            <a:avLst/>
-          </a:prstGeom>
-        </p:spPr>
-      </p:pic>
       <p:sp>
         <p:nvSpPr>
           <p:cNvPr id="7" name="Title 1"/>
@@ -13962,7 +13788,7 @@
         </p:nvSpPr>
         <p:spPr>
           <a:xfrm>
-            <a:off x="385627" y="1235977"/>
+            <a:off x="287305" y="147555"/>
             <a:ext cx="6291398" cy="1155489"/>
           </a:xfrm>
           <a:prstGeom prst="rect">
@@ -14003,29 +13829,6 @@
       </p:sp>
       <p:sp>
         <p:nvSpPr>
-          <p:cNvPr id="8" name="Title 7"/>
-          <p:cNvSpPr>
-            <a:spLocks noGrp="1"/>
-          </p:cNvSpPr>
-          <p:nvPr>
-            <p:ph type="title"/>
-          </p:nvPr>
-        </p:nvSpPr>
-        <p:spPr/>
-        <p:txBody>
-          <a:bodyPr/>
-          <a:lstStyle/>
-          <a:p>
-            <a:r>
-              <a:rPr lang="en-US" dirty="0" smtClean="0"/>
-              <a:t>Just a smidge harder…</a:t>
-            </a:r>
-            <a:endParaRPr lang="en-US" dirty="0"/>
-          </a:p>
-        </p:txBody>
-      </p:sp>
-      <p:sp>
-        <p:nvSpPr>
           <p:cNvPr id="9" name="Title 1"/>
           <p:cNvSpPr txBox="1">
             <a:spLocks/>
@@ -14104,7 +13907,7 @@
           <p:nvPr/>
         </p:nvPicPr>
         <p:blipFill>
-          <a:blip r:embed="rId4"/>
+          <a:blip r:embed="rId3"/>
           <a:stretch>
             <a:fillRect/>
           </a:stretch>
@@ -14119,6 +13922,58 @@
           </a:prstGeom>
         </p:spPr>
       </p:pic>
+      <p:pic>
+        <p:nvPicPr>
+          <p:cNvPr id="3" name="Picture 2"/>
+          <p:cNvPicPr>
+            <a:picLocks noChangeAspect="1"/>
+          </p:cNvPicPr>
+          <p:nvPr/>
+        </p:nvPicPr>
+        <p:blipFill>
+          <a:blip r:embed="rId4"/>
+          <a:stretch>
+            <a:fillRect/>
+          </a:stretch>
+        </p:blipFill>
+        <p:spPr>
+          <a:xfrm>
+            <a:off x="385627" y="983226"/>
+            <a:ext cx="4432489" cy="5716028"/>
+          </a:xfrm>
+          <a:prstGeom prst="rect">
+            <a:avLst/>
+          </a:prstGeom>
+        </p:spPr>
+      </p:pic>
+      <p:sp>
+        <p:nvSpPr>
+          <p:cNvPr id="8" name="Title 7"/>
+          <p:cNvSpPr>
+            <a:spLocks noGrp="1"/>
+          </p:cNvSpPr>
+          <p:nvPr>
+            <p:ph type="title"/>
+          </p:nvPr>
+        </p:nvSpPr>
+        <p:spPr>
+          <a:xfrm>
+            <a:off x="3681105" y="-22519"/>
+            <a:ext cx="10515600" cy="1325563"/>
+          </a:xfrm>
+        </p:spPr>
+        <p:txBody>
+          <a:bodyPr/>
+          <a:lstStyle/>
+          <a:p>
+            <a:r>
+              <a:rPr lang="en-US" dirty="0" smtClean="0"/>
+              <a:t>Just a smidge harder…</a:t>
+            </a:r>
+            <a:endParaRPr lang="en-US" dirty="0"/>
+          </a:p>
+        </p:txBody>
+      </p:sp>
     </p:spTree>
     <p:extLst>
       <p:ext uri="{BB962C8B-B14F-4D97-AF65-F5344CB8AC3E}">
@@ -14190,7 +14045,7 @@
                                           </p:stCondLst>
                                         </p:cTn>
                                         <p:tgtEl>
-                                          <p:spTgt spid="5"/>
+                                          <p:spTgt spid="3"/>
                                         </p:tgtEl>
                                         <p:attrNameLst>
                                           <p:attrName>style.visibility</p:attrName>
@@ -14236,6 +14091,33 @@
                                         </p:cTn>
                                         <p:tgtEl>
                                           <p:spTgt spid="9"/>
+                                        </p:tgtEl>
+                                        <p:attrNameLst>
+                                          <p:attrName>style.visibility</p:attrName>
+                                        </p:attrNameLst>
+                                      </p:cBhvr>
+                                      <p:to>
+                                        <p:strVal val="visible"/>
+                                      </p:to>
+                                    </p:set>
+                                  </p:childTnLst>
+                                </p:cTn>
+                              </p:par>
+                              <p:par>
+                                <p:cTn id="13" presetID="1" presetClass="entr" presetSubtype="0" fill="hold" nodeType="withEffect">
+                                  <p:stCondLst>
+                                    <p:cond delay="0"/>
+                                  </p:stCondLst>
+                                  <p:childTnLst>
+                                    <p:set>
+                                      <p:cBhvr>
+                                        <p:cTn id="14" dur="1" fill="hold">
+                                          <p:stCondLst>
+                                            <p:cond delay="0"/>
+                                          </p:stCondLst>
+                                        </p:cTn>
+                                        <p:tgtEl>
+                                          <p:spTgt spid="2"/>
                                         </p:tgtEl>
                                         <p:attrNameLst>
                                           <p:attrName>style.visibility</p:attrName>

--- a/RxJava and SWT.pptx
+++ b/RxJava and SWT.pptx
@@ -639,7 +639,7 @@
           <a:bodyPr/>
           <a:lstStyle/>
           <a:p>
-            <a:endParaRPr lang="en-US"/>
+            <a:endParaRPr lang="en-US" dirty="0"/>
           </a:p>
         </p:txBody>
       </p:sp>
@@ -8457,7 +8457,7 @@
           <a:graphicData uri="http://schemas.openxmlformats.org/presentationml/2006/ole">
             <mc:AlternateContent xmlns:mc="http://schemas.openxmlformats.org/markup-compatibility/2006">
               <mc:Choice xmlns:v="urn:schemas-microsoft-com:vml" Requires="v">
-                <p:oleObj spid="_x0000_s2086" name="Bitmap Image" r:id="rId6" imgW="6751440" imgH="1585080" progId="Paint.Picture">
+                <p:oleObj spid="_x0000_s2089" name="Bitmap Image" r:id="rId6" imgW="6751440" imgH="1585080" progId="Paint.Picture">
                   <p:embed/>
                 </p:oleObj>
               </mc:Choice>
@@ -12120,14 +12120,14 @@
       </p:sp>
       <p:pic>
         <p:nvPicPr>
-          <p:cNvPr id="1026" name="Picture 2" descr="http://reactivex.io/documentation/operators/images/S.PublishSubject.png"/>
+          <p:cNvPr id="1028" name="Picture 4" descr="http://reactivex.io/documentation/operators/images/S.PublishSubject.e.png"/>
           <p:cNvPicPr>
             <a:picLocks noChangeAspect="1" noChangeArrowheads="1"/>
           </p:cNvPicPr>
           <p:nvPr/>
         </p:nvPicPr>
         <p:blipFill>
-          <a:blip r:embed="rId2" cstate="print">
+          <a:blip r:embed="rId2">
             <a:extLst>
               <a:ext uri="{28A0092B-C50C-407E-A947-70E740481C1C}">
                 <a14:useLocalDpi xmlns:a14="http://schemas.microsoft.com/office/drawing/2010/main" val="0"/>
@@ -12141,8 +12141,8 @@
         </p:blipFill>
         <p:spPr bwMode="auto">
           <a:xfrm>
-            <a:off x="630693" y="3430736"/>
-            <a:ext cx="5084307" cy="3217413"/>
+            <a:off x="361520" y="3363551"/>
+            <a:ext cx="5327650" cy="3288158"/>
           </a:xfrm>
           <a:prstGeom prst="rect">
             <a:avLst/>
@@ -12161,14 +12161,14 @@
       </p:pic>
       <p:pic>
         <p:nvPicPr>
-          <p:cNvPr id="1028" name="Picture 4" descr="http://reactivex.io/documentation/operators/images/S.PublishSubject.e.png"/>
+          <p:cNvPr id="3074" name="Picture 2" descr="https://raw.github.com/wiki/ReactiveX/RxJava/images/rx-operators/S.BehaviorSubject.png"/>
           <p:cNvPicPr>
             <a:picLocks noChangeAspect="1" noChangeArrowheads="1"/>
           </p:cNvPicPr>
           <p:nvPr/>
         </p:nvPicPr>
         <p:blipFill>
-          <a:blip r:embed="rId3">
+          <a:blip r:embed="rId3" cstate="print">
             <a:extLst>
               <a:ext uri="{28A0092B-C50C-407E-A947-70E740481C1C}">
                 <a14:useLocalDpi xmlns:a14="http://schemas.microsoft.com/office/drawing/2010/main" val="0"/>
@@ -12182,8 +12182,8 @@
         </p:blipFill>
         <p:spPr bwMode="auto">
           <a:xfrm>
-            <a:off x="6349365" y="3361692"/>
-            <a:ext cx="5327650" cy="3288158"/>
+            <a:off x="6537127" y="3302953"/>
+            <a:ext cx="5257800" cy="3409355"/>
           </a:xfrm>
           <a:prstGeom prst="rect">
             <a:avLst/>
